--- a/dsmcer_2023_update/Lecture_Notebooks/L4_visual_support.pptx
+++ b/dsmcer_2023_update/Lecture_Notebooks/L4_visual_support.pptx
@@ -5,7 +5,17 @@
     <p:sldMasterId id="2147483648" r:id="rId1"/>
   </p:sldMasterIdLst>
   <p:sldIdLst>
-    <p:sldId id="256" r:id="rId2"/>
+    <p:sldId id="257" r:id="rId2"/>
+    <p:sldId id="256" r:id="rId3"/>
+    <p:sldId id="258" r:id="rId4"/>
+    <p:sldId id="259" r:id="rId5"/>
+    <p:sldId id="260" r:id="rId6"/>
+    <p:sldId id="261" r:id="rId7"/>
+    <p:sldId id="262" r:id="rId8"/>
+    <p:sldId id="263" r:id="rId9"/>
+    <p:sldId id="264" r:id="rId10"/>
+    <p:sldId id="265" r:id="rId11"/>
+    <p:sldId id="266" r:id="rId12"/>
   </p:sldIdLst>
   <p:sldSz cx="12192000" cy="6858000"/>
   <p:notesSz cx="6858000" cy="9144000"/>
@@ -3323,6 +3333,952 @@
       </p:grpSpPr>
       <p:sp>
         <p:nvSpPr>
+          <p:cNvPr id="5" name="TextShape 17">
+            <a:extLst>
+              <a:ext uri="{FF2B5EF4-FFF2-40B4-BE49-F238E27FC236}">
+                <a16:creationId xmlns:a16="http://schemas.microsoft.com/office/drawing/2014/main" id="{30FCFCB6-CBB9-AFC6-5017-1CEC4C76EE3D}"/>
+              </a:ext>
+            </a:extLst>
+          </p:cNvPr>
+          <p:cNvSpPr txBox="1"/>
+          <p:nvPr/>
+        </p:nvSpPr>
+        <p:spPr>
+          <a:xfrm>
+            <a:off x="493393" y="994865"/>
+            <a:ext cx="11061868" cy="751173"/>
+          </a:xfrm>
+          <a:prstGeom prst="rect">
+            <a:avLst/>
+          </a:prstGeom>
+          <a:noFill/>
+          <a:ln>
+            <a:noFill/>
+          </a:ln>
+        </p:spPr>
+        <p:txBody>
+          <a:bodyPr lIns="90000" tIns="45000" rIns="90000" bIns="45000"/>
+          <a:lstStyle/>
+          <a:p>
+            <a:pPr algn="ctr"/>
+            <a:r>
+              <a:rPr lang="en-US" sz="2400" b="1" strike="noStrike" spc="-1" dirty="0">
+                <a:latin typeface="Arial"/>
+              </a:rPr>
+              <a:t>Statistical learning:</a:t>
+            </a:r>
+          </a:p>
+          <a:p>
+            <a:pPr algn="ctr"/>
+            <a:r>
+              <a:rPr lang="en-US" sz="2400" spc="-1" dirty="0">
+                <a:latin typeface="Arial"/>
+              </a:rPr>
+              <a:t>Given a vector of inputs X, and an output quantity y, a function exists such that</a:t>
+            </a:r>
+            <a:endParaRPr lang="en-US" sz="2400" strike="noStrike" spc="-1" dirty="0">
+              <a:latin typeface="Arial"/>
+            </a:endParaRPr>
+          </a:p>
+        </p:txBody>
+      </p:sp>
+      <p:pic>
+        <p:nvPicPr>
+          <p:cNvPr id="6" name="Picture 5">
+            <a:extLst>
+              <a:ext uri="{FF2B5EF4-FFF2-40B4-BE49-F238E27FC236}">
+                <a16:creationId xmlns:a16="http://schemas.microsoft.com/office/drawing/2014/main" id="{6693D4D2-19C2-8667-EEDF-1C9D32AB8FE2}"/>
+              </a:ext>
+            </a:extLst>
+          </p:cNvPr>
+          <p:cNvPicPr>
+            <a:picLocks noChangeAspect="1"/>
+          </p:cNvPicPr>
+          <p:nvPr/>
+        </p:nvPicPr>
+        <p:blipFill>
+          <a:blip r:embed="rId2"/>
+          <a:stretch>
+            <a:fillRect/>
+          </a:stretch>
+        </p:blipFill>
+        <p:spPr>
+          <a:xfrm>
+            <a:off x="4716227" y="2089122"/>
+            <a:ext cx="2616200" cy="469900"/>
+          </a:xfrm>
+          <a:prstGeom prst="rect">
+            <a:avLst/>
+          </a:prstGeom>
+        </p:spPr>
+      </p:pic>
+      <p:pic>
+        <p:nvPicPr>
+          <p:cNvPr id="8" name="Picture 7">
+            <a:extLst>
+              <a:ext uri="{FF2B5EF4-FFF2-40B4-BE49-F238E27FC236}">
+                <a16:creationId xmlns:a16="http://schemas.microsoft.com/office/drawing/2014/main" id="{EDBCFE32-59D0-33D3-4789-7CD96A821D80}"/>
+              </a:ext>
+            </a:extLst>
+          </p:cNvPr>
+          <p:cNvPicPr>
+            <a:picLocks noChangeAspect="1"/>
+          </p:cNvPicPr>
+          <p:nvPr/>
+        </p:nvPicPr>
+        <p:blipFill>
+          <a:blip r:embed="rId3"/>
+          <a:stretch>
+            <a:fillRect/>
+          </a:stretch>
+        </p:blipFill>
+        <p:spPr>
+          <a:xfrm>
+            <a:off x="5248164" y="3743544"/>
+            <a:ext cx="2516340" cy="314543"/>
+          </a:xfrm>
+          <a:prstGeom prst="rect">
+            <a:avLst/>
+          </a:prstGeom>
+        </p:spPr>
+      </p:pic>
+      <p:sp>
+        <p:nvSpPr>
+          <p:cNvPr id="9" name="Rectangle 8">
+            <a:extLst>
+              <a:ext uri="{FF2B5EF4-FFF2-40B4-BE49-F238E27FC236}">
+                <a16:creationId xmlns:a16="http://schemas.microsoft.com/office/drawing/2014/main" id="{AC439B3A-F324-0699-386D-919FFB14C6D9}"/>
+              </a:ext>
+            </a:extLst>
+          </p:cNvPr>
+          <p:cNvSpPr/>
+          <p:nvPr/>
+        </p:nvSpPr>
+        <p:spPr>
+          <a:xfrm>
+            <a:off x="5492663" y="2089122"/>
+            <a:ext cx="356992" cy="469900"/>
+          </a:xfrm>
+          <a:prstGeom prst="rect">
+            <a:avLst/>
+          </a:prstGeom>
+          <a:solidFill>
+            <a:schemeClr val="accent1">
+              <a:alpha val="18000"/>
+            </a:schemeClr>
+          </a:solidFill>
+          <a:ln>
+            <a:noFill/>
+          </a:ln>
+        </p:spPr>
+        <p:style>
+          <a:lnRef idx="2">
+            <a:schemeClr val="accent1">
+              <a:shade val="50000"/>
+            </a:schemeClr>
+          </a:lnRef>
+          <a:fillRef idx="1">
+            <a:schemeClr val="accent1"/>
+          </a:fillRef>
+          <a:effectRef idx="0">
+            <a:schemeClr val="accent1"/>
+          </a:effectRef>
+          <a:fontRef idx="minor">
+            <a:schemeClr val="lt1"/>
+          </a:fontRef>
+        </p:style>
+        <p:txBody>
+          <a:bodyPr rtlCol="0" anchor="ctr"/>
+          <a:lstStyle/>
+          <a:p>
+            <a:pPr algn="ctr"/>
+            <a:endParaRPr lang="en-US"/>
+          </a:p>
+        </p:txBody>
+      </p:sp>
+      <p:cxnSp>
+        <p:nvCxnSpPr>
+          <p:cNvPr id="11" name="Straight Arrow Connector 10">
+            <a:extLst>
+              <a:ext uri="{FF2B5EF4-FFF2-40B4-BE49-F238E27FC236}">
+                <a16:creationId xmlns:a16="http://schemas.microsoft.com/office/drawing/2014/main" id="{A271E500-7E3D-1234-74B9-A24D356557A3}"/>
+              </a:ext>
+            </a:extLst>
+          </p:cNvPr>
+          <p:cNvCxnSpPr>
+            <a:cxnSpLocks/>
+            <a:stCxn id="9" idx="2"/>
+          </p:cNvCxnSpPr>
+          <p:nvPr/>
+        </p:nvCxnSpPr>
+        <p:spPr>
+          <a:xfrm flipH="1">
+            <a:off x="4540685" y="2559022"/>
+            <a:ext cx="1130474" cy="555435"/>
+          </a:xfrm>
+          <a:prstGeom prst="straightConnector1">
+            <a:avLst/>
+          </a:prstGeom>
+          <a:ln w="28575">
+            <a:tailEnd type="triangle"/>
+          </a:ln>
+        </p:spPr>
+        <p:style>
+          <a:lnRef idx="1">
+            <a:schemeClr val="accent1"/>
+          </a:lnRef>
+          <a:fillRef idx="0">
+            <a:schemeClr val="accent1"/>
+          </a:fillRef>
+          <a:effectRef idx="0">
+            <a:schemeClr val="accent1"/>
+          </a:effectRef>
+          <a:fontRef idx="minor">
+            <a:schemeClr val="tx1"/>
+          </a:fontRef>
+        </p:style>
+      </p:cxnSp>
+      <p:sp>
+        <p:nvSpPr>
+          <p:cNvPr id="13" name="TextBox 12">
+            <a:extLst>
+              <a:ext uri="{FF2B5EF4-FFF2-40B4-BE49-F238E27FC236}">
+                <a16:creationId xmlns:a16="http://schemas.microsoft.com/office/drawing/2014/main" id="{56430E69-9845-3528-C374-F2ADBD4926C3}"/>
+              </a:ext>
+            </a:extLst>
+          </p:cNvPr>
+          <p:cNvSpPr txBox="1"/>
+          <p:nvPr/>
+        </p:nvSpPr>
+        <p:spPr>
+          <a:xfrm>
+            <a:off x="3231715" y="3131921"/>
+            <a:ext cx="2016449" cy="369332"/>
+          </a:xfrm>
+          <a:prstGeom prst="rect">
+            <a:avLst/>
+          </a:prstGeom>
+          <a:noFill/>
+        </p:spPr>
+        <p:txBody>
+          <a:bodyPr wrap="none" rtlCol="0">
+            <a:spAutoFit/>
+          </a:bodyPr>
+          <a:lstStyle/>
+          <a:p>
+            <a:r>
+              <a:rPr lang="en-US" sz="1800" spc="-1" dirty="0">
+                <a:solidFill>
+                  <a:schemeClr val="accent1"/>
+                </a:solidFill>
+                <a:latin typeface="Arial"/>
+              </a:rPr>
+              <a:t>Unknown function</a:t>
+            </a:r>
+            <a:endParaRPr lang="en-US" dirty="0">
+              <a:solidFill>
+                <a:schemeClr val="accent1"/>
+              </a:solidFill>
+            </a:endParaRPr>
+          </a:p>
+        </p:txBody>
+      </p:sp>
+      <p:sp>
+        <p:nvSpPr>
+          <p:cNvPr id="15" name="Rectangle 14">
+            <a:extLst>
+              <a:ext uri="{FF2B5EF4-FFF2-40B4-BE49-F238E27FC236}">
+                <a16:creationId xmlns:a16="http://schemas.microsoft.com/office/drawing/2014/main" id="{1BC94833-C7A5-65EA-2FA9-49AD890A13C5}"/>
+              </a:ext>
+            </a:extLst>
+          </p:cNvPr>
+          <p:cNvSpPr/>
+          <p:nvPr/>
+        </p:nvSpPr>
+        <p:spPr>
+          <a:xfrm>
+            <a:off x="7054241" y="2089122"/>
+            <a:ext cx="356992" cy="469900"/>
+          </a:xfrm>
+          <a:prstGeom prst="rect">
+            <a:avLst/>
+          </a:prstGeom>
+          <a:solidFill>
+            <a:schemeClr val="accent2">
+              <a:alpha val="18000"/>
+            </a:schemeClr>
+          </a:solidFill>
+          <a:ln>
+            <a:noFill/>
+          </a:ln>
+        </p:spPr>
+        <p:style>
+          <a:lnRef idx="2">
+            <a:schemeClr val="accent1">
+              <a:shade val="50000"/>
+            </a:schemeClr>
+          </a:lnRef>
+          <a:fillRef idx="1">
+            <a:schemeClr val="accent1"/>
+          </a:fillRef>
+          <a:effectRef idx="0">
+            <a:schemeClr val="accent1"/>
+          </a:effectRef>
+          <a:fontRef idx="minor">
+            <a:schemeClr val="lt1"/>
+          </a:fontRef>
+        </p:style>
+        <p:txBody>
+          <a:bodyPr rtlCol="0" anchor="ctr"/>
+          <a:lstStyle/>
+          <a:p>
+            <a:pPr algn="ctr"/>
+            <a:endParaRPr lang="en-US"/>
+          </a:p>
+        </p:txBody>
+      </p:sp>
+      <p:cxnSp>
+        <p:nvCxnSpPr>
+          <p:cNvPr id="16" name="Straight Arrow Connector 15">
+            <a:extLst>
+              <a:ext uri="{FF2B5EF4-FFF2-40B4-BE49-F238E27FC236}">
+                <a16:creationId xmlns:a16="http://schemas.microsoft.com/office/drawing/2014/main" id="{00878281-0B6D-7968-50B7-F4A06C99CD92}"/>
+              </a:ext>
+            </a:extLst>
+          </p:cNvPr>
+          <p:cNvCxnSpPr>
+            <a:cxnSpLocks/>
+            <a:stCxn id="15" idx="2"/>
+          </p:cNvCxnSpPr>
+          <p:nvPr/>
+        </p:nvCxnSpPr>
+        <p:spPr>
+          <a:xfrm>
+            <a:off x="7232737" y="2559022"/>
+            <a:ext cx="790184" cy="472277"/>
+          </a:xfrm>
+          <a:prstGeom prst="straightConnector1">
+            <a:avLst/>
+          </a:prstGeom>
+          <a:ln w="28575">
+            <a:solidFill>
+              <a:schemeClr val="accent2"/>
+            </a:solidFill>
+            <a:tailEnd type="triangle"/>
+          </a:ln>
+        </p:spPr>
+        <p:style>
+          <a:lnRef idx="1">
+            <a:schemeClr val="accent1"/>
+          </a:lnRef>
+          <a:fillRef idx="0">
+            <a:schemeClr val="accent1"/>
+          </a:fillRef>
+          <a:effectRef idx="0">
+            <a:schemeClr val="accent1"/>
+          </a:effectRef>
+          <a:fontRef idx="minor">
+            <a:schemeClr val="tx1"/>
+          </a:fontRef>
+        </p:style>
+      </p:cxnSp>
+      <p:sp>
+        <p:nvSpPr>
+          <p:cNvPr id="20" name="TextBox 19">
+            <a:extLst>
+              <a:ext uri="{FF2B5EF4-FFF2-40B4-BE49-F238E27FC236}">
+                <a16:creationId xmlns:a16="http://schemas.microsoft.com/office/drawing/2014/main" id="{AB5B897A-3E8A-0AE0-A927-74DB9CFBD88C}"/>
+              </a:ext>
+            </a:extLst>
+          </p:cNvPr>
+          <p:cNvSpPr txBox="1"/>
+          <p:nvPr/>
+        </p:nvSpPr>
+        <p:spPr>
+          <a:xfrm>
+            <a:off x="8040946" y="2795160"/>
+            <a:ext cx="2919609" cy="923330"/>
+          </a:xfrm>
+          <a:prstGeom prst="rect">
+            <a:avLst/>
+          </a:prstGeom>
+          <a:noFill/>
+        </p:spPr>
+        <p:txBody>
+          <a:bodyPr wrap="square" rtlCol="0">
+            <a:spAutoFit/>
+          </a:bodyPr>
+          <a:lstStyle/>
+          <a:p>
+            <a:r>
+              <a:rPr lang="en-US" sz="1800" spc="-1" dirty="0">
+                <a:solidFill>
+                  <a:schemeClr val="accent2"/>
+                </a:solidFill>
+                <a:latin typeface="Arial"/>
+              </a:rPr>
+              <a:t>Random error (mean 0, effects on y not capture by X)</a:t>
+            </a:r>
+            <a:endParaRPr lang="en-US" dirty="0">
+              <a:solidFill>
+                <a:schemeClr val="accent2"/>
+              </a:solidFill>
+            </a:endParaRPr>
+          </a:p>
+        </p:txBody>
+      </p:sp>
+      <p:cxnSp>
+        <p:nvCxnSpPr>
+          <p:cNvPr id="21" name="Straight Arrow Connector 20">
+            <a:extLst>
+              <a:ext uri="{FF2B5EF4-FFF2-40B4-BE49-F238E27FC236}">
+                <a16:creationId xmlns:a16="http://schemas.microsoft.com/office/drawing/2014/main" id="{3530D4ED-4748-865E-CEAB-A2423FCA45DE}"/>
+              </a:ext>
+            </a:extLst>
+          </p:cNvPr>
+          <p:cNvCxnSpPr>
+            <a:cxnSpLocks/>
+          </p:cNvCxnSpPr>
+          <p:nvPr/>
+        </p:nvCxnSpPr>
+        <p:spPr>
+          <a:xfrm>
+            <a:off x="6244225" y="2609633"/>
+            <a:ext cx="235143" cy="1050753"/>
+          </a:xfrm>
+          <a:prstGeom prst="straightConnector1">
+            <a:avLst/>
+          </a:prstGeom>
+          <a:ln w="28575">
+            <a:solidFill>
+              <a:schemeClr val="tx1"/>
+            </a:solidFill>
+            <a:tailEnd type="triangle"/>
+          </a:ln>
+        </p:spPr>
+        <p:style>
+          <a:lnRef idx="1">
+            <a:schemeClr val="accent1"/>
+          </a:lnRef>
+          <a:fillRef idx="0">
+            <a:schemeClr val="accent1"/>
+          </a:fillRef>
+          <a:effectRef idx="0">
+            <a:schemeClr val="accent1"/>
+          </a:effectRef>
+          <a:fontRef idx="minor">
+            <a:schemeClr val="tx1"/>
+          </a:fontRef>
+        </p:style>
+      </p:cxnSp>
+    </p:spTree>
+    <p:extLst>
+      <p:ext uri="{BB962C8B-B14F-4D97-AF65-F5344CB8AC3E}">
+        <p14:creationId xmlns:p14="http://schemas.microsoft.com/office/powerpoint/2010/main" val="1148508725"/>
+      </p:ext>
+    </p:extLst>
+  </p:cSld>
+  <p:clrMapOvr>
+    <a:masterClrMapping/>
+  </p:clrMapOvr>
+</p:sld>
+</file>
+
+<file path=ppt/slides/slide10.xml><?xml version="1.0" encoding="utf-8"?>
+<p:sld xmlns:a="http://schemas.openxmlformats.org/drawingml/2006/main" xmlns:r="http://schemas.openxmlformats.org/officeDocument/2006/relationships" xmlns:p="http://schemas.openxmlformats.org/presentationml/2006/main">
+  <p:cSld>
+    <p:spTree>
+      <p:nvGrpSpPr>
+        <p:cNvPr id="1" name=""/>
+        <p:cNvGrpSpPr/>
+        <p:nvPr/>
+      </p:nvGrpSpPr>
+      <p:grpSpPr>
+        <a:xfrm>
+          <a:off x="0" y="0"/>
+          <a:ext cx="0" cy="0"/>
+          <a:chOff x="0" y="0"/>
+          <a:chExt cx="0" cy="0"/>
+        </a:xfrm>
+      </p:grpSpPr>
+      <p:pic>
+        <p:nvPicPr>
+          <p:cNvPr id="4" name="Picture 3">
+            <a:extLst>
+              <a:ext uri="{FF2B5EF4-FFF2-40B4-BE49-F238E27FC236}">
+                <a16:creationId xmlns:a16="http://schemas.microsoft.com/office/drawing/2014/main" id="{C8AD74E1-67BF-9C93-28DC-0C2CD04B0E3F}"/>
+              </a:ext>
+            </a:extLst>
+          </p:cNvPr>
+          <p:cNvPicPr>
+            <a:picLocks noChangeAspect="1"/>
+          </p:cNvPicPr>
+          <p:nvPr/>
+        </p:nvPicPr>
+        <p:blipFill>
+          <a:blip r:embed="rId2"/>
+          <a:stretch>
+            <a:fillRect/>
+          </a:stretch>
+        </p:blipFill>
+        <p:spPr>
+          <a:xfrm>
+            <a:off x="1681593" y="1669473"/>
+            <a:ext cx="3314700" cy="3200400"/>
+          </a:xfrm>
+          <a:prstGeom prst="rect">
+            <a:avLst/>
+          </a:prstGeom>
+        </p:spPr>
+      </p:pic>
+      <p:sp>
+        <p:nvSpPr>
+          <p:cNvPr id="5" name="Right Arrow 4">
+            <a:extLst>
+              <a:ext uri="{FF2B5EF4-FFF2-40B4-BE49-F238E27FC236}">
+                <a16:creationId xmlns:a16="http://schemas.microsoft.com/office/drawing/2014/main" id="{7D6A01E4-7C34-7939-6BA0-FB75028D7895}"/>
+              </a:ext>
+            </a:extLst>
+          </p:cNvPr>
+          <p:cNvSpPr/>
+          <p:nvPr/>
+        </p:nvSpPr>
+        <p:spPr>
+          <a:xfrm>
+            <a:off x="5361709" y="2860964"/>
+            <a:ext cx="595745" cy="976745"/>
+          </a:xfrm>
+          <a:prstGeom prst="rightArrow">
+            <a:avLst/>
+          </a:prstGeom>
+        </p:spPr>
+        <p:style>
+          <a:lnRef idx="2">
+            <a:schemeClr val="accent1">
+              <a:shade val="50000"/>
+            </a:schemeClr>
+          </a:lnRef>
+          <a:fillRef idx="1">
+            <a:schemeClr val="accent1"/>
+          </a:fillRef>
+          <a:effectRef idx="0">
+            <a:schemeClr val="accent1"/>
+          </a:effectRef>
+          <a:fontRef idx="minor">
+            <a:schemeClr val="lt1"/>
+          </a:fontRef>
+        </p:style>
+        <p:txBody>
+          <a:bodyPr rtlCol="0" anchor="ctr"/>
+          <a:lstStyle/>
+          <a:p>
+            <a:pPr algn="ctr"/>
+            <a:endParaRPr lang="en-US"/>
+          </a:p>
+        </p:txBody>
+      </p:sp>
+      <p:graphicFrame>
+        <p:nvGraphicFramePr>
+          <p:cNvPr id="6" name="Table 6">
+            <a:extLst>
+              <a:ext uri="{FF2B5EF4-FFF2-40B4-BE49-F238E27FC236}">
+                <a16:creationId xmlns:a16="http://schemas.microsoft.com/office/drawing/2014/main" id="{AE3AA083-1672-CB90-ABA9-E290B1E0C7A2}"/>
+              </a:ext>
+            </a:extLst>
+          </p:cNvPr>
+          <p:cNvGraphicFramePr>
+            <a:graphicFrameLocks noGrp="1"/>
+          </p:cNvGraphicFramePr>
+          <p:nvPr>
+            <p:extLst>
+              <p:ext uri="{D42A27DB-BD31-4B8C-83A1-F6EECF244321}">
+                <p14:modId xmlns:p14="http://schemas.microsoft.com/office/powerpoint/2010/main" val="1114914403"/>
+              </p:ext>
+            </p:extLst>
+          </p:nvPr>
+        </p:nvGraphicFramePr>
+        <p:xfrm>
+          <a:off x="6322870" y="1669473"/>
+          <a:ext cx="4384383" cy="3139440"/>
+        </p:xfrm>
+        <a:graphic>
+          <a:graphicData uri="http://schemas.openxmlformats.org/drawingml/2006/table">
+            <a:tbl>
+              <a:tblPr firstRow="1" bandRow="1">
+                <a:tableStyleId>{5C22544A-7EE6-4342-B048-85BDC9FD1C3A}</a:tableStyleId>
+              </a:tblPr>
+              <a:tblGrid>
+                <a:gridCol w="1461461">
+                  <a:extLst>
+                    <a:ext uri="{9D8B030D-6E8A-4147-A177-3AD203B41FA5}">
+                      <a16:colId xmlns:a16="http://schemas.microsoft.com/office/drawing/2014/main" val="500708565"/>
+                    </a:ext>
+                  </a:extLst>
+                </a:gridCol>
+                <a:gridCol w="1461461">
+                  <a:extLst>
+                    <a:ext uri="{9D8B030D-6E8A-4147-A177-3AD203B41FA5}">
+                      <a16:colId xmlns:a16="http://schemas.microsoft.com/office/drawing/2014/main" val="877012018"/>
+                    </a:ext>
+                  </a:extLst>
+                </a:gridCol>
+                <a:gridCol w="1461461">
+                  <a:extLst>
+                    <a:ext uri="{9D8B030D-6E8A-4147-A177-3AD203B41FA5}">
+                      <a16:colId xmlns:a16="http://schemas.microsoft.com/office/drawing/2014/main" val="3470274467"/>
+                    </a:ext>
+                  </a:extLst>
+                </a:gridCol>
+              </a:tblGrid>
+              <a:tr h="624840">
+                <a:tc>
+                  <a:txBody>
+                    <a:bodyPr/>
+                    <a:lstStyle/>
+                    <a:p>
+                      <a:pPr algn="ctr"/>
+                      <a:r>
+                        <a:rPr lang="en-US" dirty="0"/>
+                        <a:t>Is Ethylene Glycol</a:t>
+                      </a:r>
+                    </a:p>
+                  </a:txBody>
+                  <a:tcPr/>
+                </a:tc>
+                <a:tc>
+                  <a:txBody>
+                    <a:bodyPr/>
+                    <a:lstStyle/>
+                    <a:p>
+                      <a:pPr algn="ctr"/>
+                      <a:r>
+                        <a:rPr lang="en-US" dirty="0"/>
+                        <a:t>Is Glycerol</a:t>
+                      </a:r>
+                    </a:p>
+                  </a:txBody>
+                  <a:tcPr/>
+                </a:tc>
+                <a:tc>
+                  <a:txBody>
+                    <a:bodyPr/>
+                    <a:lstStyle/>
+                    <a:p>
+                      <a:pPr algn="ctr"/>
+                      <a:r>
+                        <a:rPr lang="en-US" dirty="0"/>
+                        <a:t>Is Acetamide</a:t>
+                      </a:r>
+                    </a:p>
+                  </a:txBody>
+                  <a:tcPr/>
+                </a:tc>
+                <a:extLst>
+                  <a:ext uri="{0D108BD9-81ED-4DB2-BD59-A6C34878D82A}">
+                    <a16:rowId xmlns:a16="http://schemas.microsoft.com/office/drawing/2014/main" val="3642669346"/>
+                  </a:ext>
+                </a:extLst>
+              </a:tr>
+              <a:tr h="624840">
+                <a:tc>
+                  <a:txBody>
+                    <a:bodyPr/>
+                    <a:lstStyle/>
+                    <a:p>
+                      <a:pPr algn="ctr"/>
+                      <a:r>
+                        <a:rPr lang="en-US" sz="3200" dirty="0"/>
+                        <a:t>1</a:t>
+                      </a:r>
+                    </a:p>
+                  </a:txBody>
+                  <a:tcPr anchor="ctr"/>
+                </a:tc>
+                <a:tc>
+                  <a:txBody>
+                    <a:bodyPr/>
+                    <a:lstStyle/>
+                    <a:p>
+                      <a:pPr algn="ctr"/>
+                      <a:r>
+                        <a:rPr lang="en-US" sz="3200" dirty="0"/>
+                        <a:t>0</a:t>
+                      </a:r>
+                    </a:p>
+                  </a:txBody>
+                  <a:tcPr anchor="ctr"/>
+                </a:tc>
+                <a:tc>
+                  <a:txBody>
+                    <a:bodyPr/>
+                    <a:lstStyle/>
+                    <a:p>
+                      <a:pPr algn="ctr"/>
+                      <a:r>
+                        <a:rPr lang="en-US" sz="3200" dirty="0"/>
+                        <a:t>0</a:t>
+                      </a:r>
+                    </a:p>
+                  </a:txBody>
+                  <a:tcPr anchor="ctr"/>
+                </a:tc>
+                <a:extLst>
+                  <a:ext uri="{0D108BD9-81ED-4DB2-BD59-A6C34878D82A}">
+                    <a16:rowId xmlns:a16="http://schemas.microsoft.com/office/drawing/2014/main" val="2465644574"/>
+                  </a:ext>
+                </a:extLst>
+              </a:tr>
+              <a:tr h="624840">
+                <a:tc>
+                  <a:txBody>
+                    <a:bodyPr/>
+                    <a:lstStyle/>
+                    <a:p>
+                      <a:pPr algn="ctr"/>
+                      <a:r>
+                        <a:rPr lang="en-US" sz="3200" dirty="0"/>
+                        <a:t>0</a:t>
+                      </a:r>
+                    </a:p>
+                  </a:txBody>
+                  <a:tcPr anchor="ctr"/>
+                </a:tc>
+                <a:tc>
+                  <a:txBody>
+                    <a:bodyPr/>
+                    <a:lstStyle/>
+                    <a:p>
+                      <a:pPr algn="ctr"/>
+                      <a:r>
+                        <a:rPr lang="en-US" sz="3200" dirty="0"/>
+                        <a:t>1</a:t>
+                      </a:r>
+                    </a:p>
+                  </a:txBody>
+                  <a:tcPr anchor="ctr"/>
+                </a:tc>
+                <a:tc>
+                  <a:txBody>
+                    <a:bodyPr/>
+                    <a:lstStyle/>
+                    <a:p>
+                      <a:pPr algn="ctr"/>
+                      <a:r>
+                        <a:rPr lang="en-US" sz="3200" dirty="0"/>
+                        <a:t>0</a:t>
+                      </a:r>
+                    </a:p>
+                  </a:txBody>
+                  <a:tcPr anchor="ctr"/>
+                </a:tc>
+                <a:extLst>
+                  <a:ext uri="{0D108BD9-81ED-4DB2-BD59-A6C34878D82A}">
+                    <a16:rowId xmlns:a16="http://schemas.microsoft.com/office/drawing/2014/main" val="352461525"/>
+                  </a:ext>
+                </a:extLst>
+              </a:tr>
+              <a:tr h="624840">
+                <a:tc>
+                  <a:txBody>
+                    <a:bodyPr/>
+                    <a:lstStyle/>
+                    <a:p>
+                      <a:pPr algn="ctr"/>
+                      <a:r>
+                        <a:rPr lang="en-US" sz="3200" dirty="0"/>
+                        <a:t>0</a:t>
+                      </a:r>
+                    </a:p>
+                  </a:txBody>
+                  <a:tcPr anchor="ctr"/>
+                </a:tc>
+                <a:tc>
+                  <a:txBody>
+                    <a:bodyPr/>
+                    <a:lstStyle/>
+                    <a:p>
+                      <a:pPr algn="ctr"/>
+                      <a:r>
+                        <a:rPr lang="en-US" sz="3200" dirty="0"/>
+                        <a:t>0</a:t>
+                      </a:r>
+                    </a:p>
+                  </a:txBody>
+                  <a:tcPr anchor="ctr"/>
+                </a:tc>
+                <a:tc>
+                  <a:txBody>
+                    <a:bodyPr/>
+                    <a:lstStyle/>
+                    <a:p>
+                      <a:pPr algn="ctr"/>
+                      <a:r>
+                        <a:rPr lang="en-US" sz="3200" dirty="0"/>
+                        <a:t>1</a:t>
+                      </a:r>
+                    </a:p>
+                  </a:txBody>
+                  <a:tcPr anchor="ctr"/>
+                </a:tc>
+                <a:extLst>
+                  <a:ext uri="{0D108BD9-81ED-4DB2-BD59-A6C34878D82A}">
+                    <a16:rowId xmlns:a16="http://schemas.microsoft.com/office/drawing/2014/main" val="4180114318"/>
+                  </a:ext>
+                </a:extLst>
+              </a:tr>
+              <a:tr h="624840">
+                <a:tc>
+                  <a:txBody>
+                    <a:bodyPr/>
+                    <a:lstStyle/>
+                    <a:p>
+                      <a:pPr algn="ctr"/>
+                      <a:r>
+                        <a:rPr lang="en-US" sz="3200" dirty="0"/>
+                        <a:t>0</a:t>
+                      </a:r>
+                    </a:p>
+                  </a:txBody>
+                  <a:tcPr anchor="ctr"/>
+                </a:tc>
+                <a:tc>
+                  <a:txBody>
+                    <a:bodyPr/>
+                    <a:lstStyle/>
+                    <a:p>
+                      <a:pPr algn="ctr"/>
+                      <a:r>
+                        <a:rPr lang="en-US" sz="3200" dirty="0"/>
+                        <a:t>1</a:t>
+                      </a:r>
+                    </a:p>
+                  </a:txBody>
+                  <a:tcPr anchor="ctr"/>
+                </a:tc>
+                <a:tc>
+                  <a:txBody>
+                    <a:bodyPr/>
+                    <a:lstStyle/>
+                    <a:p>
+                      <a:pPr algn="ctr"/>
+                      <a:r>
+                        <a:rPr lang="en-US" sz="3200" dirty="0"/>
+                        <a:t>0</a:t>
+                      </a:r>
+                    </a:p>
+                  </a:txBody>
+                  <a:tcPr anchor="ctr"/>
+                </a:tc>
+                <a:extLst>
+                  <a:ext uri="{0D108BD9-81ED-4DB2-BD59-A6C34878D82A}">
+                    <a16:rowId xmlns:a16="http://schemas.microsoft.com/office/drawing/2014/main" val="2725612563"/>
+                  </a:ext>
+                </a:extLst>
+              </a:tr>
+            </a:tbl>
+          </a:graphicData>
+        </a:graphic>
+      </p:graphicFrame>
+      <p:sp>
+        <p:nvSpPr>
+          <p:cNvPr id="7" name="TextBox 6">
+            <a:extLst>
+              <a:ext uri="{FF2B5EF4-FFF2-40B4-BE49-F238E27FC236}">
+                <a16:creationId xmlns:a16="http://schemas.microsoft.com/office/drawing/2014/main" id="{E681AA5D-8661-9B77-6FBF-FFC51CB71955}"/>
+              </a:ext>
+            </a:extLst>
+          </p:cNvPr>
+          <p:cNvSpPr txBox="1"/>
+          <p:nvPr/>
+        </p:nvSpPr>
+        <p:spPr>
+          <a:xfrm>
+            <a:off x="2914278" y="5001491"/>
+            <a:ext cx="5490606" cy="400110"/>
+          </a:xfrm>
+          <a:prstGeom prst="rect">
+            <a:avLst/>
+          </a:prstGeom>
+          <a:noFill/>
+        </p:spPr>
+        <p:txBody>
+          <a:bodyPr wrap="none" rtlCol="0">
+            <a:spAutoFit/>
+          </a:bodyPr>
+          <a:lstStyle/>
+          <a:p>
+            <a:r>
+              <a:rPr lang="en-US" sz="2000" i="1" dirty="0">
+                <a:latin typeface="Arial" panose="020B0604020202020204" pitchFamily="34" charset="0"/>
+                <a:cs typeface="Arial" panose="020B0604020202020204" pitchFamily="34" charset="0"/>
+              </a:rPr>
+              <a:t>For each example: One “1” and the rest are “0”</a:t>
+            </a:r>
+          </a:p>
+        </p:txBody>
+      </p:sp>
+    </p:spTree>
+    <p:extLst>
+      <p:ext uri="{BB962C8B-B14F-4D97-AF65-F5344CB8AC3E}">
+        <p14:creationId xmlns:p14="http://schemas.microsoft.com/office/powerpoint/2010/main" val="2874474935"/>
+      </p:ext>
+    </p:extLst>
+  </p:cSld>
+  <p:clrMapOvr>
+    <a:masterClrMapping/>
+  </p:clrMapOvr>
+</p:sld>
+</file>
+
+<file path=ppt/slides/slide11.xml><?xml version="1.0" encoding="utf-8"?>
+<p:sld xmlns:a="http://schemas.openxmlformats.org/drawingml/2006/main" xmlns:r="http://schemas.openxmlformats.org/officeDocument/2006/relationships" xmlns:p="http://schemas.openxmlformats.org/presentationml/2006/main">
+  <p:cSld>
+    <p:spTree>
+      <p:nvGrpSpPr>
+        <p:cNvPr id="1" name=""/>
+        <p:cNvGrpSpPr/>
+        <p:nvPr/>
+      </p:nvGrpSpPr>
+      <p:grpSpPr>
+        <a:xfrm>
+          <a:off x="0" y="0"/>
+          <a:ext cx="0" cy="0"/>
+          <a:chOff x="0" y="0"/>
+          <a:chExt cx="0" cy="0"/>
+        </a:xfrm>
+      </p:grpSpPr>
+    </p:spTree>
+    <p:extLst>
+      <p:ext uri="{BB962C8B-B14F-4D97-AF65-F5344CB8AC3E}">
+        <p14:creationId xmlns:p14="http://schemas.microsoft.com/office/powerpoint/2010/main" val="1542681536"/>
+      </p:ext>
+    </p:extLst>
+  </p:cSld>
+  <p:clrMapOvr>
+    <a:masterClrMapping/>
+  </p:clrMapOvr>
+</p:sld>
+</file>
+
+<file path=ppt/slides/slide2.xml><?xml version="1.0" encoding="utf-8"?>
+<p:sld xmlns:a="http://schemas.openxmlformats.org/drawingml/2006/main" xmlns:r="http://schemas.openxmlformats.org/officeDocument/2006/relationships" xmlns:p="http://schemas.openxmlformats.org/presentationml/2006/main">
+  <p:cSld>
+    <p:spTree>
+      <p:nvGrpSpPr>
+        <p:cNvPr id="1" name=""/>
+        <p:cNvGrpSpPr/>
+        <p:nvPr/>
+      </p:nvGrpSpPr>
+      <p:grpSpPr>
+        <a:xfrm>
+          <a:off x="0" y="0"/>
+          <a:ext cx="0" cy="0"/>
+          <a:chOff x="0" y="0"/>
+          <a:chExt cx="0" cy="0"/>
+        </a:xfrm>
+      </p:grpSpPr>
+      <p:sp>
+        <p:nvSpPr>
           <p:cNvPr id="4" name="CustomShape 4">
             <a:extLst>
               <a:ext uri="{FF2B5EF4-FFF2-40B4-BE49-F238E27FC236}">
@@ -3342,7 +4298,7 @@
             <a:avLst/>
           </a:prstGeom>
           <a:solidFill>
-            <a:srgbClr val="ED1C24"/>
+            <a:schemeClr val="accent6"/>
           </a:solidFill>
           <a:ln>
             <a:solidFill>
@@ -3384,7 +4340,7 @@
             <a:avLst/>
           </a:prstGeom>
           <a:solidFill>
-            <a:srgbClr val="ED1C24"/>
+            <a:schemeClr val="accent6"/>
           </a:solidFill>
           <a:ln>
             <a:solidFill>
@@ -3426,7 +4382,7 @@
             <a:avLst/>
           </a:prstGeom>
           <a:solidFill>
-            <a:srgbClr val="ED1C24"/>
+            <a:schemeClr val="accent6"/>
           </a:solidFill>
           <a:ln>
             <a:solidFill>
@@ -3499,14 +4455,14 @@
         </p:nvSpPr>
         <p:spPr>
           <a:xfrm>
-            <a:off x="8452956" y="1819640"/>
+            <a:off x="8404716" y="2450360"/>
             <a:ext cx="548640" cy="548640"/>
           </a:xfrm>
           <a:prstGeom prst="ellipse">
             <a:avLst/>
           </a:prstGeom>
           <a:solidFill>
-            <a:srgbClr val="579835"/>
+            <a:schemeClr val="accent2"/>
           </a:solidFill>
           <a:ln>
             <a:solidFill>
@@ -3527,86 +4483,6 @@
           <a:fontRef idx="minor"/>
         </p:style>
       </p:sp>
-      <p:sp>
-        <p:nvSpPr>
-          <p:cNvPr id="9" name="CustomShape 9">
-            <a:extLst>
-              <a:ext uri="{FF2B5EF4-FFF2-40B4-BE49-F238E27FC236}">
-                <a16:creationId xmlns:a16="http://schemas.microsoft.com/office/drawing/2014/main" id="{77984F4A-64E8-51AF-1B2A-39FC01D2E297}"/>
-              </a:ext>
-            </a:extLst>
-          </p:cNvPr>
-          <p:cNvSpPr/>
-          <p:nvPr/>
-        </p:nvSpPr>
-        <p:spPr>
-          <a:xfrm>
-            <a:off x="8452956" y="3099800"/>
-            <a:ext cx="548640" cy="548640"/>
-          </a:xfrm>
-          <a:prstGeom prst="ellipse">
-            <a:avLst/>
-          </a:prstGeom>
-          <a:solidFill>
-            <a:srgbClr val="407927"/>
-          </a:solidFill>
-          <a:ln>
-            <a:solidFill>
-              <a:srgbClr val="000000"/>
-            </a:solidFill>
-          </a:ln>
-        </p:spPr>
-        <p:style>
-          <a:lnRef idx="0">
-            <a:scrgbClr r="0" g="0" b="0"/>
-          </a:lnRef>
-          <a:fillRef idx="0">
-            <a:scrgbClr r="0" g="0" b="0"/>
-          </a:fillRef>
-          <a:effectRef idx="0">
-            <a:scrgbClr r="0" g="0" b="0"/>
-          </a:effectRef>
-          <a:fontRef idx="minor"/>
-        </p:style>
-      </p:sp>
-      <p:sp>
-        <p:nvSpPr>
-          <p:cNvPr id="10" name="TextShape 10">
-            <a:extLst>
-              <a:ext uri="{FF2B5EF4-FFF2-40B4-BE49-F238E27FC236}">
-                <a16:creationId xmlns:a16="http://schemas.microsoft.com/office/drawing/2014/main" id="{0B583ABA-77AF-839A-EFE1-CE07AE4DD1A3}"/>
-              </a:ext>
-            </a:extLst>
-          </p:cNvPr>
-          <p:cNvSpPr txBox="1"/>
-          <p:nvPr/>
-        </p:nvSpPr>
-        <p:spPr>
-          <a:xfrm>
-            <a:off x="8544396" y="2551160"/>
-            <a:ext cx="731520" cy="346320"/>
-          </a:xfrm>
-          <a:prstGeom prst="rect">
-            <a:avLst/>
-          </a:prstGeom>
-          <a:noFill/>
-          <a:ln>
-            <a:noFill/>
-          </a:ln>
-        </p:spPr>
-        <p:txBody>
-          <a:bodyPr lIns="90000" tIns="45000" rIns="90000" bIns="45000"/>
-          <a:lstStyle/>
-          <a:p>
-            <a:r>
-              <a:rPr lang="en-US" sz="1800" b="0" strike="noStrike" spc="-1">
-                <a:latin typeface="Arial"/>
-              </a:rPr>
-              <a:t>...</a:t>
-            </a:r>
-          </a:p>
-        </p:txBody>
-      </p:sp>
       <p:cxnSp>
         <p:nvCxnSpPr>
           <p:cNvPr id="11" name="Line 12">
@@ -3707,44 +4583,15 @@
             </a:extLst>
           </p:cNvPr>
           <p:cNvCxnSpPr>
+            <a:cxnSpLocks/>
             <a:endCxn id="8" idx="2"/>
           </p:cNvCxnSpPr>
           <p:nvPr/>
         </p:nvCxnSpPr>
         <p:spPr>
           <a:xfrm flipV="1">
-            <a:off x="7764636" y="2093960"/>
-            <a:ext cx="688680" cy="731880"/>
-          </a:xfrm>
-          <a:prstGeom prst="curvedConnector3">
-            <a:avLst/>
-          </a:prstGeom>
-          <a:ln>
-            <a:solidFill>
-              <a:srgbClr val="000000"/>
-            </a:solidFill>
-            <a:tailEnd type="triangle" w="med" len="med"/>
-          </a:ln>
-        </p:spPr>
-      </p:cxnSp>
-      <p:cxnSp>
-        <p:nvCxnSpPr>
-          <p:cNvPr id="15" name="Line 16">
-            <a:extLst>
-              <a:ext uri="{FF2B5EF4-FFF2-40B4-BE49-F238E27FC236}">
-                <a16:creationId xmlns:a16="http://schemas.microsoft.com/office/drawing/2014/main" id="{9DFA434C-1EFF-A5FE-A9CF-F63E7AE6C557}"/>
-              </a:ext>
-            </a:extLst>
-          </p:cNvPr>
-          <p:cNvCxnSpPr>
-            <a:endCxn id="9" idx="2"/>
-          </p:cNvCxnSpPr>
-          <p:nvPr/>
-        </p:nvCxnSpPr>
-        <p:spPr>
-          <a:xfrm>
-            <a:off x="7764636" y="2825480"/>
-            <a:ext cx="688680" cy="549000"/>
+            <a:off x="7627116" y="2724680"/>
+            <a:ext cx="777600" cy="100800"/>
           </a:xfrm>
           <a:prstGeom prst="curvedConnector3">
             <a:avLst/>
@@ -3863,7 +4710,7 @@
         </p:nvSpPr>
         <p:spPr>
           <a:xfrm>
-            <a:off x="9327241" y="2077538"/>
+            <a:off x="9366996" y="2267013"/>
             <a:ext cx="1985935" cy="751173"/>
           </a:xfrm>
           <a:prstGeom prst="rect">
@@ -3889,56 +4736,29 @@
               <a:rPr lang="en-US" sz="2400" b="0" strike="noStrike" spc="-1" dirty="0">
                 <a:latin typeface="Arial"/>
               </a:rPr>
-              <a:t>: Outputs</a:t>
+              <a:t>: y</a:t>
             </a:r>
           </a:p>
           <a:p>
             <a:pPr algn="ctr"/>
             <a:r>
               <a:rPr lang="en-US" sz="2400" spc="-1" dirty="0">
+                <a:solidFill>
+                  <a:schemeClr val="accent2"/>
+                </a:solidFill>
                 <a:latin typeface="Arial"/>
               </a:rPr>
-              <a:t>e.g.       .</a:t>
+              <a:t>$$$</a:t>
             </a:r>
             <a:endParaRPr lang="en-US" sz="2400" b="0" strike="noStrike" spc="-1" dirty="0">
+              <a:solidFill>
+                <a:schemeClr val="accent2"/>
+              </a:solidFill>
               <a:latin typeface="Arial"/>
             </a:endParaRPr>
           </a:p>
         </p:txBody>
       </p:sp>
-      <p:pic>
-        <p:nvPicPr>
-          <p:cNvPr id="20" name="Picture 19">
-            <a:extLst>
-              <a:ext uri="{FF2B5EF4-FFF2-40B4-BE49-F238E27FC236}">
-                <a16:creationId xmlns:a16="http://schemas.microsoft.com/office/drawing/2014/main" id="{5A9722E8-B259-42E3-42C6-E0E95933CF8A}"/>
-              </a:ext>
-            </a:extLst>
-          </p:cNvPr>
-          <p:cNvPicPr>
-            <a:picLocks noChangeAspect="1"/>
-          </p:cNvPicPr>
-          <p:nvPr/>
-        </p:nvPicPr>
-        <p:blipFill>
-          <a:blip r:embed="rId3"/>
-          <a:stretch>
-            <a:fillRect/>
-          </a:stretch>
-        </p:blipFill>
-        <p:spPr>
-          <a:xfrm>
-            <a:off x="10515078" y="2931910"/>
-            <a:ext cx="593645" cy="318331"/>
-          </a:xfrm>
-          <a:prstGeom prst="rect">
-            <a:avLst/>
-          </a:prstGeom>
-          <a:ln w="28575">
-            <a:noFill/>
-          </a:ln>
-        </p:spPr>
-      </p:pic>
       <p:sp>
         <p:nvSpPr>
           <p:cNvPr id="21" name="TextShape 17">
@@ -3979,18 +4799,24 @@
               <a:rPr lang="en-US" sz="2400" b="0" strike="noStrike" spc="-1" dirty="0">
                 <a:latin typeface="Arial"/>
               </a:rPr>
-              <a:t>: Inputs</a:t>
+              <a:t>: X</a:t>
             </a:r>
           </a:p>
           <a:p>
             <a:pPr algn="ctr"/>
             <a:r>
               <a:rPr lang="en-US" sz="2400" spc="-1" dirty="0">
+                <a:solidFill>
+                  <a:schemeClr val="accent6"/>
+                </a:solidFill>
                 <a:latin typeface="Arial"/>
               </a:rPr>
-              <a:t>e.g. mass</a:t>
+              <a:t>$</a:t>
             </a:r>
             <a:endParaRPr lang="en-US" sz="2400" b="0" strike="noStrike" spc="-1" dirty="0">
+              <a:solidFill>
+                <a:schemeClr val="accent6"/>
+              </a:solidFill>
               <a:latin typeface="Arial"/>
             </a:endParaRPr>
           </a:p>
@@ -4217,10 +5043,10 @@
         </p:nvGrpSpPr>
         <p:grpSpPr>
           <a:xfrm>
-            <a:off x="923033" y="4668342"/>
-            <a:ext cx="10185690" cy="1805323"/>
-            <a:chOff x="923033" y="4668342"/>
-            <a:chExt cx="10185690" cy="1805323"/>
+            <a:off x="923033" y="5306518"/>
+            <a:ext cx="10185690" cy="1167147"/>
+            <a:chOff x="923033" y="5306518"/>
+            <a:chExt cx="10185690" cy="1167147"/>
           </a:xfrm>
         </p:grpSpPr>
         <p:sp>
@@ -4277,36 +5103,6 @@
         </p:sp>
         <p:pic>
           <p:nvPicPr>
-            <p:cNvPr id="28" name="Picture 27">
-              <a:extLst>
-                <a:ext uri="{FF2B5EF4-FFF2-40B4-BE49-F238E27FC236}">
-                  <a16:creationId xmlns:a16="http://schemas.microsoft.com/office/drawing/2014/main" id="{1297EA3A-0A80-B532-F309-0AC90392991C}"/>
-                </a:ext>
-              </a:extLst>
-            </p:cNvPr>
-            <p:cNvPicPr>
-              <a:picLocks noChangeAspect="1"/>
-            </p:cNvPicPr>
-            <p:nvPr/>
-          </p:nvPicPr>
-          <p:blipFill>
-            <a:blip r:embed="rId4"/>
-            <a:stretch>
-              <a:fillRect/>
-            </a:stretch>
-          </p:blipFill>
-          <p:spPr>
-            <a:xfrm>
-              <a:off x="4322936" y="4668342"/>
-              <a:ext cx="3441700" cy="1104900"/>
-            </a:xfrm>
-            <a:prstGeom prst="rect">
-              <a:avLst/>
-            </a:prstGeom>
-          </p:spPr>
-        </p:pic>
-        <p:pic>
-          <p:nvPicPr>
             <p:cNvPr id="29" name="Picture 28">
               <a:extLst>
                 <a:ext uri="{FF2B5EF4-FFF2-40B4-BE49-F238E27FC236}">
@@ -4320,7 +5116,7 @@
             <p:nvPr/>
           </p:nvPicPr>
           <p:blipFill>
-            <a:blip r:embed="rId5"/>
+            <a:blip r:embed="rId3"/>
             <a:stretch>
               <a:fillRect/>
             </a:stretch>
@@ -4350,7 +5146,7 @@
             <p:nvPr/>
           </p:nvPicPr>
           <p:blipFill>
-            <a:blip r:embed="rId6"/>
+            <a:blip r:embed="rId4"/>
             <a:stretch>
               <a:fillRect/>
             </a:stretch>
@@ -4366,55 +5162,98 @@
           </p:spPr>
         </p:pic>
       </p:grpSp>
-      <p:sp>
-        <p:nvSpPr>
-          <p:cNvPr id="31" name="5-Point Star 30">
-            <a:extLst>
-              <a:ext uri="{FF2B5EF4-FFF2-40B4-BE49-F238E27FC236}">
-                <a16:creationId xmlns:a16="http://schemas.microsoft.com/office/drawing/2014/main" id="{E860805D-6BB1-D1F6-CF72-77C17C1C10EF}"/>
-              </a:ext>
-            </a:extLst>
-          </p:cNvPr>
-          <p:cNvSpPr/>
-          <p:nvPr/>
-        </p:nvSpPr>
-        <p:spPr>
-          <a:xfrm>
-            <a:off x="11185365" y="4993335"/>
-            <a:ext cx="242720" cy="227457"/>
-          </a:xfrm>
-          <a:prstGeom prst="star5">
+      <p:pic>
+        <p:nvPicPr>
+          <p:cNvPr id="35" name="Picture 34">
+            <a:extLst>
+              <a:ext uri="{FF2B5EF4-FFF2-40B4-BE49-F238E27FC236}">
+                <a16:creationId xmlns:a16="http://schemas.microsoft.com/office/drawing/2014/main" id="{0EEC98B4-34F1-8312-6CC0-E312A65D9848}"/>
+              </a:ext>
+            </a:extLst>
+          </p:cNvPr>
+          <p:cNvPicPr>
+            <a:picLocks noChangeAspect="1"/>
+          </p:cNvPicPr>
+          <p:nvPr/>
+        </p:nvPicPr>
+        <p:blipFill>
+          <a:blip r:embed="rId5"/>
+          <a:stretch>
+            <a:fillRect/>
+          </a:stretch>
+        </p:blipFill>
+        <p:spPr>
+          <a:xfrm>
+            <a:off x="5281635" y="940385"/>
+            <a:ext cx="1841500" cy="558800"/>
+          </a:xfrm>
+          <a:prstGeom prst="rect">
             <a:avLst/>
           </a:prstGeom>
-          <a:solidFill>
-            <a:srgbClr val="A746F8"/>
-          </a:solidFill>
-          <a:ln>
-            <a:noFill/>
-          </a:ln>
-        </p:spPr>
-        <p:style>
-          <a:lnRef idx="2">
-            <a:schemeClr val="accent1">
-              <a:shade val="50000"/>
-            </a:schemeClr>
-          </a:lnRef>
-          <a:fillRef idx="1">
-            <a:schemeClr val="accent1"/>
-          </a:fillRef>
-          <a:effectRef idx="0">
-            <a:schemeClr val="accent1"/>
-          </a:effectRef>
-          <a:fontRef idx="minor">
-            <a:schemeClr val="lt1"/>
-          </a:fontRef>
-        </p:style>
-        <p:txBody>
-          <a:bodyPr rtlCol="0" anchor="ctr"/>
-          <a:lstStyle/>
-          <a:p>
-            <a:pPr algn="ctr"/>
-            <a:endParaRPr lang="en-US" dirty="0"/>
+        </p:spPr>
+      </p:pic>
+      <p:pic>
+        <p:nvPicPr>
+          <p:cNvPr id="36" name="Picture 35">
+            <a:extLst>
+              <a:ext uri="{FF2B5EF4-FFF2-40B4-BE49-F238E27FC236}">
+                <a16:creationId xmlns:a16="http://schemas.microsoft.com/office/drawing/2014/main" id="{0D83EB36-A44C-39B7-86E1-D6F87F098462}"/>
+              </a:ext>
+            </a:extLst>
+          </p:cNvPr>
+          <p:cNvPicPr>
+            <a:picLocks noChangeAspect="1"/>
+          </p:cNvPicPr>
+          <p:nvPr/>
+        </p:nvPicPr>
+        <p:blipFill>
+          <a:blip r:embed="rId6"/>
+          <a:stretch>
+            <a:fillRect/>
+          </a:stretch>
+        </p:blipFill>
+        <p:spPr>
+          <a:xfrm>
+            <a:off x="4241269" y="4865408"/>
+            <a:ext cx="3962400" cy="1104900"/>
+          </a:xfrm>
+          <a:prstGeom prst="rect">
+            <a:avLst/>
+          </a:prstGeom>
+        </p:spPr>
+      </p:pic>
+      <p:sp>
+        <p:nvSpPr>
+          <p:cNvPr id="37" name="TextBox 36">
+            <a:extLst>
+              <a:ext uri="{FF2B5EF4-FFF2-40B4-BE49-F238E27FC236}">
+                <a16:creationId xmlns:a16="http://schemas.microsoft.com/office/drawing/2014/main" id="{D4E49495-B4D5-7992-F09F-9F60DAE992EC}"/>
+              </a:ext>
+            </a:extLst>
+          </p:cNvPr>
+          <p:cNvSpPr txBox="1"/>
+          <p:nvPr/>
+        </p:nvSpPr>
+        <p:spPr>
+          <a:xfrm>
+            <a:off x="5713789" y="4558357"/>
+            <a:ext cx="977191" cy="369332"/>
+          </a:xfrm>
+          <a:prstGeom prst="rect">
+            <a:avLst/>
+          </a:prstGeom>
+          <a:noFill/>
+        </p:spPr>
+        <p:txBody>
+          <a:bodyPr wrap="none" rtlCol="0">
+            <a:spAutoFit/>
+          </a:bodyPr>
+          <a:lstStyle/>
+          <a:p>
+            <a:r>
+              <a:rPr lang="en-US" dirty="0"/>
+              <a:t>Example</a:t>
+            </a:r>
           </a:p>
         </p:txBody>
       </p:sp>
@@ -4475,33 +5314,6 @@
                                   </p:childTnLst>
                                 </p:cTn>
                               </p:par>
-                              <p:par>
-                                <p:cTn id="7" presetID="1" presetClass="entr" presetSubtype="0" fill="hold" grpId="0" nodeType="withEffect">
-                                  <p:stCondLst>
-                                    <p:cond delay="0"/>
-                                  </p:stCondLst>
-                                  <p:childTnLst>
-                                    <p:set>
-                                      <p:cBhvr>
-                                        <p:cTn id="8" dur="1" fill="hold">
-                                          <p:stCondLst>
-                                            <p:cond delay="0"/>
-                                          </p:stCondLst>
-                                        </p:cTn>
-                                        <p:tgtEl>
-                                          <p:spTgt spid="31"/>
-                                        </p:tgtEl>
-                                        <p:attrNameLst>
-                                          <p:attrName>style.visibility</p:attrName>
-                                        </p:attrNameLst>
-                                      </p:cBhvr>
-                                      <p:to>
-                                        <p:strVal val="visible"/>
-                                      </p:to>
-                                    </p:set>
-                                  </p:childTnLst>
-                                </p:cTn>
-                              </p:par>
                             </p:childTnLst>
                           </p:cTn>
                         </p:par>
@@ -4509,26 +5321,26 @@
                     </p:cTn>
                   </p:par>
                   <p:par>
-                    <p:cTn id="9" fill="hold">
+                    <p:cTn id="7" fill="hold">
                       <p:stCondLst>
                         <p:cond delay="indefinite"/>
                       </p:stCondLst>
                       <p:childTnLst>
                         <p:par>
-                          <p:cTn id="10" fill="hold">
+                          <p:cTn id="8" fill="hold">
                             <p:stCondLst>
                               <p:cond delay="0"/>
                             </p:stCondLst>
                             <p:childTnLst>
                               <p:par>
-                                <p:cTn id="11" presetID="1" presetClass="entr" presetSubtype="0" fill="hold" nodeType="clickEffect">
+                                <p:cTn id="9" presetID="1" presetClass="entr" presetSubtype="0" fill="hold" nodeType="clickEffect">
                                   <p:stCondLst>
                                     <p:cond delay="0"/>
                                   </p:stCondLst>
                                   <p:childTnLst>
                                     <p:set>
                                       <p:cBhvr>
-                                        <p:cTn id="12" dur="1" fill="hold">
+                                        <p:cTn id="10" dur="1" fill="hold">
                                           <p:stCondLst>
                                             <p:cond delay="0"/>
                                           </p:stCondLst>
@@ -4574,10 +5386,5805 @@
         </p:cTn>
       </p:par>
     </p:tnLst>
-    <p:bldLst>
-      <p:bldP spid="31" grpId="0" animBg="1"/>
-    </p:bldLst>
   </p:timing>
+</p:sld>
+</file>
+
+<file path=ppt/slides/slide3.xml><?xml version="1.0" encoding="utf-8"?>
+<p:sld xmlns:a="http://schemas.openxmlformats.org/drawingml/2006/main" xmlns:r="http://schemas.openxmlformats.org/officeDocument/2006/relationships" xmlns:p="http://schemas.openxmlformats.org/presentationml/2006/main">
+  <p:cSld>
+    <p:spTree>
+      <p:nvGrpSpPr>
+        <p:cNvPr id="1" name=""/>
+        <p:cNvGrpSpPr/>
+        <p:nvPr/>
+      </p:nvGrpSpPr>
+      <p:grpSpPr>
+        <a:xfrm>
+          <a:off x="0" y="0"/>
+          <a:ext cx="0" cy="0"/>
+          <a:chOff x="0" y="0"/>
+          <a:chExt cx="0" cy="0"/>
+        </a:xfrm>
+      </p:grpSpPr>
+      <p:pic>
+        <p:nvPicPr>
+          <p:cNvPr id="4" name="Picture 3">
+            <a:extLst>
+              <a:ext uri="{FF2B5EF4-FFF2-40B4-BE49-F238E27FC236}">
+                <a16:creationId xmlns:a16="http://schemas.microsoft.com/office/drawing/2014/main" id="{8CF149DF-1BF5-7377-CDA6-6E2B4F945BB3}"/>
+              </a:ext>
+            </a:extLst>
+          </p:cNvPr>
+          <p:cNvPicPr>
+            <a:picLocks noChangeAspect="1"/>
+          </p:cNvPicPr>
+          <p:nvPr/>
+        </p:nvPicPr>
+        <p:blipFill>
+          <a:blip r:embed="rId2"/>
+          <a:stretch>
+            <a:fillRect/>
+          </a:stretch>
+        </p:blipFill>
+        <p:spPr>
+          <a:xfrm>
+            <a:off x="2836983" y="2080893"/>
+            <a:ext cx="990600" cy="558800"/>
+          </a:xfrm>
+          <a:prstGeom prst="rect">
+            <a:avLst/>
+          </a:prstGeom>
+        </p:spPr>
+      </p:pic>
+      <p:sp>
+        <p:nvSpPr>
+          <p:cNvPr id="5" name="Rectangle 4">
+            <a:extLst>
+              <a:ext uri="{FF2B5EF4-FFF2-40B4-BE49-F238E27FC236}">
+                <a16:creationId xmlns:a16="http://schemas.microsoft.com/office/drawing/2014/main" id="{14D3B94F-5861-2519-DF6A-EF83D3712D85}"/>
+              </a:ext>
+            </a:extLst>
+          </p:cNvPr>
+          <p:cNvSpPr/>
+          <p:nvPr/>
+        </p:nvSpPr>
+        <p:spPr>
+          <a:xfrm>
+            <a:off x="2728946" y="2080893"/>
+            <a:ext cx="407096" cy="558800"/>
+          </a:xfrm>
+          <a:prstGeom prst="rect">
+            <a:avLst/>
+          </a:prstGeom>
+          <a:solidFill>
+            <a:schemeClr val="accent1">
+              <a:alpha val="27000"/>
+            </a:schemeClr>
+          </a:solidFill>
+          <a:ln>
+            <a:noFill/>
+          </a:ln>
+        </p:spPr>
+        <p:style>
+          <a:lnRef idx="2">
+            <a:schemeClr val="accent1">
+              <a:shade val="50000"/>
+            </a:schemeClr>
+          </a:lnRef>
+          <a:fillRef idx="1">
+            <a:schemeClr val="accent1"/>
+          </a:fillRef>
+          <a:effectRef idx="0">
+            <a:schemeClr val="accent1"/>
+          </a:effectRef>
+          <a:fontRef idx="minor">
+            <a:schemeClr val="lt1"/>
+          </a:fontRef>
+        </p:style>
+        <p:txBody>
+          <a:bodyPr rtlCol="0" anchor="ctr"/>
+          <a:lstStyle/>
+          <a:p>
+            <a:pPr algn="ctr"/>
+            <a:endParaRPr lang="en-US"/>
+          </a:p>
+        </p:txBody>
+      </p:sp>
+      <p:sp>
+        <p:nvSpPr>
+          <p:cNvPr id="6" name="Rectangle 5">
+            <a:extLst>
+              <a:ext uri="{FF2B5EF4-FFF2-40B4-BE49-F238E27FC236}">
+                <a16:creationId xmlns:a16="http://schemas.microsoft.com/office/drawing/2014/main" id="{1C8ABA7E-2597-ADB0-E87E-B153FD4DF6F5}"/>
+              </a:ext>
+            </a:extLst>
+          </p:cNvPr>
+          <p:cNvSpPr/>
+          <p:nvPr/>
+        </p:nvSpPr>
+        <p:spPr>
+          <a:xfrm>
+            <a:off x="3278264" y="2080893"/>
+            <a:ext cx="407096" cy="558800"/>
+          </a:xfrm>
+          <a:prstGeom prst="rect">
+            <a:avLst/>
+          </a:prstGeom>
+          <a:solidFill>
+            <a:schemeClr val="accent2">
+              <a:alpha val="27000"/>
+            </a:schemeClr>
+          </a:solidFill>
+          <a:ln>
+            <a:noFill/>
+          </a:ln>
+        </p:spPr>
+        <p:style>
+          <a:lnRef idx="2">
+            <a:schemeClr val="accent1">
+              <a:shade val="50000"/>
+            </a:schemeClr>
+          </a:lnRef>
+          <a:fillRef idx="1">
+            <a:schemeClr val="accent1"/>
+          </a:fillRef>
+          <a:effectRef idx="0">
+            <a:schemeClr val="accent1"/>
+          </a:effectRef>
+          <a:fontRef idx="minor">
+            <a:schemeClr val="lt1"/>
+          </a:fontRef>
+        </p:style>
+        <p:txBody>
+          <a:bodyPr rtlCol="0" anchor="ctr"/>
+          <a:lstStyle/>
+          <a:p>
+            <a:pPr algn="ctr"/>
+            <a:endParaRPr lang="en-US"/>
+          </a:p>
+        </p:txBody>
+      </p:sp>
+      <p:sp>
+        <p:nvSpPr>
+          <p:cNvPr id="7" name="Rectangle 6">
+            <a:extLst>
+              <a:ext uri="{FF2B5EF4-FFF2-40B4-BE49-F238E27FC236}">
+                <a16:creationId xmlns:a16="http://schemas.microsoft.com/office/drawing/2014/main" id="{3A859D05-9301-2D4B-141E-867D3F26B557}"/>
+              </a:ext>
+            </a:extLst>
+          </p:cNvPr>
+          <p:cNvSpPr/>
+          <p:nvPr/>
+        </p:nvSpPr>
+        <p:spPr>
+          <a:xfrm>
+            <a:off x="3969805" y="1724944"/>
+            <a:ext cx="2885162" cy="635349"/>
+          </a:xfrm>
+          <a:prstGeom prst="rect">
+            <a:avLst/>
+          </a:prstGeom>
+          <a:solidFill>
+            <a:schemeClr val="accent1">
+              <a:lumMod val="40000"/>
+              <a:lumOff val="60000"/>
+            </a:schemeClr>
+          </a:solidFill>
+          <a:ln w="34925">
+            <a:solidFill>
+              <a:schemeClr val="accent1">
+                <a:shade val="50000"/>
+              </a:schemeClr>
+            </a:solidFill>
+          </a:ln>
+        </p:spPr>
+        <p:style>
+          <a:lnRef idx="2">
+            <a:schemeClr val="accent1">
+              <a:shade val="50000"/>
+            </a:schemeClr>
+          </a:lnRef>
+          <a:fillRef idx="1">
+            <a:schemeClr val="accent1"/>
+          </a:fillRef>
+          <a:effectRef idx="0">
+            <a:schemeClr val="accent1"/>
+          </a:effectRef>
+          <a:fontRef idx="minor">
+            <a:schemeClr val="lt1"/>
+          </a:fontRef>
+        </p:style>
+        <p:txBody>
+          <a:bodyPr rtlCol="0" anchor="ctr"/>
+          <a:lstStyle/>
+          <a:p>
+            <a:pPr algn="ctr"/>
+            <a:r>
+              <a:rPr lang="en-US" sz="2000" b="1" dirty="0">
+                <a:solidFill>
+                  <a:schemeClr val="tx1"/>
+                </a:solidFill>
+                <a:latin typeface="Arial" panose="020B0604020202020204" pitchFamily="34" charset="0"/>
+                <a:cs typeface="Arial" panose="020B0604020202020204" pitchFamily="34" charset="0"/>
+              </a:rPr>
+              <a:t>Architecture</a:t>
+            </a:r>
+            <a:endParaRPr lang="en-US" b="1" dirty="0">
+              <a:solidFill>
+                <a:schemeClr val="tx1"/>
+              </a:solidFill>
+              <a:latin typeface="Arial" panose="020B0604020202020204" pitchFamily="34" charset="0"/>
+              <a:cs typeface="Arial" panose="020B0604020202020204" pitchFamily="34" charset="0"/>
+            </a:endParaRPr>
+          </a:p>
+        </p:txBody>
+      </p:sp>
+      <p:sp>
+        <p:nvSpPr>
+          <p:cNvPr id="8" name="Rectangle 7">
+            <a:extLst>
+              <a:ext uri="{FF2B5EF4-FFF2-40B4-BE49-F238E27FC236}">
+                <a16:creationId xmlns:a16="http://schemas.microsoft.com/office/drawing/2014/main" id="{FE2CE0B9-F9EF-4400-350B-6333440FC7C6}"/>
+              </a:ext>
+            </a:extLst>
+          </p:cNvPr>
+          <p:cNvSpPr/>
+          <p:nvPr/>
+        </p:nvSpPr>
+        <p:spPr>
+          <a:xfrm>
+            <a:off x="3969805" y="2534612"/>
+            <a:ext cx="2885162" cy="635349"/>
+          </a:xfrm>
+          <a:prstGeom prst="rect">
+            <a:avLst/>
+          </a:prstGeom>
+          <a:solidFill>
+            <a:schemeClr val="accent2">
+              <a:lumMod val="20000"/>
+              <a:lumOff val="80000"/>
+            </a:schemeClr>
+          </a:solidFill>
+          <a:ln w="34925">
+            <a:solidFill>
+              <a:schemeClr val="accent2">
+                <a:lumMod val="75000"/>
+              </a:schemeClr>
+            </a:solidFill>
+          </a:ln>
+        </p:spPr>
+        <p:style>
+          <a:lnRef idx="2">
+            <a:schemeClr val="accent1">
+              <a:shade val="50000"/>
+            </a:schemeClr>
+          </a:lnRef>
+          <a:fillRef idx="1">
+            <a:schemeClr val="accent1"/>
+          </a:fillRef>
+          <a:effectRef idx="0">
+            <a:schemeClr val="accent1"/>
+          </a:effectRef>
+          <a:fontRef idx="minor">
+            <a:schemeClr val="lt1"/>
+          </a:fontRef>
+        </p:style>
+        <p:txBody>
+          <a:bodyPr rtlCol="0" anchor="ctr"/>
+          <a:lstStyle/>
+          <a:p>
+            <a:pPr algn="ctr"/>
+            <a:r>
+              <a:rPr lang="en-US" sz="2000" b="1" dirty="0">
+                <a:solidFill>
+                  <a:schemeClr val="tx1"/>
+                </a:solidFill>
+                <a:latin typeface="Arial" panose="020B0604020202020204" pitchFamily="34" charset="0"/>
+                <a:cs typeface="Arial" panose="020B0604020202020204" pitchFamily="34" charset="0"/>
+              </a:rPr>
+              <a:t>Feature Engineering</a:t>
+            </a:r>
+            <a:endParaRPr lang="en-US" sz="1200" b="1" dirty="0">
+              <a:solidFill>
+                <a:schemeClr val="tx1"/>
+              </a:solidFill>
+              <a:latin typeface="Arial" panose="020B0604020202020204" pitchFamily="34" charset="0"/>
+              <a:cs typeface="Arial" panose="020B0604020202020204" pitchFamily="34" charset="0"/>
+            </a:endParaRPr>
+          </a:p>
+        </p:txBody>
+      </p:sp>
+      <p:sp>
+        <p:nvSpPr>
+          <p:cNvPr id="9" name="Freeform 8">
+            <a:extLst>
+              <a:ext uri="{FF2B5EF4-FFF2-40B4-BE49-F238E27FC236}">
+                <a16:creationId xmlns:a16="http://schemas.microsoft.com/office/drawing/2014/main" id="{FFA1A1CD-EF1F-9859-3348-FE021D7A8642}"/>
+              </a:ext>
+            </a:extLst>
+          </p:cNvPr>
+          <p:cNvSpPr/>
+          <p:nvPr/>
+        </p:nvSpPr>
+        <p:spPr>
+          <a:xfrm flipV="1">
+            <a:off x="3279077" y="2536521"/>
+            <a:ext cx="683623" cy="622285"/>
+          </a:xfrm>
+          <a:custGeom>
+            <a:avLst/>
+            <a:gdLst>
+              <a:gd name="connsiteX0" fmla="*/ 0 w 687977"/>
+              <a:gd name="connsiteY0" fmla="*/ 361405 h 644434"/>
+              <a:gd name="connsiteX1" fmla="*/ 687977 w 687977"/>
+              <a:gd name="connsiteY1" fmla="*/ 0 h 644434"/>
+              <a:gd name="connsiteX2" fmla="*/ 683623 w 687977"/>
+              <a:gd name="connsiteY2" fmla="*/ 644434 h 644434"/>
+              <a:gd name="connsiteX3" fmla="*/ 400594 w 687977"/>
+              <a:gd name="connsiteY3" fmla="*/ 361405 h 644434"/>
+              <a:gd name="connsiteX4" fmla="*/ 0 w 687977"/>
+              <a:gd name="connsiteY4" fmla="*/ 361405 h 644434"/>
+              <a:gd name="connsiteX0" fmla="*/ 0 w 684041"/>
+              <a:gd name="connsiteY0" fmla="*/ 524817 h 807846"/>
+              <a:gd name="connsiteX1" fmla="*/ 683623 w 684041"/>
+              <a:gd name="connsiteY1" fmla="*/ 0 h 807846"/>
+              <a:gd name="connsiteX2" fmla="*/ 683623 w 684041"/>
+              <a:gd name="connsiteY2" fmla="*/ 807846 h 807846"/>
+              <a:gd name="connsiteX3" fmla="*/ 400594 w 684041"/>
+              <a:gd name="connsiteY3" fmla="*/ 524817 h 807846"/>
+              <a:gd name="connsiteX4" fmla="*/ 0 w 684041"/>
+              <a:gd name="connsiteY4" fmla="*/ 524817 h 807846"/>
+              <a:gd name="connsiteX0" fmla="*/ 0 w 684041"/>
+              <a:gd name="connsiteY0" fmla="*/ 524817 h 807846"/>
+              <a:gd name="connsiteX1" fmla="*/ 683623 w 684041"/>
+              <a:gd name="connsiteY1" fmla="*/ 0 h 807846"/>
+              <a:gd name="connsiteX2" fmla="*/ 683623 w 684041"/>
+              <a:gd name="connsiteY2" fmla="*/ 807846 h 807846"/>
+              <a:gd name="connsiteX3" fmla="*/ 400594 w 684041"/>
+              <a:gd name="connsiteY3" fmla="*/ 524817 h 807846"/>
+              <a:gd name="connsiteX4" fmla="*/ 0 w 684041"/>
+              <a:gd name="connsiteY4" fmla="*/ 524817 h 807846"/>
+              <a:gd name="connsiteX0" fmla="*/ 0 w 683623"/>
+              <a:gd name="connsiteY0" fmla="*/ 524817 h 631183"/>
+              <a:gd name="connsiteX1" fmla="*/ 683623 w 683623"/>
+              <a:gd name="connsiteY1" fmla="*/ 0 h 631183"/>
+              <a:gd name="connsiteX2" fmla="*/ 679269 w 683623"/>
+              <a:gd name="connsiteY2" fmla="*/ 631183 h 631183"/>
+              <a:gd name="connsiteX3" fmla="*/ 400594 w 683623"/>
+              <a:gd name="connsiteY3" fmla="*/ 524817 h 631183"/>
+              <a:gd name="connsiteX4" fmla="*/ 0 w 683623"/>
+              <a:gd name="connsiteY4" fmla="*/ 524817 h 631183"/>
+              <a:gd name="connsiteX0" fmla="*/ 0 w 683623"/>
+              <a:gd name="connsiteY0" fmla="*/ 524817 h 631183"/>
+              <a:gd name="connsiteX1" fmla="*/ 683623 w 683623"/>
+              <a:gd name="connsiteY1" fmla="*/ 0 h 631183"/>
+              <a:gd name="connsiteX2" fmla="*/ 679269 w 683623"/>
+              <a:gd name="connsiteY2" fmla="*/ 631183 h 631183"/>
+              <a:gd name="connsiteX3" fmla="*/ 400594 w 683623"/>
+              <a:gd name="connsiteY3" fmla="*/ 524817 h 631183"/>
+              <a:gd name="connsiteX4" fmla="*/ 0 w 683623"/>
+              <a:gd name="connsiteY4" fmla="*/ 524817 h 631183"/>
+            </a:gdLst>
+            <a:ahLst/>
+            <a:cxnLst>
+              <a:cxn ang="0">
+                <a:pos x="connsiteX0" y="connsiteY0"/>
+              </a:cxn>
+              <a:cxn ang="0">
+                <a:pos x="connsiteX1" y="connsiteY1"/>
+              </a:cxn>
+              <a:cxn ang="0">
+                <a:pos x="connsiteX2" y="connsiteY2"/>
+              </a:cxn>
+              <a:cxn ang="0">
+                <a:pos x="connsiteX3" y="connsiteY3"/>
+              </a:cxn>
+              <a:cxn ang="0">
+                <a:pos x="connsiteX4" y="connsiteY4"/>
+              </a:cxn>
+            </a:cxnLst>
+            <a:rect l="l" t="t" r="r" b="b"/>
+            <a:pathLst>
+              <a:path w="683623" h="631183">
+                <a:moveTo>
+                  <a:pt x="0" y="524817"/>
+                </a:moveTo>
+                <a:cubicBezTo>
+                  <a:pt x="682171" y="-6389"/>
+                  <a:pt x="10160" y="526791"/>
+                  <a:pt x="683623" y="0"/>
+                </a:cubicBezTo>
+                <a:cubicBezTo>
+                  <a:pt x="682172" y="214811"/>
+                  <a:pt x="680720" y="416372"/>
+                  <a:pt x="679269" y="631183"/>
+                </a:cubicBezTo>
+                <a:lnTo>
+                  <a:pt x="400594" y="524817"/>
+                </a:lnTo>
+                <a:lnTo>
+                  <a:pt x="0" y="524817"/>
+                </a:lnTo>
+                <a:close/>
+              </a:path>
+            </a:pathLst>
+          </a:custGeom>
+          <a:solidFill>
+            <a:schemeClr val="accent2">
+              <a:alpha val="27000"/>
+            </a:schemeClr>
+          </a:solidFill>
+          <a:ln>
+            <a:noFill/>
+          </a:ln>
+        </p:spPr>
+        <p:style>
+          <a:lnRef idx="2">
+            <a:schemeClr val="accent1">
+              <a:shade val="50000"/>
+            </a:schemeClr>
+          </a:lnRef>
+          <a:fillRef idx="1">
+            <a:schemeClr val="accent1"/>
+          </a:fillRef>
+          <a:effectRef idx="0">
+            <a:schemeClr val="accent1"/>
+          </a:effectRef>
+          <a:fontRef idx="minor">
+            <a:schemeClr val="lt1"/>
+          </a:fontRef>
+        </p:style>
+        <p:txBody>
+          <a:bodyPr rtlCol="0" anchor="ctr"/>
+          <a:lstStyle/>
+          <a:p>
+            <a:pPr algn="ctr"/>
+            <a:endParaRPr lang="en-US"/>
+          </a:p>
+        </p:txBody>
+      </p:sp>
+      <p:sp>
+        <p:nvSpPr>
+          <p:cNvPr id="10" name="Freeform 9">
+            <a:extLst>
+              <a:ext uri="{FF2B5EF4-FFF2-40B4-BE49-F238E27FC236}">
+                <a16:creationId xmlns:a16="http://schemas.microsoft.com/office/drawing/2014/main" id="{EE85AB98-A54E-51B6-FBAF-F9C7DCDB3E62}"/>
+              </a:ext>
+            </a:extLst>
+          </p:cNvPr>
+          <p:cNvSpPr/>
+          <p:nvPr/>
+        </p:nvSpPr>
+        <p:spPr>
+          <a:xfrm>
+            <a:off x="2730437" y="1730979"/>
+            <a:ext cx="1240971" cy="618308"/>
+          </a:xfrm>
+          <a:custGeom>
+            <a:avLst/>
+            <a:gdLst>
+              <a:gd name="connsiteX0" fmla="*/ 0 w 1240971"/>
+              <a:gd name="connsiteY0" fmla="*/ 348342 h 618308"/>
+              <a:gd name="connsiteX1" fmla="*/ 1240971 w 1240971"/>
+              <a:gd name="connsiteY1" fmla="*/ 0 h 618308"/>
+              <a:gd name="connsiteX2" fmla="*/ 1240971 w 1240971"/>
+              <a:gd name="connsiteY2" fmla="*/ 618308 h 618308"/>
+              <a:gd name="connsiteX3" fmla="*/ 953588 w 1240971"/>
+              <a:gd name="connsiteY3" fmla="*/ 230777 h 618308"/>
+              <a:gd name="connsiteX4" fmla="*/ 404948 w 1240971"/>
+              <a:gd name="connsiteY4" fmla="*/ 348342 h 618308"/>
+              <a:gd name="connsiteX5" fmla="*/ 0 w 1240971"/>
+              <a:gd name="connsiteY5" fmla="*/ 348342 h 618308"/>
+            </a:gdLst>
+            <a:ahLst/>
+            <a:cxnLst>
+              <a:cxn ang="0">
+                <a:pos x="connsiteX0" y="connsiteY0"/>
+              </a:cxn>
+              <a:cxn ang="0">
+                <a:pos x="connsiteX1" y="connsiteY1"/>
+              </a:cxn>
+              <a:cxn ang="0">
+                <a:pos x="connsiteX2" y="connsiteY2"/>
+              </a:cxn>
+              <a:cxn ang="0">
+                <a:pos x="connsiteX3" y="connsiteY3"/>
+              </a:cxn>
+              <a:cxn ang="0">
+                <a:pos x="connsiteX4" y="connsiteY4"/>
+              </a:cxn>
+              <a:cxn ang="0">
+                <a:pos x="connsiteX5" y="connsiteY5"/>
+              </a:cxn>
+            </a:cxnLst>
+            <a:rect l="l" t="t" r="r" b="b"/>
+            <a:pathLst>
+              <a:path w="1240971" h="618308">
+                <a:moveTo>
+                  <a:pt x="0" y="348342"/>
+                </a:moveTo>
+                <a:lnTo>
+                  <a:pt x="1240971" y="0"/>
+                </a:lnTo>
+                <a:lnTo>
+                  <a:pt x="1240971" y="618308"/>
+                </a:lnTo>
+                <a:lnTo>
+                  <a:pt x="953588" y="230777"/>
+                </a:lnTo>
+                <a:lnTo>
+                  <a:pt x="404948" y="348342"/>
+                </a:lnTo>
+                <a:lnTo>
+                  <a:pt x="0" y="348342"/>
+                </a:lnTo>
+                <a:close/>
+              </a:path>
+            </a:pathLst>
+          </a:custGeom>
+          <a:solidFill>
+            <a:schemeClr val="accent1">
+              <a:alpha val="27000"/>
+            </a:schemeClr>
+          </a:solidFill>
+          <a:ln>
+            <a:noFill/>
+          </a:ln>
+        </p:spPr>
+        <p:style>
+          <a:lnRef idx="2">
+            <a:schemeClr val="accent1">
+              <a:shade val="50000"/>
+            </a:schemeClr>
+          </a:lnRef>
+          <a:fillRef idx="1">
+            <a:schemeClr val="accent1"/>
+          </a:fillRef>
+          <a:effectRef idx="0">
+            <a:schemeClr val="accent1"/>
+          </a:effectRef>
+          <a:fontRef idx="minor">
+            <a:schemeClr val="lt1"/>
+          </a:fontRef>
+        </p:style>
+        <p:txBody>
+          <a:bodyPr rtlCol="0" anchor="ctr"/>
+          <a:lstStyle/>
+          <a:p>
+            <a:pPr algn="ctr"/>
+            <a:endParaRPr lang="en-US"/>
+          </a:p>
+        </p:txBody>
+      </p:sp>
+      <p:sp>
+        <p:nvSpPr>
+          <p:cNvPr id="11" name="Left Brace 10">
+            <a:extLst>
+              <a:ext uri="{FF2B5EF4-FFF2-40B4-BE49-F238E27FC236}">
+                <a16:creationId xmlns:a16="http://schemas.microsoft.com/office/drawing/2014/main" id="{9BA2CDF6-5039-F43E-A27B-176608501742}"/>
+              </a:ext>
+            </a:extLst>
+          </p:cNvPr>
+          <p:cNvSpPr/>
+          <p:nvPr/>
+        </p:nvSpPr>
+        <p:spPr>
+          <a:xfrm flipH="1">
+            <a:off x="6952178" y="1692178"/>
+            <a:ext cx="187234" cy="1477783"/>
+          </a:xfrm>
+          <a:prstGeom prst="leftBrace">
+            <a:avLst/>
+          </a:prstGeom>
+          <a:ln w="28575">
+            <a:solidFill>
+              <a:schemeClr val="tx1"/>
+            </a:solidFill>
+          </a:ln>
+        </p:spPr>
+        <p:style>
+          <a:lnRef idx="1">
+            <a:schemeClr val="accent1"/>
+          </a:lnRef>
+          <a:fillRef idx="0">
+            <a:schemeClr val="accent1"/>
+          </a:fillRef>
+          <a:effectRef idx="0">
+            <a:schemeClr val="accent1"/>
+          </a:effectRef>
+          <a:fontRef idx="minor">
+            <a:schemeClr val="tx1"/>
+          </a:fontRef>
+        </p:style>
+        <p:txBody>
+          <a:bodyPr rtlCol="0" anchor="ctr"/>
+          <a:lstStyle/>
+          <a:p>
+            <a:pPr algn="ctr"/>
+            <a:endParaRPr lang="en-US"/>
+          </a:p>
+        </p:txBody>
+      </p:sp>
+      <p:sp>
+        <p:nvSpPr>
+          <p:cNvPr id="13" name="TextBox 12">
+            <a:extLst>
+              <a:ext uri="{FF2B5EF4-FFF2-40B4-BE49-F238E27FC236}">
+                <a16:creationId xmlns:a16="http://schemas.microsoft.com/office/drawing/2014/main" id="{941A8398-9FB7-0A2B-8478-3069ED317445}"/>
+              </a:ext>
+            </a:extLst>
+          </p:cNvPr>
+          <p:cNvSpPr txBox="1"/>
+          <p:nvPr/>
+        </p:nvSpPr>
+        <p:spPr>
+          <a:xfrm>
+            <a:off x="7087295" y="2246403"/>
+            <a:ext cx="2477589" cy="646331"/>
+          </a:xfrm>
+          <a:prstGeom prst="rect">
+            <a:avLst/>
+          </a:prstGeom>
+          <a:noFill/>
+        </p:spPr>
+        <p:txBody>
+          <a:bodyPr wrap="square">
+            <a:spAutoFit/>
+          </a:bodyPr>
+          <a:lstStyle/>
+          <a:p>
+            <a:pPr algn="ctr"/>
+            <a:r>
+              <a:rPr lang="en-US" sz="1800" b="1" dirty="0">
+                <a:solidFill>
+                  <a:schemeClr val="tx1"/>
+                </a:solidFill>
+                <a:latin typeface="Arial" panose="020B0604020202020204" pitchFamily="34" charset="0"/>
+                <a:cs typeface="Arial" panose="020B0604020202020204" pitchFamily="34" charset="0"/>
+              </a:rPr>
+              <a:t>Hyperparameters</a:t>
+            </a:r>
+            <a:r>
+              <a:rPr lang="en-US" sz="1800" dirty="0">
+                <a:solidFill>
+                  <a:schemeClr val="tx1"/>
+                </a:solidFill>
+                <a:latin typeface="Arial" panose="020B0604020202020204" pitchFamily="34" charset="0"/>
+                <a:cs typeface="Arial" panose="020B0604020202020204" pitchFamily="34" charset="0"/>
+              </a:rPr>
+              <a:t>: choices we make</a:t>
+            </a:r>
+            <a:endParaRPr lang="en-US" b="1" dirty="0">
+              <a:solidFill>
+                <a:schemeClr val="tx1"/>
+              </a:solidFill>
+              <a:latin typeface="Arial" panose="020B0604020202020204" pitchFamily="34" charset="0"/>
+              <a:cs typeface="Arial" panose="020B0604020202020204" pitchFamily="34" charset="0"/>
+            </a:endParaRPr>
+          </a:p>
+        </p:txBody>
+      </p:sp>
+      <p:pic>
+        <p:nvPicPr>
+          <p:cNvPr id="15" name="Graphic 14" descr="Magnifying glass with solid fill">
+            <a:extLst>
+              <a:ext uri="{FF2B5EF4-FFF2-40B4-BE49-F238E27FC236}">
+                <a16:creationId xmlns:a16="http://schemas.microsoft.com/office/drawing/2014/main" id="{48C9B15B-E44E-7B73-C616-3E9697DA4A3A}"/>
+              </a:ext>
+            </a:extLst>
+          </p:cNvPr>
+          <p:cNvPicPr>
+            <a:picLocks noChangeAspect="1"/>
+          </p:cNvPicPr>
+          <p:nvPr/>
+        </p:nvPicPr>
+        <p:blipFill>
+          <a:blip r:embed="rId3">
+            <a:extLst>
+              <a:ext uri="{96DAC541-7B7A-43D3-8B79-37D633B846F1}">
+                <asvg:svgBlip xmlns:asvg="http://schemas.microsoft.com/office/drawing/2016/SVG/main" r:embed="rId4"/>
+              </a:ext>
+            </a:extLst>
+          </a:blip>
+          <a:stretch>
+            <a:fillRect/>
+          </a:stretch>
+        </p:blipFill>
+        <p:spPr>
+          <a:xfrm>
+            <a:off x="2678841" y="2617076"/>
+            <a:ext cx="914400" cy="914400"/>
+          </a:xfrm>
+          <a:prstGeom prst="rect">
+            <a:avLst/>
+          </a:prstGeom>
+        </p:spPr>
+      </p:pic>
+      <p:sp>
+        <p:nvSpPr>
+          <p:cNvPr id="16" name="Rectangle 15">
+            <a:extLst>
+              <a:ext uri="{FF2B5EF4-FFF2-40B4-BE49-F238E27FC236}">
+                <a16:creationId xmlns:a16="http://schemas.microsoft.com/office/drawing/2014/main" id="{9A3F88C3-3E7E-9BA1-69D7-683A0AB5F57A}"/>
+              </a:ext>
+            </a:extLst>
+          </p:cNvPr>
+          <p:cNvSpPr/>
+          <p:nvPr/>
+        </p:nvSpPr>
+        <p:spPr>
+          <a:xfrm>
+            <a:off x="3481811" y="3488200"/>
+            <a:ext cx="3373155" cy="635349"/>
+          </a:xfrm>
+          <a:prstGeom prst="rect">
+            <a:avLst/>
+          </a:prstGeom>
+          <a:solidFill>
+            <a:schemeClr val="bg1">
+              <a:lumMod val="85000"/>
+            </a:schemeClr>
+          </a:solidFill>
+          <a:ln w="34925">
+            <a:solidFill>
+              <a:schemeClr val="tx1"/>
+            </a:solidFill>
+          </a:ln>
+        </p:spPr>
+        <p:style>
+          <a:lnRef idx="2">
+            <a:schemeClr val="accent1">
+              <a:shade val="50000"/>
+            </a:schemeClr>
+          </a:lnRef>
+          <a:fillRef idx="1">
+            <a:schemeClr val="accent1"/>
+          </a:fillRef>
+          <a:effectRef idx="0">
+            <a:schemeClr val="accent1"/>
+          </a:effectRef>
+          <a:fontRef idx="minor">
+            <a:schemeClr val="lt1"/>
+          </a:fontRef>
+        </p:style>
+        <p:txBody>
+          <a:bodyPr rtlCol="0" anchor="ctr"/>
+          <a:lstStyle/>
+          <a:p>
+            <a:pPr algn="ctr"/>
+            <a:r>
+              <a:rPr lang="en-US" sz="2000" b="1" dirty="0">
+                <a:solidFill>
+                  <a:schemeClr val="tx1"/>
+                </a:solidFill>
+                <a:latin typeface="Arial" panose="020B0604020202020204" pitchFamily="34" charset="0"/>
+                <a:cs typeface="Arial" panose="020B0604020202020204" pitchFamily="34" charset="0"/>
+              </a:rPr>
+              <a:t>Parameters:</a:t>
+            </a:r>
+            <a:r>
+              <a:rPr lang="en-US" sz="2000" dirty="0">
+                <a:solidFill>
+                  <a:schemeClr val="tx1"/>
+                </a:solidFill>
+                <a:latin typeface="Arial" panose="020B0604020202020204" pitchFamily="34" charset="0"/>
+                <a:cs typeface="Arial" panose="020B0604020202020204" pitchFamily="34" charset="0"/>
+              </a:rPr>
+              <a:t> learned through training</a:t>
+            </a:r>
+            <a:endParaRPr lang="en-US" sz="1200" b="1" dirty="0">
+              <a:solidFill>
+                <a:schemeClr val="tx1"/>
+              </a:solidFill>
+              <a:latin typeface="Arial" panose="020B0604020202020204" pitchFamily="34" charset="0"/>
+              <a:cs typeface="Arial" panose="020B0604020202020204" pitchFamily="34" charset="0"/>
+            </a:endParaRPr>
+          </a:p>
+        </p:txBody>
+      </p:sp>
+      <p:sp>
+        <p:nvSpPr>
+          <p:cNvPr id="17" name="Freeform 16">
+            <a:extLst>
+              <a:ext uri="{FF2B5EF4-FFF2-40B4-BE49-F238E27FC236}">
+                <a16:creationId xmlns:a16="http://schemas.microsoft.com/office/drawing/2014/main" id="{C9286796-87A7-C6EB-67E9-32EFAED02A82}"/>
+              </a:ext>
+            </a:extLst>
+          </p:cNvPr>
+          <p:cNvSpPr/>
+          <p:nvPr/>
+        </p:nvSpPr>
+        <p:spPr>
+          <a:xfrm>
+            <a:off x="2978631" y="2562647"/>
+            <a:ext cx="505097" cy="1567543"/>
+          </a:xfrm>
+          <a:custGeom>
+            <a:avLst/>
+            <a:gdLst>
+              <a:gd name="connsiteX0" fmla="*/ 0 w 505097"/>
+              <a:gd name="connsiteY0" fmla="*/ 0 h 1567543"/>
+              <a:gd name="connsiteX1" fmla="*/ 505097 w 505097"/>
+              <a:gd name="connsiteY1" fmla="*/ 940526 h 1567543"/>
+              <a:gd name="connsiteX2" fmla="*/ 496389 w 505097"/>
+              <a:gd name="connsiteY2" fmla="*/ 1567543 h 1567543"/>
+              <a:gd name="connsiteX3" fmla="*/ 0 w 505097"/>
+              <a:gd name="connsiteY3" fmla="*/ 0 h 1567543"/>
+            </a:gdLst>
+            <a:ahLst/>
+            <a:cxnLst>
+              <a:cxn ang="0">
+                <a:pos x="connsiteX0" y="connsiteY0"/>
+              </a:cxn>
+              <a:cxn ang="0">
+                <a:pos x="connsiteX1" y="connsiteY1"/>
+              </a:cxn>
+              <a:cxn ang="0">
+                <a:pos x="connsiteX2" y="connsiteY2"/>
+              </a:cxn>
+              <a:cxn ang="0">
+                <a:pos x="connsiteX3" y="connsiteY3"/>
+              </a:cxn>
+            </a:cxnLst>
+            <a:rect l="l" t="t" r="r" b="b"/>
+            <a:pathLst>
+              <a:path w="505097" h="1567543">
+                <a:moveTo>
+                  <a:pt x="0" y="0"/>
+                </a:moveTo>
+                <a:lnTo>
+                  <a:pt x="505097" y="940526"/>
+                </a:lnTo>
+                <a:lnTo>
+                  <a:pt x="496389" y="1567543"/>
+                </a:lnTo>
+                <a:lnTo>
+                  <a:pt x="0" y="0"/>
+                </a:lnTo>
+                <a:close/>
+              </a:path>
+            </a:pathLst>
+          </a:custGeom>
+          <a:solidFill>
+            <a:schemeClr val="tx1">
+              <a:alpha val="14000"/>
+            </a:schemeClr>
+          </a:solidFill>
+          <a:ln>
+            <a:noFill/>
+          </a:ln>
+        </p:spPr>
+        <p:style>
+          <a:lnRef idx="2">
+            <a:schemeClr val="accent1">
+              <a:shade val="50000"/>
+            </a:schemeClr>
+          </a:lnRef>
+          <a:fillRef idx="1">
+            <a:schemeClr val="accent1"/>
+          </a:fillRef>
+          <a:effectRef idx="0">
+            <a:schemeClr val="accent1"/>
+          </a:effectRef>
+          <a:fontRef idx="minor">
+            <a:schemeClr val="lt1"/>
+          </a:fontRef>
+        </p:style>
+        <p:txBody>
+          <a:bodyPr rtlCol="0" anchor="ctr"/>
+          <a:lstStyle/>
+          <a:p>
+            <a:pPr algn="ctr"/>
+            <a:endParaRPr lang="en-US"/>
+          </a:p>
+        </p:txBody>
+      </p:sp>
+      <p:pic>
+        <p:nvPicPr>
+          <p:cNvPr id="19" name="Graphic 18" descr="Database with solid fill">
+            <a:extLst>
+              <a:ext uri="{FF2B5EF4-FFF2-40B4-BE49-F238E27FC236}">
+                <a16:creationId xmlns:a16="http://schemas.microsoft.com/office/drawing/2014/main" id="{94E39130-6379-BCBA-4E75-11A20166F6AD}"/>
+              </a:ext>
+            </a:extLst>
+          </p:cNvPr>
+          <p:cNvPicPr>
+            <a:picLocks noChangeAspect="1"/>
+          </p:cNvPicPr>
+          <p:nvPr/>
+        </p:nvPicPr>
+        <p:blipFill>
+          <a:blip r:embed="rId5">
+            <a:extLst>
+              <a:ext uri="{96DAC541-7B7A-43D3-8B79-37D633B846F1}">
+                <asvg:svgBlip xmlns:asvg="http://schemas.microsoft.com/office/drawing/2016/SVG/main" r:embed="rId6"/>
+              </a:ext>
+            </a:extLst>
+          </a:blip>
+          <a:stretch>
+            <a:fillRect/>
+          </a:stretch>
+        </p:blipFill>
+        <p:spPr>
+          <a:xfrm>
+            <a:off x="6801694" y="3338015"/>
+            <a:ext cx="914400" cy="914400"/>
+          </a:xfrm>
+          <a:prstGeom prst="rect">
+            <a:avLst/>
+          </a:prstGeom>
+        </p:spPr>
+      </p:pic>
+      <p:pic>
+        <p:nvPicPr>
+          <p:cNvPr id="21" name="Graphic 20" descr="Scientist female with solid fill">
+            <a:extLst>
+              <a:ext uri="{FF2B5EF4-FFF2-40B4-BE49-F238E27FC236}">
+                <a16:creationId xmlns:a16="http://schemas.microsoft.com/office/drawing/2014/main" id="{D8E1DBEB-9848-5ADA-758D-9FA3606AAD7B}"/>
+              </a:ext>
+            </a:extLst>
+          </p:cNvPr>
+          <p:cNvPicPr>
+            <a:picLocks noChangeAspect="1"/>
+          </p:cNvPicPr>
+          <p:nvPr/>
+        </p:nvPicPr>
+        <p:blipFill>
+          <a:blip r:embed="rId7">
+            <a:extLst>
+              <a:ext uri="{96DAC541-7B7A-43D3-8B79-37D633B846F1}">
+                <asvg:svgBlip xmlns:asvg="http://schemas.microsoft.com/office/drawing/2016/SVG/main" r:embed="rId8"/>
+              </a:ext>
+            </a:extLst>
+          </a:blip>
+          <a:stretch>
+            <a:fillRect/>
+          </a:stretch>
+        </p:blipFill>
+        <p:spPr>
+          <a:xfrm>
+            <a:off x="9283637" y="2105447"/>
+            <a:ext cx="914400" cy="914400"/>
+          </a:xfrm>
+          <a:prstGeom prst="rect">
+            <a:avLst/>
+          </a:prstGeom>
+        </p:spPr>
+      </p:pic>
+    </p:spTree>
+    <p:extLst>
+      <p:ext uri="{BB962C8B-B14F-4D97-AF65-F5344CB8AC3E}">
+        <p14:creationId xmlns:p14="http://schemas.microsoft.com/office/powerpoint/2010/main" val="525635109"/>
+      </p:ext>
+    </p:extLst>
+  </p:cSld>
+  <p:clrMapOvr>
+    <a:masterClrMapping/>
+  </p:clrMapOvr>
+</p:sld>
+</file>
+
+<file path=ppt/slides/slide4.xml><?xml version="1.0" encoding="utf-8"?>
+<p:sld xmlns:a="http://schemas.openxmlformats.org/drawingml/2006/main" xmlns:r="http://schemas.openxmlformats.org/officeDocument/2006/relationships" xmlns:p="http://schemas.openxmlformats.org/presentationml/2006/main">
+  <p:cSld>
+    <p:spTree>
+      <p:nvGrpSpPr>
+        <p:cNvPr id="1" name=""/>
+        <p:cNvGrpSpPr/>
+        <p:nvPr/>
+      </p:nvGrpSpPr>
+      <p:grpSpPr>
+        <a:xfrm>
+          <a:off x="0" y="0"/>
+          <a:ext cx="0" cy="0"/>
+          <a:chOff x="0" y="0"/>
+          <a:chExt cx="0" cy="0"/>
+        </a:xfrm>
+      </p:grpSpPr>
+      <p:sp>
+        <p:nvSpPr>
+          <p:cNvPr id="4" name="TextBox 3">
+            <a:extLst>
+              <a:ext uri="{FF2B5EF4-FFF2-40B4-BE49-F238E27FC236}">
+                <a16:creationId xmlns:a16="http://schemas.microsoft.com/office/drawing/2014/main" id="{2BF21610-3E4C-1062-5ED9-1DBB2071DC2B}"/>
+              </a:ext>
+            </a:extLst>
+          </p:cNvPr>
+          <p:cNvSpPr txBox="1"/>
+          <p:nvPr/>
+        </p:nvSpPr>
+        <p:spPr>
+          <a:xfrm>
+            <a:off x="2260275" y="1221459"/>
+            <a:ext cx="2477589" cy="646331"/>
+          </a:xfrm>
+          <a:prstGeom prst="rect">
+            <a:avLst/>
+          </a:prstGeom>
+          <a:noFill/>
+        </p:spPr>
+        <p:txBody>
+          <a:bodyPr wrap="square">
+            <a:spAutoFit/>
+          </a:bodyPr>
+          <a:lstStyle/>
+          <a:p>
+            <a:pPr algn="ctr"/>
+            <a:r>
+              <a:rPr lang="en-US" sz="1800" b="1" dirty="0">
+                <a:solidFill>
+                  <a:schemeClr val="tx1"/>
+                </a:solidFill>
+                <a:latin typeface="Arial" panose="020B0604020202020204" pitchFamily="34" charset="0"/>
+                <a:cs typeface="Arial" panose="020B0604020202020204" pitchFamily="34" charset="0"/>
+              </a:rPr>
+              <a:t>Nominal Labels:</a:t>
+            </a:r>
+          </a:p>
+          <a:p>
+            <a:pPr algn="ctr"/>
+            <a:r>
+              <a:rPr lang="en-US" dirty="0">
+                <a:latin typeface="Arial" panose="020B0604020202020204" pitchFamily="34" charset="0"/>
+                <a:cs typeface="Arial" panose="020B0604020202020204" pitchFamily="34" charset="0"/>
+              </a:rPr>
+              <a:t>Classification</a:t>
+            </a:r>
+            <a:endParaRPr lang="en-US" dirty="0">
+              <a:solidFill>
+                <a:schemeClr val="tx1"/>
+              </a:solidFill>
+              <a:latin typeface="Arial" panose="020B0604020202020204" pitchFamily="34" charset="0"/>
+              <a:cs typeface="Arial" panose="020B0604020202020204" pitchFamily="34" charset="0"/>
+            </a:endParaRPr>
+          </a:p>
+        </p:txBody>
+      </p:sp>
+      <p:sp>
+        <p:nvSpPr>
+          <p:cNvPr id="5" name="TextBox 4">
+            <a:extLst>
+              <a:ext uri="{FF2B5EF4-FFF2-40B4-BE49-F238E27FC236}">
+                <a16:creationId xmlns:a16="http://schemas.microsoft.com/office/drawing/2014/main" id="{A0F4DDE8-431D-8B13-D0A0-95B576A069A2}"/>
+              </a:ext>
+            </a:extLst>
+          </p:cNvPr>
+          <p:cNvSpPr txBox="1"/>
+          <p:nvPr/>
+        </p:nvSpPr>
+        <p:spPr>
+          <a:xfrm>
+            <a:off x="7252689" y="1229526"/>
+            <a:ext cx="2477589" cy="646331"/>
+          </a:xfrm>
+          <a:prstGeom prst="rect">
+            <a:avLst/>
+          </a:prstGeom>
+          <a:noFill/>
+        </p:spPr>
+        <p:txBody>
+          <a:bodyPr wrap="square">
+            <a:spAutoFit/>
+          </a:bodyPr>
+          <a:lstStyle/>
+          <a:p>
+            <a:pPr algn="ctr"/>
+            <a:r>
+              <a:rPr lang="en-US" sz="1800" b="1" dirty="0">
+                <a:solidFill>
+                  <a:schemeClr val="tx1"/>
+                </a:solidFill>
+                <a:latin typeface="Arial" panose="020B0604020202020204" pitchFamily="34" charset="0"/>
+                <a:cs typeface="Arial" panose="020B0604020202020204" pitchFamily="34" charset="0"/>
+              </a:rPr>
+              <a:t>Quantitative Labels:</a:t>
+            </a:r>
+          </a:p>
+          <a:p>
+            <a:pPr algn="ctr"/>
+            <a:r>
+              <a:rPr lang="en-US" dirty="0">
+                <a:latin typeface="Arial" panose="020B0604020202020204" pitchFamily="34" charset="0"/>
+                <a:cs typeface="Arial" panose="020B0604020202020204" pitchFamily="34" charset="0"/>
+              </a:rPr>
+              <a:t>Regression</a:t>
+            </a:r>
+            <a:endParaRPr lang="en-US" dirty="0">
+              <a:solidFill>
+                <a:schemeClr val="tx1"/>
+              </a:solidFill>
+              <a:latin typeface="Arial" panose="020B0604020202020204" pitchFamily="34" charset="0"/>
+              <a:cs typeface="Arial" panose="020B0604020202020204" pitchFamily="34" charset="0"/>
+            </a:endParaRPr>
+          </a:p>
+        </p:txBody>
+      </p:sp>
+      <mc:AlternateContent xmlns:mc="http://schemas.openxmlformats.org/markup-compatibility/2006">
+        <mc:Choice xmlns:a14="http://schemas.microsoft.com/office/drawing/2010/main" Requires="a14">
+          <p:graphicFrame>
+            <p:nvGraphicFramePr>
+              <p:cNvPr id="6" name="Table 6">
+                <a:extLst>
+                  <a:ext uri="{FF2B5EF4-FFF2-40B4-BE49-F238E27FC236}">
+                    <a16:creationId xmlns:a16="http://schemas.microsoft.com/office/drawing/2014/main" id="{14C19F54-B4D4-34A2-57BC-E26AB42F05E4}"/>
+                  </a:ext>
+                </a:extLst>
+              </p:cNvPr>
+              <p:cNvGraphicFramePr>
+                <a:graphicFrameLocks noGrp="1"/>
+              </p:cNvGraphicFramePr>
+              <p:nvPr>
+                <p:extLst>
+                  <p:ext uri="{D42A27DB-BD31-4B8C-83A1-F6EECF244321}">
+                    <p14:modId xmlns:p14="http://schemas.microsoft.com/office/powerpoint/2010/main" val="2643684805"/>
+                  </p:ext>
+                </p:extLst>
+              </p:nvPr>
+            </p:nvGraphicFramePr>
+            <p:xfrm>
+              <a:off x="1117601" y="1945640"/>
+              <a:ext cx="4573752" cy="1483360"/>
+            </p:xfrm>
+            <a:graphic>
+              <a:graphicData uri="http://schemas.openxmlformats.org/drawingml/2006/table">
+                <a:tbl>
+                  <a:tblPr firstRow="1" bandRow="1">
+                    <a:tableStyleId>{5C22544A-7EE6-4342-B048-85BDC9FD1C3A}</a:tableStyleId>
+                  </a:tblPr>
+                  <a:tblGrid>
+                    <a:gridCol w="1524584">
+                      <a:extLst>
+                        <a:ext uri="{9D8B030D-6E8A-4147-A177-3AD203B41FA5}">
+                          <a16:colId xmlns:a16="http://schemas.microsoft.com/office/drawing/2014/main" val="2127747194"/>
+                        </a:ext>
+                      </a:extLst>
+                    </a:gridCol>
+                    <a:gridCol w="1524584">
+                      <a:extLst>
+                        <a:ext uri="{9D8B030D-6E8A-4147-A177-3AD203B41FA5}">
+                          <a16:colId xmlns:a16="http://schemas.microsoft.com/office/drawing/2014/main" val="1538441994"/>
+                        </a:ext>
+                      </a:extLst>
+                    </a:gridCol>
+                    <a:gridCol w="1524584">
+                      <a:extLst>
+                        <a:ext uri="{9D8B030D-6E8A-4147-A177-3AD203B41FA5}">
+                          <a16:colId xmlns:a16="http://schemas.microsoft.com/office/drawing/2014/main" val="2738080725"/>
+                        </a:ext>
+                      </a:extLst>
+                    </a:gridCol>
+                  </a:tblGrid>
+                  <a:tr h="370840">
+                    <a:tc>
+                      <a:txBody>
+                        <a:bodyPr/>
+                        <a:lstStyle/>
+                        <a:p>
+                          <a:endParaRPr lang="en-US">
+                            <a:latin typeface="Arial" panose="020B0604020202020204" pitchFamily="34" charset="0"/>
+                            <a:cs typeface="Arial" panose="020B0604020202020204" pitchFamily="34" charset="0"/>
+                          </a:endParaRPr>
+                        </a:p>
+                      </a:txBody>
+                      <a:tcPr/>
+                    </a:tc>
+                    <a:tc>
+                      <a:txBody>
+                        <a:bodyPr/>
+                        <a:lstStyle/>
+                        <a:p>
+                          <a:pPr algn="ctr"/>
+                          <a14:m>
+                            <m:oMathPara xmlns:m="http://schemas.openxmlformats.org/officeDocument/2006/math">
+                              <m:oMathParaPr>
+                                <m:jc m:val="centerGroup"/>
+                              </m:oMathParaPr>
+                              <m:oMath xmlns:m="http://schemas.openxmlformats.org/officeDocument/2006/math">
+                                <m:r>
+                                  <a:rPr lang="en-US" b="1" i="1" smtClean="0">
+                                    <a:latin typeface="Cambria Math" panose="02040503050406030204" pitchFamily="18" charset="0"/>
+                                    <a:cs typeface="Arial" panose="020B0604020202020204" pitchFamily="34" charset="0"/>
+                                  </a:rPr>
+                                  <m:t>𝒚</m:t>
+                                </m:r>
+                              </m:oMath>
+                            </m:oMathPara>
+                          </a14:m>
+                          <a:endParaRPr lang="en-US" dirty="0">
+                            <a:latin typeface="Arial" panose="020B0604020202020204" pitchFamily="34" charset="0"/>
+                            <a:cs typeface="Arial" panose="020B0604020202020204" pitchFamily="34" charset="0"/>
+                          </a:endParaRPr>
+                        </a:p>
+                      </a:txBody>
+                      <a:tcPr/>
+                    </a:tc>
+                    <a:tc>
+                      <a:txBody>
+                        <a:bodyPr/>
+                        <a:lstStyle/>
+                        <a:p>
+                          <a:pPr algn="ctr"/>
+                          <a14:m>
+                            <m:oMathPara xmlns:m="http://schemas.openxmlformats.org/officeDocument/2006/math">
+                              <m:oMathParaPr>
+                                <m:jc m:val="centerGroup"/>
+                              </m:oMathParaPr>
+                              <m:oMath xmlns:m="http://schemas.openxmlformats.org/officeDocument/2006/math">
+                                <m:acc>
+                                  <m:accPr>
+                                    <m:chr m:val="̂"/>
+                                    <m:ctrlPr>
+                                      <a:rPr lang="en-US" b="1" i="1" smtClean="0">
+                                        <a:latin typeface="Cambria Math" panose="02040503050406030204" pitchFamily="18" charset="0"/>
+                                        <a:cs typeface="Arial" panose="020B0604020202020204" pitchFamily="34" charset="0"/>
+                                      </a:rPr>
+                                    </m:ctrlPr>
+                                  </m:accPr>
+                                  <m:e>
+                                    <m:r>
+                                      <a:rPr lang="en-US" b="1" i="1" smtClean="0">
+                                        <a:latin typeface="Cambria Math" panose="02040503050406030204" pitchFamily="18" charset="0"/>
+                                        <a:cs typeface="Arial" panose="020B0604020202020204" pitchFamily="34" charset="0"/>
+                                      </a:rPr>
+                                      <m:t>𝒚</m:t>
+                                    </m:r>
+                                  </m:e>
+                                </m:acc>
+                              </m:oMath>
+                            </m:oMathPara>
+                          </a14:m>
+                          <a:endParaRPr lang="en-US" dirty="0">
+                            <a:latin typeface="Arial" panose="020B0604020202020204" pitchFamily="34" charset="0"/>
+                            <a:cs typeface="Arial" panose="020B0604020202020204" pitchFamily="34" charset="0"/>
+                          </a:endParaRPr>
+                        </a:p>
+                      </a:txBody>
+                      <a:tcPr/>
+                    </a:tc>
+                    <a:extLst>
+                      <a:ext uri="{0D108BD9-81ED-4DB2-BD59-A6C34878D82A}">
+                        <a16:rowId xmlns:a16="http://schemas.microsoft.com/office/drawing/2014/main" val="4216200332"/>
+                      </a:ext>
+                    </a:extLst>
+                  </a:tr>
+                  <a:tr h="370840">
+                    <a:tc>
+                      <a:txBody>
+                        <a:bodyPr/>
+                        <a:lstStyle/>
+                        <a:p>
+                          <a:r>
+                            <a:rPr lang="en-US" dirty="0">
+                              <a:latin typeface="Arial" panose="020B0604020202020204" pitchFamily="34" charset="0"/>
+                              <a:cs typeface="Arial" panose="020B0604020202020204" pitchFamily="34" charset="0"/>
+                            </a:rPr>
+                            <a:t>Example 1</a:t>
+                          </a:r>
+                        </a:p>
+                      </a:txBody>
+                      <a:tcPr/>
+                    </a:tc>
+                    <a:tc>
+                      <a:txBody>
+                        <a:bodyPr/>
+                        <a:lstStyle/>
+                        <a:p>
+                          <a:pPr algn="ctr"/>
+                          <a:r>
+                            <a:rPr lang="en-US" dirty="0">
+                              <a:latin typeface="Arial" panose="020B0604020202020204" pitchFamily="34" charset="0"/>
+                              <a:cs typeface="Arial" panose="020B0604020202020204" pitchFamily="34" charset="0"/>
+                            </a:rPr>
+                            <a:t>small</a:t>
+                          </a:r>
+                        </a:p>
+                      </a:txBody>
+                      <a:tcPr/>
+                    </a:tc>
+                    <a:tc>
+                      <a:txBody>
+                        <a:bodyPr/>
+                        <a:lstStyle/>
+                        <a:p>
+                          <a:pPr algn="ctr"/>
+                          <a:r>
+                            <a:rPr lang="en-US" dirty="0">
+                              <a:latin typeface="Arial" panose="020B0604020202020204" pitchFamily="34" charset="0"/>
+                              <a:cs typeface="Arial" panose="020B0604020202020204" pitchFamily="34" charset="0"/>
+                            </a:rPr>
+                            <a:t>small</a:t>
+                          </a:r>
+                        </a:p>
+                      </a:txBody>
+                      <a:tcPr/>
+                    </a:tc>
+                    <a:extLst>
+                      <a:ext uri="{0D108BD9-81ED-4DB2-BD59-A6C34878D82A}">
+                        <a16:rowId xmlns:a16="http://schemas.microsoft.com/office/drawing/2014/main" val="199977557"/>
+                      </a:ext>
+                    </a:extLst>
+                  </a:tr>
+                  <a:tr h="370840">
+                    <a:tc>
+                      <a:txBody>
+                        <a:bodyPr/>
+                        <a:lstStyle/>
+                        <a:p>
+                          <a:r>
+                            <a:rPr lang="en-US" dirty="0">
+                              <a:latin typeface="Arial" panose="020B0604020202020204" pitchFamily="34" charset="0"/>
+                              <a:cs typeface="Arial" panose="020B0604020202020204" pitchFamily="34" charset="0"/>
+                            </a:rPr>
+                            <a:t>Example 2</a:t>
+                          </a:r>
+                        </a:p>
+                      </a:txBody>
+                      <a:tcPr/>
+                    </a:tc>
+                    <a:tc>
+                      <a:txBody>
+                        <a:bodyPr/>
+                        <a:lstStyle/>
+                        <a:p>
+                          <a:pPr algn="ctr"/>
+                          <a:r>
+                            <a:rPr lang="en-US" dirty="0">
+                              <a:latin typeface="Arial" panose="020B0604020202020204" pitchFamily="34" charset="0"/>
+                              <a:cs typeface="Arial" panose="020B0604020202020204" pitchFamily="34" charset="0"/>
+                            </a:rPr>
+                            <a:t>small</a:t>
+                          </a:r>
+                        </a:p>
+                      </a:txBody>
+                      <a:tcPr/>
+                    </a:tc>
+                    <a:tc>
+                      <a:txBody>
+                        <a:bodyPr/>
+                        <a:lstStyle/>
+                        <a:p>
+                          <a:pPr algn="ctr"/>
+                          <a:r>
+                            <a:rPr lang="en-US" dirty="0">
+                              <a:latin typeface="Arial" panose="020B0604020202020204" pitchFamily="34" charset="0"/>
+                              <a:cs typeface="Arial" panose="020B0604020202020204" pitchFamily="34" charset="0"/>
+                            </a:rPr>
+                            <a:t>large</a:t>
+                          </a:r>
+                        </a:p>
+                      </a:txBody>
+                      <a:tcPr/>
+                    </a:tc>
+                    <a:extLst>
+                      <a:ext uri="{0D108BD9-81ED-4DB2-BD59-A6C34878D82A}">
+                        <a16:rowId xmlns:a16="http://schemas.microsoft.com/office/drawing/2014/main" val="936124246"/>
+                      </a:ext>
+                    </a:extLst>
+                  </a:tr>
+                  <a:tr h="370840">
+                    <a:tc>
+                      <a:txBody>
+                        <a:bodyPr/>
+                        <a:lstStyle/>
+                        <a:p>
+                          <a:r>
+                            <a:rPr lang="en-US" dirty="0">
+                              <a:latin typeface="Arial" panose="020B0604020202020204" pitchFamily="34" charset="0"/>
+                              <a:cs typeface="Arial" panose="020B0604020202020204" pitchFamily="34" charset="0"/>
+                            </a:rPr>
+                            <a:t>Example 3</a:t>
+                          </a:r>
+                        </a:p>
+                      </a:txBody>
+                      <a:tcPr/>
+                    </a:tc>
+                    <a:tc>
+                      <a:txBody>
+                        <a:bodyPr/>
+                        <a:lstStyle/>
+                        <a:p>
+                          <a:pPr algn="ctr"/>
+                          <a:r>
+                            <a:rPr lang="en-US" dirty="0">
+                              <a:latin typeface="Arial" panose="020B0604020202020204" pitchFamily="34" charset="0"/>
+                              <a:cs typeface="Arial" panose="020B0604020202020204" pitchFamily="34" charset="0"/>
+                            </a:rPr>
+                            <a:t>large</a:t>
+                          </a:r>
+                        </a:p>
+                      </a:txBody>
+                      <a:tcPr/>
+                    </a:tc>
+                    <a:tc>
+                      <a:txBody>
+                        <a:bodyPr/>
+                        <a:lstStyle/>
+                        <a:p>
+                          <a:pPr algn="ctr"/>
+                          <a:r>
+                            <a:rPr lang="en-US" dirty="0">
+                              <a:latin typeface="Arial" panose="020B0604020202020204" pitchFamily="34" charset="0"/>
+                              <a:cs typeface="Arial" panose="020B0604020202020204" pitchFamily="34" charset="0"/>
+                            </a:rPr>
+                            <a:t>large</a:t>
+                          </a:r>
+                        </a:p>
+                      </a:txBody>
+                      <a:tcPr/>
+                    </a:tc>
+                    <a:extLst>
+                      <a:ext uri="{0D108BD9-81ED-4DB2-BD59-A6C34878D82A}">
+                        <a16:rowId xmlns:a16="http://schemas.microsoft.com/office/drawing/2014/main" val="4163346280"/>
+                      </a:ext>
+                    </a:extLst>
+                  </a:tr>
+                </a:tbl>
+              </a:graphicData>
+            </a:graphic>
+          </p:graphicFrame>
+        </mc:Choice>
+        <mc:Fallback>
+          <p:graphicFrame>
+            <p:nvGraphicFramePr>
+              <p:cNvPr id="6" name="Table 6">
+                <a:extLst>
+                  <a:ext uri="{FF2B5EF4-FFF2-40B4-BE49-F238E27FC236}">
+                    <a16:creationId xmlns:a16="http://schemas.microsoft.com/office/drawing/2014/main" id="{14C19F54-B4D4-34A2-57BC-E26AB42F05E4}"/>
+                  </a:ext>
+                </a:extLst>
+              </p:cNvPr>
+              <p:cNvGraphicFramePr>
+                <a:graphicFrameLocks noGrp="1"/>
+              </p:cNvGraphicFramePr>
+              <p:nvPr>
+                <p:extLst>
+                  <p:ext uri="{D42A27DB-BD31-4B8C-83A1-F6EECF244321}">
+                    <p14:modId xmlns:p14="http://schemas.microsoft.com/office/powerpoint/2010/main" val="2643684805"/>
+                  </p:ext>
+                </p:extLst>
+              </p:nvPr>
+            </p:nvGraphicFramePr>
+            <p:xfrm>
+              <a:off x="1117601" y="1945640"/>
+              <a:ext cx="4573752" cy="1483360"/>
+            </p:xfrm>
+            <a:graphic>
+              <a:graphicData uri="http://schemas.openxmlformats.org/drawingml/2006/table">
+                <a:tbl>
+                  <a:tblPr firstRow="1" bandRow="1">
+                    <a:tableStyleId>{5C22544A-7EE6-4342-B048-85BDC9FD1C3A}</a:tableStyleId>
+                  </a:tblPr>
+                  <a:tblGrid>
+                    <a:gridCol w="1524584">
+                      <a:extLst>
+                        <a:ext uri="{9D8B030D-6E8A-4147-A177-3AD203B41FA5}">
+                          <a16:colId xmlns:a16="http://schemas.microsoft.com/office/drawing/2014/main" val="2127747194"/>
+                        </a:ext>
+                      </a:extLst>
+                    </a:gridCol>
+                    <a:gridCol w="1524584">
+                      <a:extLst>
+                        <a:ext uri="{9D8B030D-6E8A-4147-A177-3AD203B41FA5}">
+                          <a16:colId xmlns:a16="http://schemas.microsoft.com/office/drawing/2014/main" val="1538441994"/>
+                        </a:ext>
+                      </a:extLst>
+                    </a:gridCol>
+                    <a:gridCol w="1524584">
+                      <a:extLst>
+                        <a:ext uri="{9D8B030D-6E8A-4147-A177-3AD203B41FA5}">
+                          <a16:colId xmlns:a16="http://schemas.microsoft.com/office/drawing/2014/main" val="2738080725"/>
+                        </a:ext>
+                      </a:extLst>
+                    </a:gridCol>
+                  </a:tblGrid>
+                  <a:tr h="370840">
+                    <a:tc>
+                      <a:txBody>
+                        <a:bodyPr/>
+                        <a:lstStyle/>
+                        <a:p>
+                          <a:endParaRPr lang="en-US">
+                            <a:latin typeface="Arial" panose="020B0604020202020204" pitchFamily="34" charset="0"/>
+                            <a:cs typeface="Arial" panose="020B0604020202020204" pitchFamily="34" charset="0"/>
+                          </a:endParaRPr>
+                        </a:p>
+                      </a:txBody>
+                      <a:tcPr/>
+                    </a:tc>
+                    <a:tc>
+                      <a:txBody>
+                        <a:bodyPr/>
+                        <a:lstStyle/>
+                        <a:p>
+                          <a:endParaRPr lang="en-US"/>
+                        </a:p>
+                      </a:txBody>
+                      <a:tcPr>
+                        <a:blipFill>
+                          <a:blip r:embed="rId2"/>
+                          <a:stretch>
+                            <a:fillRect l="-100000" t="-3448" r="-100826" b="-331034"/>
+                          </a:stretch>
+                        </a:blipFill>
+                      </a:tcPr>
+                    </a:tc>
+                    <a:tc>
+                      <a:txBody>
+                        <a:bodyPr/>
+                        <a:lstStyle/>
+                        <a:p>
+                          <a:endParaRPr lang="en-US"/>
+                        </a:p>
+                      </a:txBody>
+                      <a:tcPr>
+                        <a:blipFill>
+                          <a:blip r:embed="rId2"/>
+                          <a:stretch>
+                            <a:fillRect l="-201667" t="-3448" r="-1667" b="-331034"/>
+                          </a:stretch>
+                        </a:blipFill>
+                      </a:tcPr>
+                    </a:tc>
+                    <a:extLst>
+                      <a:ext uri="{0D108BD9-81ED-4DB2-BD59-A6C34878D82A}">
+                        <a16:rowId xmlns:a16="http://schemas.microsoft.com/office/drawing/2014/main" val="4216200332"/>
+                      </a:ext>
+                    </a:extLst>
+                  </a:tr>
+                  <a:tr h="370840">
+                    <a:tc>
+                      <a:txBody>
+                        <a:bodyPr/>
+                        <a:lstStyle/>
+                        <a:p>
+                          <a:r>
+                            <a:rPr lang="en-US" dirty="0">
+                              <a:latin typeface="Arial" panose="020B0604020202020204" pitchFamily="34" charset="0"/>
+                              <a:cs typeface="Arial" panose="020B0604020202020204" pitchFamily="34" charset="0"/>
+                            </a:rPr>
+                            <a:t>Example 1</a:t>
+                          </a:r>
+                        </a:p>
+                      </a:txBody>
+                      <a:tcPr/>
+                    </a:tc>
+                    <a:tc>
+                      <a:txBody>
+                        <a:bodyPr/>
+                        <a:lstStyle/>
+                        <a:p>
+                          <a:pPr algn="ctr"/>
+                          <a:r>
+                            <a:rPr lang="en-US" dirty="0">
+                              <a:latin typeface="Arial" panose="020B0604020202020204" pitchFamily="34" charset="0"/>
+                              <a:cs typeface="Arial" panose="020B0604020202020204" pitchFamily="34" charset="0"/>
+                            </a:rPr>
+                            <a:t>small</a:t>
+                          </a:r>
+                        </a:p>
+                      </a:txBody>
+                      <a:tcPr/>
+                    </a:tc>
+                    <a:tc>
+                      <a:txBody>
+                        <a:bodyPr/>
+                        <a:lstStyle/>
+                        <a:p>
+                          <a:pPr algn="ctr"/>
+                          <a:r>
+                            <a:rPr lang="en-US" dirty="0">
+                              <a:latin typeface="Arial" panose="020B0604020202020204" pitchFamily="34" charset="0"/>
+                              <a:cs typeface="Arial" panose="020B0604020202020204" pitchFamily="34" charset="0"/>
+                            </a:rPr>
+                            <a:t>small</a:t>
+                          </a:r>
+                        </a:p>
+                      </a:txBody>
+                      <a:tcPr/>
+                    </a:tc>
+                    <a:extLst>
+                      <a:ext uri="{0D108BD9-81ED-4DB2-BD59-A6C34878D82A}">
+                        <a16:rowId xmlns:a16="http://schemas.microsoft.com/office/drawing/2014/main" val="199977557"/>
+                      </a:ext>
+                    </a:extLst>
+                  </a:tr>
+                  <a:tr h="370840">
+                    <a:tc>
+                      <a:txBody>
+                        <a:bodyPr/>
+                        <a:lstStyle/>
+                        <a:p>
+                          <a:r>
+                            <a:rPr lang="en-US" dirty="0">
+                              <a:latin typeface="Arial" panose="020B0604020202020204" pitchFamily="34" charset="0"/>
+                              <a:cs typeface="Arial" panose="020B0604020202020204" pitchFamily="34" charset="0"/>
+                            </a:rPr>
+                            <a:t>Example 2</a:t>
+                          </a:r>
+                        </a:p>
+                      </a:txBody>
+                      <a:tcPr/>
+                    </a:tc>
+                    <a:tc>
+                      <a:txBody>
+                        <a:bodyPr/>
+                        <a:lstStyle/>
+                        <a:p>
+                          <a:pPr algn="ctr"/>
+                          <a:r>
+                            <a:rPr lang="en-US" dirty="0">
+                              <a:latin typeface="Arial" panose="020B0604020202020204" pitchFamily="34" charset="0"/>
+                              <a:cs typeface="Arial" panose="020B0604020202020204" pitchFamily="34" charset="0"/>
+                            </a:rPr>
+                            <a:t>small</a:t>
+                          </a:r>
+                        </a:p>
+                      </a:txBody>
+                      <a:tcPr/>
+                    </a:tc>
+                    <a:tc>
+                      <a:txBody>
+                        <a:bodyPr/>
+                        <a:lstStyle/>
+                        <a:p>
+                          <a:pPr algn="ctr"/>
+                          <a:r>
+                            <a:rPr lang="en-US" dirty="0">
+                              <a:latin typeface="Arial" panose="020B0604020202020204" pitchFamily="34" charset="0"/>
+                              <a:cs typeface="Arial" panose="020B0604020202020204" pitchFamily="34" charset="0"/>
+                            </a:rPr>
+                            <a:t>large</a:t>
+                          </a:r>
+                        </a:p>
+                      </a:txBody>
+                      <a:tcPr/>
+                    </a:tc>
+                    <a:extLst>
+                      <a:ext uri="{0D108BD9-81ED-4DB2-BD59-A6C34878D82A}">
+                        <a16:rowId xmlns:a16="http://schemas.microsoft.com/office/drawing/2014/main" val="936124246"/>
+                      </a:ext>
+                    </a:extLst>
+                  </a:tr>
+                  <a:tr h="370840">
+                    <a:tc>
+                      <a:txBody>
+                        <a:bodyPr/>
+                        <a:lstStyle/>
+                        <a:p>
+                          <a:r>
+                            <a:rPr lang="en-US" dirty="0">
+                              <a:latin typeface="Arial" panose="020B0604020202020204" pitchFamily="34" charset="0"/>
+                              <a:cs typeface="Arial" panose="020B0604020202020204" pitchFamily="34" charset="0"/>
+                            </a:rPr>
+                            <a:t>Example 3</a:t>
+                          </a:r>
+                        </a:p>
+                      </a:txBody>
+                      <a:tcPr/>
+                    </a:tc>
+                    <a:tc>
+                      <a:txBody>
+                        <a:bodyPr/>
+                        <a:lstStyle/>
+                        <a:p>
+                          <a:pPr algn="ctr"/>
+                          <a:r>
+                            <a:rPr lang="en-US" dirty="0">
+                              <a:latin typeface="Arial" panose="020B0604020202020204" pitchFamily="34" charset="0"/>
+                              <a:cs typeface="Arial" panose="020B0604020202020204" pitchFamily="34" charset="0"/>
+                            </a:rPr>
+                            <a:t>large</a:t>
+                          </a:r>
+                        </a:p>
+                      </a:txBody>
+                      <a:tcPr/>
+                    </a:tc>
+                    <a:tc>
+                      <a:txBody>
+                        <a:bodyPr/>
+                        <a:lstStyle/>
+                        <a:p>
+                          <a:pPr algn="ctr"/>
+                          <a:r>
+                            <a:rPr lang="en-US" dirty="0">
+                              <a:latin typeface="Arial" panose="020B0604020202020204" pitchFamily="34" charset="0"/>
+                              <a:cs typeface="Arial" panose="020B0604020202020204" pitchFamily="34" charset="0"/>
+                            </a:rPr>
+                            <a:t>large</a:t>
+                          </a:r>
+                        </a:p>
+                      </a:txBody>
+                      <a:tcPr/>
+                    </a:tc>
+                    <a:extLst>
+                      <a:ext uri="{0D108BD9-81ED-4DB2-BD59-A6C34878D82A}">
+                        <a16:rowId xmlns:a16="http://schemas.microsoft.com/office/drawing/2014/main" val="4163346280"/>
+                      </a:ext>
+                    </a:extLst>
+                  </a:tr>
+                </a:tbl>
+              </a:graphicData>
+            </a:graphic>
+          </p:graphicFrame>
+        </mc:Fallback>
+      </mc:AlternateContent>
+      <p:sp>
+        <p:nvSpPr>
+          <p:cNvPr id="7" name="TextBox 6">
+            <a:extLst>
+              <a:ext uri="{FF2B5EF4-FFF2-40B4-BE49-F238E27FC236}">
+                <a16:creationId xmlns:a16="http://schemas.microsoft.com/office/drawing/2014/main" id="{92C3401E-4380-9313-4002-87B8BFB2175D}"/>
+              </a:ext>
+            </a:extLst>
+          </p:cNvPr>
+          <p:cNvSpPr txBox="1"/>
+          <p:nvPr/>
+        </p:nvSpPr>
+        <p:spPr>
+          <a:xfrm>
+            <a:off x="1721783" y="3498782"/>
+            <a:ext cx="3365388" cy="369332"/>
+          </a:xfrm>
+          <a:prstGeom prst="rect">
+            <a:avLst/>
+          </a:prstGeom>
+          <a:noFill/>
+        </p:spPr>
+        <p:txBody>
+          <a:bodyPr wrap="square">
+            <a:spAutoFit/>
+          </a:bodyPr>
+          <a:lstStyle/>
+          <a:p>
+            <a:pPr algn="ctr"/>
+            <a:r>
+              <a:rPr lang="en-US" i="1" dirty="0">
+                <a:latin typeface="Arial" panose="020B0604020202020204" pitchFamily="34" charset="0"/>
+                <a:cs typeface="Arial" panose="020B0604020202020204" pitchFamily="34" charset="0"/>
+              </a:rPr>
+              <a:t>Accuracy on this data: 66%</a:t>
+            </a:r>
+            <a:endParaRPr lang="en-US" i="1" dirty="0">
+              <a:solidFill>
+                <a:schemeClr val="tx1"/>
+              </a:solidFill>
+              <a:latin typeface="Arial" panose="020B0604020202020204" pitchFamily="34" charset="0"/>
+              <a:cs typeface="Arial" panose="020B0604020202020204" pitchFamily="34" charset="0"/>
+            </a:endParaRPr>
+          </a:p>
+        </p:txBody>
+      </p:sp>
+      <mc:AlternateContent xmlns:mc="http://schemas.openxmlformats.org/markup-compatibility/2006">
+        <mc:Choice xmlns:a14="http://schemas.microsoft.com/office/drawing/2010/main" Requires="a14">
+          <p:graphicFrame>
+            <p:nvGraphicFramePr>
+              <p:cNvPr id="8" name="Table 6">
+                <a:extLst>
+                  <a:ext uri="{FF2B5EF4-FFF2-40B4-BE49-F238E27FC236}">
+                    <a16:creationId xmlns:a16="http://schemas.microsoft.com/office/drawing/2014/main" id="{8A84A743-B18A-DD36-9E8D-E7ED005A91B6}"/>
+                  </a:ext>
+                </a:extLst>
+              </p:cNvPr>
+              <p:cNvGraphicFramePr>
+                <a:graphicFrameLocks noGrp="1"/>
+              </p:cNvGraphicFramePr>
+              <p:nvPr>
+                <p:extLst>
+                  <p:ext uri="{D42A27DB-BD31-4B8C-83A1-F6EECF244321}">
+                    <p14:modId xmlns:p14="http://schemas.microsoft.com/office/powerpoint/2010/main" val="892352352"/>
+                  </p:ext>
+                </p:extLst>
+              </p:nvPr>
+            </p:nvGraphicFramePr>
+            <p:xfrm>
+              <a:off x="6204608" y="1945640"/>
+              <a:ext cx="4573752" cy="1483360"/>
+            </p:xfrm>
+            <a:graphic>
+              <a:graphicData uri="http://schemas.openxmlformats.org/drawingml/2006/table">
+                <a:tbl>
+                  <a:tblPr firstRow="1" bandRow="1">
+                    <a:tableStyleId>{21E4AEA4-8DFA-4A89-87EB-49C32662AFE0}</a:tableStyleId>
+                  </a:tblPr>
+                  <a:tblGrid>
+                    <a:gridCol w="1524584">
+                      <a:extLst>
+                        <a:ext uri="{9D8B030D-6E8A-4147-A177-3AD203B41FA5}">
+                          <a16:colId xmlns:a16="http://schemas.microsoft.com/office/drawing/2014/main" val="2127747194"/>
+                        </a:ext>
+                      </a:extLst>
+                    </a:gridCol>
+                    <a:gridCol w="1524584">
+                      <a:extLst>
+                        <a:ext uri="{9D8B030D-6E8A-4147-A177-3AD203B41FA5}">
+                          <a16:colId xmlns:a16="http://schemas.microsoft.com/office/drawing/2014/main" val="1538441994"/>
+                        </a:ext>
+                      </a:extLst>
+                    </a:gridCol>
+                    <a:gridCol w="1524584">
+                      <a:extLst>
+                        <a:ext uri="{9D8B030D-6E8A-4147-A177-3AD203B41FA5}">
+                          <a16:colId xmlns:a16="http://schemas.microsoft.com/office/drawing/2014/main" val="2738080725"/>
+                        </a:ext>
+                      </a:extLst>
+                    </a:gridCol>
+                  </a:tblGrid>
+                  <a:tr h="370840">
+                    <a:tc>
+                      <a:txBody>
+                        <a:bodyPr/>
+                        <a:lstStyle/>
+                        <a:p>
+                          <a:endParaRPr lang="en-US">
+                            <a:latin typeface="Arial" panose="020B0604020202020204" pitchFamily="34" charset="0"/>
+                            <a:cs typeface="Arial" panose="020B0604020202020204" pitchFamily="34" charset="0"/>
+                          </a:endParaRPr>
+                        </a:p>
+                      </a:txBody>
+                      <a:tcPr/>
+                    </a:tc>
+                    <a:tc>
+                      <a:txBody>
+                        <a:bodyPr/>
+                        <a:lstStyle/>
+                        <a:p>
+                          <a:pPr algn="ctr"/>
+                          <a14:m>
+                            <m:oMathPara xmlns:m="http://schemas.openxmlformats.org/officeDocument/2006/math">
+                              <m:oMathParaPr>
+                                <m:jc m:val="centerGroup"/>
+                              </m:oMathParaPr>
+                              <m:oMath xmlns:m="http://schemas.openxmlformats.org/officeDocument/2006/math">
+                                <m:r>
+                                  <a:rPr lang="en-US" b="1" smtClean="0"/>
+                                  <m:t>𝒚</m:t>
+                                </m:r>
+                              </m:oMath>
+                            </m:oMathPara>
+                          </a14:m>
+                          <a:endParaRPr lang="en-US" dirty="0">
+                            <a:latin typeface="Arial" panose="020B0604020202020204" pitchFamily="34" charset="0"/>
+                            <a:cs typeface="Arial" panose="020B0604020202020204" pitchFamily="34" charset="0"/>
+                          </a:endParaRPr>
+                        </a:p>
+                      </a:txBody>
+                      <a:tcPr/>
+                    </a:tc>
+                    <a:tc>
+                      <a:txBody>
+                        <a:bodyPr/>
+                        <a:lstStyle/>
+                        <a:p>
+                          <a:pPr algn="ctr"/>
+                          <a14:m>
+                            <m:oMathPara xmlns:m="http://schemas.openxmlformats.org/officeDocument/2006/math">
+                              <m:oMathParaPr>
+                                <m:jc m:val="centerGroup"/>
+                              </m:oMathParaPr>
+                              <m:oMath xmlns:m="http://schemas.openxmlformats.org/officeDocument/2006/math">
+                                <m:acc>
+                                  <m:accPr>
+                                    <m:chr m:val="̂"/>
+                                    <m:ctrlPr>
+                                      <a:rPr lang="en-US" b="1" smtClean="0"/>
+                                    </m:ctrlPr>
+                                  </m:accPr>
+                                  <m:e>
+                                    <m:r>
+                                      <a:rPr lang="en-US" b="1" smtClean="0"/>
+                                      <m:t>𝒚</m:t>
+                                    </m:r>
+                                  </m:e>
+                                </m:acc>
+                              </m:oMath>
+                            </m:oMathPara>
+                          </a14:m>
+                          <a:endParaRPr lang="en-US" dirty="0">
+                            <a:latin typeface="Arial" panose="020B0604020202020204" pitchFamily="34" charset="0"/>
+                            <a:cs typeface="Arial" panose="020B0604020202020204" pitchFamily="34" charset="0"/>
+                          </a:endParaRPr>
+                        </a:p>
+                      </a:txBody>
+                      <a:tcPr/>
+                    </a:tc>
+                    <a:extLst>
+                      <a:ext uri="{0D108BD9-81ED-4DB2-BD59-A6C34878D82A}">
+                        <a16:rowId xmlns:a16="http://schemas.microsoft.com/office/drawing/2014/main" val="4216200332"/>
+                      </a:ext>
+                    </a:extLst>
+                  </a:tr>
+                  <a:tr h="370840">
+                    <a:tc>
+                      <a:txBody>
+                        <a:bodyPr/>
+                        <a:lstStyle/>
+                        <a:p>
+                          <a:r>
+                            <a:rPr lang="en-US" dirty="0">
+                              <a:latin typeface="Arial" panose="020B0604020202020204" pitchFamily="34" charset="0"/>
+                              <a:cs typeface="Arial" panose="020B0604020202020204" pitchFamily="34" charset="0"/>
+                            </a:rPr>
+                            <a:t>Example 1</a:t>
+                          </a:r>
+                        </a:p>
+                      </a:txBody>
+                      <a:tcPr/>
+                    </a:tc>
+                    <a:tc>
+                      <a:txBody>
+                        <a:bodyPr/>
+                        <a:lstStyle/>
+                        <a:p>
+                          <a:pPr algn="ctr"/>
+                          <a:r>
+                            <a:rPr lang="en-US" dirty="0">
+                              <a:latin typeface="Arial" panose="020B0604020202020204" pitchFamily="34" charset="0"/>
+                              <a:cs typeface="Arial" panose="020B0604020202020204" pitchFamily="34" charset="0"/>
+                            </a:rPr>
+                            <a:t>0.6</a:t>
+                          </a:r>
+                        </a:p>
+                      </a:txBody>
+                      <a:tcPr/>
+                    </a:tc>
+                    <a:tc>
+                      <a:txBody>
+                        <a:bodyPr/>
+                        <a:lstStyle/>
+                        <a:p>
+                          <a:pPr algn="ctr"/>
+                          <a:r>
+                            <a:rPr lang="en-US" dirty="0">
+                              <a:latin typeface="Arial" panose="020B0604020202020204" pitchFamily="34" charset="0"/>
+                              <a:cs typeface="Arial" panose="020B0604020202020204" pitchFamily="34" charset="0"/>
+                            </a:rPr>
+                            <a:t>0.3</a:t>
+                          </a:r>
+                        </a:p>
+                      </a:txBody>
+                      <a:tcPr/>
+                    </a:tc>
+                    <a:extLst>
+                      <a:ext uri="{0D108BD9-81ED-4DB2-BD59-A6C34878D82A}">
+                        <a16:rowId xmlns:a16="http://schemas.microsoft.com/office/drawing/2014/main" val="199977557"/>
+                      </a:ext>
+                    </a:extLst>
+                  </a:tr>
+                  <a:tr h="370840">
+                    <a:tc>
+                      <a:txBody>
+                        <a:bodyPr/>
+                        <a:lstStyle/>
+                        <a:p>
+                          <a:r>
+                            <a:rPr lang="en-US" dirty="0">
+                              <a:latin typeface="Arial" panose="020B0604020202020204" pitchFamily="34" charset="0"/>
+                              <a:cs typeface="Arial" panose="020B0604020202020204" pitchFamily="34" charset="0"/>
+                            </a:rPr>
+                            <a:t>Example 2</a:t>
+                          </a:r>
+                        </a:p>
+                      </a:txBody>
+                      <a:tcPr/>
+                    </a:tc>
+                    <a:tc>
+                      <a:txBody>
+                        <a:bodyPr/>
+                        <a:lstStyle/>
+                        <a:p>
+                          <a:pPr algn="ctr"/>
+                          <a:r>
+                            <a:rPr lang="en-US" dirty="0">
+                              <a:latin typeface="Arial" panose="020B0604020202020204" pitchFamily="34" charset="0"/>
+                              <a:cs typeface="Arial" panose="020B0604020202020204" pitchFamily="34" charset="0"/>
+                            </a:rPr>
+                            <a:t>1.2</a:t>
+                          </a:r>
+                        </a:p>
+                      </a:txBody>
+                      <a:tcPr/>
+                    </a:tc>
+                    <a:tc>
+                      <a:txBody>
+                        <a:bodyPr/>
+                        <a:lstStyle/>
+                        <a:p>
+                          <a:pPr algn="ctr"/>
+                          <a:r>
+                            <a:rPr lang="en-US" dirty="0">
+                              <a:latin typeface="Arial" panose="020B0604020202020204" pitchFamily="34" charset="0"/>
+                              <a:cs typeface="Arial" panose="020B0604020202020204" pitchFamily="34" charset="0"/>
+                            </a:rPr>
+                            <a:t>1.1</a:t>
+                          </a:r>
+                        </a:p>
+                      </a:txBody>
+                      <a:tcPr/>
+                    </a:tc>
+                    <a:extLst>
+                      <a:ext uri="{0D108BD9-81ED-4DB2-BD59-A6C34878D82A}">
+                        <a16:rowId xmlns:a16="http://schemas.microsoft.com/office/drawing/2014/main" val="936124246"/>
+                      </a:ext>
+                    </a:extLst>
+                  </a:tr>
+                  <a:tr h="370840">
+                    <a:tc>
+                      <a:txBody>
+                        <a:bodyPr/>
+                        <a:lstStyle/>
+                        <a:p>
+                          <a:r>
+                            <a:rPr lang="en-US" dirty="0">
+                              <a:latin typeface="Arial" panose="020B0604020202020204" pitchFamily="34" charset="0"/>
+                              <a:cs typeface="Arial" panose="020B0604020202020204" pitchFamily="34" charset="0"/>
+                            </a:rPr>
+                            <a:t>Example 3</a:t>
+                          </a:r>
+                        </a:p>
+                      </a:txBody>
+                      <a:tcPr/>
+                    </a:tc>
+                    <a:tc>
+                      <a:txBody>
+                        <a:bodyPr/>
+                        <a:lstStyle/>
+                        <a:p>
+                          <a:pPr algn="ctr"/>
+                          <a:r>
+                            <a:rPr lang="en-US" dirty="0">
+                              <a:latin typeface="Arial" panose="020B0604020202020204" pitchFamily="34" charset="0"/>
+                              <a:cs typeface="Arial" panose="020B0604020202020204" pitchFamily="34" charset="0"/>
+                            </a:rPr>
+                            <a:t>-0.7</a:t>
+                          </a:r>
+                        </a:p>
+                      </a:txBody>
+                      <a:tcPr/>
+                    </a:tc>
+                    <a:tc>
+                      <a:txBody>
+                        <a:bodyPr/>
+                        <a:lstStyle/>
+                        <a:p>
+                          <a:pPr algn="ctr"/>
+                          <a:r>
+                            <a:rPr lang="en-US" dirty="0">
+                              <a:latin typeface="Arial" panose="020B0604020202020204" pitchFamily="34" charset="0"/>
+                              <a:cs typeface="Arial" panose="020B0604020202020204" pitchFamily="34" charset="0"/>
+                            </a:rPr>
+                            <a:t>-0.5</a:t>
+                          </a:r>
+                        </a:p>
+                      </a:txBody>
+                      <a:tcPr/>
+                    </a:tc>
+                    <a:extLst>
+                      <a:ext uri="{0D108BD9-81ED-4DB2-BD59-A6C34878D82A}">
+                        <a16:rowId xmlns:a16="http://schemas.microsoft.com/office/drawing/2014/main" val="4163346280"/>
+                      </a:ext>
+                    </a:extLst>
+                  </a:tr>
+                </a:tbl>
+              </a:graphicData>
+            </a:graphic>
+          </p:graphicFrame>
+        </mc:Choice>
+        <mc:Fallback>
+          <p:graphicFrame>
+            <p:nvGraphicFramePr>
+              <p:cNvPr id="8" name="Table 6">
+                <a:extLst>
+                  <a:ext uri="{FF2B5EF4-FFF2-40B4-BE49-F238E27FC236}">
+                    <a16:creationId xmlns:a16="http://schemas.microsoft.com/office/drawing/2014/main" id="{8A84A743-B18A-DD36-9E8D-E7ED005A91B6}"/>
+                  </a:ext>
+                </a:extLst>
+              </p:cNvPr>
+              <p:cNvGraphicFramePr>
+                <a:graphicFrameLocks noGrp="1"/>
+              </p:cNvGraphicFramePr>
+              <p:nvPr>
+                <p:extLst>
+                  <p:ext uri="{D42A27DB-BD31-4B8C-83A1-F6EECF244321}">
+                    <p14:modId xmlns:p14="http://schemas.microsoft.com/office/powerpoint/2010/main" val="892352352"/>
+                  </p:ext>
+                </p:extLst>
+              </p:nvPr>
+            </p:nvGraphicFramePr>
+            <p:xfrm>
+              <a:off x="6204608" y="1945640"/>
+              <a:ext cx="4573752" cy="1483360"/>
+            </p:xfrm>
+            <a:graphic>
+              <a:graphicData uri="http://schemas.openxmlformats.org/drawingml/2006/table">
+                <a:tbl>
+                  <a:tblPr firstRow="1" bandRow="1">
+                    <a:tableStyleId>{21E4AEA4-8DFA-4A89-87EB-49C32662AFE0}</a:tableStyleId>
+                  </a:tblPr>
+                  <a:tblGrid>
+                    <a:gridCol w="1524584">
+                      <a:extLst>
+                        <a:ext uri="{9D8B030D-6E8A-4147-A177-3AD203B41FA5}">
+                          <a16:colId xmlns:a16="http://schemas.microsoft.com/office/drawing/2014/main" val="2127747194"/>
+                        </a:ext>
+                      </a:extLst>
+                    </a:gridCol>
+                    <a:gridCol w="1524584">
+                      <a:extLst>
+                        <a:ext uri="{9D8B030D-6E8A-4147-A177-3AD203B41FA5}">
+                          <a16:colId xmlns:a16="http://schemas.microsoft.com/office/drawing/2014/main" val="1538441994"/>
+                        </a:ext>
+                      </a:extLst>
+                    </a:gridCol>
+                    <a:gridCol w="1524584">
+                      <a:extLst>
+                        <a:ext uri="{9D8B030D-6E8A-4147-A177-3AD203B41FA5}">
+                          <a16:colId xmlns:a16="http://schemas.microsoft.com/office/drawing/2014/main" val="2738080725"/>
+                        </a:ext>
+                      </a:extLst>
+                    </a:gridCol>
+                  </a:tblGrid>
+                  <a:tr h="370840">
+                    <a:tc>
+                      <a:txBody>
+                        <a:bodyPr/>
+                        <a:lstStyle/>
+                        <a:p>
+                          <a:endParaRPr lang="en-US">
+                            <a:latin typeface="Arial" panose="020B0604020202020204" pitchFamily="34" charset="0"/>
+                            <a:cs typeface="Arial" panose="020B0604020202020204" pitchFamily="34" charset="0"/>
+                          </a:endParaRPr>
+                        </a:p>
+                      </a:txBody>
+                      <a:tcPr/>
+                    </a:tc>
+                    <a:tc>
+                      <a:txBody>
+                        <a:bodyPr/>
+                        <a:lstStyle/>
+                        <a:p>
+                          <a:endParaRPr lang="en-US"/>
+                        </a:p>
+                      </a:txBody>
+                      <a:tcPr>
+                        <a:blipFill>
+                          <a:blip r:embed="rId3"/>
+                          <a:stretch>
+                            <a:fillRect l="-100000" t="-3448" r="-101653" b="-331034"/>
+                          </a:stretch>
+                        </a:blipFill>
+                      </a:tcPr>
+                    </a:tc>
+                    <a:tc>
+                      <a:txBody>
+                        <a:bodyPr/>
+                        <a:lstStyle/>
+                        <a:p>
+                          <a:endParaRPr lang="en-US"/>
+                        </a:p>
+                      </a:txBody>
+                      <a:tcPr>
+                        <a:blipFill>
+                          <a:blip r:embed="rId3"/>
+                          <a:stretch>
+                            <a:fillRect l="-201667" t="-3448" r="-2500" b="-331034"/>
+                          </a:stretch>
+                        </a:blipFill>
+                      </a:tcPr>
+                    </a:tc>
+                    <a:extLst>
+                      <a:ext uri="{0D108BD9-81ED-4DB2-BD59-A6C34878D82A}">
+                        <a16:rowId xmlns:a16="http://schemas.microsoft.com/office/drawing/2014/main" val="4216200332"/>
+                      </a:ext>
+                    </a:extLst>
+                  </a:tr>
+                  <a:tr h="370840">
+                    <a:tc>
+                      <a:txBody>
+                        <a:bodyPr/>
+                        <a:lstStyle/>
+                        <a:p>
+                          <a:r>
+                            <a:rPr lang="en-US" dirty="0">
+                              <a:latin typeface="Arial" panose="020B0604020202020204" pitchFamily="34" charset="0"/>
+                              <a:cs typeface="Arial" panose="020B0604020202020204" pitchFamily="34" charset="0"/>
+                            </a:rPr>
+                            <a:t>Example 1</a:t>
+                          </a:r>
+                        </a:p>
+                      </a:txBody>
+                      <a:tcPr/>
+                    </a:tc>
+                    <a:tc>
+                      <a:txBody>
+                        <a:bodyPr/>
+                        <a:lstStyle/>
+                        <a:p>
+                          <a:pPr algn="ctr"/>
+                          <a:r>
+                            <a:rPr lang="en-US" dirty="0">
+                              <a:latin typeface="Arial" panose="020B0604020202020204" pitchFamily="34" charset="0"/>
+                              <a:cs typeface="Arial" panose="020B0604020202020204" pitchFamily="34" charset="0"/>
+                            </a:rPr>
+                            <a:t>0.6</a:t>
+                          </a:r>
+                        </a:p>
+                      </a:txBody>
+                      <a:tcPr/>
+                    </a:tc>
+                    <a:tc>
+                      <a:txBody>
+                        <a:bodyPr/>
+                        <a:lstStyle/>
+                        <a:p>
+                          <a:pPr algn="ctr"/>
+                          <a:r>
+                            <a:rPr lang="en-US" dirty="0">
+                              <a:latin typeface="Arial" panose="020B0604020202020204" pitchFamily="34" charset="0"/>
+                              <a:cs typeface="Arial" panose="020B0604020202020204" pitchFamily="34" charset="0"/>
+                            </a:rPr>
+                            <a:t>0.3</a:t>
+                          </a:r>
+                        </a:p>
+                      </a:txBody>
+                      <a:tcPr/>
+                    </a:tc>
+                    <a:extLst>
+                      <a:ext uri="{0D108BD9-81ED-4DB2-BD59-A6C34878D82A}">
+                        <a16:rowId xmlns:a16="http://schemas.microsoft.com/office/drawing/2014/main" val="199977557"/>
+                      </a:ext>
+                    </a:extLst>
+                  </a:tr>
+                  <a:tr h="370840">
+                    <a:tc>
+                      <a:txBody>
+                        <a:bodyPr/>
+                        <a:lstStyle/>
+                        <a:p>
+                          <a:r>
+                            <a:rPr lang="en-US" dirty="0">
+                              <a:latin typeface="Arial" panose="020B0604020202020204" pitchFamily="34" charset="0"/>
+                              <a:cs typeface="Arial" panose="020B0604020202020204" pitchFamily="34" charset="0"/>
+                            </a:rPr>
+                            <a:t>Example 2</a:t>
+                          </a:r>
+                        </a:p>
+                      </a:txBody>
+                      <a:tcPr/>
+                    </a:tc>
+                    <a:tc>
+                      <a:txBody>
+                        <a:bodyPr/>
+                        <a:lstStyle/>
+                        <a:p>
+                          <a:pPr algn="ctr"/>
+                          <a:r>
+                            <a:rPr lang="en-US" dirty="0">
+                              <a:latin typeface="Arial" panose="020B0604020202020204" pitchFamily="34" charset="0"/>
+                              <a:cs typeface="Arial" panose="020B0604020202020204" pitchFamily="34" charset="0"/>
+                            </a:rPr>
+                            <a:t>1.2</a:t>
+                          </a:r>
+                        </a:p>
+                      </a:txBody>
+                      <a:tcPr/>
+                    </a:tc>
+                    <a:tc>
+                      <a:txBody>
+                        <a:bodyPr/>
+                        <a:lstStyle/>
+                        <a:p>
+                          <a:pPr algn="ctr"/>
+                          <a:r>
+                            <a:rPr lang="en-US" dirty="0">
+                              <a:latin typeface="Arial" panose="020B0604020202020204" pitchFamily="34" charset="0"/>
+                              <a:cs typeface="Arial" panose="020B0604020202020204" pitchFamily="34" charset="0"/>
+                            </a:rPr>
+                            <a:t>1.1</a:t>
+                          </a:r>
+                        </a:p>
+                      </a:txBody>
+                      <a:tcPr/>
+                    </a:tc>
+                    <a:extLst>
+                      <a:ext uri="{0D108BD9-81ED-4DB2-BD59-A6C34878D82A}">
+                        <a16:rowId xmlns:a16="http://schemas.microsoft.com/office/drawing/2014/main" val="936124246"/>
+                      </a:ext>
+                    </a:extLst>
+                  </a:tr>
+                  <a:tr h="370840">
+                    <a:tc>
+                      <a:txBody>
+                        <a:bodyPr/>
+                        <a:lstStyle/>
+                        <a:p>
+                          <a:r>
+                            <a:rPr lang="en-US" dirty="0">
+                              <a:latin typeface="Arial" panose="020B0604020202020204" pitchFamily="34" charset="0"/>
+                              <a:cs typeface="Arial" panose="020B0604020202020204" pitchFamily="34" charset="0"/>
+                            </a:rPr>
+                            <a:t>Example 3</a:t>
+                          </a:r>
+                        </a:p>
+                      </a:txBody>
+                      <a:tcPr/>
+                    </a:tc>
+                    <a:tc>
+                      <a:txBody>
+                        <a:bodyPr/>
+                        <a:lstStyle/>
+                        <a:p>
+                          <a:pPr algn="ctr"/>
+                          <a:r>
+                            <a:rPr lang="en-US" dirty="0">
+                              <a:latin typeface="Arial" panose="020B0604020202020204" pitchFamily="34" charset="0"/>
+                              <a:cs typeface="Arial" panose="020B0604020202020204" pitchFamily="34" charset="0"/>
+                            </a:rPr>
+                            <a:t>-0.7</a:t>
+                          </a:r>
+                        </a:p>
+                      </a:txBody>
+                      <a:tcPr/>
+                    </a:tc>
+                    <a:tc>
+                      <a:txBody>
+                        <a:bodyPr/>
+                        <a:lstStyle/>
+                        <a:p>
+                          <a:pPr algn="ctr"/>
+                          <a:r>
+                            <a:rPr lang="en-US" dirty="0">
+                              <a:latin typeface="Arial" panose="020B0604020202020204" pitchFamily="34" charset="0"/>
+                              <a:cs typeface="Arial" panose="020B0604020202020204" pitchFamily="34" charset="0"/>
+                            </a:rPr>
+                            <a:t>-0.5</a:t>
+                          </a:r>
+                        </a:p>
+                      </a:txBody>
+                      <a:tcPr/>
+                    </a:tc>
+                    <a:extLst>
+                      <a:ext uri="{0D108BD9-81ED-4DB2-BD59-A6C34878D82A}">
+                        <a16:rowId xmlns:a16="http://schemas.microsoft.com/office/drawing/2014/main" val="4163346280"/>
+                      </a:ext>
+                    </a:extLst>
+                  </a:tr>
+                </a:tbl>
+              </a:graphicData>
+            </a:graphic>
+          </p:graphicFrame>
+        </mc:Fallback>
+      </mc:AlternateContent>
+      <p:sp>
+        <p:nvSpPr>
+          <p:cNvPr id="9" name="TextBox 8">
+            <a:extLst>
+              <a:ext uri="{FF2B5EF4-FFF2-40B4-BE49-F238E27FC236}">
+                <a16:creationId xmlns:a16="http://schemas.microsoft.com/office/drawing/2014/main" id="{9AE8BD38-6196-C57B-DA02-709F391C043F}"/>
+              </a:ext>
+            </a:extLst>
+          </p:cNvPr>
+          <p:cNvSpPr txBox="1"/>
+          <p:nvPr/>
+        </p:nvSpPr>
+        <p:spPr>
+          <a:xfrm>
+            <a:off x="6298323" y="3498782"/>
+            <a:ext cx="4227073" cy="369332"/>
+          </a:xfrm>
+          <a:prstGeom prst="rect">
+            <a:avLst/>
+          </a:prstGeom>
+          <a:noFill/>
+        </p:spPr>
+        <p:txBody>
+          <a:bodyPr wrap="square">
+            <a:spAutoFit/>
+          </a:bodyPr>
+          <a:lstStyle/>
+          <a:p>
+            <a:pPr algn="ctr"/>
+            <a:r>
+              <a:rPr lang="en-US" i="1" dirty="0">
+                <a:latin typeface="Arial" panose="020B0604020202020204" pitchFamily="34" charset="0"/>
+                <a:cs typeface="Arial" panose="020B0604020202020204" pitchFamily="34" charset="0"/>
+              </a:rPr>
+              <a:t>Mean Absolute Error on this data: 0.2 </a:t>
+            </a:r>
+            <a:endParaRPr lang="en-US" i="1" dirty="0">
+              <a:solidFill>
+                <a:schemeClr val="tx1"/>
+              </a:solidFill>
+              <a:latin typeface="Arial" panose="020B0604020202020204" pitchFamily="34" charset="0"/>
+              <a:cs typeface="Arial" panose="020B0604020202020204" pitchFamily="34" charset="0"/>
+            </a:endParaRPr>
+          </a:p>
+        </p:txBody>
+      </p:sp>
+    </p:spTree>
+    <p:extLst>
+      <p:ext uri="{BB962C8B-B14F-4D97-AF65-F5344CB8AC3E}">
+        <p14:creationId xmlns:p14="http://schemas.microsoft.com/office/powerpoint/2010/main" val="953210154"/>
+      </p:ext>
+    </p:extLst>
+  </p:cSld>
+  <p:clrMapOvr>
+    <a:masterClrMapping/>
+  </p:clrMapOvr>
+</p:sld>
+</file>
+
+<file path=ppt/slides/slide5.xml><?xml version="1.0" encoding="utf-8"?>
+<p:sld xmlns:a="http://schemas.openxmlformats.org/drawingml/2006/main" xmlns:r="http://schemas.openxmlformats.org/officeDocument/2006/relationships" xmlns:p="http://schemas.openxmlformats.org/presentationml/2006/main">
+  <p:cSld>
+    <p:spTree>
+      <p:nvGrpSpPr>
+        <p:cNvPr id="1" name=""/>
+        <p:cNvGrpSpPr/>
+        <p:nvPr/>
+      </p:nvGrpSpPr>
+      <p:grpSpPr>
+        <a:xfrm>
+          <a:off x="0" y="0"/>
+          <a:ext cx="0" cy="0"/>
+          <a:chOff x="0" y="0"/>
+          <a:chExt cx="0" cy="0"/>
+        </a:xfrm>
+      </p:grpSpPr>
+      <p:sp>
+        <p:nvSpPr>
+          <p:cNvPr id="4" name="CustomShape 4">
+            <a:extLst>
+              <a:ext uri="{FF2B5EF4-FFF2-40B4-BE49-F238E27FC236}">
+                <a16:creationId xmlns:a16="http://schemas.microsoft.com/office/drawing/2014/main" id="{966AAF42-7600-DE54-AF7A-AEA57856B00D}"/>
+              </a:ext>
+            </a:extLst>
+          </p:cNvPr>
+          <p:cNvSpPr/>
+          <p:nvPr/>
+        </p:nvSpPr>
+        <p:spPr>
+          <a:xfrm>
+            <a:off x="2966556" y="1636760"/>
+            <a:ext cx="548640" cy="548640"/>
+          </a:xfrm>
+          <a:prstGeom prst="ellipse">
+            <a:avLst/>
+          </a:prstGeom>
+          <a:solidFill>
+            <a:schemeClr val="accent6"/>
+          </a:solidFill>
+          <a:ln>
+            <a:solidFill>
+              <a:srgbClr val="000000"/>
+            </a:solidFill>
+          </a:ln>
+        </p:spPr>
+        <p:style>
+          <a:lnRef idx="0">
+            <a:scrgbClr r="0" g="0" b="0"/>
+          </a:lnRef>
+          <a:fillRef idx="0">
+            <a:scrgbClr r="0" g="0" b="0"/>
+          </a:fillRef>
+          <a:effectRef idx="0">
+            <a:scrgbClr r="0" g="0" b="0"/>
+          </a:effectRef>
+          <a:fontRef idx="minor"/>
+        </p:style>
+      </p:sp>
+      <p:sp>
+        <p:nvSpPr>
+          <p:cNvPr id="5" name="CustomShape 5">
+            <a:extLst>
+              <a:ext uri="{FF2B5EF4-FFF2-40B4-BE49-F238E27FC236}">
+                <a16:creationId xmlns:a16="http://schemas.microsoft.com/office/drawing/2014/main" id="{C7AA328E-2AD9-9D17-3477-9878F38DC6A5}"/>
+              </a:ext>
+            </a:extLst>
+          </p:cNvPr>
+          <p:cNvSpPr/>
+          <p:nvPr/>
+        </p:nvSpPr>
+        <p:spPr>
+          <a:xfrm>
+            <a:off x="2966556" y="2368280"/>
+            <a:ext cx="548640" cy="548640"/>
+          </a:xfrm>
+          <a:prstGeom prst="ellipse">
+            <a:avLst/>
+          </a:prstGeom>
+          <a:solidFill>
+            <a:schemeClr val="accent6"/>
+          </a:solidFill>
+          <a:ln>
+            <a:solidFill>
+              <a:srgbClr val="000000"/>
+            </a:solidFill>
+          </a:ln>
+        </p:spPr>
+        <p:style>
+          <a:lnRef idx="0">
+            <a:scrgbClr r="0" g="0" b="0"/>
+          </a:lnRef>
+          <a:fillRef idx="0">
+            <a:scrgbClr r="0" g="0" b="0"/>
+          </a:fillRef>
+          <a:effectRef idx="0">
+            <a:scrgbClr r="0" g="0" b="0"/>
+          </a:effectRef>
+          <a:fontRef idx="minor"/>
+        </p:style>
+      </p:sp>
+      <p:sp>
+        <p:nvSpPr>
+          <p:cNvPr id="6" name="CustomShape 6">
+            <a:extLst>
+              <a:ext uri="{FF2B5EF4-FFF2-40B4-BE49-F238E27FC236}">
+                <a16:creationId xmlns:a16="http://schemas.microsoft.com/office/drawing/2014/main" id="{2DACFB76-8C3C-4D0F-E155-F0EF2317E247}"/>
+              </a:ext>
+            </a:extLst>
+          </p:cNvPr>
+          <p:cNvSpPr/>
+          <p:nvPr/>
+        </p:nvSpPr>
+        <p:spPr>
+          <a:xfrm>
+            <a:off x="2966556" y="3242572"/>
+            <a:ext cx="548640" cy="548640"/>
+          </a:xfrm>
+          <a:prstGeom prst="ellipse">
+            <a:avLst/>
+          </a:prstGeom>
+          <a:solidFill>
+            <a:schemeClr val="accent6"/>
+          </a:solidFill>
+          <a:ln>
+            <a:solidFill>
+              <a:srgbClr val="000000"/>
+            </a:solidFill>
+          </a:ln>
+        </p:spPr>
+        <p:style>
+          <a:lnRef idx="0">
+            <a:scrgbClr r="0" g="0" b="0"/>
+          </a:lnRef>
+          <a:fillRef idx="0">
+            <a:scrgbClr r="0" g="0" b="0"/>
+          </a:fillRef>
+          <a:effectRef idx="0">
+            <a:scrgbClr r="0" g="0" b="0"/>
+          </a:effectRef>
+          <a:fontRef idx="minor"/>
+        </p:style>
+      </p:sp>
+      <p:sp>
+        <p:nvSpPr>
+          <p:cNvPr id="8" name="CustomShape 8">
+            <a:extLst>
+              <a:ext uri="{FF2B5EF4-FFF2-40B4-BE49-F238E27FC236}">
+                <a16:creationId xmlns:a16="http://schemas.microsoft.com/office/drawing/2014/main" id="{36D317D4-6509-0A17-DFAB-73BC43D04B51}"/>
+              </a:ext>
+            </a:extLst>
+          </p:cNvPr>
+          <p:cNvSpPr/>
+          <p:nvPr/>
+        </p:nvSpPr>
+        <p:spPr>
+          <a:xfrm>
+            <a:off x="8404716" y="2450360"/>
+            <a:ext cx="548640" cy="548640"/>
+          </a:xfrm>
+          <a:prstGeom prst="ellipse">
+            <a:avLst/>
+          </a:prstGeom>
+          <a:solidFill>
+            <a:schemeClr val="accent2"/>
+          </a:solidFill>
+          <a:ln>
+            <a:solidFill>
+              <a:srgbClr val="000000"/>
+            </a:solidFill>
+          </a:ln>
+        </p:spPr>
+        <p:style>
+          <a:lnRef idx="0">
+            <a:scrgbClr r="0" g="0" b="0"/>
+          </a:lnRef>
+          <a:fillRef idx="0">
+            <a:scrgbClr r="0" g="0" b="0"/>
+          </a:fillRef>
+          <a:effectRef idx="0">
+            <a:scrgbClr r="0" g="0" b="0"/>
+          </a:effectRef>
+          <a:fontRef idx="minor"/>
+        </p:style>
+      </p:sp>
+      <p:cxnSp>
+        <p:nvCxnSpPr>
+          <p:cNvPr id="9" name="Line 12">
+            <a:extLst>
+              <a:ext uri="{FF2B5EF4-FFF2-40B4-BE49-F238E27FC236}">
+                <a16:creationId xmlns:a16="http://schemas.microsoft.com/office/drawing/2014/main" id="{758586D0-FDED-F1CE-18BD-6180D3635A19}"/>
+              </a:ext>
+            </a:extLst>
+          </p:cNvPr>
+          <p:cNvCxnSpPr>
+            <a:stCxn id="4" idx="6"/>
+          </p:cNvCxnSpPr>
+          <p:nvPr/>
+        </p:nvCxnSpPr>
+        <p:spPr>
+          <a:xfrm>
+            <a:off x="3515196" y="1911080"/>
+            <a:ext cx="914760" cy="914760"/>
+          </a:xfrm>
+          <a:prstGeom prst="curvedConnector3">
+            <a:avLst/>
+          </a:prstGeom>
+          <a:ln>
+            <a:solidFill>
+              <a:srgbClr val="000000"/>
+            </a:solidFill>
+            <a:tailEnd type="triangle" w="med" len="med"/>
+          </a:ln>
+        </p:spPr>
+      </p:cxnSp>
+      <p:cxnSp>
+        <p:nvCxnSpPr>
+          <p:cNvPr id="10" name="Line 13">
+            <a:extLst>
+              <a:ext uri="{FF2B5EF4-FFF2-40B4-BE49-F238E27FC236}">
+                <a16:creationId xmlns:a16="http://schemas.microsoft.com/office/drawing/2014/main" id="{5FB75041-731B-4BCF-BEA4-F3838586EA3D}"/>
+              </a:ext>
+            </a:extLst>
+          </p:cNvPr>
+          <p:cNvCxnSpPr>
+            <a:stCxn id="5" idx="6"/>
+          </p:cNvCxnSpPr>
+          <p:nvPr/>
+        </p:nvCxnSpPr>
+        <p:spPr>
+          <a:xfrm>
+            <a:off x="3515196" y="2642600"/>
+            <a:ext cx="914760" cy="183240"/>
+          </a:xfrm>
+          <a:prstGeom prst="curvedConnector3">
+            <a:avLst/>
+          </a:prstGeom>
+          <a:ln>
+            <a:solidFill>
+              <a:srgbClr val="000000"/>
+            </a:solidFill>
+            <a:tailEnd type="triangle" w="med" len="med"/>
+          </a:ln>
+        </p:spPr>
+      </p:cxnSp>
+      <p:cxnSp>
+        <p:nvCxnSpPr>
+          <p:cNvPr id="11" name="Line 14">
+            <a:extLst>
+              <a:ext uri="{FF2B5EF4-FFF2-40B4-BE49-F238E27FC236}">
+                <a16:creationId xmlns:a16="http://schemas.microsoft.com/office/drawing/2014/main" id="{5D03E928-6332-A970-8B8E-BC7E033FA34C}"/>
+              </a:ext>
+            </a:extLst>
+          </p:cNvPr>
+          <p:cNvCxnSpPr>
+            <a:cxnSpLocks/>
+            <a:stCxn id="6" idx="6"/>
+            <a:endCxn id="14" idx="1"/>
+          </p:cNvCxnSpPr>
+          <p:nvPr/>
+        </p:nvCxnSpPr>
+        <p:spPr>
+          <a:xfrm flipV="1">
+            <a:off x="3515196" y="2825480"/>
+            <a:ext cx="914400" cy="691412"/>
+          </a:xfrm>
+          <a:prstGeom prst="curvedConnector3">
+            <a:avLst/>
+          </a:prstGeom>
+          <a:ln>
+            <a:solidFill>
+              <a:srgbClr val="000000"/>
+            </a:solidFill>
+            <a:tailEnd type="triangle" w="med" len="med"/>
+          </a:ln>
+        </p:spPr>
+      </p:cxnSp>
+      <p:cxnSp>
+        <p:nvCxnSpPr>
+          <p:cNvPr id="12" name="Line 15">
+            <a:extLst>
+              <a:ext uri="{FF2B5EF4-FFF2-40B4-BE49-F238E27FC236}">
+                <a16:creationId xmlns:a16="http://schemas.microsoft.com/office/drawing/2014/main" id="{589567B0-9834-3F1C-4B66-3C89BA2B2DA0}"/>
+              </a:ext>
+            </a:extLst>
+          </p:cNvPr>
+          <p:cNvCxnSpPr>
+            <a:cxnSpLocks/>
+            <a:endCxn id="8" idx="2"/>
+          </p:cNvCxnSpPr>
+          <p:nvPr/>
+        </p:nvCxnSpPr>
+        <p:spPr>
+          <a:xfrm flipV="1">
+            <a:off x="7627116" y="2724680"/>
+            <a:ext cx="777600" cy="100800"/>
+          </a:xfrm>
+          <a:prstGeom prst="curvedConnector3">
+            <a:avLst/>
+          </a:prstGeom>
+          <a:ln>
+            <a:solidFill>
+              <a:srgbClr val="000000"/>
+            </a:solidFill>
+            <a:tailEnd type="triangle" w="med" len="med"/>
+          </a:ln>
+        </p:spPr>
+      </p:cxnSp>
+      <p:grpSp>
+        <p:nvGrpSpPr>
+          <p:cNvPr id="13" name="Group 12">
+            <a:extLst>
+              <a:ext uri="{FF2B5EF4-FFF2-40B4-BE49-F238E27FC236}">
+                <a16:creationId xmlns:a16="http://schemas.microsoft.com/office/drawing/2014/main" id="{24F46196-6929-CE16-6BF6-F09D29C1ED39}"/>
+              </a:ext>
+            </a:extLst>
+          </p:cNvPr>
+          <p:cNvGrpSpPr/>
+          <p:nvPr/>
+        </p:nvGrpSpPr>
+        <p:grpSpPr>
+          <a:xfrm>
+            <a:off x="4429596" y="1362440"/>
+            <a:ext cx="3335040" cy="2926080"/>
+            <a:chOff x="5943600" y="1302480"/>
+            <a:chExt cx="3335040" cy="2926080"/>
+          </a:xfrm>
+        </p:grpSpPr>
+        <p:pic>
+          <p:nvPicPr>
+            <p:cNvPr id="14" name="Picture 13">
+              <a:extLst>
+                <a:ext uri="{FF2B5EF4-FFF2-40B4-BE49-F238E27FC236}">
+                  <a16:creationId xmlns:a16="http://schemas.microsoft.com/office/drawing/2014/main" id="{C1035E73-0D66-DD9C-C28F-E2D839A1F356}"/>
+                </a:ext>
+              </a:extLst>
+            </p:cNvPr>
+            <p:cNvPicPr/>
+            <p:nvPr/>
+          </p:nvPicPr>
+          <p:blipFill>
+            <a:blip r:embed="rId2"/>
+            <a:stretch/>
+          </p:blipFill>
+          <p:spPr>
+            <a:xfrm>
+              <a:off x="5943600" y="1302480"/>
+              <a:ext cx="3335040" cy="2926080"/>
+            </a:xfrm>
+            <a:prstGeom prst="rect">
+              <a:avLst/>
+            </a:prstGeom>
+            <a:ln>
+              <a:noFill/>
+            </a:ln>
+          </p:spPr>
+        </p:pic>
+        <p:sp>
+          <p:nvSpPr>
+            <p:cNvPr id="15" name="TextShape 3">
+              <a:extLst>
+                <a:ext uri="{FF2B5EF4-FFF2-40B4-BE49-F238E27FC236}">
+                  <a16:creationId xmlns:a16="http://schemas.microsoft.com/office/drawing/2014/main" id="{FA18D8D9-038A-8E5B-DE20-3B70148BB44C}"/>
+                </a:ext>
+              </a:extLst>
+            </p:cNvPr>
+            <p:cNvSpPr txBox="1"/>
+            <p:nvPr/>
+          </p:nvSpPr>
+          <p:spPr>
+            <a:xfrm rot="699401">
+              <a:off x="6239050" y="2507690"/>
+              <a:ext cx="1612440" cy="1440720"/>
+            </a:xfrm>
+            <a:prstGeom prst="rect">
+              <a:avLst/>
+            </a:prstGeom>
+            <a:noFill/>
+            <a:ln>
+              <a:noFill/>
+            </a:ln>
+          </p:spPr>
+          <p:txBody>
+            <a:bodyPr lIns="90000" tIns="45000" rIns="90000" bIns="45000"/>
+            <a:lstStyle/>
+            <a:p>
+              <a:pPr algn="ctr"/>
+              <a:r>
+                <a:rPr lang="en-US" sz="2200" b="1" strike="noStrike" spc="-1" dirty="0">
+                  <a:solidFill>
+                    <a:srgbClr val="FFFFFF"/>
+                  </a:solidFill>
+                  <a:latin typeface="Arial"/>
+                </a:rPr>
+                <a:t>Some ML Model</a:t>
+              </a:r>
+            </a:p>
+          </p:txBody>
+        </p:sp>
+      </p:grpSp>
+      <p:sp>
+        <p:nvSpPr>
+          <p:cNvPr id="16" name="TextShape 17">
+            <a:extLst>
+              <a:ext uri="{FF2B5EF4-FFF2-40B4-BE49-F238E27FC236}">
+                <a16:creationId xmlns:a16="http://schemas.microsoft.com/office/drawing/2014/main" id="{F2AC331F-0312-B810-308B-0ACDD7D92740}"/>
+              </a:ext>
+            </a:extLst>
+          </p:cNvPr>
+          <p:cNvSpPr txBox="1"/>
+          <p:nvPr/>
+        </p:nvSpPr>
+        <p:spPr>
+          <a:xfrm>
+            <a:off x="9366996" y="2267013"/>
+            <a:ext cx="2243113" cy="751173"/>
+          </a:xfrm>
+          <a:prstGeom prst="rect">
+            <a:avLst/>
+          </a:prstGeom>
+          <a:noFill/>
+          <a:ln>
+            <a:noFill/>
+          </a:ln>
+        </p:spPr>
+        <p:txBody>
+          <a:bodyPr lIns="90000" tIns="45000" rIns="90000" bIns="45000"/>
+          <a:lstStyle/>
+          <a:p>
+            <a:pPr algn="ctr"/>
+            <a:r>
+              <a:rPr lang="en-US" sz="2400" b="1" strike="noStrike" spc="-1" dirty="0">
+                <a:latin typeface="Arial"/>
+              </a:rPr>
+              <a:t>Labels</a:t>
+            </a:r>
+            <a:r>
+              <a:rPr lang="en-US" sz="2400" b="0" strike="noStrike" spc="-1" dirty="0">
+                <a:latin typeface="Arial"/>
+              </a:rPr>
+              <a:t>: </a:t>
+            </a:r>
+            <a:r>
+              <a:rPr lang="en-US" sz="2400" spc="-1" dirty="0">
+                <a:latin typeface="Arial"/>
+              </a:rPr>
+              <a:t>is the sample solid?</a:t>
+            </a:r>
+            <a:endParaRPr lang="en-US" sz="2400" b="0" strike="noStrike" spc="-1" dirty="0">
+              <a:latin typeface="Arial"/>
+            </a:endParaRPr>
+          </a:p>
+          <a:p>
+            <a:pPr algn="ctr"/>
+            <a:r>
+              <a:rPr lang="en-US" sz="2400" spc="-1" dirty="0">
+                <a:solidFill>
+                  <a:schemeClr val="accent2"/>
+                </a:solidFill>
+                <a:latin typeface="Arial"/>
+              </a:rPr>
+              <a:t>$$$</a:t>
+            </a:r>
+            <a:endParaRPr lang="en-US" sz="2400" b="0" strike="noStrike" spc="-1" dirty="0">
+              <a:solidFill>
+                <a:schemeClr val="accent2"/>
+              </a:solidFill>
+              <a:latin typeface="Arial"/>
+            </a:endParaRPr>
+          </a:p>
+        </p:txBody>
+      </p:sp>
+      <p:sp>
+        <p:nvSpPr>
+          <p:cNvPr id="17" name="TextShape 17">
+            <a:extLst>
+              <a:ext uri="{FF2B5EF4-FFF2-40B4-BE49-F238E27FC236}">
+                <a16:creationId xmlns:a16="http://schemas.microsoft.com/office/drawing/2014/main" id="{9E9CB17E-2438-E82E-B75B-2EF9C2654C0C}"/>
+              </a:ext>
+            </a:extLst>
+          </p:cNvPr>
+          <p:cNvSpPr txBox="1"/>
+          <p:nvPr/>
+        </p:nvSpPr>
+        <p:spPr>
+          <a:xfrm>
+            <a:off x="600604" y="1911080"/>
+            <a:ext cx="1985935" cy="751173"/>
+          </a:xfrm>
+          <a:prstGeom prst="rect">
+            <a:avLst/>
+          </a:prstGeom>
+          <a:noFill/>
+          <a:ln>
+            <a:noFill/>
+          </a:ln>
+        </p:spPr>
+        <p:txBody>
+          <a:bodyPr lIns="90000" tIns="45000" rIns="90000" bIns="45000"/>
+          <a:lstStyle/>
+          <a:p>
+            <a:pPr algn="ctr"/>
+            <a:r>
+              <a:rPr lang="en-US" sz="2400" b="1" strike="noStrike" spc="-1" dirty="0">
+                <a:latin typeface="Arial"/>
+              </a:rPr>
+              <a:t>Features</a:t>
+            </a:r>
+            <a:r>
+              <a:rPr lang="en-US" sz="2400" b="0" strike="noStrike" spc="-1" dirty="0">
+                <a:latin typeface="Arial"/>
+              </a:rPr>
+              <a:t>: </a:t>
+            </a:r>
+            <a:endParaRPr lang="en-US" sz="2400" spc="-1" dirty="0">
+              <a:latin typeface="Arial"/>
+            </a:endParaRPr>
+          </a:p>
+          <a:p>
+            <a:pPr marL="342900" indent="-342900" algn="ctr">
+              <a:buFontTx/>
+              <a:buChar char="-"/>
+            </a:pPr>
+            <a:r>
+              <a:rPr lang="en-US" sz="2400" b="0" strike="noStrike" spc="-1" dirty="0">
+                <a:latin typeface="Arial"/>
+              </a:rPr>
+              <a:t>QAF used</a:t>
+            </a:r>
+          </a:p>
+          <a:p>
+            <a:pPr marL="342900" indent="-342900" algn="ctr">
+              <a:buFontTx/>
+              <a:buChar char="-"/>
+            </a:pPr>
+            <a:r>
+              <a:rPr lang="en-US" sz="2400" spc="-1" dirty="0">
+                <a:latin typeface="Arial"/>
+              </a:rPr>
+              <a:t>HBD used</a:t>
+            </a:r>
+          </a:p>
+          <a:p>
+            <a:pPr marL="342900" indent="-342900" algn="ctr">
+              <a:buFontTx/>
+              <a:buChar char="-"/>
+            </a:pPr>
+            <a:r>
+              <a:rPr lang="en-US" sz="2400" b="0" strike="noStrike" spc="-1" dirty="0">
+                <a:latin typeface="Arial"/>
+              </a:rPr>
+              <a:t>Molar ratio</a:t>
+            </a:r>
+          </a:p>
+          <a:p>
+            <a:pPr algn="ctr"/>
+            <a:r>
+              <a:rPr lang="en-US" sz="2400" spc="-1" dirty="0">
+                <a:solidFill>
+                  <a:schemeClr val="accent6"/>
+                </a:solidFill>
+                <a:latin typeface="Arial"/>
+              </a:rPr>
+              <a:t>$</a:t>
+            </a:r>
+            <a:endParaRPr lang="en-US" sz="2400" b="0" strike="noStrike" spc="-1" dirty="0">
+              <a:solidFill>
+                <a:schemeClr val="accent6"/>
+              </a:solidFill>
+              <a:latin typeface="Arial"/>
+            </a:endParaRPr>
+          </a:p>
+        </p:txBody>
+      </p:sp>
+      <p:pic>
+        <p:nvPicPr>
+          <p:cNvPr id="18" name="Picture 17">
+            <a:extLst>
+              <a:ext uri="{FF2B5EF4-FFF2-40B4-BE49-F238E27FC236}">
+                <a16:creationId xmlns:a16="http://schemas.microsoft.com/office/drawing/2014/main" id="{41F6A520-FF90-886A-7FB2-6FB3BF13896C}"/>
+              </a:ext>
+            </a:extLst>
+          </p:cNvPr>
+          <p:cNvPicPr>
+            <a:picLocks noChangeAspect="1"/>
+          </p:cNvPicPr>
+          <p:nvPr/>
+        </p:nvPicPr>
+        <p:blipFill>
+          <a:blip r:embed="rId3"/>
+          <a:stretch>
+            <a:fillRect/>
+          </a:stretch>
+        </p:blipFill>
+        <p:spPr>
+          <a:xfrm>
+            <a:off x="5281635" y="940385"/>
+            <a:ext cx="1841500" cy="558800"/>
+          </a:xfrm>
+          <a:prstGeom prst="rect">
+            <a:avLst/>
+          </a:prstGeom>
+        </p:spPr>
+      </p:pic>
+    </p:spTree>
+    <p:extLst>
+      <p:ext uri="{BB962C8B-B14F-4D97-AF65-F5344CB8AC3E}">
+        <p14:creationId xmlns:p14="http://schemas.microsoft.com/office/powerpoint/2010/main" val="1279333204"/>
+      </p:ext>
+    </p:extLst>
+  </p:cSld>
+  <p:clrMapOvr>
+    <a:masterClrMapping/>
+  </p:clrMapOvr>
+</p:sld>
+</file>
+
+<file path=ppt/slides/slide6.xml><?xml version="1.0" encoding="utf-8"?>
+<p:sld xmlns:a="http://schemas.openxmlformats.org/drawingml/2006/main" xmlns:r="http://schemas.openxmlformats.org/officeDocument/2006/relationships" xmlns:p="http://schemas.openxmlformats.org/presentationml/2006/main">
+  <p:cSld>
+    <p:spTree>
+      <p:nvGrpSpPr>
+        <p:cNvPr id="1" name=""/>
+        <p:cNvGrpSpPr/>
+        <p:nvPr/>
+      </p:nvGrpSpPr>
+      <p:grpSpPr>
+        <a:xfrm>
+          <a:off x="0" y="0"/>
+          <a:ext cx="0" cy="0"/>
+          <a:chOff x="0" y="0"/>
+          <a:chExt cx="0" cy="0"/>
+        </a:xfrm>
+      </p:grpSpPr>
+      <p:sp>
+        <p:nvSpPr>
+          <p:cNvPr id="5" name="Rectangle 4">
+            <a:extLst>
+              <a:ext uri="{FF2B5EF4-FFF2-40B4-BE49-F238E27FC236}">
+                <a16:creationId xmlns:a16="http://schemas.microsoft.com/office/drawing/2014/main" id="{6CE07DE9-240A-67E2-AA77-EAE59EE17D4C}"/>
+              </a:ext>
+            </a:extLst>
+          </p:cNvPr>
+          <p:cNvSpPr/>
+          <p:nvPr/>
+        </p:nvSpPr>
+        <p:spPr>
+          <a:xfrm>
+            <a:off x="1904999" y="3269673"/>
+            <a:ext cx="6068291" cy="588818"/>
+          </a:xfrm>
+          <a:prstGeom prst="rect">
+            <a:avLst/>
+          </a:prstGeom>
+          <a:solidFill>
+            <a:schemeClr val="accent1"/>
+          </a:solidFill>
+          <a:ln>
+            <a:noFill/>
+          </a:ln>
+        </p:spPr>
+        <p:style>
+          <a:lnRef idx="2">
+            <a:schemeClr val="accent1">
+              <a:shade val="50000"/>
+            </a:schemeClr>
+          </a:lnRef>
+          <a:fillRef idx="1">
+            <a:schemeClr val="accent1"/>
+          </a:fillRef>
+          <a:effectRef idx="0">
+            <a:schemeClr val="accent1"/>
+          </a:effectRef>
+          <a:fontRef idx="minor">
+            <a:schemeClr val="lt1"/>
+          </a:fontRef>
+        </p:style>
+        <p:txBody>
+          <a:bodyPr rtlCol="0" anchor="ctr"/>
+          <a:lstStyle/>
+          <a:p>
+            <a:pPr algn="ctr"/>
+            <a:endParaRPr lang="en-US"/>
+          </a:p>
+        </p:txBody>
+      </p:sp>
+      <p:sp>
+        <p:nvSpPr>
+          <p:cNvPr id="6" name="Rectangle 5">
+            <a:extLst>
+              <a:ext uri="{FF2B5EF4-FFF2-40B4-BE49-F238E27FC236}">
+                <a16:creationId xmlns:a16="http://schemas.microsoft.com/office/drawing/2014/main" id="{DE24F5FC-4316-D4F7-D140-EA215268EBA9}"/>
+              </a:ext>
+            </a:extLst>
+          </p:cNvPr>
+          <p:cNvSpPr/>
+          <p:nvPr/>
+        </p:nvSpPr>
+        <p:spPr>
+          <a:xfrm>
+            <a:off x="7973291" y="3269673"/>
+            <a:ext cx="1821873" cy="588818"/>
+          </a:xfrm>
+          <a:prstGeom prst="rect">
+            <a:avLst/>
+          </a:prstGeom>
+          <a:solidFill>
+            <a:schemeClr val="accent2"/>
+          </a:solidFill>
+          <a:ln>
+            <a:noFill/>
+          </a:ln>
+        </p:spPr>
+        <p:style>
+          <a:lnRef idx="2">
+            <a:schemeClr val="accent1">
+              <a:shade val="50000"/>
+            </a:schemeClr>
+          </a:lnRef>
+          <a:fillRef idx="1">
+            <a:schemeClr val="accent1"/>
+          </a:fillRef>
+          <a:effectRef idx="0">
+            <a:schemeClr val="accent1"/>
+          </a:effectRef>
+          <a:fontRef idx="minor">
+            <a:schemeClr val="lt1"/>
+          </a:fontRef>
+        </p:style>
+        <p:txBody>
+          <a:bodyPr rtlCol="0" anchor="ctr"/>
+          <a:lstStyle/>
+          <a:p>
+            <a:pPr algn="ctr"/>
+            <a:endParaRPr lang="en-US"/>
+          </a:p>
+        </p:txBody>
+      </p:sp>
+      <p:sp>
+        <p:nvSpPr>
+          <p:cNvPr id="7" name="TextBox 6">
+            <a:extLst>
+              <a:ext uri="{FF2B5EF4-FFF2-40B4-BE49-F238E27FC236}">
+                <a16:creationId xmlns:a16="http://schemas.microsoft.com/office/drawing/2014/main" id="{C9EE959F-0122-92FA-B491-BFA0636E704E}"/>
+              </a:ext>
+            </a:extLst>
+          </p:cNvPr>
+          <p:cNvSpPr txBox="1"/>
+          <p:nvPr/>
+        </p:nvSpPr>
+        <p:spPr>
+          <a:xfrm>
+            <a:off x="2785754" y="2623342"/>
+            <a:ext cx="4183082" cy="646331"/>
+          </a:xfrm>
+          <a:prstGeom prst="rect">
+            <a:avLst/>
+          </a:prstGeom>
+          <a:noFill/>
+        </p:spPr>
+        <p:txBody>
+          <a:bodyPr wrap="square">
+            <a:spAutoFit/>
+          </a:bodyPr>
+          <a:lstStyle/>
+          <a:p>
+            <a:pPr algn="ctr"/>
+            <a:r>
+              <a:rPr lang="en-US" sz="1800" b="1" dirty="0">
+                <a:solidFill>
+                  <a:schemeClr val="tx1"/>
+                </a:solidFill>
+                <a:latin typeface="Arial" panose="020B0604020202020204" pitchFamily="34" charset="0"/>
+                <a:cs typeface="Arial" panose="020B0604020202020204" pitchFamily="34" charset="0"/>
+              </a:rPr>
+              <a:t>Development (dev) set: </a:t>
+            </a:r>
+          </a:p>
+          <a:p>
+            <a:pPr algn="ctr"/>
+            <a:r>
+              <a:rPr lang="en-US" dirty="0">
+                <a:solidFill>
+                  <a:schemeClr val="tx1"/>
+                </a:solidFill>
+                <a:latin typeface="Arial" panose="020B0604020202020204" pitchFamily="34" charset="0"/>
+                <a:cs typeface="Arial" panose="020B0604020202020204" pitchFamily="34" charset="0"/>
+              </a:rPr>
+              <a:t>Use for training and optimizing model</a:t>
+            </a:r>
+          </a:p>
+        </p:txBody>
+      </p:sp>
+      <p:sp>
+        <p:nvSpPr>
+          <p:cNvPr id="8" name="TextBox 7">
+            <a:extLst>
+              <a:ext uri="{FF2B5EF4-FFF2-40B4-BE49-F238E27FC236}">
+                <a16:creationId xmlns:a16="http://schemas.microsoft.com/office/drawing/2014/main" id="{518B8E14-E405-5CB1-D546-1D9D4E925CE4}"/>
+              </a:ext>
+            </a:extLst>
+          </p:cNvPr>
+          <p:cNvSpPr txBox="1"/>
+          <p:nvPr/>
+        </p:nvSpPr>
+        <p:spPr>
+          <a:xfrm>
+            <a:off x="7656615" y="2069344"/>
+            <a:ext cx="2455223" cy="1200329"/>
+          </a:xfrm>
+          <a:prstGeom prst="rect">
+            <a:avLst/>
+          </a:prstGeom>
+          <a:noFill/>
+        </p:spPr>
+        <p:txBody>
+          <a:bodyPr wrap="square">
+            <a:spAutoFit/>
+          </a:bodyPr>
+          <a:lstStyle/>
+          <a:p>
+            <a:pPr algn="ctr"/>
+            <a:r>
+              <a:rPr lang="en-US" sz="1800" b="1" dirty="0">
+                <a:solidFill>
+                  <a:schemeClr val="tx1"/>
+                </a:solidFill>
+                <a:latin typeface="Arial" panose="020B0604020202020204" pitchFamily="34" charset="0"/>
+                <a:cs typeface="Arial" panose="020B0604020202020204" pitchFamily="34" charset="0"/>
+              </a:rPr>
+              <a:t>Test set: </a:t>
+            </a:r>
+          </a:p>
+          <a:p>
+            <a:pPr algn="ctr"/>
+            <a:r>
+              <a:rPr lang="en-US" dirty="0">
+                <a:solidFill>
+                  <a:schemeClr val="tx1"/>
+                </a:solidFill>
+                <a:latin typeface="Arial" panose="020B0604020202020204" pitchFamily="34" charset="0"/>
+                <a:cs typeface="Arial" panose="020B0604020202020204" pitchFamily="34" charset="0"/>
+              </a:rPr>
+              <a:t>Use to evaluate and communicate performance</a:t>
+            </a:r>
+          </a:p>
+        </p:txBody>
+      </p:sp>
+    </p:spTree>
+    <p:extLst>
+      <p:ext uri="{BB962C8B-B14F-4D97-AF65-F5344CB8AC3E}">
+        <p14:creationId xmlns:p14="http://schemas.microsoft.com/office/powerpoint/2010/main" val="1518127759"/>
+      </p:ext>
+    </p:extLst>
+  </p:cSld>
+  <p:clrMapOvr>
+    <a:masterClrMapping/>
+  </p:clrMapOvr>
+</p:sld>
+</file>
+
+<file path=ppt/slides/slide7.xml><?xml version="1.0" encoding="utf-8"?>
+<p:sld xmlns:a="http://schemas.openxmlformats.org/drawingml/2006/main" xmlns:r="http://schemas.openxmlformats.org/officeDocument/2006/relationships" xmlns:p="http://schemas.openxmlformats.org/presentationml/2006/main">
+  <p:cSld>
+    <p:spTree>
+      <p:nvGrpSpPr>
+        <p:cNvPr id="1" name=""/>
+        <p:cNvGrpSpPr/>
+        <p:nvPr/>
+      </p:nvGrpSpPr>
+      <p:grpSpPr>
+        <a:xfrm>
+          <a:off x="0" y="0"/>
+          <a:ext cx="0" cy="0"/>
+          <a:chOff x="0" y="0"/>
+          <a:chExt cx="0" cy="0"/>
+        </a:xfrm>
+      </p:grpSpPr>
+      <p:pic>
+        <p:nvPicPr>
+          <p:cNvPr id="7" name="Picture 6">
+            <a:extLst>
+              <a:ext uri="{FF2B5EF4-FFF2-40B4-BE49-F238E27FC236}">
+                <a16:creationId xmlns:a16="http://schemas.microsoft.com/office/drawing/2014/main" id="{A89F4744-2E6A-9DB4-2EA7-A26CDE7FE30F}"/>
+              </a:ext>
+            </a:extLst>
+          </p:cNvPr>
+          <p:cNvPicPr>
+            <a:picLocks noChangeAspect="1"/>
+          </p:cNvPicPr>
+          <p:nvPr/>
+        </p:nvPicPr>
+        <p:blipFill>
+          <a:blip r:embed="rId2"/>
+          <a:stretch>
+            <a:fillRect/>
+          </a:stretch>
+        </p:blipFill>
+        <p:spPr>
+          <a:xfrm>
+            <a:off x="3048000" y="4471826"/>
+            <a:ext cx="914400" cy="279400"/>
+          </a:xfrm>
+          <a:prstGeom prst="rect">
+            <a:avLst/>
+          </a:prstGeom>
+        </p:spPr>
+      </p:pic>
+      <p:sp>
+        <p:nvSpPr>
+          <p:cNvPr id="9" name="TextBox 8">
+            <a:extLst>
+              <a:ext uri="{FF2B5EF4-FFF2-40B4-BE49-F238E27FC236}">
+                <a16:creationId xmlns:a16="http://schemas.microsoft.com/office/drawing/2014/main" id="{AE02A29D-9357-13ED-41B8-3CB0A80A8063}"/>
+              </a:ext>
+            </a:extLst>
+          </p:cNvPr>
+          <p:cNvSpPr txBox="1"/>
+          <p:nvPr/>
+        </p:nvSpPr>
+        <p:spPr>
+          <a:xfrm>
+            <a:off x="3962400" y="4381894"/>
+            <a:ext cx="2121093" cy="400110"/>
+          </a:xfrm>
+          <a:prstGeom prst="rect">
+            <a:avLst/>
+          </a:prstGeom>
+          <a:noFill/>
+        </p:spPr>
+        <p:txBody>
+          <a:bodyPr wrap="none" rtlCol="0">
+            <a:spAutoFit/>
+          </a:bodyPr>
+          <a:lstStyle/>
+          <a:p>
+            <a:r>
+              <a:rPr lang="en-US" sz="2000" dirty="0">
+                <a:latin typeface="Arial" panose="020B0604020202020204" pitchFamily="34" charset="0"/>
+                <a:cs typeface="Arial" panose="020B0604020202020204" pitchFamily="34" charset="0"/>
+              </a:rPr>
+              <a:t>Mol fraction QAS</a:t>
+            </a:r>
+          </a:p>
+        </p:txBody>
+      </p:sp>
+      <p:sp>
+        <p:nvSpPr>
+          <p:cNvPr id="10" name="TextBox 9">
+            <a:extLst>
+              <a:ext uri="{FF2B5EF4-FFF2-40B4-BE49-F238E27FC236}">
+                <a16:creationId xmlns:a16="http://schemas.microsoft.com/office/drawing/2014/main" id="{1C4234E0-F947-658E-9DA0-59CC5DEDCD24}"/>
+              </a:ext>
+            </a:extLst>
+          </p:cNvPr>
+          <p:cNvSpPr txBox="1"/>
+          <p:nvPr/>
+        </p:nvSpPr>
+        <p:spPr>
+          <a:xfrm>
+            <a:off x="2352594" y="4102494"/>
+            <a:ext cx="476412" cy="369332"/>
+          </a:xfrm>
+          <a:prstGeom prst="rect">
+            <a:avLst/>
+          </a:prstGeom>
+          <a:noFill/>
+        </p:spPr>
+        <p:txBody>
+          <a:bodyPr wrap="none" rtlCol="0">
+            <a:spAutoFit/>
+          </a:bodyPr>
+          <a:lstStyle/>
+          <a:p>
+            <a:r>
+              <a:rPr lang="en-US" dirty="0"/>
+              <a:t>0.0</a:t>
+            </a:r>
+          </a:p>
+        </p:txBody>
+      </p:sp>
+      <p:sp>
+        <p:nvSpPr>
+          <p:cNvPr id="11" name="TextBox 10">
+            <a:extLst>
+              <a:ext uri="{FF2B5EF4-FFF2-40B4-BE49-F238E27FC236}">
+                <a16:creationId xmlns:a16="http://schemas.microsoft.com/office/drawing/2014/main" id="{4A9D2AF8-1189-846E-DB95-76D753E5B0A7}"/>
+              </a:ext>
+            </a:extLst>
+          </p:cNvPr>
+          <p:cNvSpPr txBox="1"/>
+          <p:nvPr/>
+        </p:nvSpPr>
+        <p:spPr>
+          <a:xfrm>
+            <a:off x="6010194" y="4108600"/>
+            <a:ext cx="476412" cy="369332"/>
+          </a:xfrm>
+          <a:prstGeom prst="rect">
+            <a:avLst/>
+          </a:prstGeom>
+          <a:noFill/>
+        </p:spPr>
+        <p:txBody>
+          <a:bodyPr wrap="none" rtlCol="0">
+            <a:spAutoFit/>
+          </a:bodyPr>
+          <a:lstStyle/>
+          <a:p>
+            <a:r>
+              <a:rPr lang="en-US" dirty="0"/>
+              <a:t>1.0</a:t>
+            </a:r>
+          </a:p>
+        </p:txBody>
+      </p:sp>
+      <p:sp>
+        <p:nvSpPr>
+          <p:cNvPr id="12" name="Freeform 11">
+            <a:extLst>
+              <a:ext uri="{FF2B5EF4-FFF2-40B4-BE49-F238E27FC236}">
+                <a16:creationId xmlns:a16="http://schemas.microsoft.com/office/drawing/2014/main" id="{E8C77076-4BCF-85C8-4106-2F40E029FAA2}"/>
+              </a:ext>
+            </a:extLst>
+          </p:cNvPr>
+          <p:cNvSpPr/>
+          <p:nvPr/>
+        </p:nvSpPr>
+        <p:spPr>
+          <a:xfrm>
+            <a:off x="2583874" y="2459180"/>
+            <a:ext cx="2701636" cy="1600201"/>
+          </a:xfrm>
+          <a:custGeom>
+            <a:avLst/>
+            <a:gdLst>
+              <a:gd name="connsiteX0" fmla="*/ 0 w 1627909"/>
+              <a:gd name="connsiteY0" fmla="*/ 1600201 h 1607129"/>
+              <a:gd name="connsiteX1" fmla="*/ 568037 w 1627909"/>
+              <a:gd name="connsiteY1" fmla="*/ 1 h 1607129"/>
+              <a:gd name="connsiteX2" fmla="*/ 1627909 w 1627909"/>
+              <a:gd name="connsiteY2" fmla="*/ 1607129 h 1607129"/>
+              <a:gd name="connsiteX0" fmla="*/ 0 w 1627909"/>
+              <a:gd name="connsiteY0" fmla="*/ 1600201 h 1600201"/>
+              <a:gd name="connsiteX1" fmla="*/ 568037 w 1627909"/>
+              <a:gd name="connsiteY1" fmla="*/ 1 h 1600201"/>
+              <a:gd name="connsiteX2" fmla="*/ 1627909 w 1627909"/>
+              <a:gd name="connsiteY2" fmla="*/ 1579420 h 1600201"/>
+              <a:gd name="connsiteX0" fmla="*/ 0 w 1627909"/>
+              <a:gd name="connsiteY0" fmla="*/ 1600201 h 1600201"/>
+              <a:gd name="connsiteX1" fmla="*/ 568037 w 1627909"/>
+              <a:gd name="connsiteY1" fmla="*/ 1 h 1600201"/>
+              <a:gd name="connsiteX2" fmla="*/ 1627909 w 1627909"/>
+              <a:gd name="connsiteY2" fmla="*/ 1579420 h 1600201"/>
+              <a:gd name="connsiteX0" fmla="*/ 0 w 2008909"/>
+              <a:gd name="connsiteY0" fmla="*/ 1600201 h 1607129"/>
+              <a:gd name="connsiteX1" fmla="*/ 568037 w 2008909"/>
+              <a:gd name="connsiteY1" fmla="*/ 1 h 1607129"/>
+              <a:gd name="connsiteX2" fmla="*/ 2008909 w 2008909"/>
+              <a:gd name="connsiteY2" fmla="*/ 1607129 h 1607129"/>
+              <a:gd name="connsiteX0" fmla="*/ 0 w 2008909"/>
+              <a:gd name="connsiteY0" fmla="*/ 1600201 h 1607129"/>
+              <a:gd name="connsiteX1" fmla="*/ 568037 w 2008909"/>
+              <a:gd name="connsiteY1" fmla="*/ 1 h 1607129"/>
+              <a:gd name="connsiteX2" fmla="*/ 2008909 w 2008909"/>
+              <a:gd name="connsiteY2" fmla="*/ 1607129 h 1607129"/>
+              <a:gd name="connsiteX0" fmla="*/ 0 w 2701636"/>
+              <a:gd name="connsiteY0" fmla="*/ 1600201 h 1600201"/>
+              <a:gd name="connsiteX1" fmla="*/ 568037 w 2701636"/>
+              <a:gd name="connsiteY1" fmla="*/ 1 h 1600201"/>
+              <a:gd name="connsiteX2" fmla="*/ 2701636 w 2701636"/>
+              <a:gd name="connsiteY2" fmla="*/ 1593275 h 1600201"/>
+            </a:gdLst>
+            <a:ahLst/>
+            <a:cxnLst>
+              <a:cxn ang="0">
+                <a:pos x="connsiteX0" y="connsiteY0"/>
+              </a:cxn>
+              <a:cxn ang="0">
+                <a:pos x="connsiteX1" y="connsiteY1"/>
+              </a:cxn>
+              <a:cxn ang="0">
+                <a:pos x="connsiteX2" y="connsiteY2"/>
+              </a:cxn>
+            </a:cxnLst>
+            <a:rect l="l" t="t" r="r" b="b"/>
+            <a:pathLst>
+              <a:path w="2701636" h="1600201">
+                <a:moveTo>
+                  <a:pt x="0" y="1600201"/>
+                </a:moveTo>
+                <a:cubicBezTo>
+                  <a:pt x="148359" y="799523"/>
+                  <a:pt x="296719" y="-1154"/>
+                  <a:pt x="568037" y="1"/>
+                </a:cubicBezTo>
+                <a:cubicBezTo>
+                  <a:pt x="839355" y="1156"/>
+                  <a:pt x="1451263" y="1587502"/>
+                  <a:pt x="2701636" y="1593275"/>
+                </a:cubicBezTo>
+              </a:path>
+            </a:pathLst>
+          </a:custGeom>
+          <a:noFill/>
+          <a:ln w="22225"/>
+        </p:spPr>
+        <p:style>
+          <a:lnRef idx="2">
+            <a:schemeClr val="accent1">
+              <a:shade val="50000"/>
+            </a:schemeClr>
+          </a:lnRef>
+          <a:fillRef idx="1">
+            <a:schemeClr val="accent1"/>
+          </a:fillRef>
+          <a:effectRef idx="0">
+            <a:schemeClr val="accent1"/>
+          </a:effectRef>
+          <a:fontRef idx="minor">
+            <a:schemeClr val="lt1"/>
+          </a:fontRef>
+        </p:style>
+        <p:txBody>
+          <a:bodyPr rtlCol="0" anchor="ctr"/>
+          <a:lstStyle/>
+          <a:p>
+            <a:pPr algn="ctr"/>
+            <a:endParaRPr lang="en-US" dirty="0"/>
+          </a:p>
+        </p:txBody>
+      </p:sp>
+      <p:sp>
+        <p:nvSpPr>
+          <p:cNvPr id="13" name="Freeform 12">
+            <a:extLst>
+              <a:ext uri="{FF2B5EF4-FFF2-40B4-BE49-F238E27FC236}">
+                <a16:creationId xmlns:a16="http://schemas.microsoft.com/office/drawing/2014/main" id="{DA61B7C7-F612-FA9F-4DAF-7F3604718CD6}"/>
+              </a:ext>
+            </a:extLst>
+          </p:cNvPr>
+          <p:cNvSpPr/>
+          <p:nvPr/>
+        </p:nvSpPr>
+        <p:spPr>
+          <a:xfrm>
+            <a:off x="3927764" y="2324461"/>
+            <a:ext cx="2265217" cy="1738750"/>
+          </a:xfrm>
+          <a:custGeom>
+            <a:avLst/>
+            <a:gdLst>
+              <a:gd name="connsiteX0" fmla="*/ 0 w 1627909"/>
+              <a:gd name="connsiteY0" fmla="*/ 1600201 h 1607129"/>
+              <a:gd name="connsiteX1" fmla="*/ 568037 w 1627909"/>
+              <a:gd name="connsiteY1" fmla="*/ 1 h 1607129"/>
+              <a:gd name="connsiteX2" fmla="*/ 1627909 w 1627909"/>
+              <a:gd name="connsiteY2" fmla="*/ 1607129 h 1607129"/>
+              <a:gd name="connsiteX0" fmla="*/ 0 w 1627909"/>
+              <a:gd name="connsiteY0" fmla="*/ 1600201 h 1600201"/>
+              <a:gd name="connsiteX1" fmla="*/ 568037 w 1627909"/>
+              <a:gd name="connsiteY1" fmla="*/ 1 h 1600201"/>
+              <a:gd name="connsiteX2" fmla="*/ 1627909 w 1627909"/>
+              <a:gd name="connsiteY2" fmla="*/ 1579420 h 1600201"/>
+              <a:gd name="connsiteX0" fmla="*/ 0 w 1627909"/>
+              <a:gd name="connsiteY0" fmla="*/ 1600201 h 1600201"/>
+              <a:gd name="connsiteX1" fmla="*/ 568037 w 1627909"/>
+              <a:gd name="connsiteY1" fmla="*/ 1 h 1600201"/>
+              <a:gd name="connsiteX2" fmla="*/ 1627909 w 1627909"/>
+              <a:gd name="connsiteY2" fmla="*/ 1579420 h 1600201"/>
+              <a:gd name="connsiteX0" fmla="*/ 0 w 1627909"/>
+              <a:gd name="connsiteY0" fmla="*/ 1600201 h 1600201"/>
+              <a:gd name="connsiteX1" fmla="*/ 568037 w 1627909"/>
+              <a:gd name="connsiteY1" fmla="*/ 1 h 1600201"/>
+              <a:gd name="connsiteX2" fmla="*/ 1627909 w 1627909"/>
+              <a:gd name="connsiteY2" fmla="*/ 1579420 h 1600201"/>
+              <a:gd name="connsiteX0" fmla="*/ 0 w 1627909"/>
+              <a:gd name="connsiteY0" fmla="*/ 1600201 h 1600201"/>
+              <a:gd name="connsiteX1" fmla="*/ 568037 w 1627909"/>
+              <a:gd name="connsiteY1" fmla="*/ 1 h 1600201"/>
+              <a:gd name="connsiteX2" fmla="*/ 1627909 w 1627909"/>
+              <a:gd name="connsiteY2" fmla="*/ 1579420 h 1600201"/>
+              <a:gd name="connsiteX0" fmla="*/ 0 w 1627909"/>
+              <a:gd name="connsiteY0" fmla="*/ 1600201 h 1600201"/>
+              <a:gd name="connsiteX1" fmla="*/ 568037 w 1627909"/>
+              <a:gd name="connsiteY1" fmla="*/ 1 h 1600201"/>
+              <a:gd name="connsiteX2" fmla="*/ 1627909 w 1627909"/>
+              <a:gd name="connsiteY2" fmla="*/ 1579420 h 1600201"/>
+              <a:gd name="connsiteX0" fmla="*/ 0 w 1634836"/>
+              <a:gd name="connsiteY0" fmla="*/ 1600201 h 1600201"/>
+              <a:gd name="connsiteX1" fmla="*/ 574964 w 1634836"/>
+              <a:gd name="connsiteY1" fmla="*/ 1 h 1600201"/>
+              <a:gd name="connsiteX2" fmla="*/ 1634836 w 1634836"/>
+              <a:gd name="connsiteY2" fmla="*/ 1579420 h 1600201"/>
+              <a:gd name="connsiteX0" fmla="*/ 0 w 1634836"/>
+              <a:gd name="connsiteY0" fmla="*/ 1600370 h 1600370"/>
+              <a:gd name="connsiteX1" fmla="*/ 574964 w 1634836"/>
+              <a:gd name="connsiteY1" fmla="*/ 170 h 1600370"/>
+              <a:gd name="connsiteX2" fmla="*/ 1634836 w 1634836"/>
+              <a:gd name="connsiteY2" fmla="*/ 1579589 h 1600370"/>
+              <a:gd name="connsiteX0" fmla="*/ 0 w 1634836"/>
+              <a:gd name="connsiteY0" fmla="*/ 1600370 h 1600370"/>
+              <a:gd name="connsiteX1" fmla="*/ 574964 w 1634836"/>
+              <a:gd name="connsiteY1" fmla="*/ 170 h 1600370"/>
+              <a:gd name="connsiteX2" fmla="*/ 1634836 w 1634836"/>
+              <a:gd name="connsiteY2" fmla="*/ 1579589 h 1600370"/>
+              <a:gd name="connsiteX0" fmla="*/ 0 w 1634836"/>
+              <a:gd name="connsiteY0" fmla="*/ 1600201 h 1600201"/>
+              <a:gd name="connsiteX1" fmla="*/ 574964 w 1634836"/>
+              <a:gd name="connsiteY1" fmla="*/ 1 h 1600201"/>
+              <a:gd name="connsiteX2" fmla="*/ 1634836 w 1634836"/>
+              <a:gd name="connsiteY2" fmla="*/ 1579420 h 1600201"/>
+              <a:gd name="connsiteX0" fmla="*/ 0 w 2244436"/>
+              <a:gd name="connsiteY0" fmla="*/ 1607149 h 1607149"/>
+              <a:gd name="connsiteX1" fmla="*/ 1184564 w 2244436"/>
+              <a:gd name="connsiteY1" fmla="*/ 22 h 1607149"/>
+              <a:gd name="connsiteX2" fmla="*/ 2244436 w 2244436"/>
+              <a:gd name="connsiteY2" fmla="*/ 1579441 h 1607149"/>
+              <a:gd name="connsiteX0" fmla="*/ 0 w 2244436"/>
+              <a:gd name="connsiteY0" fmla="*/ 1607149 h 1607149"/>
+              <a:gd name="connsiteX1" fmla="*/ 1184564 w 2244436"/>
+              <a:gd name="connsiteY1" fmla="*/ 22 h 1607149"/>
+              <a:gd name="connsiteX2" fmla="*/ 2244436 w 2244436"/>
+              <a:gd name="connsiteY2" fmla="*/ 1579441 h 1607149"/>
+              <a:gd name="connsiteX0" fmla="*/ 0 w 2244436"/>
+              <a:gd name="connsiteY0" fmla="*/ 1766473 h 1766473"/>
+              <a:gd name="connsiteX1" fmla="*/ 1219200 w 2244436"/>
+              <a:gd name="connsiteY1" fmla="*/ 18 h 1766473"/>
+              <a:gd name="connsiteX2" fmla="*/ 2244436 w 2244436"/>
+              <a:gd name="connsiteY2" fmla="*/ 1738765 h 1766473"/>
+              <a:gd name="connsiteX0" fmla="*/ 0 w 2265217"/>
+              <a:gd name="connsiteY0" fmla="*/ 1724894 h 1738750"/>
+              <a:gd name="connsiteX1" fmla="*/ 1239981 w 2265217"/>
+              <a:gd name="connsiteY1" fmla="*/ 3 h 1738750"/>
+              <a:gd name="connsiteX2" fmla="*/ 2265217 w 2265217"/>
+              <a:gd name="connsiteY2" fmla="*/ 1738750 h 1738750"/>
+            </a:gdLst>
+            <a:ahLst/>
+            <a:cxnLst>
+              <a:cxn ang="0">
+                <a:pos x="connsiteX0" y="connsiteY0"/>
+              </a:cxn>
+              <a:cxn ang="0">
+                <a:pos x="connsiteX1" y="connsiteY1"/>
+              </a:cxn>
+              <a:cxn ang="0">
+                <a:pos x="connsiteX2" y="connsiteY2"/>
+              </a:cxn>
+            </a:cxnLst>
+            <a:rect l="l" t="t" r="r" b="b"/>
+            <a:pathLst>
+              <a:path w="2265217" h="1738750">
+                <a:moveTo>
+                  <a:pt x="0" y="1724894"/>
+                </a:moveTo>
+                <a:cubicBezTo>
+                  <a:pt x="882651" y="1713925"/>
+                  <a:pt x="862445" y="-2306"/>
+                  <a:pt x="1239981" y="3"/>
+                </a:cubicBezTo>
+                <a:cubicBezTo>
+                  <a:pt x="1617517" y="2312"/>
+                  <a:pt x="1977734" y="846286"/>
+                  <a:pt x="2265217" y="1738750"/>
+                </a:cubicBezTo>
+              </a:path>
+            </a:pathLst>
+          </a:custGeom>
+          <a:noFill/>
+          <a:ln w="22225">
+            <a:solidFill>
+              <a:schemeClr val="accent2"/>
+            </a:solidFill>
+          </a:ln>
+        </p:spPr>
+        <p:style>
+          <a:lnRef idx="2">
+            <a:schemeClr val="accent1">
+              <a:shade val="50000"/>
+            </a:schemeClr>
+          </a:lnRef>
+          <a:fillRef idx="1">
+            <a:schemeClr val="accent1"/>
+          </a:fillRef>
+          <a:effectRef idx="0">
+            <a:schemeClr val="accent1"/>
+          </a:effectRef>
+          <a:fontRef idx="minor">
+            <a:schemeClr val="lt1"/>
+          </a:fontRef>
+        </p:style>
+        <p:txBody>
+          <a:bodyPr rtlCol="0" anchor="ctr"/>
+          <a:lstStyle/>
+          <a:p>
+            <a:pPr algn="ctr"/>
+            <a:endParaRPr lang="en-US"/>
+          </a:p>
+        </p:txBody>
+      </p:sp>
+      <p:cxnSp>
+        <p:nvCxnSpPr>
+          <p:cNvPr id="5" name="Straight Connector 4">
+            <a:extLst>
+              <a:ext uri="{FF2B5EF4-FFF2-40B4-BE49-F238E27FC236}">
+                <a16:creationId xmlns:a16="http://schemas.microsoft.com/office/drawing/2014/main" id="{8FDA42C3-0D9C-6170-A51C-58889060F409}"/>
+              </a:ext>
+            </a:extLst>
+          </p:cNvPr>
+          <p:cNvCxnSpPr/>
+          <p:nvPr/>
+        </p:nvCxnSpPr>
+        <p:spPr>
+          <a:xfrm>
+            <a:off x="2126673" y="4059381"/>
+            <a:ext cx="4419600" cy="0"/>
+          </a:xfrm>
+          <a:prstGeom prst="line">
+            <a:avLst/>
+          </a:prstGeom>
+          <a:ln w="47625">
+            <a:solidFill>
+              <a:schemeClr val="tx1"/>
+            </a:solidFill>
+          </a:ln>
+        </p:spPr>
+        <p:style>
+          <a:lnRef idx="1">
+            <a:schemeClr val="accent1"/>
+          </a:lnRef>
+          <a:fillRef idx="0">
+            <a:schemeClr val="accent1"/>
+          </a:fillRef>
+          <a:effectRef idx="0">
+            <a:schemeClr val="accent1"/>
+          </a:effectRef>
+          <a:fontRef idx="minor">
+            <a:schemeClr val="tx1"/>
+          </a:fontRef>
+        </p:style>
+      </p:cxnSp>
+      <p:sp>
+        <p:nvSpPr>
+          <p:cNvPr id="15" name="TextBox 14">
+            <a:extLst>
+              <a:ext uri="{FF2B5EF4-FFF2-40B4-BE49-F238E27FC236}">
+                <a16:creationId xmlns:a16="http://schemas.microsoft.com/office/drawing/2014/main" id="{046C7AB2-1603-38E3-2557-425A8D26A116}"/>
+              </a:ext>
+            </a:extLst>
+          </p:cNvPr>
+          <p:cNvSpPr txBox="1"/>
+          <p:nvPr/>
+        </p:nvSpPr>
+        <p:spPr>
+          <a:xfrm>
+            <a:off x="1785166" y="1971596"/>
+            <a:ext cx="1800621" cy="400110"/>
+          </a:xfrm>
+          <a:prstGeom prst="rect">
+            <a:avLst/>
+          </a:prstGeom>
+          <a:noFill/>
+        </p:spPr>
+        <p:txBody>
+          <a:bodyPr wrap="none" rtlCol="0">
+            <a:spAutoFit/>
+          </a:bodyPr>
+          <a:lstStyle/>
+          <a:p>
+            <a:r>
+              <a:rPr lang="en-US" sz="2000" dirty="0">
+                <a:solidFill>
+                  <a:schemeClr val="accent1"/>
+                </a:solidFill>
+                <a:latin typeface="Arial" panose="020B0604020202020204" pitchFamily="34" charset="0"/>
+                <a:cs typeface="Arial" panose="020B0604020202020204" pitchFamily="34" charset="0"/>
+              </a:rPr>
+              <a:t>Training distro</a:t>
+            </a:r>
+          </a:p>
+        </p:txBody>
+      </p:sp>
+      <p:sp>
+        <p:nvSpPr>
+          <p:cNvPr id="16" name="TextBox 15">
+            <a:extLst>
+              <a:ext uri="{FF2B5EF4-FFF2-40B4-BE49-F238E27FC236}">
+                <a16:creationId xmlns:a16="http://schemas.microsoft.com/office/drawing/2014/main" id="{34A6607E-6040-6643-B693-97ABF38C5B5C}"/>
+              </a:ext>
+            </a:extLst>
+          </p:cNvPr>
+          <p:cNvSpPr txBox="1"/>
+          <p:nvPr/>
+        </p:nvSpPr>
+        <p:spPr>
+          <a:xfrm>
+            <a:off x="5134505" y="1899729"/>
+            <a:ext cx="1352101" cy="400110"/>
+          </a:xfrm>
+          <a:prstGeom prst="rect">
+            <a:avLst/>
+          </a:prstGeom>
+          <a:noFill/>
+        </p:spPr>
+        <p:txBody>
+          <a:bodyPr wrap="none" rtlCol="0">
+            <a:spAutoFit/>
+          </a:bodyPr>
+          <a:lstStyle/>
+          <a:p>
+            <a:r>
+              <a:rPr lang="en-US" sz="2000" dirty="0">
+                <a:solidFill>
+                  <a:schemeClr val="accent2"/>
+                </a:solidFill>
+                <a:latin typeface="Arial" panose="020B0604020202020204" pitchFamily="34" charset="0"/>
+                <a:cs typeface="Arial" panose="020B0604020202020204" pitchFamily="34" charset="0"/>
+              </a:rPr>
+              <a:t>Test distro</a:t>
+            </a:r>
+          </a:p>
+        </p:txBody>
+      </p:sp>
+      <p:cxnSp>
+        <p:nvCxnSpPr>
+          <p:cNvPr id="18" name="Straight Arrow Connector 17">
+            <a:extLst>
+              <a:ext uri="{FF2B5EF4-FFF2-40B4-BE49-F238E27FC236}">
+                <a16:creationId xmlns:a16="http://schemas.microsoft.com/office/drawing/2014/main" id="{C0CF9E7A-D193-B4B8-9014-363061698E82}"/>
+              </a:ext>
+            </a:extLst>
+          </p:cNvPr>
+          <p:cNvCxnSpPr>
+            <a:cxnSpLocks/>
+          </p:cNvCxnSpPr>
+          <p:nvPr/>
+        </p:nvCxnSpPr>
+        <p:spPr>
+          <a:xfrm flipH="1">
+            <a:off x="5986732" y="3193836"/>
+            <a:ext cx="1550139" cy="789912"/>
+          </a:xfrm>
+          <a:prstGeom prst="straightConnector1">
+            <a:avLst/>
+          </a:prstGeom>
+          <a:ln w="19050">
+            <a:solidFill>
+              <a:schemeClr val="tx1"/>
+            </a:solidFill>
+            <a:tailEnd type="triangle"/>
+          </a:ln>
+        </p:spPr>
+        <p:style>
+          <a:lnRef idx="1">
+            <a:schemeClr val="accent1"/>
+          </a:lnRef>
+          <a:fillRef idx="0">
+            <a:schemeClr val="accent1"/>
+          </a:fillRef>
+          <a:effectRef idx="0">
+            <a:schemeClr val="accent1"/>
+          </a:effectRef>
+          <a:fontRef idx="minor">
+            <a:schemeClr val="tx1"/>
+          </a:fontRef>
+        </p:style>
+      </p:cxnSp>
+      <p:sp>
+        <p:nvSpPr>
+          <p:cNvPr id="20" name="TextBox 19">
+            <a:extLst>
+              <a:ext uri="{FF2B5EF4-FFF2-40B4-BE49-F238E27FC236}">
+                <a16:creationId xmlns:a16="http://schemas.microsoft.com/office/drawing/2014/main" id="{27E9EEC4-10B0-C6DF-02BB-68C124B9D54C}"/>
+              </a:ext>
+            </a:extLst>
+          </p:cNvPr>
+          <p:cNvSpPr txBox="1"/>
+          <p:nvPr/>
+        </p:nvSpPr>
+        <p:spPr>
+          <a:xfrm>
+            <a:off x="7474527" y="2399414"/>
+            <a:ext cx="3061855" cy="1015663"/>
+          </a:xfrm>
+          <a:prstGeom prst="rect">
+            <a:avLst/>
+          </a:prstGeom>
+          <a:noFill/>
+        </p:spPr>
+        <p:txBody>
+          <a:bodyPr wrap="square" rtlCol="0">
+            <a:spAutoFit/>
+          </a:bodyPr>
+          <a:lstStyle/>
+          <a:p>
+            <a:pPr algn="ctr"/>
+            <a:r>
+              <a:rPr lang="en-US" sz="2000" dirty="0">
+                <a:latin typeface="Arial" panose="020B0604020202020204" pitchFamily="34" charset="0"/>
+                <a:cs typeface="Arial" panose="020B0604020202020204" pitchFamily="34" charset="0"/>
+              </a:rPr>
+              <a:t>Model is unfamiliar with mixtures with high mol fraction. Not a fair test.</a:t>
+            </a:r>
+          </a:p>
+        </p:txBody>
+      </p:sp>
+    </p:spTree>
+    <p:extLst>
+      <p:ext uri="{BB962C8B-B14F-4D97-AF65-F5344CB8AC3E}">
+        <p14:creationId xmlns:p14="http://schemas.microsoft.com/office/powerpoint/2010/main" val="2293696338"/>
+      </p:ext>
+    </p:extLst>
+  </p:cSld>
+  <p:clrMapOvr>
+    <a:masterClrMapping/>
+  </p:clrMapOvr>
+</p:sld>
+</file>
+
+<file path=ppt/slides/slide8.xml><?xml version="1.0" encoding="utf-8"?>
+<p:sld xmlns:a="http://schemas.openxmlformats.org/drawingml/2006/main" xmlns:r="http://schemas.openxmlformats.org/officeDocument/2006/relationships" xmlns:p="http://schemas.openxmlformats.org/presentationml/2006/main">
+  <p:cSld>
+    <p:spTree>
+      <p:nvGrpSpPr>
+        <p:cNvPr id="1" name=""/>
+        <p:cNvGrpSpPr/>
+        <p:nvPr/>
+      </p:nvGrpSpPr>
+      <p:grpSpPr>
+        <a:xfrm>
+          <a:off x="0" y="0"/>
+          <a:ext cx="0" cy="0"/>
+          <a:chOff x="0" y="0"/>
+          <a:chExt cx="0" cy="0"/>
+        </a:xfrm>
+      </p:grpSpPr>
+      <p:cxnSp>
+        <p:nvCxnSpPr>
+          <p:cNvPr id="4" name="Straight Connector 3">
+            <a:extLst>
+              <a:ext uri="{FF2B5EF4-FFF2-40B4-BE49-F238E27FC236}">
+                <a16:creationId xmlns:a16="http://schemas.microsoft.com/office/drawing/2014/main" id="{8DBEBADD-CC5C-7E00-20AB-6DFF85424A52}"/>
+              </a:ext>
+            </a:extLst>
+          </p:cNvPr>
+          <p:cNvCxnSpPr/>
+          <p:nvPr/>
+        </p:nvCxnSpPr>
+        <p:spPr>
+          <a:xfrm>
+            <a:off x="3131128" y="4530436"/>
+            <a:ext cx="4419600" cy="0"/>
+          </a:xfrm>
+          <a:prstGeom prst="line">
+            <a:avLst/>
+          </a:prstGeom>
+          <a:ln w="47625">
+            <a:solidFill>
+              <a:schemeClr val="tx1"/>
+            </a:solidFill>
+            <a:tailEnd type="triangle"/>
+          </a:ln>
+        </p:spPr>
+        <p:style>
+          <a:lnRef idx="1">
+            <a:schemeClr val="accent1"/>
+          </a:lnRef>
+          <a:fillRef idx="0">
+            <a:schemeClr val="accent1"/>
+          </a:fillRef>
+          <a:effectRef idx="0">
+            <a:schemeClr val="accent1"/>
+          </a:effectRef>
+          <a:fontRef idx="minor">
+            <a:schemeClr val="tx1"/>
+          </a:fontRef>
+        </p:style>
+      </p:cxnSp>
+      <p:cxnSp>
+        <p:nvCxnSpPr>
+          <p:cNvPr id="5" name="Straight Connector 4">
+            <a:extLst>
+              <a:ext uri="{FF2B5EF4-FFF2-40B4-BE49-F238E27FC236}">
+                <a16:creationId xmlns:a16="http://schemas.microsoft.com/office/drawing/2014/main" id="{74FB1870-585C-3D07-EF3D-266079B37B65}"/>
+              </a:ext>
+            </a:extLst>
+          </p:cNvPr>
+          <p:cNvCxnSpPr>
+            <a:cxnSpLocks/>
+          </p:cNvCxnSpPr>
+          <p:nvPr/>
+        </p:nvCxnSpPr>
+        <p:spPr>
+          <a:xfrm flipV="1">
+            <a:off x="3262745" y="1392382"/>
+            <a:ext cx="0" cy="3290454"/>
+          </a:xfrm>
+          <a:prstGeom prst="line">
+            <a:avLst/>
+          </a:prstGeom>
+          <a:ln w="47625">
+            <a:solidFill>
+              <a:schemeClr val="tx1"/>
+            </a:solidFill>
+            <a:tailEnd type="triangle"/>
+          </a:ln>
+        </p:spPr>
+        <p:style>
+          <a:lnRef idx="1">
+            <a:schemeClr val="accent1"/>
+          </a:lnRef>
+          <a:fillRef idx="0">
+            <a:schemeClr val="accent1"/>
+          </a:fillRef>
+          <a:effectRef idx="0">
+            <a:schemeClr val="accent1"/>
+          </a:effectRef>
+          <a:fontRef idx="minor">
+            <a:schemeClr val="tx1"/>
+          </a:fontRef>
+        </p:style>
+      </p:cxnSp>
+      <p:pic>
+        <p:nvPicPr>
+          <p:cNvPr id="9" name="Picture 8">
+            <a:extLst>
+              <a:ext uri="{FF2B5EF4-FFF2-40B4-BE49-F238E27FC236}">
+                <a16:creationId xmlns:a16="http://schemas.microsoft.com/office/drawing/2014/main" id="{C5A23C97-F153-56EA-BBCF-DAAC83A29102}"/>
+              </a:ext>
+            </a:extLst>
+          </p:cNvPr>
+          <p:cNvPicPr>
+            <a:picLocks noChangeAspect="1"/>
+          </p:cNvPicPr>
+          <p:nvPr/>
+        </p:nvPicPr>
+        <p:blipFill>
+          <a:blip r:embed="rId2"/>
+          <a:stretch>
+            <a:fillRect/>
+          </a:stretch>
+        </p:blipFill>
+        <p:spPr>
+          <a:xfrm>
+            <a:off x="5125028" y="4793095"/>
+            <a:ext cx="431800" cy="292100"/>
+          </a:xfrm>
+          <a:prstGeom prst="rect">
+            <a:avLst/>
+          </a:prstGeom>
+        </p:spPr>
+      </p:pic>
+      <p:pic>
+        <p:nvPicPr>
+          <p:cNvPr id="10" name="Picture 9">
+            <a:extLst>
+              <a:ext uri="{FF2B5EF4-FFF2-40B4-BE49-F238E27FC236}">
+                <a16:creationId xmlns:a16="http://schemas.microsoft.com/office/drawing/2014/main" id="{63B3B0A6-EE0B-9652-E4A7-5EA9452D863C}"/>
+              </a:ext>
+            </a:extLst>
+          </p:cNvPr>
+          <p:cNvPicPr>
+            <a:picLocks noChangeAspect="1"/>
+          </p:cNvPicPr>
+          <p:nvPr/>
+        </p:nvPicPr>
+        <p:blipFill>
+          <a:blip r:embed="rId3"/>
+          <a:stretch>
+            <a:fillRect/>
+          </a:stretch>
+        </p:blipFill>
+        <p:spPr>
+          <a:xfrm>
+            <a:off x="2471304" y="2820555"/>
+            <a:ext cx="419100" cy="279400"/>
+          </a:xfrm>
+          <a:prstGeom prst="rect">
+            <a:avLst/>
+          </a:prstGeom>
+        </p:spPr>
+      </p:pic>
+      <p:pic>
+        <p:nvPicPr>
+          <p:cNvPr id="11" name="Picture 10">
+            <a:extLst>
+              <a:ext uri="{FF2B5EF4-FFF2-40B4-BE49-F238E27FC236}">
+                <a16:creationId xmlns:a16="http://schemas.microsoft.com/office/drawing/2014/main" id="{77FE1658-DA25-8C9A-AFA0-9E4FEEA03C60}"/>
+              </a:ext>
+            </a:extLst>
+          </p:cNvPr>
+          <p:cNvPicPr>
+            <a:picLocks noChangeAspect="1"/>
+          </p:cNvPicPr>
+          <p:nvPr/>
+        </p:nvPicPr>
+        <p:blipFill>
+          <a:blip r:embed="rId4"/>
+          <a:stretch>
+            <a:fillRect/>
+          </a:stretch>
+        </p:blipFill>
+        <p:spPr>
+          <a:xfrm>
+            <a:off x="8516504" y="1641764"/>
+            <a:ext cx="215900" cy="304800"/>
+          </a:xfrm>
+          <a:prstGeom prst="rect">
+            <a:avLst/>
+          </a:prstGeom>
+        </p:spPr>
+      </p:pic>
+      <p:sp>
+        <p:nvSpPr>
+          <p:cNvPr id="12" name="Rectangle 11">
+            <a:extLst>
+              <a:ext uri="{FF2B5EF4-FFF2-40B4-BE49-F238E27FC236}">
+                <a16:creationId xmlns:a16="http://schemas.microsoft.com/office/drawing/2014/main" id="{901694C5-1517-0FDB-BC5B-C9BE62706A50}"/>
+              </a:ext>
+            </a:extLst>
+          </p:cNvPr>
+          <p:cNvSpPr/>
+          <p:nvPr/>
+        </p:nvSpPr>
+        <p:spPr>
+          <a:xfrm>
+            <a:off x="8174182" y="2175164"/>
+            <a:ext cx="180109" cy="187036"/>
+          </a:xfrm>
+          <a:prstGeom prst="rect">
+            <a:avLst/>
+          </a:prstGeom>
+        </p:spPr>
+        <p:style>
+          <a:lnRef idx="2">
+            <a:schemeClr val="accent1">
+              <a:shade val="50000"/>
+            </a:schemeClr>
+          </a:lnRef>
+          <a:fillRef idx="1">
+            <a:schemeClr val="accent1"/>
+          </a:fillRef>
+          <a:effectRef idx="0">
+            <a:schemeClr val="accent1"/>
+          </a:effectRef>
+          <a:fontRef idx="minor">
+            <a:schemeClr val="lt1"/>
+          </a:fontRef>
+        </p:style>
+        <p:txBody>
+          <a:bodyPr rtlCol="0" anchor="ctr"/>
+          <a:lstStyle/>
+          <a:p>
+            <a:pPr algn="ctr"/>
+            <a:endParaRPr lang="en-US"/>
+          </a:p>
+        </p:txBody>
+      </p:sp>
+      <p:sp>
+        <p:nvSpPr>
+          <p:cNvPr id="13" name="Rectangle 12">
+            <a:extLst>
+              <a:ext uri="{FF2B5EF4-FFF2-40B4-BE49-F238E27FC236}">
+                <a16:creationId xmlns:a16="http://schemas.microsoft.com/office/drawing/2014/main" id="{670C0E80-C730-AE27-310A-260267C8242B}"/>
+              </a:ext>
+            </a:extLst>
+          </p:cNvPr>
+          <p:cNvSpPr/>
+          <p:nvPr/>
+        </p:nvSpPr>
+        <p:spPr>
+          <a:xfrm>
+            <a:off x="4343400" y="3277755"/>
+            <a:ext cx="180109" cy="187036"/>
+          </a:xfrm>
+          <a:prstGeom prst="rect">
+            <a:avLst/>
+          </a:prstGeom>
+        </p:spPr>
+        <p:style>
+          <a:lnRef idx="2">
+            <a:schemeClr val="accent2">
+              <a:shade val="50000"/>
+            </a:schemeClr>
+          </a:lnRef>
+          <a:fillRef idx="1">
+            <a:schemeClr val="accent2"/>
+          </a:fillRef>
+          <a:effectRef idx="0">
+            <a:schemeClr val="accent2"/>
+          </a:effectRef>
+          <a:fontRef idx="minor">
+            <a:schemeClr val="lt1"/>
+          </a:fontRef>
+        </p:style>
+        <p:txBody>
+          <a:bodyPr rtlCol="0" anchor="ctr"/>
+          <a:lstStyle/>
+          <a:p>
+            <a:pPr algn="ctr"/>
+            <a:endParaRPr lang="en-US"/>
+          </a:p>
+        </p:txBody>
+      </p:sp>
+      <p:sp>
+        <p:nvSpPr>
+          <p:cNvPr id="14" name="TextBox 13">
+            <a:extLst>
+              <a:ext uri="{FF2B5EF4-FFF2-40B4-BE49-F238E27FC236}">
+                <a16:creationId xmlns:a16="http://schemas.microsoft.com/office/drawing/2014/main" id="{06256E6D-BD25-28D0-6BE5-4AC98EFD7434}"/>
+              </a:ext>
+            </a:extLst>
+          </p:cNvPr>
+          <p:cNvSpPr txBox="1"/>
+          <p:nvPr/>
+        </p:nvSpPr>
+        <p:spPr>
+          <a:xfrm>
+            <a:off x="8539406" y="2037849"/>
+            <a:ext cx="389850" cy="461665"/>
+          </a:xfrm>
+          <a:prstGeom prst="rect">
+            <a:avLst/>
+          </a:prstGeom>
+          <a:noFill/>
+        </p:spPr>
+        <p:txBody>
+          <a:bodyPr wrap="none" rtlCol="0">
+            <a:spAutoFit/>
+          </a:bodyPr>
+          <a:lstStyle/>
+          <a:p>
+            <a:r>
+              <a:rPr lang="en-US" sz="2400" dirty="0">
+                <a:latin typeface="Arial" panose="020B0604020202020204" pitchFamily="34" charset="0"/>
+                <a:cs typeface="Arial" panose="020B0604020202020204" pitchFamily="34" charset="0"/>
+              </a:rPr>
+              <a:t>A</a:t>
+            </a:r>
+          </a:p>
+        </p:txBody>
+      </p:sp>
+      <p:sp>
+        <p:nvSpPr>
+          <p:cNvPr id="16" name="TextBox 15">
+            <a:extLst>
+              <a:ext uri="{FF2B5EF4-FFF2-40B4-BE49-F238E27FC236}">
+                <a16:creationId xmlns:a16="http://schemas.microsoft.com/office/drawing/2014/main" id="{876BDAB8-FD6D-3950-2927-DAE30AAA9FB7}"/>
+              </a:ext>
+            </a:extLst>
+          </p:cNvPr>
+          <p:cNvSpPr txBox="1"/>
+          <p:nvPr/>
+        </p:nvSpPr>
+        <p:spPr>
+          <a:xfrm>
+            <a:off x="8539406" y="2485891"/>
+            <a:ext cx="389850" cy="461665"/>
+          </a:xfrm>
+          <a:prstGeom prst="rect">
+            <a:avLst/>
+          </a:prstGeom>
+          <a:noFill/>
+        </p:spPr>
+        <p:txBody>
+          <a:bodyPr wrap="none" rtlCol="0">
+            <a:spAutoFit/>
+          </a:bodyPr>
+          <a:lstStyle/>
+          <a:p>
+            <a:r>
+              <a:rPr lang="en-US" sz="2400" dirty="0">
+                <a:latin typeface="Arial" panose="020B0604020202020204" pitchFamily="34" charset="0"/>
+                <a:cs typeface="Arial" panose="020B0604020202020204" pitchFamily="34" charset="0"/>
+              </a:rPr>
+              <a:t>B</a:t>
+            </a:r>
+          </a:p>
+        </p:txBody>
+      </p:sp>
+      <p:sp>
+        <p:nvSpPr>
+          <p:cNvPr id="17" name="Rectangle 16">
+            <a:extLst>
+              <a:ext uri="{FF2B5EF4-FFF2-40B4-BE49-F238E27FC236}">
+                <a16:creationId xmlns:a16="http://schemas.microsoft.com/office/drawing/2014/main" id="{EC3042BA-787B-9F1D-9337-A1FA03BEB347}"/>
+              </a:ext>
+            </a:extLst>
+          </p:cNvPr>
+          <p:cNvSpPr/>
+          <p:nvPr/>
+        </p:nvSpPr>
+        <p:spPr>
+          <a:xfrm>
+            <a:off x="4003964" y="3604493"/>
+            <a:ext cx="180109" cy="187036"/>
+          </a:xfrm>
+          <a:prstGeom prst="rect">
+            <a:avLst/>
+          </a:prstGeom>
+        </p:spPr>
+        <p:style>
+          <a:lnRef idx="2">
+            <a:schemeClr val="accent2">
+              <a:shade val="50000"/>
+            </a:schemeClr>
+          </a:lnRef>
+          <a:fillRef idx="1">
+            <a:schemeClr val="accent2"/>
+          </a:fillRef>
+          <a:effectRef idx="0">
+            <a:schemeClr val="accent2"/>
+          </a:effectRef>
+          <a:fontRef idx="minor">
+            <a:schemeClr val="lt1"/>
+          </a:fontRef>
+        </p:style>
+        <p:txBody>
+          <a:bodyPr rtlCol="0" anchor="ctr"/>
+          <a:lstStyle/>
+          <a:p>
+            <a:pPr algn="ctr"/>
+            <a:endParaRPr lang="en-US"/>
+          </a:p>
+        </p:txBody>
+      </p:sp>
+      <p:sp>
+        <p:nvSpPr>
+          <p:cNvPr id="18" name="Rectangle 17">
+            <a:extLst>
+              <a:ext uri="{FF2B5EF4-FFF2-40B4-BE49-F238E27FC236}">
+                <a16:creationId xmlns:a16="http://schemas.microsoft.com/office/drawing/2014/main" id="{F54C144C-39C3-CFBF-CEC5-ED95F25FB004}"/>
+              </a:ext>
+            </a:extLst>
+          </p:cNvPr>
+          <p:cNvSpPr/>
+          <p:nvPr/>
+        </p:nvSpPr>
+        <p:spPr>
+          <a:xfrm>
+            <a:off x="4433454" y="3988956"/>
+            <a:ext cx="180109" cy="187036"/>
+          </a:xfrm>
+          <a:prstGeom prst="rect">
+            <a:avLst/>
+          </a:prstGeom>
+        </p:spPr>
+        <p:style>
+          <a:lnRef idx="2">
+            <a:schemeClr val="accent2">
+              <a:shade val="50000"/>
+            </a:schemeClr>
+          </a:lnRef>
+          <a:fillRef idx="1">
+            <a:schemeClr val="accent2"/>
+          </a:fillRef>
+          <a:effectRef idx="0">
+            <a:schemeClr val="accent2"/>
+          </a:effectRef>
+          <a:fontRef idx="minor">
+            <a:schemeClr val="lt1"/>
+          </a:fontRef>
+        </p:style>
+        <p:txBody>
+          <a:bodyPr rtlCol="0" anchor="ctr"/>
+          <a:lstStyle/>
+          <a:p>
+            <a:pPr algn="ctr"/>
+            <a:endParaRPr lang="en-US"/>
+          </a:p>
+        </p:txBody>
+      </p:sp>
+      <p:sp>
+        <p:nvSpPr>
+          <p:cNvPr id="19" name="Rectangle 18">
+            <a:extLst>
+              <a:ext uri="{FF2B5EF4-FFF2-40B4-BE49-F238E27FC236}">
+                <a16:creationId xmlns:a16="http://schemas.microsoft.com/office/drawing/2014/main" id="{6FED123D-B2C6-7636-959A-A156698CA927}"/>
+              </a:ext>
+            </a:extLst>
+          </p:cNvPr>
+          <p:cNvSpPr/>
+          <p:nvPr/>
+        </p:nvSpPr>
+        <p:spPr>
+          <a:xfrm>
+            <a:off x="6071754" y="3181930"/>
+            <a:ext cx="180109" cy="187036"/>
+          </a:xfrm>
+          <a:prstGeom prst="rect">
+            <a:avLst/>
+          </a:prstGeom>
+        </p:spPr>
+        <p:style>
+          <a:lnRef idx="2">
+            <a:schemeClr val="accent2">
+              <a:shade val="50000"/>
+            </a:schemeClr>
+          </a:lnRef>
+          <a:fillRef idx="1">
+            <a:schemeClr val="accent2"/>
+          </a:fillRef>
+          <a:effectRef idx="0">
+            <a:schemeClr val="accent2"/>
+          </a:effectRef>
+          <a:fontRef idx="minor">
+            <a:schemeClr val="lt1"/>
+          </a:fontRef>
+        </p:style>
+        <p:txBody>
+          <a:bodyPr rtlCol="0" anchor="ctr"/>
+          <a:lstStyle/>
+          <a:p>
+            <a:pPr algn="ctr"/>
+            <a:endParaRPr lang="en-US"/>
+          </a:p>
+        </p:txBody>
+      </p:sp>
+      <p:sp>
+        <p:nvSpPr>
+          <p:cNvPr id="20" name="Rectangle 19">
+            <a:extLst>
+              <a:ext uri="{FF2B5EF4-FFF2-40B4-BE49-F238E27FC236}">
+                <a16:creationId xmlns:a16="http://schemas.microsoft.com/office/drawing/2014/main" id="{5A017BB5-CEE1-4DE1-0629-A58386DE3D0C}"/>
+              </a:ext>
+            </a:extLst>
+          </p:cNvPr>
+          <p:cNvSpPr/>
+          <p:nvPr/>
+        </p:nvSpPr>
+        <p:spPr>
+          <a:xfrm>
+            <a:off x="5376719" y="3241964"/>
+            <a:ext cx="180109" cy="187036"/>
+          </a:xfrm>
+          <a:prstGeom prst="rect">
+            <a:avLst/>
+          </a:prstGeom>
+        </p:spPr>
+        <p:style>
+          <a:lnRef idx="2">
+            <a:schemeClr val="accent2">
+              <a:shade val="50000"/>
+            </a:schemeClr>
+          </a:lnRef>
+          <a:fillRef idx="1">
+            <a:schemeClr val="accent2"/>
+          </a:fillRef>
+          <a:effectRef idx="0">
+            <a:schemeClr val="accent2"/>
+          </a:effectRef>
+          <a:fontRef idx="minor">
+            <a:schemeClr val="lt1"/>
+          </a:fontRef>
+        </p:style>
+        <p:txBody>
+          <a:bodyPr rtlCol="0" anchor="ctr"/>
+          <a:lstStyle/>
+          <a:p>
+            <a:pPr algn="ctr"/>
+            <a:endParaRPr lang="en-US"/>
+          </a:p>
+        </p:txBody>
+      </p:sp>
+      <p:sp>
+        <p:nvSpPr>
+          <p:cNvPr id="21" name="Rectangle 20">
+            <a:extLst>
+              <a:ext uri="{FF2B5EF4-FFF2-40B4-BE49-F238E27FC236}">
+                <a16:creationId xmlns:a16="http://schemas.microsoft.com/office/drawing/2014/main" id="{579202B3-733C-DB1D-CD7D-6A0E69B15F38}"/>
+              </a:ext>
+            </a:extLst>
+          </p:cNvPr>
+          <p:cNvSpPr/>
+          <p:nvPr/>
+        </p:nvSpPr>
+        <p:spPr>
+          <a:xfrm>
+            <a:off x="4860059" y="3454401"/>
+            <a:ext cx="180109" cy="187036"/>
+          </a:xfrm>
+          <a:prstGeom prst="rect">
+            <a:avLst/>
+          </a:prstGeom>
+        </p:spPr>
+        <p:style>
+          <a:lnRef idx="2">
+            <a:schemeClr val="accent2">
+              <a:shade val="50000"/>
+            </a:schemeClr>
+          </a:lnRef>
+          <a:fillRef idx="1">
+            <a:schemeClr val="accent2"/>
+          </a:fillRef>
+          <a:effectRef idx="0">
+            <a:schemeClr val="accent2"/>
+          </a:effectRef>
+          <a:fontRef idx="minor">
+            <a:schemeClr val="lt1"/>
+          </a:fontRef>
+        </p:style>
+        <p:txBody>
+          <a:bodyPr rtlCol="0" anchor="ctr"/>
+          <a:lstStyle/>
+          <a:p>
+            <a:pPr algn="ctr"/>
+            <a:endParaRPr lang="en-US"/>
+          </a:p>
+        </p:txBody>
+      </p:sp>
+      <p:sp>
+        <p:nvSpPr>
+          <p:cNvPr id="22" name="Rectangle 21">
+            <a:extLst>
+              <a:ext uri="{FF2B5EF4-FFF2-40B4-BE49-F238E27FC236}">
+                <a16:creationId xmlns:a16="http://schemas.microsoft.com/office/drawing/2014/main" id="{14F5351D-917E-F042-F606-7970056422EE}"/>
+              </a:ext>
+            </a:extLst>
+          </p:cNvPr>
+          <p:cNvSpPr/>
+          <p:nvPr/>
+        </p:nvSpPr>
+        <p:spPr>
+          <a:xfrm>
+            <a:off x="4679950" y="3059547"/>
+            <a:ext cx="180109" cy="187036"/>
+          </a:xfrm>
+          <a:prstGeom prst="rect">
+            <a:avLst/>
+          </a:prstGeom>
+        </p:spPr>
+        <p:style>
+          <a:lnRef idx="2">
+            <a:schemeClr val="accent2">
+              <a:shade val="50000"/>
+            </a:schemeClr>
+          </a:lnRef>
+          <a:fillRef idx="1">
+            <a:schemeClr val="accent2"/>
+          </a:fillRef>
+          <a:effectRef idx="0">
+            <a:schemeClr val="accent2"/>
+          </a:effectRef>
+          <a:fontRef idx="minor">
+            <a:schemeClr val="lt1"/>
+          </a:fontRef>
+        </p:style>
+        <p:txBody>
+          <a:bodyPr rtlCol="0" anchor="ctr"/>
+          <a:lstStyle/>
+          <a:p>
+            <a:pPr algn="ctr"/>
+            <a:endParaRPr lang="en-US"/>
+          </a:p>
+        </p:txBody>
+      </p:sp>
+      <p:sp>
+        <p:nvSpPr>
+          <p:cNvPr id="23" name="Rectangle 22">
+            <a:extLst>
+              <a:ext uri="{FF2B5EF4-FFF2-40B4-BE49-F238E27FC236}">
+                <a16:creationId xmlns:a16="http://schemas.microsoft.com/office/drawing/2014/main" id="{E1060AAA-964F-ED50-AA31-97209ED84946}"/>
+              </a:ext>
+            </a:extLst>
+          </p:cNvPr>
+          <p:cNvSpPr/>
+          <p:nvPr/>
+        </p:nvSpPr>
+        <p:spPr>
+          <a:xfrm>
+            <a:off x="5335156" y="3801920"/>
+            <a:ext cx="180109" cy="187036"/>
+          </a:xfrm>
+          <a:prstGeom prst="rect">
+            <a:avLst/>
+          </a:prstGeom>
+        </p:spPr>
+        <p:style>
+          <a:lnRef idx="2">
+            <a:schemeClr val="accent2">
+              <a:shade val="50000"/>
+            </a:schemeClr>
+          </a:lnRef>
+          <a:fillRef idx="1">
+            <a:schemeClr val="accent2"/>
+          </a:fillRef>
+          <a:effectRef idx="0">
+            <a:schemeClr val="accent2"/>
+          </a:effectRef>
+          <a:fontRef idx="minor">
+            <a:schemeClr val="lt1"/>
+          </a:fontRef>
+        </p:style>
+        <p:txBody>
+          <a:bodyPr rtlCol="0" anchor="ctr"/>
+          <a:lstStyle/>
+          <a:p>
+            <a:pPr algn="ctr"/>
+            <a:endParaRPr lang="en-US"/>
+          </a:p>
+        </p:txBody>
+      </p:sp>
+      <p:sp>
+        <p:nvSpPr>
+          <p:cNvPr id="24" name="Rectangle 23">
+            <a:extLst>
+              <a:ext uri="{FF2B5EF4-FFF2-40B4-BE49-F238E27FC236}">
+                <a16:creationId xmlns:a16="http://schemas.microsoft.com/office/drawing/2014/main" id="{AB3D1CC3-637B-7D93-1EDE-0B994C43AFA8}"/>
+              </a:ext>
+            </a:extLst>
+          </p:cNvPr>
+          <p:cNvSpPr/>
+          <p:nvPr/>
+        </p:nvSpPr>
+        <p:spPr>
+          <a:xfrm>
+            <a:off x="3771900" y="4006274"/>
+            <a:ext cx="180109" cy="187036"/>
+          </a:xfrm>
+          <a:prstGeom prst="rect">
+            <a:avLst/>
+          </a:prstGeom>
+        </p:spPr>
+        <p:style>
+          <a:lnRef idx="2">
+            <a:schemeClr val="accent2">
+              <a:shade val="50000"/>
+            </a:schemeClr>
+          </a:lnRef>
+          <a:fillRef idx="1">
+            <a:schemeClr val="accent2"/>
+          </a:fillRef>
+          <a:effectRef idx="0">
+            <a:schemeClr val="accent2"/>
+          </a:effectRef>
+          <a:fontRef idx="minor">
+            <a:schemeClr val="lt1"/>
+          </a:fontRef>
+        </p:style>
+        <p:txBody>
+          <a:bodyPr rtlCol="0" anchor="ctr"/>
+          <a:lstStyle/>
+          <a:p>
+            <a:pPr algn="ctr"/>
+            <a:endParaRPr lang="en-US"/>
+          </a:p>
+        </p:txBody>
+      </p:sp>
+      <p:sp>
+        <p:nvSpPr>
+          <p:cNvPr id="25" name="Rectangle 24">
+            <a:extLst>
+              <a:ext uri="{FF2B5EF4-FFF2-40B4-BE49-F238E27FC236}">
+                <a16:creationId xmlns:a16="http://schemas.microsoft.com/office/drawing/2014/main" id="{25A8E7A8-9CF7-82D9-0ACF-8F69612DC6C3}"/>
+              </a:ext>
+            </a:extLst>
+          </p:cNvPr>
+          <p:cNvSpPr/>
+          <p:nvPr/>
+        </p:nvSpPr>
+        <p:spPr>
+          <a:xfrm>
+            <a:off x="4686877" y="2342574"/>
+            <a:ext cx="180109" cy="187036"/>
+          </a:xfrm>
+          <a:prstGeom prst="rect">
+            <a:avLst/>
+          </a:prstGeom>
+        </p:spPr>
+        <p:style>
+          <a:lnRef idx="2">
+            <a:schemeClr val="accent2">
+              <a:shade val="50000"/>
+            </a:schemeClr>
+          </a:lnRef>
+          <a:fillRef idx="1">
+            <a:schemeClr val="accent2"/>
+          </a:fillRef>
+          <a:effectRef idx="0">
+            <a:schemeClr val="accent2"/>
+          </a:effectRef>
+          <a:fontRef idx="minor">
+            <a:schemeClr val="lt1"/>
+          </a:fontRef>
+        </p:style>
+        <p:txBody>
+          <a:bodyPr rtlCol="0" anchor="ctr"/>
+          <a:lstStyle/>
+          <a:p>
+            <a:pPr algn="ctr"/>
+            <a:endParaRPr lang="en-US"/>
+          </a:p>
+        </p:txBody>
+      </p:sp>
+      <p:sp>
+        <p:nvSpPr>
+          <p:cNvPr id="26" name="Rectangle 25">
+            <a:extLst>
+              <a:ext uri="{FF2B5EF4-FFF2-40B4-BE49-F238E27FC236}">
+                <a16:creationId xmlns:a16="http://schemas.microsoft.com/office/drawing/2014/main" id="{7E5430E9-3B63-AF79-F719-BDCA7811AEDC}"/>
+              </a:ext>
+            </a:extLst>
+          </p:cNvPr>
+          <p:cNvSpPr/>
+          <p:nvPr/>
+        </p:nvSpPr>
+        <p:spPr>
+          <a:xfrm>
+            <a:off x="3698009" y="3100533"/>
+            <a:ext cx="180109" cy="187036"/>
+          </a:xfrm>
+          <a:prstGeom prst="rect">
+            <a:avLst/>
+          </a:prstGeom>
+        </p:spPr>
+        <p:style>
+          <a:lnRef idx="2">
+            <a:schemeClr val="accent2">
+              <a:shade val="50000"/>
+            </a:schemeClr>
+          </a:lnRef>
+          <a:fillRef idx="1">
+            <a:schemeClr val="accent2"/>
+          </a:fillRef>
+          <a:effectRef idx="0">
+            <a:schemeClr val="accent2"/>
+          </a:effectRef>
+          <a:fontRef idx="minor">
+            <a:schemeClr val="lt1"/>
+          </a:fontRef>
+        </p:style>
+        <p:txBody>
+          <a:bodyPr rtlCol="0" anchor="ctr"/>
+          <a:lstStyle/>
+          <a:p>
+            <a:pPr algn="ctr"/>
+            <a:endParaRPr lang="en-US"/>
+          </a:p>
+        </p:txBody>
+      </p:sp>
+      <p:sp>
+        <p:nvSpPr>
+          <p:cNvPr id="27" name="Rectangle 26">
+            <a:extLst>
+              <a:ext uri="{FF2B5EF4-FFF2-40B4-BE49-F238E27FC236}">
+                <a16:creationId xmlns:a16="http://schemas.microsoft.com/office/drawing/2014/main" id="{AA32CB43-0243-F066-2FA3-0B0D0D1C3867}"/>
+              </a:ext>
+            </a:extLst>
+          </p:cNvPr>
+          <p:cNvSpPr/>
+          <p:nvPr/>
+        </p:nvSpPr>
+        <p:spPr>
+          <a:xfrm>
+            <a:off x="8174181" y="2647663"/>
+            <a:ext cx="180109" cy="187036"/>
+          </a:xfrm>
+          <a:prstGeom prst="rect">
+            <a:avLst/>
+          </a:prstGeom>
+        </p:spPr>
+        <p:style>
+          <a:lnRef idx="2">
+            <a:schemeClr val="accent2">
+              <a:shade val="50000"/>
+            </a:schemeClr>
+          </a:lnRef>
+          <a:fillRef idx="1">
+            <a:schemeClr val="accent2"/>
+          </a:fillRef>
+          <a:effectRef idx="0">
+            <a:schemeClr val="accent2"/>
+          </a:effectRef>
+          <a:fontRef idx="minor">
+            <a:schemeClr val="lt1"/>
+          </a:fontRef>
+        </p:style>
+        <p:txBody>
+          <a:bodyPr rtlCol="0" anchor="ctr"/>
+          <a:lstStyle/>
+          <a:p>
+            <a:pPr algn="ctr"/>
+            <a:endParaRPr lang="en-US"/>
+          </a:p>
+        </p:txBody>
+      </p:sp>
+      <p:sp>
+        <p:nvSpPr>
+          <p:cNvPr id="28" name="Rectangle 27">
+            <a:extLst>
+              <a:ext uri="{FF2B5EF4-FFF2-40B4-BE49-F238E27FC236}">
+                <a16:creationId xmlns:a16="http://schemas.microsoft.com/office/drawing/2014/main" id="{C87281F5-3422-AF33-1FDC-CBEC8C288C35}"/>
+              </a:ext>
+            </a:extLst>
+          </p:cNvPr>
+          <p:cNvSpPr/>
+          <p:nvPr/>
+        </p:nvSpPr>
+        <p:spPr>
+          <a:xfrm>
+            <a:off x="6259847" y="1607128"/>
+            <a:ext cx="180109" cy="187036"/>
+          </a:xfrm>
+          <a:prstGeom prst="rect">
+            <a:avLst/>
+          </a:prstGeom>
+        </p:spPr>
+        <p:style>
+          <a:lnRef idx="2">
+            <a:schemeClr val="accent1">
+              <a:shade val="50000"/>
+            </a:schemeClr>
+          </a:lnRef>
+          <a:fillRef idx="1">
+            <a:schemeClr val="accent1"/>
+          </a:fillRef>
+          <a:effectRef idx="0">
+            <a:schemeClr val="accent1"/>
+          </a:effectRef>
+          <a:fontRef idx="minor">
+            <a:schemeClr val="lt1"/>
+          </a:fontRef>
+        </p:style>
+        <p:txBody>
+          <a:bodyPr rtlCol="0" anchor="ctr"/>
+          <a:lstStyle/>
+          <a:p>
+            <a:pPr algn="ctr"/>
+            <a:endParaRPr lang="en-US"/>
+          </a:p>
+        </p:txBody>
+      </p:sp>
+      <p:sp>
+        <p:nvSpPr>
+          <p:cNvPr id="29" name="Rectangle 28">
+            <a:extLst>
+              <a:ext uri="{FF2B5EF4-FFF2-40B4-BE49-F238E27FC236}">
+                <a16:creationId xmlns:a16="http://schemas.microsoft.com/office/drawing/2014/main" id="{E29BD23B-E151-37FF-405E-AABD0AF11D0E}"/>
+              </a:ext>
+            </a:extLst>
+          </p:cNvPr>
+          <p:cNvSpPr/>
+          <p:nvPr/>
+        </p:nvSpPr>
+        <p:spPr>
+          <a:xfrm>
+            <a:off x="5538354" y="1989213"/>
+            <a:ext cx="180109" cy="187036"/>
+          </a:xfrm>
+          <a:prstGeom prst="rect">
+            <a:avLst/>
+          </a:prstGeom>
+        </p:spPr>
+        <p:style>
+          <a:lnRef idx="2">
+            <a:schemeClr val="accent1">
+              <a:shade val="50000"/>
+            </a:schemeClr>
+          </a:lnRef>
+          <a:fillRef idx="1">
+            <a:schemeClr val="accent1"/>
+          </a:fillRef>
+          <a:effectRef idx="0">
+            <a:schemeClr val="accent1"/>
+          </a:effectRef>
+          <a:fontRef idx="minor">
+            <a:schemeClr val="lt1"/>
+          </a:fontRef>
+        </p:style>
+        <p:txBody>
+          <a:bodyPr rtlCol="0" anchor="ctr"/>
+          <a:lstStyle/>
+          <a:p>
+            <a:pPr algn="ctr"/>
+            <a:endParaRPr lang="en-US" dirty="0"/>
+          </a:p>
+        </p:txBody>
+      </p:sp>
+      <p:sp>
+        <p:nvSpPr>
+          <p:cNvPr id="30" name="Rectangle 29">
+            <a:extLst>
+              <a:ext uri="{FF2B5EF4-FFF2-40B4-BE49-F238E27FC236}">
+                <a16:creationId xmlns:a16="http://schemas.microsoft.com/office/drawing/2014/main" id="{8CEDD1FB-0AD0-C616-350E-344943840B5E}"/>
+              </a:ext>
+            </a:extLst>
+          </p:cNvPr>
+          <p:cNvSpPr/>
+          <p:nvPr/>
+        </p:nvSpPr>
+        <p:spPr>
+          <a:xfrm>
+            <a:off x="5118774" y="3502459"/>
+            <a:ext cx="180109" cy="187036"/>
+          </a:xfrm>
+          <a:prstGeom prst="rect">
+            <a:avLst/>
+          </a:prstGeom>
+        </p:spPr>
+        <p:style>
+          <a:lnRef idx="2">
+            <a:schemeClr val="accent1">
+              <a:shade val="50000"/>
+            </a:schemeClr>
+          </a:lnRef>
+          <a:fillRef idx="1">
+            <a:schemeClr val="accent1"/>
+          </a:fillRef>
+          <a:effectRef idx="0">
+            <a:schemeClr val="accent1"/>
+          </a:effectRef>
+          <a:fontRef idx="minor">
+            <a:schemeClr val="lt1"/>
+          </a:fontRef>
+        </p:style>
+        <p:txBody>
+          <a:bodyPr rtlCol="0" anchor="ctr"/>
+          <a:lstStyle/>
+          <a:p>
+            <a:pPr algn="ctr"/>
+            <a:endParaRPr lang="en-US"/>
+          </a:p>
+        </p:txBody>
+      </p:sp>
+      <p:sp>
+        <p:nvSpPr>
+          <p:cNvPr id="31" name="Rectangle 30">
+            <a:extLst>
+              <a:ext uri="{FF2B5EF4-FFF2-40B4-BE49-F238E27FC236}">
+                <a16:creationId xmlns:a16="http://schemas.microsoft.com/office/drawing/2014/main" id="{49D6F0E2-E16D-0166-BBB5-F9DA44E911A5}"/>
+              </a:ext>
+            </a:extLst>
+          </p:cNvPr>
+          <p:cNvSpPr/>
+          <p:nvPr/>
+        </p:nvSpPr>
+        <p:spPr>
+          <a:xfrm>
+            <a:off x="5196610" y="2619594"/>
+            <a:ext cx="180109" cy="187036"/>
+          </a:xfrm>
+          <a:prstGeom prst="rect">
+            <a:avLst/>
+          </a:prstGeom>
+        </p:spPr>
+        <p:style>
+          <a:lnRef idx="2">
+            <a:schemeClr val="accent1">
+              <a:shade val="50000"/>
+            </a:schemeClr>
+          </a:lnRef>
+          <a:fillRef idx="1">
+            <a:schemeClr val="accent1"/>
+          </a:fillRef>
+          <a:effectRef idx="0">
+            <a:schemeClr val="accent1"/>
+          </a:effectRef>
+          <a:fontRef idx="minor">
+            <a:schemeClr val="lt1"/>
+          </a:fontRef>
+        </p:style>
+        <p:txBody>
+          <a:bodyPr rtlCol="0" anchor="ctr"/>
+          <a:lstStyle/>
+          <a:p>
+            <a:pPr algn="ctr"/>
+            <a:endParaRPr lang="en-US"/>
+          </a:p>
+        </p:txBody>
+      </p:sp>
+      <p:sp>
+        <p:nvSpPr>
+          <p:cNvPr id="32" name="Rectangle 31">
+            <a:extLst>
+              <a:ext uri="{FF2B5EF4-FFF2-40B4-BE49-F238E27FC236}">
+                <a16:creationId xmlns:a16="http://schemas.microsoft.com/office/drawing/2014/main" id="{B8242B66-5A39-B364-D272-00BA1C292052}"/>
+              </a:ext>
+            </a:extLst>
+          </p:cNvPr>
+          <p:cNvSpPr/>
+          <p:nvPr/>
+        </p:nvSpPr>
+        <p:spPr>
+          <a:xfrm>
+            <a:off x="5791682" y="2890117"/>
+            <a:ext cx="180109" cy="187036"/>
+          </a:xfrm>
+          <a:prstGeom prst="rect">
+            <a:avLst/>
+          </a:prstGeom>
+        </p:spPr>
+        <p:style>
+          <a:lnRef idx="2">
+            <a:schemeClr val="accent1">
+              <a:shade val="50000"/>
+            </a:schemeClr>
+          </a:lnRef>
+          <a:fillRef idx="1">
+            <a:schemeClr val="accent1"/>
+          </a:fillRef>
+          <a:effectRef idx="0">
+            <a:schemeClr val="accent1"/>
+          </a:effectRef>
+          <a:fontRef idx="minor">
+            <a:schemeClr val="lt1"/>
+          </a:fontRef>
+        </p:style>
+        <p:txBody>
+          <a:bodyPr rtlCol="0" anchor="ctr"/>
+          <a:lstStyle/>
+          <a:p>
+            <a:pPr algn="ctr"/>
+            <a:endParaRPr lang="en-US"/>
+          </a:p>
+        </p:txBody>
+      </p:sp>
+      <p:sp>
+        <p:nvSpPr>
+          <p:cNvPr id="33" name="Rectangle 32">
+            <a:extLst>
+              <a:ext uri="{FF2B5EF4-FFF2-40B4-BE49-F238E27FC236}">
+                <a16:creationId xmlns:a16="http://schemas.microsoft.com/office/drawing/2014/main" id="{64FB16C4-0FDE-DB48-EFE1-7370E8282D24}"/>
+              </a:ext>
+            </a:extLst>
+          </p:cNvPr>
+          <p:cNvSpPr/>
+          <p:nvPr/>
+        </p:nvSpPr>
+        <p:spPr>
+          <a:xfrm>
+            <a:off x="5801690" y="2409034"/>
+            <a:ext cx="180109" cy="187036"/>
+          </a:xfrm>
+          <a:prstGeom prst="rect">
+            <a:avLst/>
+          </a:prstGeom>
+        </p:spPr>
+        <p:style>
+          <a:lnRef idx="2">
+            <a:schemeClr val="accent1">
+              <a:shade val="50000"/>
+            </a:schemeClr>
+          </a:lnRef>
+          <a:fillRef idx="1">
+            <a:schemeClr val="accent1"/>
+          </a:fillRef>
+          <a:effectRef idx="0">
+            <a:schemeClr val="accent1"/>
+          </a:effectRef>
+          <a:fontRef idx="minor">
+            <a:schemeClr val="lt1"/>
+          </a:fontRef>
+        </p:style>
+        <p:txBody>
+          <a:bodyPr rtlCol="0" anchor="ctr"/>
+          <a:lstStyle/>
+          <a:p>
+            <a:pPr algn="ctr"/>
+            <a:endParaRPr lang="en-US"/>
+          </a:p>
+        </p:txBody>
+      </p:sp>
+      <p:sp>
+        <p:nvSpPr>
+          <p:cNvPr id="34" name="Rectangle 33">
+            <a:extLst>
+              <a:ext uri="{FF2B5EF4-FFF2-40B4-BE49-F238E27FC236}">
+                <a16:creationId xmlns:a16="http://schemas.microsoft.com/office/drawing/2014/main" id="{6939E68E-B794-BF27-605D-32D5B5EE7F7B}"/>
+              </a:ext>
+            </a:extLst>
+          </p:cNvPr>
+          <p:cNvSpPr/>
+          <p:nvPr/>
+        </p:nvSpPr>
+        <p:spPr>
+          <a:xfrm>
+            <a:off x="6621512" y="3310808"/>
+            <a:ext cx="180109" cy="187036"/>
+          </a:xfrm>
+          <a:prstGeom prst="rect">
+            <a:avLst/>
+          </a:prstGeom>
+        </p:spPr>
+        <p:style>
+          <a:lnRef idx="2">
+            <a:schemeClr val="accent1">
+              <a:shade val="50000"/>
+            </a:schemeClr>
+          </a:lnRef>
+          <a:fillRef idx="1">
+            <a:schemeClr val="accent1"/>
+          </a:fillRef>
+          <a:effectRef idx="0">
+            <a:schemeClr val="accent1"/>
+          </a:effectRef>
+          <a:fontRef idx="minor">
+            <a:schemeClr val="lt1"/>
+          </a:fontRef>
+        </p:style>
+        <p:txBody>
+          <a:bodyPr rtlCol="0" anchor="ctr"/>
+          <a:lstStyle/>
+          <a:p>
+            <a:pPr algn="ctr"/>
+            <a:endParaRPr lang="en-US"/>
+          </a:p>
+        </p:txBody>
+      </p:sp>
+      <p:sp>
+        <p:nvSpPr>
+          <p:cNvPr id="35" name="Rectangle 34">
+            <a:extLst>
+              <a:ext uri="{FF2B5EF4-FFF2-40B4-BE49-F238E27FC236}">
+                <a16:creationId xmlns:a16="http://schemas.microsoft.com/office/drawing/2014/main" id="{3A32F385-4995-947E-372B-AE22DAB6DC03}"/>
+              </a:ext>
+            </a:extLst>
+          </p:cNvPr>
+          <p:cNvSpPr/>
+          <p:nvPr/>
+        </p:nvSpPr>
+        <p:spPr>
+          <a:xfrm>
+            <a:off x="7030221" y="2673497"/>
+            <a:ext cx="180109" cy="187036"/>
+          </a:xfrm>
+          <a:prstGeom prst="rect">
+            <a:avLst/>
+          </a:prstGeom>
+        </p:spPr>
+        <p:style>
+          <a:lnRef idx="2">
+            <a:schemeClr val="accent1">
+              <a:shade val="50000"/>
+            </a:schemeClr>
+          </a:lnRef>
+          <a:fillRef idx="1">
+            <a:schemeClr val="accent1"/>
+          </a:fillRef>
+          <a:effectRef idx="0">
+            <a:schemeClr val="accent1"/>
+          </a:effectRef>
+          <a:fontRef idx="minor">
+            <a:schemeClr val="lt1"/>
+          </a:fontRef>
+        </p:style>
+        <p:txBody>
+          <a:bodyPr rtlCol="0" anchor="ctr"/>
+          <a:lstStyle/>
+          <a:p>
+            <a:pPr algn="ctr"/>
+            <a:endParaRPr lang="en-US"/>
+          </a:p>
+        </p:txBody>
+      </p:sp>
+      <p:sp>
+        <p:nvSpPr>
+          <p:cNvPr id="36" name="Rectangle 35">
+            <a:extLst>
+              <a:ext uri="{FF2B5EF4-FFF2-40B4-BE49-F238E27FC236}">
+                <a16:creationId xmlns:a16="http://schemas.microsoft.com/office/drawing/2014/main" id="{75B0CA6F-8CED-A7ED-9015-F869C9585070}"/>
+              </a:ext>
+            </a:extLst>
+          </p:cNvPr>
+          <p:cNvSpPr/>
+          <p:nvPr/>
+        </p:nvSpPr>
+        <p:spPr>
+          <a:xfrm>
+            <a:off x="6391325" y="2448069"/>
+            <a:ext cx="180109" cy="187036"/>
+          </a:xfrm>
+          <a:prstGeom prst="rect">
+            <a:avLst/>
+          </a:prstGeom>
+        </p:spPr>
+        <p:style>
+          <a:lnRef idx="2">
+            <a:schemeClr val="accent1">
+              <a:shade val="50000"/>
+            </a:schemeClr>
+          </a:lnRef>
+          <a:fillRef idx="1">
+            <a:schemeClr val="accent1"/>
+          </a:fillRef>
+          <a:effectRef idx="0">
+            <a:schemeClr val="accent1"/>
+          </a:effectRef>
+          <a:fontRef idx="minor">
+            <a:schemeClr val="lt1"/>
+          </a:fontRef>
+        </p:style>
+        <p:txBody>
+          <a:bodyPr rtlCol="0" anchor="ctr"/>
+          <a:lstStyle/>
+          <a:p>
+            <a:pPr algn="ctr"/>
+            <a:endParaRPr lang="en-US"/>
+          </a:p>
+        </p:txBody>
+      </p:sp>
+      <p:sp>
+        <p:nvSpPr>
+          <p:cNvPr id="37" name="Rectangle 36">
+            <a:extLst>
+              <a:ext uri="{FF2B5EF4-FFF2-40B4-BE49-F238E27FC236}">
+                <a16:creationId xmlns:a16="http://schemas.microsoft.com/office/drawing/2014/main" id="{A5F78FB4-6EA7-0D81-F447-9245B68DC4A2}"/>
+              </a:ext>
+            </a:extLst>
+          </p:cNvPr>
+          <p:cNvSpPr/>
+          <p:nvPr/>
+        </p:nvSpPr>
+        <p:spPr>
+          <a:xfrm>
+            <a:off x="4773469" y="2667725"/>
+            <a:ext cx="180109" cy="187036"/>
+          </a:xfrm>
+          <a:prstGeom prst="rect">
+            <a:avLst/>
+          </a:prstGeom>
+        </p:spPr>
+        <p:style>
+          <a:lnRef idx="2">
+            <a:schemeClr val="accent1">
+              <a:shade val="50000"/>
+            </a:schemeClr>
+          </a:lnRef>
+          <a:fillRef idx="1">
+            <a:schemeClr val="accent1"/>
+          </a:fillRef>
+          <a:effectRef idx="0">
+            <a:schemeClr val="accent1"/>
+          </a:effectRef>
+          <a:fontRef idx="minor">
+            <a:schemeClr val="lt1"/>
+          </a:fontRef>
+        </p:style>
+        <p:txBody>
+          <a:bodyPr rtlCol="0" anchor="ctr"/>
+          <a:lstStyle/>
+          <a:p>
+            <a:pPr algn="ctr"/>
+            <a:endParaRPr lang="en-US"/>
+          </a:p>
+        </p:txBody>
+      </p:sp>
+      <p:sp>
+        <p:nvSpPr>
+          <p:cNvPr id="38" name="Rectangle 37">
+            <a:extLst>
+              <a:ext uri="{FF2B5EF4-FFF2-40B4-BE49-F238E27FC236}">
+                <a16:creationId xmlns:a16="http://schemas.microsoft.com/office/drawing/2014/main" id="{487577D4-3E1E-C3A5-C481-7CB0CAC2EC0F}"/>
+              </a:ext>
+            </a:extLst>
+          </p:cNvPr>
+          <p:cNvSpPr/>
+          <p:nvPr/>
+        </p:nvSpPr>
+        <p:spPr>
+          <a:xfrm>
+            <a:off x="5915891" y="1934696"/>
+            <a:ext cx="180109" cy="187036"/>
+          </a:xfrm>
+          <a:prstGeom prst="rect">
+            <a:avLst/>
+          </a:prstGeom>
+        </p:spPr>
+        <p:style>
+          <a:lnRef idx="2">
+            <a:schemeClr val="accent1">
+              <a:shade val="50000"/>
+            </a:schemeClr>
+          </a:lnRef>
+          <a:fillRef idx="1">
+            <a:schemeClr val="accent1"/>
+          </a:fillRef>
+          <a:effectRef idx="0">
+            <a:schemeClr val="accent1"/>
+          </a:effectRef>
+          <a:fontRef idx="minor">
+            <a:schemeClr val="lt1"/>
+          </a:fontRef>
+        </p:style>
+        <p:txBody>
+          <a:bodyPr rtlCol="0" anchor="ctr"/>
+          <a:lstStyle/>
+          <a:p>
+            <a:pPr algn="ctr"/>
+            <a:endParaRPr lang="en-US"/>
+          </a:p>
+        </p:txBody>
+      </p:sp>
+      <p:sp>
+        <p:nvSpPr>
+          <p:cNvPr id="39" name="Rectangle 38">
+            <a:extLst>
+              <a:ext uri="{FF2B5EF4-FFF2-40B4-BE49-F238E27FC236}">
+                <a16:creationId xmlns:a16="http://schemas.microsoft.com/office/drawing/2014/main" id="{94924836-E8F7-03BA-164C-77C80ABC001A}"/>
+              </a:ext>
+            </a:extLst>
+          </p:cNvPr>
+          <p:cNvSpPr/>
+          <p:nvPr/>
+        </p:nvSpPr>
+        <p:spPr>
+          <a:xfrm>
+            <a:off x="8169757" y="3153065"/>
+            <a:ext cx="180109" cy="187036"/>
+          </a:xfrm>
+          <a:prstGeom prst="rect">
+            <a:avLst/>
+          </a:prstGeom>
+          <a:solidFill>
+            <a:srgbClr val="7030A0"/>
+          </a:solidFill>
+          <a:ln>
+            <a:solidFill>
+              <a:schemeClr val="tx1"/>
+            </a:solidFill>
+          </a:ln>
+        </p:spPr>
+        <p:style>
+          <a:lnRef idx="2">
+            <a:schemeClr val="accent2">
+              <a:shade val="50000"/>
+            </a:schemeClr>
+          </a:lnRef>
+          <a:fillRef idx="1">
+            <a:schemeClr val="accent2"/>
+          </a:fillRef>
+          <a:effectRef idx="0">
+            <a:schemeClr val="accent2"/>
+          </a:effectRef>
+          <a:fontRef idx="minor">
+            <a:schemeClr val="lt1"/>
+          </a:fontRef>
+        </p:style>
+        <p:txBody>
+          <a:bodyPr rtlCol="0" anchor="ctr"/>
+          <a:lstStyle/>
+          <a:p>
+            <a:pPr algn="ctr"/>
+            <a:r>
+              <a:rPr lang="en-US" dirty="0"/>
+              <a:t>?</a:t>
+            </a:r>
+          </a:p>
+        </p:txBody>
+      </p:sp>
+      <p:sp>
+        <p:nvSpPr>
+          <p:cNvPr id="40" name="TextBox 39">
+            <a:extLst>
+              <a:ext uri="{FF2B5EF4-FFF2-40B4-BE49-F238E27FC236}">
+                <a16:creationId xmlns:a16="http://schemas.microsoft.com/office/drawing/2014/main" id="{A8DCB483-2690-6C84-81CF-0211864CBB75}"/>
+              </a:ext>
+            </a:extLst>
+          </p:cNvPr>
+          <p:cNvSpPr txBox="1"/>
+          <p:nvPr/>
+        </p:nvSpPr>
+        <p:spPr>
+          <a:xfrm>
+            <a:off x="8537479" y="3011131"/>
+            <a:ext cx="356188" cy="461665"/>
+          </a:xfrm>
+          <a:prstGeom prst="rect">
+            <a:avLst/>
+          </a:prstGeom>
+          <a:noFill/>
+        </p:spPr>
+        <p:txBody>
+          <a:bodyPr wrap="none" rtlCol="0">
+            <a:spAutoFit/>
+          </a:bodyPr>
+          <a:lstStyle/>
+          <a:p>
+            <a:r>
+              <a:rPr lang="en-US" sz="2400" dirty="0">
+                <a:latin typeface="Arial" panose="020B0604020202020204" pitchFamily="34" charset="0"/>
+                <a:cs typeface="Arial" panose="020B0604020202020204" pitchFamily="34" charset="0"/>
+              </a:rPr>
+              <a:t>?</a:t>
+            </a:r>
+          </a:p>
+        </p:txBody>
+      </p:sp>
+      <p:sp>
+        <p:nvSpPr>
+          <p:cNvPr id="41" name="Rectangle 40">
+            <a:extLst>
+              <a:ext uri="{FF2B5EF4-FFF2-40B4-BE49-F238E27FC236}">
+                <a16:creationId xmlns:a16="http://schemas.microsoft.com/office/drawing/2014/main" id="{2823AD1F-796E-04F4-340D-1133B2970E65}"/>
+              </a:ext>
+            </a:extLst>
+          </p:cNvPr>
+          <p:cNvSpPr/>
+          <p:nvPr/>
+        </p:nvSpPr>
+        <p:spPr>
+          <a:xfrm>
+            <a:off x="6349901" y="2041313"/>
+            <a:ext cx="180109" cy="187036"/>
+          </a:xfrm>
+          <a:prstGeom prst="rect">
+            <a:avLst/>
+          </a:prstGeom>
+          <a:solidFill>
+            <a:srgbClr val="7030A0"/>
+          </a:solidFill>
+          <a:ln>
+            <a:solidFill>
+              <a:schemeClr val="tx1"/>
+            </a:solidFill>
+          </a:ln>
+        </p:spPr>
+        <p:style>
+          <a:lnRef idx="2">
+            <a:schemeClr val="accent2">
+              <a:shade val="50000"/>
+            </a:schemeClr>
+          </a:lnRef>
+          <a:fillRef idx="1">
+            <a:schemeClr val="accent2"/>
+          </a:fillRef>
+          <a:effectRef idx="0">
+            <a:schemeClr val="accent2"/>
+          </a:effectRef>
+          <a:fontRef idx="minor">
+            <a:schemeClr val="lt1"/>
+          </a:fontRef>
+        </p:style>
+        <p:txBody>
+          <a:bodyPr rtlCol="0" anchor="ctr"/>
+          <a:lstStyle/>
+          <a:p>
+            <a:pPr algn="ctr"/>
+            <a:r>
+              <a:rPr lang="en-US" dirty="0"/>
+              <a:t>?</a:t>
+            </a:r>
+          </a:p>
+        </p:txBody>
+      </p:sp>
+      <p:sp>
+        <p:nvSpPr>
+          <p:cNvPr id="42" name="Rectangle 41">
+            <a:extLst>
+              <a:ext uri="{FF2B5EF4-FFF2-40B4-BE49-F238E27FC236}">
+                <a16:creationId xmlns:a16="http://schemas.microsoft.com/office/drawing/2014/main" id="{C96C95DF-B460-80C4-A7E4-609863632C1E}"/>
+              </a:ext>
+            </a:extLst>
+          </p:cNvPr>
+          <p:cNvSpPr/>
+          <p:nvPr/>
+        </p:nvSpPr>
+        <p:spPr>
+          <a:xfrm>
+            <a:off x="7765473" y="1558636"/>
+            <a:ext cx="1530927" cy="1989283"/>
+          </a:xfrm>
+          <a:prstGeom prst="rect">
+            <a:avLst/>
+          </a:prstGeom>
+          <a:noFill/>
+          <a:ln>
+            <a:solidFill>
+              <a:schemeClr val="tx1"/>
+            </a:solidFill>
+          </a:ln>
+        </p:spPr>
+        <p:style>
+          <a:lnRef idx="2">
+            <a:schemeClr val="accent1">
+              <a:shade val="50000"/>
+            </a:schemeClr>
+          </a:lnRef>
+          <a:fillRef idx="1">
+            <a:schemeClr val="accent1"/>
+          </a:fillRef>
+          <a:effectRef idx="0">
+            <a:schemeClr val="accent1"/>
+          </a:effectRef>
+          <a:fontRef idx="minor">
+            <a:schemeClr val="lt1"/>
+          </a:fontRef>
+        </p:style>
+        <p:txBody>
+          <a:bodyPr rtlCol="0" anchor="ctr"/>
+          <a:lstStyle/>
+          <a:p>
+            <a:pPr algn="ctr"/>
+            <a:endParaRPr lang="en-US" dirty="0"/>
+          </a:p>
+        </p:txBody>
+      </p:sp>
+    </p:spTree>
+    <p:extLst>
+      <p:ext uri="{BB962C8B-B14F-4D97-AF65-F5344CB8AC3E}">
+        <p14:creationId xmlns:p14="http://schemas.microsoft.com/office/powerpoint/2010/main" val="477262863"/>
+      </p:ext>
+    </p:extLst>
+  </p:cSld>
+  <p:clrMapOvr>
+    <a:masterClrMapping/>
+  </p:clrMapOvr>
+</p:sld>
+</file>
+
+<file path=ppt/slides/slide9.xml><?xml version="1.0" encoding="utf-8"?>
+<p:sld xmlns:a="http://schemas.openxmlformats.org/drawingml/2006/main" xmlns:r="http://schemas.openxmlformats.org/officeDocument/2006/relationships" xmlns:p="http://schemas.openxmlformats.org/presentationml/2006/main">
+  <p:cSld>
+    <p:spTree>
+      <p:nvGrpSpPr>
+        <p:cNvPr id="1" name=""/>
+        <p:cNvGrpSpPr/>
+        <p:nvPr/>
+      </p:nvGrpSpPr>
+      <p:grpSpPr>
+        <a:xfrm>
+          <a:off x="0" y="0"/>
+          <a:ext cx="0" cy="0"/>
+          <a:chOff x="0" y="0"/>
+          <a:chExt cx="0" cy="0"/>
+        </a:xfrm>
+      </p:grpSpPr>
+      <p:pic>
+        <p:nvPicPr>
+          <p:cNvPr id="5" name="Picture 4">
+            <a:extLst>
+              <a:ext uri="{FF2B5EF4-FFF2-40B4-BE49-F238E27FC236}">
+                <a16:creationId xmlns:a16="http://schemas.microsoft.com/office/drawing/2014/main" id="{B68236DD-ED83-66DA-0454-726BA9B57020}"/>
+              </a:ext>
+            </a:extLst>
+          </p:cNvPr>
+          <p:cNvPicPr>
+            <a:picLocks noChangeAspect="1"/>
+          </p:cNvPicPr>
+          <p:nvPr/>
+        </p:nvPicPr>
+        <p:blipFill>
+          <a:blip r:embed="rId2"/>
+          <a:stretch>
+            <a:fillRect/>
+          </a:stretch>
+        </p:blipFill>
+        <p:spPr>
+          <a:xfrm>
+            <a:off x="2247900" y="2771920"/>
+            <a:ext cx="1409700" cy="533400"/>
+          </a:xfrm>
+          <a:prstGeom prst="rect">
+            <a:avLst/>
+          </a:prstGeom>
+        </p:spPr>
+      </p:pic>
+      <p:pic>
+        <p:nvPicPr>
+          <p:cNvPr id="6" name="Picture 5">
+            <a:extLst>
+              <a:ext uri="{FF2B5EF4-FFF2-40B4-BE49-F238E27FC236}">
+                <a16:creationId xmlns:a16="http://schemas.microsoft.com/office/drawing/2014/main" id="{9667B0E9-D068-9BD4-627F-DA331B0E20B0}"/>
+              </a:ext>
+            </a:extLst>
+          </p:cNvPr>
+          <p:cNvPicPr>
+            <a:picLocks noChangeAspect="1"/>
+          </p:cNvPicPr>
+          <p:nvPr/>
+        </p:nvPicPr>
+        <p:blipFill>
+          <a:blip r:embed="rId3"/>
+          <a:stretch>
+            <a:fillRect/>
+          </a:stretch>
+        </p:blipFill>
+        <p:spPr>
+          <a:xfrm>
+            <a:off x="5806786" y="1697761"/>
+            <a:ext cx="1409700" cy="533400"/>
+          </a:xfrm>
+          <a:prstGeom prst="rect">
+            <a:avLst/>
+          </a:prstGeom>
+        </p:spPr>
+      </p:pic>
+      <p:sp>
+        <p:nvSpPr>
+          <p:cNvPr id="7" name="Rectangle 6">
+            <a:extLst>
+              <a:ext uri="{FF2B5EF4-FFF2-40B4-BE49-F238E27FC236}">
+                <a16:creationId xmlns:a16="http://schemas.microsoft.com/office/drawing/2014/main" id="{54F38BCE-FFE3-324D-173E-90913C0038A2}"/>
+              </a:ext>
+            </a:extLst>
+          </p:cNvPr>
+          <p:cNvSpPr/>
+          <p:nvPr/>
+        </p:nvSpPr>
+        <p:spPr>
+          <a:xfrm>
+            <a:off x="3352800" y="3505200"/>
+            <a:ext cx="304800" cy="294988"/>
+          </a:xfrm>
+          <a:prstGeom prst="rect">
+            <a:avLst/>
+          </a:prstGeom>
+          <a:solidFill>
+            <a:schemeClr val="bg1">
+              <a:lumMod val="85000"/>
+            </a:schemeClr>
+          </a:solidFill>
+        </p:spPr>
+        <p:style>
+          <a:lnRef idx="2">
+            <a:schemeClr val="dk1">
+              <a:shade val="50000"/>
+            </a:schemeClr>
+          </a:lnRef>
+          <a:fillRef idx="1">
+            <a:schemeClr val="dk1"/>
+          </a:fillRef>
+          <a:effectRef idx="0">
+            <a:schemeClr val="dk1"/>
+          </a:effectRef>
+          <a:fontRef idx="minor">
+            <a:schemeClr val="lt1"/>
+          </a:fontRef>
+        </p:style>
+        <p:txBody>
+          <a:bodyPr rtlCol="0" anchor="ctr"/>
+          <a:lstStyle/>
+          <a:p>
+            <a:pPr algn="ctr"/>
+            <a:endParaRPr lang="en-US"/>
+          </a:p>
+        </p:txBody>
+      </p:sp>
+      <p:sp>
+        <p:nvSpPr>
+          <p:cNvPr id="8" name="Rectangle 7">
+            <a:extLst>
+              <a:ext uri="{FF2B5EF4-FFF2-40B4-BE49-F238E27FC236}">
+                <a16:creationId xmlns:a16="http://schemas.microsoft.com/office/drawing/2014/main" id="{A970FA48-6E85-2F17-DE7C-AF716BBA87C1}"/>
+              </a:ext>
+            </a:extLst>
+          </p:cNvPr>
+          <p:cNvSpPr/>
+          <p:nvPr/>
+        </p:nvSpPr>
+        <p:spPr>
+          <a:xfrm>
+            <a:off x="6284768" y="2424546"/>
+            <a:ext cx="304800" cy="294988"/>
+          </a:xfrm>
+          <a:prstGeom prst="rect">
+            <a:avLst/>
+          </a:prstGeom>
+          <a:solidFill>
+            <a:schemeClr val="bg1">
+              <a:lumMod val="85000"/>
+            </a:schemeClr>
+          </a:solidFill>
+        </p:spPr>
+        <p:style>
+          <a:lnRef idx="2">
+            <a:schemeClr val="dk1">
+              <a:shade val="50000"/>
+            </a:schemeClr>
+          </a:lnRef>
+          <a:fillRef idx="1">
+            <a:schemeClr val="dk1"/>
+          </a:fillRef>
+          <a:effectRef idx="0">
+            <a:schemeClr val="dk1"/>
+          </a:effectRef>
+          <a:fontRef idx="minor">
+            <a:schemeClr val="lt1"/>
+          </a:fontRef>
+        </p:style>
+        <p:txBody>
+          <a:bodyPr rtlCol="0" anchor="ctr"/>
+          <a:lstStyle/>
+          <a:p>
+            <a:pPr algn="ctr"/>
+            <a:endParaRPr lang="en-US"/>
+          </a:p>
+        </p:txBody>
+      </p:sp>
+      <p:cxnSp>
+        <p:nvCxnSpPr>
+          <p:cNvPr id="10" name="Straight Arrow Connector 9">
+            <a:extLst>
+              <a:ext uri="{FF2B5EF4-FFF2-40B4-BE49-F238E27FC236}">
+                <a16:creationId xmlns:a16="http://schemas.microsoft.com/office/drawing/2014/main" id="{EFD970FA-0717-3B3F-42E9-3B82207894F0}"/>
+              </a:ext>
+            </a:extLst>
+          </p:cNvPr>
+          <p:cNvCxnSpPr/>
+          <p:nvPr/>
+        </p:nvCxnSpPr>
+        <p:spPr>
+          <a:xfrm flipV="1">
+            <a:off x="3505200" y="2572040"/>
+            <a:ext cx="2931968" cy="1080654"/>
+          </a:xfrm>
+          <a:prstGeom prst="straightConnector1">
+            <a:avLst/>
+          </a:prstGeom>
+          <a:ln w="19050">
+            <a:solidFill>
+              <a:schemeClr val="tx1"/>
+            </a:solidFill>
+            <a:headEnd type="triangle"/>
+            <a:tailEnd type="triangle"/>
+          </a:ln>
+        </p:spPr>
+        <p:style>
+          <a:lnRef idx="1">
+            <a:schemeClr val="accent1"/>
+          </a:lnRef>
+          <a:fillRef idx="0">
+            <a:schemeClr val="accent1"/>
+          </a:fillRef>
+          <a:effectRef idx="0">
+            <a:schemeClr val="accent1"/>
+          </a:effectRef>
+          <a:fontRef idx="minor">
+            <a:schemeClr val="tx1"/>
+          </a:fontRef>
+        </p:style>
+      </p:cxnSp>
+      <p:pic>
+        <p:nvPicPr>
+          <p:cNvPr id="11" name="Picture 10">
+            <a:extLst>
+              <a:ext uri="{FF2B5EF4-FFF2-40B4-BE49-F238E27FC236}">
+                <a16:creationId xmlns:a16="http://schemas.microsoft.com/office/drawing/2014/main" id="{83FC67A0-AF74-6098-9B36-76D1BE32A631}"/>
+              </a:ext>
+            </a:extLst>
+          </p:cNvPr>
+          <p:cNvPicPr>
+            <a:picLocks noChangeAspect="1"/>
+          </p:cNvPicPr>
+          <p:nvPr/>
+        </p:nvPicPr>
+        <p:blipFill>
+          <a:blip r:embed="rId4"/>
+          <a:stretch>
+            <a:fillRect/>
+          </a:stretch>
+        </p:blipFill>
+        <p:spPr>
+          <a:xfrm>
+            <a:off x="4856018" y="3239944"/>
+            <a:ext cx="5943600" cy="825500"/>
+          </a:xfrm>
+          <a:prstGeom prst="rect">
+            <a:avLst/>
+          </a:prstGeom>
+        </p:spPr>
+      </p:pic>
+    </p:spTree>
+    <p:extLst>
+      <p:ext uri="{BB962C8B-B14F-4D97-AF65-F5344CB8AC3E}">
+        <p14:creationId xmlns:p14="http://schemas.microsoft.com/office/powerpoint/2010/main" val="3860051724"/>
+      </p:ext>
+    </p:extLst>
+  </p:cSld>
+  <p:clrMapOvr>
+    <a:masterClrMapping/>
+  </p:clrMapOvr>
 </p:sld>
 </file>
 

--- a/dsmcer_2023_update/Lecture_Notebooks/L4_visual_support.pptx
+++ b/dsmcer_2023_update/Lecture_Notebooks/L4_visual_support.pptx
@@ -15,7 +15,14 @@
     <p:sldId id="263" r:id="rId9"/>
     <p:sldId id="264" r:id="rId10"/>
     <p:sldId id="265" r:id="rId11"/>
-    <p:sldId id="266" r:id="rId12"/>
+    <p:sldId id="267" r:id="rId12"/>
+    <p:sldId id="268" r:id="rId13"/>
+    <p:sldId id="269" r:id="rId14"/>
+    <p:sldId id="270" r:id="rId15"/>
+    <p:sldId id="271" r:id="rId16"/>
+    <p:sldId id="272" r:id="rId17"/>
+    <p:sldId id="273" r:id="rId18"/>
+    <p:sldId id="274" r:id="rId19"/>
   </p:sldIdLst>
   <p:sldSz cx="12192000" cy="6858000"/>
   <p:notesSz cx="6858000" cy="9144000"/>
@@ -114,6 +121,11 @@
       </a:defRPr>
     </a:lvl9pPr>
   </p:defaultTextStyle>
+  <p:extLst>
+    <p:ext uri="{EFAFB233-063F-42B5-8137-9DF3F51BA10A}">
+      <p15:sldGuideLst xmlns:p15="http://schemas.microsoft.com/office/powerpoint/2012/main"/>
+    </p:ext>
+  </p:extLst>
 </p:presentation>
 </file>
 
@@ -264,7 +276,7 @@
           <a:p>
             <a:fld id="{B9CDD8D7-AFDD-9749-90F5-2CC70159DE98}" type="datetimeFigureOut">
               <a:rPr lang="en-US" smtClean="0"/>
-              <a:t>12/19/22</a:t>
+              <a:t>12/22/22</a:t>
             </a:fld>
             <a:endParaRPr lang="en-US"/>
           </a:p>
@@ -462,7 +474,7 @@
           <a:p>
             <a:fld id="{B9CDD8D7-AFDD-9749-90F5-2CC70159DE98}" type="datetimeFigureOut">
               <a:rPr lang="en-US" smtClean="0"/>
-              <a:t>12/19/22</a:t>
+              <a:t>12/22/22</a:t>
             </a:fld>
             <a:endParaRPr lang="en-US"/>
           </a:p>
@@ -670,7 +682,7 @@
           <a:p>
             <a:fld id="{B9CDD8D7-AFDD-9749-90F5-2CC70159DE98}" type="datetimeFigureOut">
               <a:rPr lang="en-US" smtClean="0"/>
-              <a:t>12/19/22</a:t>
+              <a:t>12/22/22</a:t>
             </a:fld>
             <a:endParaRPr lang="en-US"/>
           </a:p>
@@ -868,7 +880,7 @@
           <a:p>
             <a:fld id="{B9CDD8D7-AFDD-9749-90F5-2CC70159DE98}" type="datetimeFigureOut">
               <a:rPr lang="en-US" smtClean="0"/>
-              <a:t>12/19/22</a:t>
+              <a:t>12/22/22</a:t>
             </a:fld>
             <a:endParaRPr lang="en-US"/>
           </a:p>
@@ -1143,7 +1155,7 @@
           <a:p>
             <a:fld id="{B9CDD8D7-AFDD-9749-90F5-2CC70159DE98}" type="datetimeFigureOut">
               <a:rPr lang="en-US" smtClean="0"/>
-              <a:t>12/19/22</a:t>
+              <a:t>12/22/22</a:t>
             </a:fld>
             <a:endParaRPr lang="en-US"/>
           </a:p>
@@ -1408,7 +1420,7 @@
           <a:p>
             <a:fld id="{B9CDD8D7-AFDD-9749-90F5-2CC70159DE98}" type="datetimeFigureOut">
               <a:rPr lang="en-US" smtClean="0"/>
-              <a:t>12/19/22</a:t>
+              <a:t>12/22/22</a:t>
             </a:fld>
             <a:endParaRPr lang="en-US"/>
           </a:p>
@@ -1820,7 +1832,7 @@
           <a:p>
             <a:fld id="{B9CDD8D7-AFDD-9749-90F5-2CC70159DE98}" type="datetimeFigureOut">
               <a:rPr lang="en-US" smtClean="0"/>
-              <a:t>12/19/22</a:t>
+              <a:t>12/22/22</a:t>
             </a:fld>
             <a:endParaRPr lang="en-US"/>
           </a:p>
@@ -1961,7 +1973,7 @@
           <a:p>
             <a:fld id="{B9CDD8D7-AFDD-9749-90F5-2CC70159DE98}" type="datetimeFigureOut">
               <a:rPr lang="en-US" smtClean="0"/>
-              <a:t>12/19/22</a:t>
+              <a:t>12/22/22</a:t>
             </a:fld>
             <a:endParaRPr lang="en-US"/>
           </a:p>
@@ -2074,7 +2086,7 @@
           <a:p>
             <a:fld id="{B9CDD8D7-AFDD-9749-90F5-2CC70159DE98}" type="datetimeFigureOut">
               <a:rPr lang="en-US" smtClean="0"/>
-              <a:t>12/19/22</a:t>
+              <a:t>12/22/22</a:t>
             </a:fld>
             <a:endParaRPr lang="en-US"/>
           </a:p>
@@ -2385,7 +2397,7 @@
           <a:p>
             <a:fld id="{B9CDD8D7-AFDD-9749-90F5-2CC70159DE98}" type="datetimeFigureOut">
               <a:rPr lang="en-US" smtClean="0"/>
-              <a:t>12/19/22</a:t>
+              <a:t>12/22/22</a:t>
             </a:fld>
             <a:endParaRPr lang="en-US"/>
           </a:p>
@@ -2673,7 +2685,7 @@
           <a:p>
             <a:fld id="{B9CDD8D7-AFDD-9749-90F5-2CC70159DE98}" type="datetimeFigureOut">
               <a:rPr lang="en-US" smtClean="0"/>
-              <a:t>12/19/22</a:t>
+              <a:t>12/22/22</a:t>
             </a:fld>
             <a:endParaRPr lang="en-US"/>
           </a:p>
@@ -2914,7 +2926,7 @@
           <a:p>
             <a:fld id="{B9CDD8D7-AFDD-9749-90F5-2CC70159DE98}" type="datetimeFigureOut">
               <a:rPr lang="en-US" smtClean="0"/>
-              <a:t>12/19/22</a:t>
+              <a:t>12/22/22</a:t>
             </a:fld>
             <a:endParaRPr lang="en-US"/>
           </a:p>
@@ -4247,10 +4259,2447 @@
           <a:chExt cx="0" cy="0"/>
         </a:xfrm>
       </p:grpSpPr>
+      <p:pic>
+        <p:nvPicPr>
+          <p:cNvPr id="4" name="Picture 3">
+            <a:extLst>
+              <a:ext uri="{FF2B5EF4-FFF2-40B4-BE49-F238E27FC236}">
+                <a16:creationId xmlns:a16="http://schemas.microsoft.com/office/drawing/2014/main" id="{49C11C3B-7523-BA4F-97A3-750677216B42}"/>
+              </a:ext>
+            </a:extLst>
+          </p:cNvPr>
+          <p:cNvPicPr>
+            <a:picLocks noChangeAspect="1"/>
+          </p:cNvPicPr>
+          <p:nvPr/>
+        </p:nvPicPr>
+        <p:blipFill>
+          <a:blip r:embed="rId2"/>
+          <a:stretch>
+            <a:fillRect/>
+          </a:stretch>
+        </p:blipFill>
+        <p:spPr>
+          <a:xfrm>
+            <a:off x="-785812" y="2060870"/>
+            <a:ext cx="11536419" cy="2736257"/>
+          </a:xfrm>
+          <a:prstGeom prst="rect">
+            <a:avLst/>
+          </a:prstGeom>
+        </p:spPr>
+      </p:pic>
+      <p:cxnSp>
+        <p:nvCxnSpPr>
+          <p:cNvPr id="6" name="Straight Arrow Connector 5">
+            <a:extLst>
+              <a:ext uri="{FF2B5EF4-FFF2-40B4-BE49-F238E27FC236}">
+                <a16:creationId xmlns:a16="http://schemas.microsoft.com/office/drawing/2014/main" id="{4B355336-D1BC-81D2-8482-D97591D537AD}"/>
+              </a:ext>
+            </a:extLst>
+          </p:cNvPr>
+          <p:cNvCxnSpPr/>
+          <p:nvPr/>
+        </p:nvCxnSpPr>
+        <p:spPr>
+          <a:xfrm flipH="1">
+            <a:off x="5630989" y="2316479"/>
+            <a:ext cx="1389888" cy="243840"/>
+          </a:xfrm>
+          <a:prstGeom prst="straightConnector1">
+            <a:avLst/>
+          </a:prstGeom>
+          <a:ln w="31750">
+            <a:solidFill>
+              <a:schemeClr val="accent1"/>
+            </a:solidFill>
+            <a:tailEnd type="triangle"/>
+          </a:ln>
+        </p:spPr>
+        <p:style>
+          <a:lnRef idx="1">
+            <a:schemeClr val="accent1"/>
+          </a:lnRef>
+          <a:fillRef idx="0">
+            <a:schemeClr val="accent1"/>
+          </a:fillRef>
+          <a:effectRef idx="0">
+            <a:schemeClr val="accent1"/>
+          </a:effectRef>
+          <a:fontRef idx="minor">
+            <a:schemeClr val="tx1"/>
+          </a:fontRef>
+        </p:style>
+      </p:cxnSp>
+      <p:sp>
+        <p:nvSpPr>
+          <p:cNvPr id="7" name="TextBox 6">
+            <a:extLst>
+              <a:ext uri="{FF2B5EF4-FFF2-40B4-BE49-F238E27FC236}">
+                <a16:creationId xmlns:a16="http://schemas.microsoft.com/office/drawing/2014/main" id="{E56BE64A-248C-1D3A-A12F-3106AC73727A}"/>
+              </a:ext>
+            </a:extLst>
+          </p:cNvPr>
+          <p:cNvSpPr txBox="1"/>
+          <p:nvPr/>
+        </p:nvSpPr>
+        <p:spPr>
+          <a:xfrm>
+            <a:off x="7020877" y="2060870"/>
+            <a:ext cx="853119" cy="461665"/>
+          </a:xfrm>
+          <a:prstGeom prst="rect">
+            <a:avLst/>
+          </a:prstGeom>
+          <a:noFill/>
+        </p:spPr>
+        <p:txBody>
+          <a:bodyPr wrap="none" rtlCol="0">
+            <a:spAutoFit/>
+          </a:bodyPr>
+          <a:lstStyle/>
+          <a:p>
+            <a:r>
+              <a:rPr lang="en-US" sz="2400" b="1" dirty="0">
+                <a:latin typeface="Arial" panose="020B0604020202020204" pitchFamily="34" charset="0"/>
+                <a:cs typeface="Arial" panose="020B0604020202020204" pitchFamily="34" charset="0"/>
+              </a:rPr>
+              <a:t>KNN</a:t>
+            </a:r>
+          </a:p>
+        </p:txBody>
+      </p:sp>
+      <p:cxnSp>
+        <p:nvCxnSpPr>
+          <p:cNvPr id="8" name="Straight Arrow Connector 7">
+            <a:extLst>
+              <a:ext uri="{FF2B5EF4-FFF2-40B4-BE49-F238E27FC236}">
+                <a16:creationId xmlns:a16="http://schemas.microsoft.com/office/drawing/2014/main" id="{392CC2D6-2C20-7E7E-7860-B5393F552ED6}"/>
+              </a:ext>
+            </a:extLst>
+          </p:cNvPr>
+          <p:cNvCxnSpPr>
+            <a:cxnSpLocks/>
+          </p:cNvCxnSpPr>
+          <p:nvPr/>
+        </p:nvCxnSpPr>
+        <p:spPr>
+          <a:xfrm flipH="1" flipV="1">
+            <a:off x="5754814" y="3428998"/>
+            <a:ext cx="1560386" cy="385764"/>
+          </a:xfrm>
+          <a:prstGeom prst="straightConnector1">
+            <a:avLst/>
+          </a:prstGeom>
+          <a:ln w="31750">
+            <a:solidFill>
+              <a:schemeClr val="accent2"/>
+            </a:solidFill>
+            <a:tailEnd type="triangle"/>
+          </a:ln>
+        </p:spPr>
+        <p:style>
+          <a:lnRef idx="1">
+            <a:schemeClr val="accent1"/>
+          </a:lnRef>
+          <a:fillRef idx="0">
+            <a:schemeClr val="accent1"/>
+          </a:fillRef>
+          <a:effectRef idx="0">
+            <a:schemeClr val="accent1"/>
+          </a:effectRef>
+          <a:fontRef idx="minor">
+            <a:schemeClr val="tx1"/>
+          </a:fontRef>
+        </p:style>
+      </p:cxnSp>
+      <p:sp>
+        <p:nvSpPr>
+          <p:cNvPr id="10" name="TextBox 9">
+            <a:extLst>
+              <a:ext uri="{FF2B5EF4-FFF2-40B4-BE49-F238E27FC236}">
+                <a16:creationId xmlns:a16="http://schemas.microsoft.com/office/drawing/2014/main" id="{3BD93877-6DC1-93F7-6BAF-A69728F8F9CD}"/>
+              </a:ext>
+            </a:extLst>
+          </p:cNvPr>
+          <p:cNvSpPr txBox="1"/>
+          <p:nvPr/>
+        </p:nvSpPr>
+        <p:spPr>
+          <a:xfrm>
+            <a:off x="7438619" y="3621880"/>
+            <a:ext cx="3910418" cy="1938992"/>
+          </a:xfrm>
+          <a:prstGeom prst="rect">
+            <a:avLst/>
+          </a:prstGeom>
+          <a:noFill/>
+        </p:spPr>
+        <p:txBody>
+          <a:bodyPr wrap="square" rtlCol="0">
+            <a:spAutoFit/>
+          </a:bodyPr>
+          <a:lstStyle/>
+          <a:p>
+            <a:r>
+              <a:rPr lang="en-US" sz="2400" b="1" dirty="0">
+                <a:latin typeface="Arial" panose="020B0604020202020204" pitchFamily="34" charset="0"/>
+                <a:cs typeface="Arial" panose="020B0604020202020204" pitchFamily="34" charset="0"/>
+              </a:rPr>
+              <a:t>Features:</a:t>
+            </a:r>
+          </a:p>
+          <a:p>
+            <a:pPr marL="342900" indent="-342900">
+              <a:buFontTx/>
+              <a:buChar char="-"/>
+            </a:pPr>
+            <a:r>
+              <a:rPr lang="en-US" sz="2400" dirty="0">
+                <a:latin typeface="Arial" panose="020B0604020202020204" pitchFamily="34" charset="0"/>
+                <a:cs typeface="Arial" panose="020B0604020202020204" pitchFamily="34" charset="0"/>
+              </a:rPr>
+              <a:t>QAS ratio</a:t>
+            </a:r>
+          </a:p>
+          <a:p>
+            <a:pPr marL="342900" indent="-342900">
+              <a:buFontTx/>
+              <a:buChar char="-"/>
+            </a:pPr>
+            <a:r>
+              <a:rPr lang="en-US" sz="2400" dirty="0">
+                <a:latin typeface="Arial" panose="020B0604020202020204" pitchFamily="34" charset="0"/>
+                <a:cs typeface="Arial" panose="020B0604020202020204" pitchFamily="34" charset="0"/>
+              </a:rPr>
+              <a:t>HBD (OneHot encoded)</a:t>
+            </a:r>
+          </a:p>
+          <a:p>
+            <a:pPr marL="342900" indent="-342900">
+              <a:buFontTx/>
+              <a:buChar char="-"/>
+            </a:pPr>
+            <a:r>
+              <a:rPr lang="en-US" sz="2400" dirty="0">
+                <a:latin typeface="Arial" panose="020B0604020202020204" pitchFamily="34" charset="0"/>
+                <a:cs typeface="Arial" panose="020B0604020202020204" pitchFamily="34" charset="0"/>
+              </a:rPr>
+              <a:t>QAS (OneHot encoded)</a:t>
+            </a:r>
+          </a:p>
+          <a:p>
+            <a:pPr marL="342900" indent="-342900">
+              <a:buFontTx/>
+              <a:buChar char="-"/>
+            </a:pPr>
+            <a:endParaRPr lang="en-US" sz="2400" dirty="0">
+              <a:latin typeface="Arial" panose="020B0604020202020204" pitchFamily="34" charset="0"/>
+              <a:cs typeface="Arial" panose="020B0604020202020204" pitchFamily="34" charset="0"/>
+            </a:endParaRPr>
+          </a:p>
+        </p:txBody>
+      </p:sp>
     </p:spTree>
     <p:extLst>
       <p:ext uri="{BB962C8B-B14F-4D97-AF65-F5344CB8AC3E}">
-        <p14:creationId xmlns:p14="http://schemas.microsoft.com/office/powerpoint/2010/main" val="1542681536"/>
+        <p14:creationId xmlns:p14="http://schemas.microsoft.com/office/powerpoint/2010/main" val="1929043888"/>
+      </p:ext>
+    </p:extLst>
+  </p:cSld>
+  <p:clrMapOvr>
+    <a:masterClrMapping/>
+  </p:clrMapOvr>
+</p:sld>
+</file>
+
+<file path=ppt/slides/slide12.xml><?xml version="1.0" encoding="utf-8"?>
+<p:sld xmlns:a="http://schemas.openxmlformats.org/drawingml/2006/main" xmlns:r="http://schemas.openxmlformats.org/officeDocument/2006/relationships" xmlns:p="http://schemas.openxmlformats.org/presentationml/2006/main">
+  <p:cSld>
+    <p:spTree>
+      <p:nvGrpSpPr>
+        <p:cNvPr id="1" name=""/>
+        <p:cNvGrpSpPr/>
+        <p:nvPr/>
+      </p:nvGrpSpPr>
+      <p:grpSpPr>
+        <a:xfrm>
+          <a:off x="0" y="0"/>
+          <a:ext cx="0" cy="0"/>
+          <a:chOff x="0" y="0"/>
+          <a:chExt cx="0" cy="0"/>
+        </a:xfrm>
+      </p:grpSpPr>
+      <p:sp>
+        <p:nvSpPr>
+          <p:cNvPr id="4" name="Rectangle 3">
+            <a:extLst>
+              <a:ext uri="{FF2B5EF4-FFF2-40B4-BE49-F238E27FC236}">
+                <a16:creationId xmlns:a16="http://schemas.microsoft.com/office/drawing/2014/main" id="{3BFD8038-4CE5-A164-57BB-E096AE82647B}"/>
+              </a:ext>
+            </a:extLst>
+          </p:cNvPr>
+          <p:cNvSpPr/>
+          <p:nvPr/>
+        </p:nvSpPr>
+        <p:spPr>
+          <a:xfrm>
+            <a:off x="2672508" y="3051313"/>
+            <a:ext cx="3291840" cy="755374"/>
+          </a:xfrm>
+          <a:prstGeom prst="rect">
+            <a:avLst/>
+          </a:prstGeom>
+          <a:solidFill>
+            <a:schemeClr val="accent1">
+              <a:lumMod val="40000"/>
+              <a:lumOff val="60000"/>
+            </a:schemeClr>
+          </a:solidFill>
+          <a:ln w="38100"/>
+        </p:spPr>
+        <p:style>
+          <a:lnRef idx="2">
+            <a:schemeClr val="accent1">
+              <a:shade val="50000"/>
+            </a:schemeClr>
+          </a:lnRef>
+          <a:fillRef idx="1">
+            <a:schemeClr val="accent1"/>
+          </a:fillRef>
+          <a:effectRef idx="0">
+            <a:schemeClr val="accent1"/>
+          </a:effectRef>
+          <a:fontRef idx="minor">
+            <a:schemeClr val="lt1"/>
+          </a:fontRef>
+        </p:style>
+        <p:txBody>
+          <a:bodyPr rtlCol="0" anchor="ctr"/>
+          <a:lstStyle/>
+          <a:p>
+            <a:pPr algn="ctr"/>
+            <a:r>
+              <a:rPr lang="en-US" sz="2800" dirty="0">
+                <a:solidFill>
+                  <a:schemeClr val="tx1"/>
+                </a:solidFill>
+                <a:latin typeface="Arial" panose="020B0604020202020204" pitchFamily="34" charset="0"/>
+                <a:cs typeface="Arial" panose="020B0604020202020204" pitchFamily="34" charset="0"/>
+              </a:rPr>
+              <a:t>Feature </a:t>
+            </a:r>
+            <a:r>
+              <a:rPr lang="en-US" sz="2800" b="1" dirty="0">
+                <a:solidFill>
+                  <a:schemeClr val="tx1"/>
+                </a:solidFill>
+                <a:latin typeface="Arial" panose="020B0604020202020204" pitchFamily="34" charset="0"/>
+                <a:cs typeface="Arial" panose="020B0604020202020204" pitchFamily="34" charset="0"/>
+              </a:rPr>
+              <a:t>Extraction</a:t>
+            </a:r>
+          </a:p>
+        </p:txBody>
+      </p:sp>
+      <p:sp>
+        <p:nvSpPr>
+          <p:cNvPr id="5" name="Rectangle 4">
+            <a:extLst>
+              <a:ext uri="{FF2B5EF4-FFF2-40B4-BE49-F238E27FC236}">
+                <a16:creationId xmlns:a16="http://schemas.microsoft.com/office/drawing/2014/main" id="{8194E040-DF4C-3072-615B-0E0453CB2CF4}"/>
+              </a:ext>
+            </a:extLst>
+          </p:cNvPr>
+          <p:cNvSpPr/>
+          <p:nvPr/>
+        </p:nvSpPr>
+        <p:spPr>
+          <a:xfrm>
+            <a:off x="6275774" y="3051313"/>
+            <a:ext cx="3291840" cy="755374"/>
+          </a:xfrm>
+          <a:prstGeom prst="rect">
+            <a:avLst/>
+          </a:prstGeom>
+          <a:solidFill>
+            <a:schemeClr val="accent2">
+              <a:lumMod val="20000"/>
+              <a:lumOff val="80000"/>
+            </a:schemeClr>
+          </a:solidFill>
+          <a:ln w="38100">
+            <a:solidFill>
+              <a:schemeClr val="accent2">
+                <a:lumMod val="50000"/>
+              </a:schemeClr>
+            </a:solidFill>
+          </a:ln>
+        </p:spPr>
+        <p:style>
+          <a:lnRef idx="2">
+            <a:schemeClr val="accent1">
+              <a:shade val="50000"/>
+            </a:schemeClr>
+          </a:lnRef>
+          <a:fillRef idx="1">
+            <a:schemeClr val="accent1"/>
+          </a:fillRef>
+          <a:effectRef idx="0">
+            <a:schemeClr val="accent1"/>
+          </a:effectRef>
+          <a:fontRef idx="minor">
+            <a:schemeClr val="lt1"/>
+          </a:fontRef>
+        </p:style>
+        <p:txBody>
+          <a:bodyPr rtlCol="0" anchor="ctr"/>
+          <a:lstStyle/>
+          <a:p>
+            <a:pPr algn="ctr"/>
+            <a:r>
+              <a:rPr lang="en-US" sz="2800" dirty="0">
+                <a:solidFill>
+                  <a:schemeClr val="tx1"/>
+                </a:solidFill>
+                <a:latin typeface="Arial" panose="020B0604020202020204" pitchFamily="34" charset="0"/>
+                <a:cs typeface="Arial" panose="020B0604020202020204" pitchFamily="34" charset="0"/>
+              </a:rPr>
+              <a:t>Feature </a:t>
+            </a:r>
+            <a:r>
+              <a:rPr lang="en-US" sz="2800" b="1" dirty="0">
+                <a:solidFill>
+                  <a:schemeClr val="tx1"/>
+                </a:solidFill>
+                <a:latin typeface="Arial" panose="020B0604020202020204" pitchFamily="34" charset="0"/>
+                <a:cs typeface="Arial" panose="020B0604020202020204" pitchFamily="34" charset="0"/>
+              </a:rPr>
+              <a:t>Selection</a:t>
+            </a:r>
+          </a:p>
+        </p:txBody>
+      </p:sp>
+      <p:sp>
+        <p:nvSpPr>
+          <p:cNvPr id="6" name="TextBox 5">
+            <a:extLst>
+              <a:ext uri="{FF2B5EF4-FFF2-40B4-BE49-F238E27FC236}">
+                <a16:creationId xmlns:a16="http://schemas.microsoft.com/office/drawing/2014/main" id="{4E3B7F5A-3194-7828-C7FB-30CC8CF70FB2}"/>
+              </a:ext>
+            </a:extLst>
+          </p:cNvPr>
+          <p:cNvSpPr txBox="1"/>
+          <p:nvPr/>
+        </p:nvSpPr>
+        <p:spPr>
+          <a:xfrm>
+            <a:off x="2672508" y="3806687"/>
+            <a:ext cx="3302764" cy="923330"/>
+          </a:xfrm>
+          <a:prstGeom prst="rect">
+            <a:avLst/>
+          </a:prstGeom>
+          <a:noFill/>
+        </p:spPr>
+        <p:txBody>
+          <a:bodyPr wrap="none" rtlCol="0">
+            <a:spAutoFit/>
+          </a:bodyPr>
+          <a:lstStyle/>
+          <a:p>
+            <a:pPr marL="285750" indent="-285750">
+              <a:buFont typeface="Arial" panose="020B0604020202020204" pitchFamily="34" charset="0"/>
+              <a:buChar char="•"/>
+            </a:pPr>
+            <a:r>
+              <a:rPr lang="en-US" dirty="0"/>
+              <a:t>Compute or estimate features</a:t>
+            </a:r>
+          </a:p>
+          <a:p>
+            <a:pPr marL="285750" indent="-285750">
+              <a:buFont typeface="Arial" panose="020B0604020202020204" pitchFamily="34" charset="0"/>
+              <a:buChar char="•"/>
+            </a:pPr>
+            <a:r>
+              <a:rPr lang="en-US" dirty="0"/>
+              <a:t>Encode nominal values</a:t>
+            </a:r>
+          </a:p>
+          <a:p>
+            <a:pPr marL="285750" indent="-285750">
+              <a:buFont typeface="Arial" panose="020B0604020202020204" pitchFamily="34" charset="0"/>
+              <a:buChar char="•"/>
+            </a:pPr>
+            <a:r>
+              <a:rPr lang="en-US" dirty="0"/>
+              <a:t>Cross reference for feature</a:t>
+            </a:r>
+          </a:p>
+        </p:txBody>
+      </p:sp>
+      <p:sp>
+        <p:nvSpPr>
+          <p:cNvPr id="7" name="TextBox 6">
+            <a:extLst>
+              <a:ext uri="{FF2B5EF4-FFF2-40B4-BE49-F238E27FC236}">
+                <a16:creationId xmlns:a16="http://schemas.microsoft.com/office/drawing/2014/main" id="{F7E50EBB-5484-1255-C7FC-C4E69CBC5D69}"/>
+              </a:ext>
+            </a:extLst>
+          </p:cNvPr>
+          <p:cNvSpPr txBox="1"/>
+          <p:nvPr/>
+        </p:nvSpPr>
+        <p:spPr>
+          <a:xfrm>
+            <a:off x="6264850" y="3806687"/>
+            <a:ext cx="3094822" cy="923330"/>
+          </a:xfrm>
+          <a:prstGeom prst="rect">
+            <a:avLst/>
+          </a:prstGeom>
+          <a:noFill/>
+        </p:spPr>
+        <p:txBody>
+          <a:bodyPr wrap="none" rtlCol="0">
+            <a:spAutoFit/>
+          </a:bodyPr>
+          <a:lstStyle/>
+          <a:p>
+            <a:pPr marL="285750" indent="-285750">
+              <a:buFont typeface="Arial" panose="020B0604020202020204" pitchFamily="34" charset="0"/>
+              <a:buChar char="•"/>
+            </a:pPr>
+            <a:r>
+              <a:rPr lang="en-US" dirty="0"/>
+              <a:t>Remove redundant features</a:t>
+            </a:r>
+          </a:p>
+          <a:p>
+            <a:pPr marL="285750" indent="-285750">
+              <a:buFont typeface="Arial" panose="020B0604020202020204" pitchFamily="34" charset="0"/>
+              <a:buChar char="•"/>
+            </a:pPr>
+            <a:r>
+              <a:rPr lang="en-US" dirty="0"/>
+              <a:t>Remove inconvenient feats</a:t>
+            </a:r>
+          </a:p>
+          <a:p>
+            <a:pPr marL="285750" indent="-285750">
+              <a:buFont typeface="Arial" panose="020B0604020202020204" pitchFamily="34" charset="0"/>
+              <a:buChar char="•"/>
+            </a:pPr>
+            <a:r>
+              <a:rPr lang="en-US" dirty="0"/>
+              <a:t>Increase interpretability</a:t>
+            </a:r>
+          </a:p>
+        </p:txBody>
+      </p:sp>
+      <p:sp>
+        <p:nvSpPr>
+          <p:cNvPr id="8" name="Left Brace 7">
+            <a:extLst>
+              <a:ext uri="{FF2B5EF4-FFF2-40B4-BE49-F238E27FC236}">
+                <a16:creationId xmlns:a16="http://schemas.microsoft.com/office/drawing/2014/main" id="{307AD408-CC10-30A4-4246-A486532E0E25}"/>
+              </a:ext>
+            </a:extLst>
+          </p:cNvPr>
+          <p:cNvSpPr/>
+          <p:nvPr/>
+        </p:nvSpPr>
+        <p:spPr>
+          <a:xfrm rot="5400000">
+            <a:off x="5976274" y="-753385"/>
+            <a:ext cx="278296" cy="7092563"/>
+          </a:xfrm>
+          <a:prstGeom prst="leftBrace">
+            <a:avLst/>
+          </a:prstGeom>
+          <a:ln w="34925">
+            <a:solidFill>
+              <a:schemeClr val="tx1"/>
+            </a:solidFill>
+          </a:ln>
+        </p:spPr>
+        <p:style>
+          <a:lnRef idx="1">
+            <a:schemeClr val="accent1"/>
+          </a:lnRef>
+          <a:fillRef idx="0">
+            <a:schemeClr val="accent1"/>
+          </a:fillRef>
+          <a:effectRef idx="0">
+            <a:schemeClr val="accent1"/>
+          </a:effectRef>
+          <a:fontRef idx="minor">
+            <a:schemeClr val="tx1"/>
+          </a:fontRef>
+        </p:style>
+        <p:txBody>
+          <a:bodyPr rtlCol="0" anchor="ctr"/>
+          <a:lstStyle/>
+          <a:p>
+            <a:pPr algn="ctr"/>
+            <a:endParaRPr lang="en-US"/>
+          </a:p>
+        </p:txBody>
+      </p:sp>
+      <p:sp>
+        <p:nvSpPr>
+          <p:cNvPr id="9" name="TextBox 8">
+            <a:extLst>
+              <a:ext uri="{FF2B5EF4-FFF2-40B4-BE49-F238E27FC236}">
+                <a16:creationId xmlns:a16="http://schemas.microsoft.com/office/drawing/2014/main" id="{610083A8-C473-C29D-9895-217666340E57}"/>
+              </a:ext>
+            </a:extLst>
+          </p:cNvPr>
+          <p:cNvSpPr txBox="1"/>
+          <p:nvPr/>
+        </p:nvSpPr>
+        <p:spPr>
+          <a:xfrm>
+            <a:off x="4552385" y="2070894"/>
+            <a:ext cx="3446777" cy="523220"/>
+          </a:xfrm>
+          <a:prstGeom prst="rect">
+            <a:avLst/>
+          </a:prstGeom>
+          <a:noFill/>
+        </p:spPr>
+        <p:txBody>
+          <a:bodyPr wrap="none" rtlCol="0">
+            <a:spAutoFit/>
+          </a:bodyPr>
+          <a:lstStyle/>
+          <a:p>
+            <a:r>
+              <a:rPr lang="en-US" sz="2800" dirty="0">
+                <a:latin typeface="Arial" panose="020B0604020202020204" pitchFamily="34" charset="0"/>
+                <a:cs typeface="Arial" panose="020B0604020202020204" pitchFamily="34" charset="0"/>
+              </a:rPr>
+              <a:t>Feature Engineering</a:t>
+            </a:r>
+          </a:p>
+        </p:txBody>
+      </p:sp>
+    </p:spTree>
+    <p:extLst>
+      <p:ext uri="{BB962C8B-B14F-4D97-AF65-F5344CB8AC3E}">
+        <p14:creationId xmlns:p14="http://schemas.microsoft.com/office/powerpoint/2010/main" val="828967740"/>
+      </p:ext>
+    </p:extLst>
+  </p:cSld>
+  <p:clrMapOvr>
+    <a:masterClrMapping/>
+  </p:clrMapOvr>
+</p:sld>
+</file>
+
+<file path=ppt/slides/slide13.xml><?xml version="1.0" encoding="utf-8"?>
+<p:sld xmlns:a="http://schemas.openxmlformats.org/drawingml/2006/main" xmlns:r="http://schemas.openxmlformats.org/officeDocument/2006/relationships" xmlns:p="http://schemas.openxmlformats.org/presentationml/2006/main">
+  <p:cSld>
+    <p:spTree>
+      <p:nvGrpSpPr>
+        <p:cNvPr id="1" name=""/>
+        <p:cNvGrpSpPr/>
+        <p:nvPr/>
+      </p:nvGrpSpPr>
+      <p:grpSpPr>
+        <a:xfrm>
+          <a:off x="0" y="0"/>
+          <a:ext cx="0" cy="0"/>
+          <a:chOff x="0" y="0"/>
+          <a:chExt cx="0" cy="0"/>
+        </a:xfrm>
+      </p:grpSpPr>
+      <p:pic>
+        <p:nvPicPr>
+          <p:cNvPr id="1026" name="Picture 2" descr="Benzoyl chloride - Wikipedia">
+            <a:extLst>
+              <a:ext uri="{FF2B5EF4-FFF2-40B4-BE49-F238E27FC236}">
+                <a16:creationId xmlns:a16="http://schemas.microsoft.com/office/drawing/2014/main" id="{FB526F1B-8C2F-69CD-1A84-67617FF1270E}"/>
+              </a:ext>
+            </a:extLst>
+          </p:cNvPr>
+          <p:cNvPicPr>
+            <a:picLocks noChangeAspect="1" noChangeArrowheads="1"/>
+          </p:cNvPicPr>
+          <p:nvPr/>
+        </p:nvPicPr>
+        <p:blipFill>
+          <a:blip r:embed="rId2">
+            <a:extLst>
+              <a:ext uri="{28A0092B-C50C-407E-A947-70E740481C1C}">
+                <a14:useLocalDpi xmlns:a14="http://schemas.microsoft.com/office/drawing/2010/main" val="0"/>
+              </a:ext>
+            </a:extLst>
+          </a:blip>
+          <a:srcRect/>
+          <a:stretch>
+            <a:fillRect/>
+          </a:stretch>
+        </p:blipFill>
+        <p:spPr bwMode="auto">
+          <a:xfrm>
+            <a:off x="4520973" y="422483"/>
+            <a:ext cx="3150054" cy="2711884"/>
+          </a:xfrm>
+          <a:prstGeom prst="rect">
+            <a:avLst/>
+          </a:prstGeom>
+          <a:noFill/>
+          <a:extLst>
+            <a:ext uri="{909E8E84-426E-40DD-AFC4-6F175D3DCCD1}">
+              <a14:hiddenFill xmlns:a14="http://schemas.microsoft.com/office/drawing/2010/main">
+                <a:solidFill>
+                  <a:srgbClr val="FFFFFF"/>
+                </a:solidFill>
+              </a14:hiddenFill>
+            </a:ext>
+          </a:extLst>
+        </p:spPr>
+      </p:pic>
+      <p:pic>
+        <p:nvPicPr>
+          <p:cNvPr id="4" name="Picture 3">
+            <a:extLst>
+              <a:ext uri="{FF2B5EF4-FFF2-40B4-BE49-F238E27FC236}">
+                <a16:creationId xmlns:a16="http://schemas.microsoft.com/office/drawing/2014/main" id="{39E7DA2C-FEB6-CEAB-9215-8FE706C07CE2}"/>
+              </a:ext>
+            </a:extLst>
+          </p:cNvPr>
+          <p:cNvPicPr>
+            <a:picLocks noChangeAspect="1"/>
+          </p:cNvPicPr>
+          <p:nvPr/>
+        </p:nvPicPr>
+        <p:blipFill>
+          <a:blip r:embed="rId3"/>
+          <a:stretch>
+            <a:fillRect/>
+          </a:stretch>
+        </p:blipFill>
+        <p:spPr>
+          <a:xfrm>
+            <a:off x="4049775" y="4263697"/>
+            <a:ext cx="3568700" cy="558800"/>
+          </a:xfrm>
+          <a:prstGeom prst="rect">
+            <a:avLst/>
+          </a:prstGeom>
+        </p:spPr>
+      </p:pic>
+    </p:spTree>
+    <p:extLst>
+      <p:ext uri="{BB962C8B-B14F-4D97-AF65-F5344CB8AC3E}">
+        <p14:creationId xmlns:p14="http://schemas.microsoft.com/office/powerpoint/2010/main" val="1395397786"/>
+      </p:ext>
+    </p:extLst>
+  </p:cSld>
+  <p:clrMapOvr>
+    <a:masterClrMapping/>
+  </p:clrMapOvr>
+</p:sld>
+</file>
+
+<file path=ppt/slides/slide14.xml><?xml version="1.0" encoding="utf-8"?>
+<p:sld xmlns:a="http://schemas.openxmlformats.org/drawingml/2006/main" xmlns:r="http://schemas.openxmlformats.org/officeDocument/2006/relationships" xmlns:p="http://schemas.openxmlformats.org/presentationml/2006/main">
+  <p:cSld>
+    <p:spTree>
+      <p:nvGrpSpPr>
+        <p:cNvPr id="1" name=""/>
+        <p:cNvGrpSpPr/>
+        <p:nvPr/>
+      </p:nvGrpSpPr>
+      <p:grpSpPr>
+        <a:xfrm>
+          <a:off x="0" y="0"/>
+          <a:ext cx="0" cy="0"/>
+          <a:chOff x="0" y="0"/>
+          <a:chExt cx="0" cy="0"/>
+        </a:xfrm>
+      </p:grpSpPr>
+      <p:pic>
+        <p:nvPicPr>
+          <p:cNvPr id="6" name="Picture 5">
+            <a:extLst>
+              <a:ext uri="{FF2B5EF4-FFF2-40B4-BE49-F238E27FC236}">
+                <a16:creationId xmlns:a16="http://schemas.microsoft.com/office/drawing/2014/main" id="{C5F70845-FCAE-C155-2C08-0BCF04284E25}"/>
+              </a:ext>
+            </a:extLst>
+          </p:cNvPr>
+          <p:cNvPicPr>
+            <a:picLocks noChangeAspect="1"/>
+          </p:cNvPicPr>
+          <p:nvPr/>
+        </p:nvPicPr>
+        <p:blipFill>
+          <a:blip r:embed="rId2"/>
+          <a:stretch>
+            <a:fillRect/>
+          </a:stretch>
+        </p:blipFill>
+        <p:spPr>
+          <a:xfrm>
+            <a:off x="2451538" y="1860331"/>
+            <a:ext cx="5887392" cy="3439941"/>
+          </a:xfrm>
+          <a:prstGeom prst="rect">
+            <a:avLst/>
+          </a:prstGeom>
+        </p:spPr>
+      </p:pic>
+      <p:sp>
+        <p:nvSpPr>
+          <p:cNvPr id="7" name="Rectangle 6">
+            <a:extLst>
+              <a:ext uri="{FF2B5EF4-FFF2-40B4-BE49-F238E27FC236}">
+                <a16:creationId xmlns:a16="http://schemas.microsoft.com/office/drawing/2014/main" id="{C57775F4-A4D4-7953-30D7-4A4D12743804}"/>
+              </a:ext>
+            </a:extLst>
+          </p:cNvPr>
+          <p:cNvSpPr/>
+          <p:nvPr/>
+        </p:nvSpPr>
+        <p:spPr>
+          <a:xfrm>
+            <a:off x="4372303" y="4918841"/>
+            <a:ext cx="2049518" cy="210207"/>
+          </a:xfrm>
+          <a:prstGeom prst="rect">
+            <a:avLst/>
+          </a:prstGeom>
+          <a:solidFill>
+            <a:schemeClr val="bg1"/>
+          </a:solidFill>
+          <a:ln>
+            <a:noFill/>
+          </a:ln>
+        </p:spPr>
+        <p:style>
+          <a:lnRef idx="2">
+            <a:schemeClr val="accent1">
+              <a:shade val="50000"/>
+            </a:schemeClr>
+          </a:lnRef>
+          <a:fillRef idx="1">
+            <a:schemeClr val="accent1"/>
+          </a:fillRef>
+          <a:effectRef idx="0">
+            <a:schemeClr val="accent1"/>
+          </a:effectRef>
+          <a:fontRef idx="minor">
+            <a:schemeClr val="lt1"/>
+          </a:fontRef>
+        </p:style>
+        <p:txBody>
+          <a:bodyPr rtlCol="0" anchor="ctr"/>
+          <a:lstStyle/>
+          <a:p>
+            <a:pPr algn="ctr"/>
+            <a:endParaRPr lang="en-US"/>
+          </a:p>
+        </p:txBody>
+      </p:sp>
+      <p:sp>
+        <p:nvSpPr>
+          <p:cNvPr id="8" name="Rectangle 7">
+            <a:extLst>
+              <a:ext uri="{FF2B5EF4-FFF2-40B4-BE49-F238E27FC236}">
+                <a16:creationId xmlns:a16="http://schemas.microsoft.com/office/drawing/2014/main" id="{324FCBCA-D74F-C955-ABAB-10F249843B71}"/>
+              </a:ext>
+            </a:extLst>
+          </p:cNvPr>
+          <p:cNvSpPr/>
+          <p:nvPr/>
+        </p:nvSpPr>
+        <p:spPr>
+          <a:xfrm>
+            <a:off x="6647793" y="4377558"/>
+            <a:ext cx="2049518" cy="210207"/>
+          </a:xfrm>
+          <a:prstGeom prst="rect">
+            <a:avLst/>
+          </a:prstGeom>
+          <a:solidFill>
+            <a:schemeClr val="bg1"/>
+          </a:solidFill>
+          <a:ln>
+            <a:noFill/>
+          </a:ln>
+        </p:spPr>
+        <p:style>
+          <a:lnRef idx="2">
+            <a:schemeClr val="accent1">
+              <a:shade val="50000"/>
+            </a:schemeClr>
+          </a:lnRef>
+          <a:fillRef idx="1">
+            <a:schemeClr val="accent1"/>
+          </a:fillRef>
+          <a:effectRef idx="0">
+            <a:schemeClr val="accent1"/>
+          </a:effectRef>
+          <a:fontRef idx="minor">
+            <a:schemeClr val="lt1"/>
+          </a:fontRef>
+        </p:style>
+        <p:txBody>
+          <a:bodyPr rtlCol="0" anchor="ctr"/>
+          <a:lstStyle/>
+          <a:p>
+            <a:pPr algn="ctr"/>
+            <a:r>
+              <a:rPr lang="en-US" dirty="0"/>
+              <a:t>v</a:t>
+            </a:r>
+          </a:p>
+        </p:txBody>
+      </p:sp>
+      <p:sp>
+        <p:nvSpPr>
+          <p:cNvPr id="9" name="Rectangle 8">
+            <a:extLst>
+              <a:ext uri="{FF2B5EF4-FFF2-40B4-BE49-F238E27FC236}">
+                <a16:creationId xmlns:a16="http://schemas.microsoft.com/office/drawing/2014/main" id="{7CA72A5D-2C23-5671-3128-81AB8C87AF87}"/>
+              </a:ext>
+            </a:extLst>
+          </p:cNvPr>
+          <p:cNvSpPr/>
+          <p:nvPr/>
+        </p:nvSpPr>
+        <p:spPr>
+          <a:xfrm>
+            <a:off x="6127531" y="2180896"/>
+            <a:ext cx="2049518" cy="210207"/>
+          </a:xfrm>
+          <a:prstGeom prst="rect">
+            <a:avLst/>
+          </a:prstGeom>
+          <a:solidFill>
+            <a:schemeClr val="bg1"/>
+          </a:solidFill>
+          <a:ln>
+            <a:noFill/>
+          </a:ln>
+        </p:spPr>
+        <p:style>
+          <a:lnRef idx="2">
+            <a:schemeClr val="accent1">
+              <a:shade val="50000"/>
+            </a:schemeClr>
+          </a:lnRef>
+          <a:fillRef idx="1">
+            <a:schemeClr val="accent1"/>
+          </a:fillRef>
+          <a:effectRef idx="0">
+            <a:schemeClr val="accent1"/>
+          </a:effectRef>
+          <a:fontRef idx="minor">
+            <a:schemeClr val="lt1"/>
+          </a:fontRef>
+        </p:style>
+        <p:txBody>
+          <a:bodyPr rtlCol="0" anchor="ctr"/>
+          <a:lstStyle/>
+          <a:p>
+            <a:pPr algn="ctr"/>
+            <a:endParaRPr lang="en-US"/>
+          </a:p>
+        </p:txBody>
+      </p:sp>
+      <p:pic>
+        <p:nvPicPr>
+          <p:cNvPr id="10" name="Picture 9">
+            <a:extLst>
+              <a:ext uri="{FF2B5EF4-FFF2-40B4-BE49-F238E27FC236}">
+                <a16:creationId xmlns:a16="http://schemas.microsoft.com/office/drawing/2014/main" id="{C028B277-52BE-CD6F-7CD6-4D767D3BB6E5}"/>
+              </a:ext>
+            </a:extLst>
+          </p:cNvPr>
+          <p:cNvPicPr>
+            <a:picLocks noChangeAspect="1"/>
+          </p:cNvPicPr>
+          <p:nvPr/>
+        </p:nvPicPr>
+        <p:blipFill>
+          <a:blip r:embed="rId3"/>
+          <a:stretch>
+            <a:fillRect/>
+          </a:stretch>
+        </p:blipFill>
+        <p:spPr>
+          <a:xfrm>
+            <a:off x="6127531" y="2137059"/>
+            <a:ext cx="1902372" cy="297880"/>
+          </a:xfrm>
+          <a:prstGeom prst="rect">
+            <a:avLst/>
+          </a:prstGeom>
+        </p:spPr>
+      </p:pic>
+      <p:pic>
+        <p:nvPicPr>
+          <p:cNvPr id="11" name="Picture 10">
+            <a:extLst>
+              <a:ext uri="{FF2B5EF4-FFF2-40B4-BE49-F238E27FC236}">
+                <a16:creationId xmlns:a16="http://schemas.microsoft.com/office/drawing/2014/main" id="{0C34985F-AA23-2E77-3033-EAD076D245FB}"/>
+              </a:ext>
+            </a:extLst>
+          </p:cNvPr>
+          <p:cNvPicPr>
+            <a:picLocks noChangeAspect="1"/>
+          </p:cNvPicPr>
+          <p:nvPr/>
+        </p:nvPicPr>
+        <p:blipFill>
+          <a:blip r:embed="rId4"/>
+          <a:stretch>
+            <a:fillRect/>
+          </a:stretch>
+        </p:blipFill>
+        <p:spPr>
+          <a:xfrm>
+            <a:off x="5084492" y="4971392"/>
+            <a:ext cx="310742" cy="210208"/>
+          </a:xfrm>
+          <a:prstGeom prst="rect">
+            <a:avLst/>
+          </a:prstGeom>
+        </p:spPr>
+      </p:pic>
+    </p:spTree>
+    <p:extLst>
+      <p:ext uri="{BB962C8B-B14F-4D97-AF65-F5344CB8AC3E}">
+        <p14:creationId xmlns:p14="http://schemas.microsoft.com/office/powerpoint/2010/main" val="1517495630"/>
+      </p:ext>
+    </p:extLst>
+  </p:cSld>
+  <p:clrMapOvr>
+    <a:masterClrMapping/>
+  </p:clrMapOvr>
+</p:sld>
+</file>
+
+<file path=ppt/slides/slide15.xml><?xml version="1.0" encoding="utf-8"?>
+<p:sld xmlns:a="http://schemas.openxmlformats.org/drawingml/2006/main" xmlns:r="http://schemas.openxmlformats.org/officeDocument/2006/relationships" xmlns:p="http://schemas.openxmlformats.org/presentationml/2006/main">
+  <p:cSld>
+    <p:spTree>
+      <p:nvGrpSpPr>
+        <p:cNvPr id="1" name=""/>
+        <p:cNvGrpSpPr/>
+        <p:nvPr/>
+      </p:nvGrpSpPr>
+      <p:grpSpPr>
+        <a:xfrm>
+          <a:off x="0" y="0"/>
+          <a:ext cx="0" cy="0"/>
+          <a:chOff x="0" y="0"/>
+          <a:chExt cx="0" cy="0"/>
+        </a:xfrm>
+      </p:grpSpPr>
+      <p:pic>
+        <p:nvPicPr>
+          <p:cNvPr id="4" name="Picture 3">
+            <a:extLst>
+              <a:ext uri="{FF2B5EF4-FFF2-40B4-BE49-F238E27FC236}">
+                <a16:creationId xmlns:a16="http://schemas.microsoft.com/office/drawing/2014/main" id="{182D35BB-D54E-7990-2C5A-2320E6E43775}"/>
+              </a:ext>
+            </a:extLst>
+          </p:cNvPr>
+          <p:cNvPicPr>
+            <a:picLocks noChangeAspect="1"/>
+          </p:cNvPicPr>
+          <p:nvPr/>
+        </p:nvPicPr>
+        <p:blipFill>
+          <a:blip r:embed="rId2"/>
+          <a:srcRect/>
+          <a:stretch/>
+        </p:blipFill>
+        <p:spPr>
+          <a:xfrm>
+            <a:off x="2509267" y="2648864"/>
+            <a:ext cx="7262727" cy="467193"/>
+          </a:xfrm>
+          <a:prstGeom prst="rect">
+            <a:avLst/>
+          </a:prstGeom>
+        </p:spPr>
+      </p:pic>
+      <p:sp>
+        <p:nvSpPr>
+          <p:cNvPr id="5" name="Left Brace 4">
+            <a:extLst>
+              <a:ext uri="{FF2B5EF4-FFF2-40B4-BE49-F238E27FC236}">
+                <a16:creationId xmlns:a16="http://schemas.microsoft.com/office/drawing/2014/main" id="{CEE5D908-3F31-EFB2-558A-BACE5CB8BE36}"/>
+              </a:ext>
+            </a:extLst>
+          </p:cNvPr>
+          <p:cNvSpPr/>
+          <p:nvPr/>
+        </p:nvSpPr>
+        <p:spPr>
+          <a:xfrm rot="16200000">
+            <a:off x="6657779" y="1975159"/>
+            <a:ext cx="357352" cy="2639151"/>
+          </a:xfrm>
+          <a:prstGeom prst="leftBrace">
+            <a:avLst/>
+          </a:prstGeom>
+          <a:ln w="22225"/>
+        </p:spPr>
+        <p:style>
+          <a:lnRef idx="1">
+            <a:schemeClr val="accent1"/>
+          </a:lnRef>
+          <a:fillRef idx="0">
+            <a:schemeClr val="accent1"/>
+          </a:fillRef>
+          <a:effectRef idx="0">
+            <a:schemeClr val="accent1"/>
+          </a:effectRef>
+          <a:fontRef idx="minor">
+            <a:schemeClr val="tx1"/>
+          </a:fontRef>
+        </p:style>
+        <p:txBody>
+          <a:bodyPr rtlCol="0" anchor="ctr"/>
+          <a:lstStyle/>
+          <a:p>
+            <a:pPr algn="ctr"/>
+            <a:endParaRPr lang="en-US"/>
+          </a:p>
+        </p:txBody>
+      </p:sp>
+      <mc:AlternateContent xmlns:mc="http://schemas.openxmlformats.org/markup-compatibility/2006">
+        <mc:Choice xmlns:a14="http://schemas.microsoft.com/office/drawing/2010/main" Requires="a14">
+          <p:sp>
+            <p:nvSpPr>
+              <p:cNvPr id="6" name="TextBox 5">
+                <a:extLst>
+                  <a:ext uri="{FF2B5EF4-FFF2-40B4-BE49-F238E27FC236}">
+                    <a16:creationId xmlns:a16="http://schemas.microsoft.com/office/drawing/2014/main" id="{5E50B14E-F2F3-2D5F-FCA2-A940EF7D4226}"/>
+                  </a:ext>
+                </a:extLst>
+              </p:cNvPr>
+              <p:cNvSpPr txBox="1"/>
+              <p:nvPr/>
+            </p:nvSpPr>
+            <p:spPr>
+              <a:xfrm>
+                <a:off x="5018690" y="3473411"/>
+                <a:ext cx="3137341" cy="661912"/>
+              </a:xfrm>
+              <a:prstGeom prst="rect">
+                <a:avLst/>
+              </a:prstGeom>
+              <a:noFill/>
+            </p:spPr>
+            <p:txBody>
+              <a:bodyPr wrap="square" rtlCol="0">
+                <a:spAutoFit/>
+              </a:bodyPr>
+              <a:lstStyle/>
+              <a:p>
+                <a:pPr algn="ctr"/>
+                <a:r>
+                  <a:rPr lang="en-US" b="1" dirty="0">
+                    <a:latin typeface="Arial" panose="020B0604020202020204" pitchFamily="34" charset="0"/>
+                    <a:cs typeface="Arial" panose="020B0604020202020204" pitchFamily="34" charset="0"/>
+                  </a:rPr>
+                  <a:t>Reducible</a:t>
+                </a:r>
+                <a:r>
+                  <a:rPr lang="en-US" dirty="0">
+                    <a:latin typeface="Arial" panose="020B0604020202020204" pitchFamily="34" charset="0"/>
+                    <a:cs typeface="Arial" panose="020B0604020202020204" pitchFamily="34" charset="0"/>
+                  </a:rPr>
+                  <a:t> e.g., “our model </a:t>
+                </a:r>
+                <a14:m>
+                  <m:oMath xmlns:m="http://schemas.openxmlformats.org/officeDocument/2006/math">
+                    <m:acc>
+                      <m:accPr>
+                        <m:chr m:val="̂"/>
+                        <m:ctrlPr>
+                          <a:rPr lang="en-US" b="0" i="1" smtClean="0">
+                            <a:latin typeface="Cambria Math" panose="02040503050406030204" pitchFamily="18" charset="0"/>
+                          </a:rPr>
+                        </m:ctrlPr>
+                      </m:accPr>
+                      <m:e>
+                        <m:r>
+                          <a:rPr lang="en-US" b="0" i="1" smtClean="0">
+                            <a:latin typeface="Cambria Math" panose="02040503050406030204" pitchFamily="18" charset="0"/>
+                          </a:rPr>
+                          <m:t>𝑓</m:t>
+                        </m:r>
+                      </m:e>
+                    </m:acc>
+                  </m:oMath>
+                </a14:m>
+                <a:r>
+                  <a:rPr lang="en-US" dirty="0">
+                    <a:latin typeface="Arial" panose="020B0604020202020204" pitchFamily="34" charset="0"/>
+                    <a:cs typeface="Arial" panose="020B0604020202020204" pitchFamily="34" charset="0"/>
+                  </a:rPr>
+                  <a:t> could be closer to </a:t>
+                </a:r>
+                <a14:m>
+                  <m:oMath xmlns:m="http://schemas.openxmlformats.org/officeDocument/2006/math">
+                    <m:r>
+                      <a:rPr lang="en-US" b="0" i="1" smtClean="0">
+                        <a:latin typeface="Cambria Math" panose="02040503050406030204" pitchFamily="18" charset="0"/>
+                      </a:rPr>
+                      <m:t>𝑓</m:t>
+                    </m:r>
+                  </m:oMath>
+                </a14:m>
+                <a:r>
+                  <a:rPr lang="en-US" dirty="0">
+                    <a:latin typeface="Arial" panose="020B0604020202020204" pitchFamily="34" charset="0"/>
+                    <a:cs typeface="Arial" panose="020B0604020202020204" pitchFamily="34" charset="0"/>
+                  </a:rPr>
+                  <a:t>”</a:t>
+                </a:r>
+              </a:p>
+            </p:txBody>
+          </p:sp>
+        </mc:Choice>
+        <mc:Fallback>
+          <p:sp>
+            <p:nvSpPr>
+              <p:cNvPr id="6" name="TextBox 5">
+                <a:extLst>
+                  <a:ext uri="{FF2B5EF4-FFF2-40B4-BE49-F238E27FC236}">
+                    <a16:creationId xmlns:a16="http://schemas.microsoft.com/office/drawing/2014/main" id="{5E50B14E-F2F3-2D5F-FCA2-A940EF7D4226}"/>
+                  </a:ext>
+                </a:extLst>
+              </p:cNvPr>
+              <p:cNvSpPr txBox="1">
+                <a:spLocks noRot="1" noChangeAspect="1" noMove="1" noResize="1" noEditPoints="1" noAdjustHandles="1" noChangeArrowheads="1" noChangeShapeType="1" noTextEdit="1"/>
+              </p:cNvSpPr>
+              <p:nvPr/>
+            </p:nvSpPr>
+            <p:spPr>
+              <a:xfrm>
+                <a:off x="5018690" y="3473411"/>
+                <a:ext cx="3137341" cy="661912"/>
+              </a:xfrm>
+              <a:prstGeom prst="rect">
+                <a:avLst/>
+              </a:prstGeom>
+              <a:blipFill>
+                <a:blip r:embed="rId3"/>
+                <a:stretch>
+                  <a:fillRect l="-1613" t="-1887" r="-403" b="-13208"/>
+                </a:stretch>
+              </a:blipFill>
+            </p:spPr>
+            <p:txBody>
+              <a:bodyPr/>
+              <a:lstStyle/>
+              <a:p>
+                <a:r>
+                  <a:rPr lang="en-US">
+                    <a:noFill/>
+                  </a:rPr>
+                  <a:t> </a:t>
+                </a:r>
+              </a:p>
+            </p:txBody>
+          </p:sp>
+        </mc:Fallback>
+      </mc:AlternateContent>
+      <p:sp>
+        <p:nvSpPr>
+          <p:cNvPr id="7" name="TextBox 6">
+            <a:extLst>
+              <a:ext uri="{FF2B5EF4-FFF2-40B4-BE49-F238E27FC236}">
+                <a16:creationId xmlns:a16="http://schemas.microsoft.com/office/drawing/2014/main" id="{C38DE4FC-0419-0F32-66BE-C7275808659E}"/>
+              </a:ext>
+            </a:extLst>
+          </p:cNvPr>
+          <p:cNvSpPr txBox="1"/>
+          <p:nvPr/>
+        </p:nvSpPr>
+        <p:spPr>
+          <a:xfrm>
+            <a:off x="7830207" y="3583251"/>
+            <a:ext cx="3137341" cy="369332"/>
+          </a:xfrm>
+          <a:prstGeom prst="rect">
+            <a:avLst/>
+          </a:prstGeom>
+          <a:noFill/>
+        </p:spPr>
+        <p:txBody>
+          <a:bodyPr wrap="square" rtlCol="0">
+            <a:spAutoFit/>
+          </a:bodyPr>
+          <a:lstStyle/>
+          <a:p>
+            <a:pPr algn="ctr"/>
+            <a:r>
+              <a:rPr lang="en-US" b="1" dirty="0">
+                <a:latin typeface="Arial" panose="020B0604020202020204" pitchFamily="34" charset="0"/>
+                <a:cs typeface="Arial" panose="020B0604020202020204" pitchFamily="34" charset="0"/>
+              </a:rPr>
+              <a:t>Irreducible</a:t>
+            </a:r>
+            <a:endParaRPr lang="en-US" dirty="0">
+              <a:latin typeface="Arial" panose="020B0604020202020204" pitchFamily="34" charset="0"/>
+              <a:cs typeface="Arial" panose="020B0604020202020204" pitchFamily="34" charset="0"/>
+            </a:endParaRPr>
+          </a:p>
+        </p:txBody>
+      </p:sp>
+      <p:sp>
+        <p:nvSpPr>
+          <p:cNvPr id="8" name="Left Brace 7">
+            <a:extLst>
+              <a:ext uri="{FF2B5EF4-FFF2-40B4-BE49-F238E27FC236}">
+                <a16:creationId xmlns:a16="http://schemas.microsoft.com/office/drawing/2014/main" id="{EE0A80CE-4515-3E4F-4C9B-97F070C4B798}"/>
+              </a:ext>
+            </a:extLst>
+          </p:cNvPr>
+          <p:cNvSpPr/>
+          <p:nvPr/>
+        </p:nvSpPr>
+        <p:spPr>
+          <a:xfrm rot="16200000">
+            <a:off x="9053349" y="2809685"/>
+            <a:ext cx="357352" cy="1079937"/>
+          </a:xfrm>
+          <a:prstGeom prst="leftBrace">
+            <a:avLst/>
+          </a:prstGeom>
+          <a:ln w="22225"/>
+        </p:spPr>
+        <p:style>
+          <a:lnRef idx="1">
+            <a:schemeClr val="accent1"/>
+          </a:lnRef>
+          <a:fillRef idx="0">
+            <a:schemeClr val="accent1"/>
+          </a:fillRef>
+          <a:effectRef idx="0">
+            <a:schemeClr val="accent1"/>
+          </a:effectRef>
+          <a:fontRef idx="minor">
+            <a:schemeClr val="tx1"/>
+          </a:fontRef>
+        </p:style>
+        <p:txBody>
+          <a:bodyPr rtlCol="0" anchor="ctr"/>
+          <a:lstStyle/>
+          <a:p>
+            <a:pPr algn="ctr"/>
+            <a:endParaRPr lang="en-US"/>
+          </a:p>
+        </p:txBody>
+      </p:sp>
+    </p:spTree>
+    <p:extLst>
+      <p:ext uri="{BB962C8B-B14F-4D97-AF65-F5344CB8AC3E}">
+        <p14:creationId xmlns:p14="http://schemas.microsoft.com/office/powerpoint/2010/main" val="1668804078"/>
+      </p:ext>
+    </p:extLst>
+  </p:cSld>
+  <p:clrMapOvr>
+    <a:masterClrMapping/>
+  </p:clrMapOvr>
+</p:sld>
+</file>
+
+<file path=ppt/slides/slide16.xml><?xml version="1.0" encoding="utf-8"?>
+<p:sld xmlns:a="http://schemas.openxmlformats.org/drawingml/2006/main" xmlns:r="http://schemas.openxmlformats.org/officeDocument/2006/relationships" xmlns:p="http://schemas.openxmlformats.org/presentationml/2006/main">
+  <p:cSld>
+    <p:spTree>
+      <p:nvGrpSpPr>
+        <p:cNvPr id="1" name=""/>
+        <p:cNvGrpSpPr/>
+        <p:nvPr/>
+      </p:nvGrpSpPr>
+      <p:grpSpPr>
+        <a:xfrm>
+          <a:off x="0" y="0"/>
+          <a:ext cx="0" cy="0"/>
+          <a:chOff x="0" y="0"/>
+          <a:chExt cx="0" cy="0"/>
+        </a:xfrm>
+      </p:grpSpPr>
+      <p:pic>
+        <p:nvPicPr>
+          <p:cNvPr id="3074" name="Picture 2" descr="✓ Line of Best Fit Formula">
+            <a:extLst>
+              <a:ext uri="{FF2B5EF4-FFF2-40B4-BE49-F238E27FC236}">
+                <a16:creationId xmlns:a16="http://schemas.microsoft.com/office/drawing/2014/main" id="{EC1F393B-8188-45FD-AE47-849C9C2E4562}"/>
+              </a:ext>
+            </a:extLst>
+          </p:cNvPr>
+          <p:cNvPicPr>
+            <a:picLocks noChangeAspect="1" noChangeArrowheads="1"/>
+          </p:cNvPicPr>
+          <p:nvPr/>
+        </p:nvPicPr>
+        <p:blipFill>
+          <a:blip r:embed="rId2">
+            <a:extLst>
+              <a:ext uri="{28A0092B-C50C-407E-A947-70E740481C1C}">
+                <a14:useLocalDpi xmlns:a14="http://schemas.microsoft.com/office/drawing/2010/main" val="0"/>
+              </a:ext>
+            </a:extLst>
+          </a:blip>
+          <a:srcRect/>
+          <a:stretch>
+            <a:fillRect/>
+          </a:stretch>
+        </p:blipFill>
+        <p:spPr bwMode="auto">
+          <a:xfrm>
+            <a:off x="2123440" y="2335720"/>
+            <a:ext cx="5496560" cy="1958150"/>
+          </a:xfrm>
+          <a:prstGeom prst="rect">
+            <a:avLst/>
+          </a:prstGeom>
+          <a:noFill/>
+          <a:extLst>
+            <a:ext uri="{909E8E84-426E-40DD-AFC4-6F175D3DCCD1}">
+              <a14:hiddenFill xmlns:a14="http://schemas.microsoft.com/office/drawing/2010/main">
+                <a:solidFill>
+                  <a:srgbClr val="FFFFFF"/>
+                </a:solidFill>
+              </a14:hiddenFill>
+            </a:ext>
+          </a:extLst>
+        </p:spPr>
+      </p:pic>
+      <p:pic>
+        <p:nvPicPr>
+          <p:cNvPr id="5" name="Picture 4">
+            <a:extLst>
+              <a:ext uri="{FF2B5EF4-FFF2-40B4-BE49-F238E27FC236}">
+                <a16:creationId xmlns:a16="http://schemas.microsoft.com/office/drawing/2014/main" id="{51EA1687-9277-4545-30DD-A4C55D58CD79}"/>
+              </a:ext>
+            </a:extLst>
+          </p:cNvPr>
+          <p:cNvPicPr>
+            <a:picLocks noChangeAspect="1"/>
+          </p:cNvPicPr>
+          <p:nvPr/>
+        </p:nvPicPr>
+        <p:blipFill>
+          <a:blip r:embed="rId3"/>
+          <a:stretch>
+            <a:fillRect/>
+          </a:stretch>
+        </p:blipFill>
+        <p:spPr>
+          <a:xfrm>
+            <a:off x="2164080" y="3210559"/>
+            <a:ext cx="222390" cy="151225"/>
+          </a:xfrm>
+          <a:prstGeom prst="rect">
+            <a:avLst/>
+          </a:prstGeom>
+          <a:solidFill>
+            <a:schemeClr val="bg1"/>
+          </a:solidFill>
+        </p:spPr>
+      </p:pic>
+    </p:spTree>
+    <p:extLst>
+      <p:ext uri="{BB962C8B-B14F-4D97-AF65-F5344CB8AC3E}">
+        <p14:creationId xmlns:p14="http://schemas.microsoft.com/office/powerpoint/2010/main" val="2371466658"/>
+      </p:ext>
+    </p:extLst>
+  </p:cSld>
+  <p:clrMapOvr>
+    <a:masterClrMapping/>
+  </p:clrMapOvr>
+</p:sld>
+</file>
+
+<file path=ppt/slides/slide17.xml><?xml version="1.0" encoding="utf-8"?>
+<p:sld xmlns:a="http://schemas.openxmlformats.org/drawingml/2006/main" xmlns:r="http://schemas.openxmlformats.org/officeDocument/2006/relationships" xmlns:p="http://schemas.openxmlformats.org/presentationml/2006/main">
+  <p:cSld>
+    <p:spTree>
+      <p:nvGrpSpPr>
+        <p:cNvPr id="1" name=""/>
+        <p:cNvGrpSpPr/>
+        <p:nvPr/>
+      </p:nvGrpSpPr>
+      <p:grpSpPr>
+        <a:xfrm>
+          <a:off x="0" y="0"/>
+          <a:ext cx="0" cy="0"/>
+          <a:chOff x="0" y="0"/>
+          <a:chExt cx="0" cy="0"/>
+        </a:xfrm>
+      </p:grpSpPr>
+      <p:pic>
+        <p:nvPicPr>
+          <p:cNvPr id="4" name="Picture 3">
+            <a:extLst>
+              <a:ext uri="{FF2B5EF4-FFF2-40B4-BE49-F238E27FC236}">
+                <a16:creationId xmlns:a16="http://schemas.microsoft.com/office/drawing/2014/main" id="{B13388D1-F32F-D585-57D0-A7D2BD5076E6}"/>
+              </a:ext>
+            </a:extLst>
+          </p:cNvPr>
+          <p:cNvPicPr>
+            <a:picLocks noChangeAspect="1"/>
+          </p:cNvPicPr>
+          <p:nvPr/>
+        </p:nvPicPr>
+        <p:blipFill>
+          <a:blip r:embed="rId2"/>
+          <a:stretch>
+            <a:fillRect/>
+          </a:stretch>
+        </p:blipFill>
+        <p:spPr>
+          <a:xfrm>
+            <a:off x="3388360" y="142240"/>
+            <a:ext cx="5087200" cy="3206164"/>
+          </a:xfrm>
+          <a:prstGeom prst="rect">
+            <a:avLst/>
+          </a:prstGeom>
+        </p:spPr>
+      </p:pic>
+      <p:sp>
+        <p:nvSpPr>
+          <p:cNvPr id="5" name="Freeform 4">
+            <a:extLst>
+              <a:ext uri="{FF2B5EF4-FFF2-40B4-BE49-F238E27FC236}">
+                <a16:creationId xmlns:a16="http://schemas.microsoft.com/office/drawing/2014/main" id="{196DBDA3-7B20-D358-5ABC-3C277C320361}"/>
+              </a:ext>
+            </a:extLst>
+          </p:cNvPr>
+          <p:cNvSpPr/>
+          <p:nvPr/>
+        </p:nvSpPr>
+        <p:spPr>
+          <a:xfrm>
+            <a:off x="4673600" y="599440"/>
+            <a:ext cx="2753360" cy="1889760"/>
+          </a:xfrm>
+          <a:custGeom>
+            <a:avLst/>
+            <a:gdLst>
+              <a:gd name="connsiteX0" fmla="*/ 0 w 2753360"/>
+              <a:gd name="connsiteY0" fmla="*/ 0 h 1889760"/>
+              <a:gd name="connsiteX1" fmla="*/ 2753360 w 2753360"/>
+              <a:gd name="connsiteY1" fmla="*/ 1889760 h 1889760"/>
+              <a:gd name="connsiteX0" fmla="*/ 0 w 2753360"/>
+              <a:gd name="connsiteY0" fmla="*/ 0 h 1889760"/>
+              <a:gd name="connsiteX1" fmla="*/ 2753360 w 2753360"/>
+              <a:gd name="connsiteY1" fmla="*/ 1889760 h 1889760"/>
+              <a:gd name="connsiteX0" fmla="*/ 0 w 2753360"/>
+              <a:gd name="connsiteY0" fmla="*/ 0 h 1889760"/>
+              <a:gd name="connsiteX1" fmla="*/ 2753360 w 2753360"/>
+              <a:gd name="connsiteY1" fmla="*/ 1889760 h 1889760"/>
+            </a:gdLst>
+            <a:ahLst/>
+            <a:cxnLst>
+              <a:cxn ang="0">
+                <a:pos x="connsiteX0" y="connsiteY0"/>
+              </a:cxn>
+              <a:cxn ang="0">
+                <a:pos x="connsiteX1" y="connsiteY1"/>
+              </a:cxn>
+            </a:cxnLst>
+            <a:rect l="l" t="t" r="r" b="b"/>
+            <a:pathLst>
+              <a:path w="2753360" h="1889760">
+                <a:moveTo>
+                  <a:pt x="0" y="0"/>
+                </a:moveTo>
+                <a:cubicBezTo>
+                  <a:pt x="676487" y="1206500"/>
+                  <a:pt x="1495214" y="1651000"/>
+                  <a:pt x="2753360" y="1889760"/>
+                </a:cubicBezTo>
+              </a:path>
+            </a:pathLst>
+          </a:custGeom>
+          <a:noFill/>
+          <a:ln w="63500">
+            <a:solidFill>
+              <a:schemeClr val="accent6"/>
+            </a:solidFill>
+          </a:ln>
+        </p:spPr>
+        <p:style>
+          <a:lnRef idx="2">
+            <a:schemeClr val="accent1">
+              <a:shade val="50000"/>
+            </a:schemeClr>
+          </a:lnRef>
+          <a:fillRef idx="1">
+            <a:schemeClr val="accent1"/>
+          </a:fillRef>
+          <a:effectRef idx="0">
+            <a:schemeClr val="accent1"/>
+          </a:effectRef>
+          <a:fontRef idx="minor">
+            <a:schemeClr val="lt1"/>
+          </a:fontRef>
+        </p:style>
+        <p:txBody>
+          <a:bodyPr rtlCol="0" anchor="ctr"/>
+          <a:lstStyle/>
+          <a:p>
+            <a:pPr algn="ctr"/>
+            <a:endParaRPr lang="en-US"/>
+          </a:p>
+        </p:txBody>
+      </p:sp>
+    </p:spTree>
+    <p:extLst>
+      <p:ext uri="{BB962C8B-B14F-4D97-AF65-F5344CB8AC3E}">
+        <p14:creationId xmlns:p14="http://schemas.microsoft.com/office/powerpoint/2010/main" val="3997173856"/>
+      </p:ext>
+    </p:extLst>
+  </p:cSld>
+  <p:clrMapOvr>
+    <a:masterClrMapping/>
+  </p:clrMapOvr>
+</p:sld>
+</file>
+
+<file path=ppt/slides/slide18.xml><?xml version="1.0" encoding="utf-8"?>
+<p:sld xmlns:a="http://schemas.openxmlformats.org/drawingml/2006/main" xmlns:r="http://schemas.openxmlformats.org/officeDocument/2006/relationships" xmlns:p="http://schemas.openxmlformats.org/presentationml/2006/main">
+  <p:cSld>
+    <p:spTree>
+      <p:nvGrpSpPr>
+        <p:cNvPr id="1" name=""/>
+        <p:cNvGrpSpPr/>
+        <p:nvPr/>
+      </p:nvGrpSpPr>
+      <p:grpSpPr>
+        <a:xfrm>
+          <a:off x="0" y="0"/>
+          <a:ext cx="0" cy="0"/>
+          <a:chOff x="0" y="0"/>
+          <a:chExt cx="0" cy="0"/>
+        </a:xfrm>
+      </p:grpSpPr>
+      <p:cxnSp>
+        <p:nvCxnSpPr>
+          <p:cNvPr id="11" name="Straight Connector 10">
+            <a:extLst>
+              <a:ext uri="{FF2B5EF4-FFF2-40B4-BE49-F238E27FC236}">
+                <a16:creationId xmlns:a16="http://schemas.microsoft.com/office/drawing/2014/main" id="{8CCEDE25-9046-BAF7-5816-633BDD7FE330}"/>
+              </a:ext>
+            </a:extLst>
+          </p:cNvPr>
+          <p:cNvCxnSpPr/>
+          <p:nvPr/>
+        </p:nvCxnSpPr>
+        <p:spPr>
+          <a:xfrm>
+            <a:off x="1290320" y="2235200"/>
+            <a:ext cx="2560320" cy="1193800"/>
+          </a:xfrm>
+          <a:prstGeom prst="line">
+            <a:avLst/>
+          </a:prstGeom>
+          <a:ln w="34925"/>
+        </p:spPr>
+        <p:style>
+          <a:lnRef idx="1">
+            <a:schemeClr val="accent1"/>
+          </a:lnRef>
+          <a:fillRef idx="0">
+            <a:schemeClr val="accent1"/>
+          </a:fillRef>
+          <a:effectRef idx="0">
+            <a:schemeClr val="accent1"/>
+          </a:effectRef>
+          <a:fontRef idx="minor">
+            <a:schemeClr val="tx1"/>
+          </a:fontRef>
+        </p:style>
+      </p:cxnSp>
+      <p:sp>
+        <p:nvSpPr>
+          <p:cNvPr id="6" name="Rectangle 5">
+            <a:extLst>
+              <a:ext uri="{FF2B5EF4-FFF2-40B4-BE49-F238E27FC236}">
+                <a16:creationId xmlns:a16="http://schemas.microsoft.com/office/drawing/2014/main" id="{AF781E53-B5DF-2E40-C3FA-82AA56F76440}"/>
+              </a:ext>
+            </a:extLst>
+          </p:cNvPr>
+          <p:cNvSpPr/>
+          <p:nvPr/>
+        </p:nvSpPr>
+        <p:spPr>
+          <a:xfrm>
+            <a:off x="1290320" y="1676400"/>
+            <a:ext cx="2560320" cy="2407920"/>
+          </a:xfrm>
+          <a:prstGeom prst="rect">
+            <a:avLst/>
+          </a:prstGeom>
+          <a:noFill/>
+          <a:ln w="38100">
+            <a:solidFill>
+              <a:schemeClr val="tx1"/>
+            </a:solidFill>
+          </a:ln>
+        </p:spPr>
+        <p:style>
+          <a:lnRef idx="2">
+            <a:schemeClr val="accent1">
+              <a:shade val="50000"/>
+            </a:schemeClr>
+          </a:lnRef>
+          <a:fillRef idx="1">
+            <a:schemeClr val="accent1"/>
+          </a:fillRef>
+          <a:effectRef idx="0">
+            <a:schemeClr val="accent1"/>
+          </a:effectRef>
+          <a:fontRef idx="minor">
+            <a:schemeClr val="lt1"/>
+          </a:fontRef>
+        </p:style>
+        <p:txBody>
+          <a:bodyPr rtlCol="0" anchor="ctr"/>
+          <a:lstStyle/>
+          <a:p>
+            <a:pPr algn="ctr"/>
+            <a:endParaRPr lang="en-US"/>
+          </a:p>
+        </p:txBody>
+      </p:sp>
+      <p:pic>
+        <p:nvPicPr>
+          <p:cNvPr id="8" name="Picture 7">
+            <a:extLst>
+              <a:ext uri="{FF2B5EF4-FFF2-40B4-BE49-F238E27FC236}">
+                <a16:creationId xmlns:a16="http://schemas.microsoft.com/office/drawing/2014/main" id="{D3AA3BEE-9553-F367-AEF0-DBA4CF6B02D6}"/>
+              </a:ext>
+            </a:extLst>
+          </p:cNvPr>
+          <p:cNvPicPr>
+            <a:picLocks noChangeAspect="1"/>
+          </p:cNvPicPr>
+          <p:nvPr/>
+        </p:nvPicPr>
+        <p:blipFill>
+          <a:blip r:embed="rId2"/>
+          <a:stretch>
+            <a:fillRect/>
+          </a:stretch>
+        </p:blipFill>
+        <p:spPr>
+          <a:xfrm>
+            <a:off x="2449830" y="4245610"/>
+            <a:ext cx="241300" cy="215900"/>
+          </a:xfrm>
+          <a:prstGeom prst="rect">
+            <a:avLst/>
+          </a:prstGeom>
+        </p:spPr>
+      </p:pic>
+      <p:pic>
+        <p:nvPicPr>
+          <p:cNvPr id="9" name="Picture 8">
+            <a:extLst>
+              <a:ext uri="{FF2B5EF4-FFF2-40B4-BE49-F238E27FC236}">
+                <a16:creationId xmlns:a16="http://schemas.microsoft.com/office/drawing/2014/main" id="{6F7C5E8C-E550-63DC-035B-4D10E779D94A}"/>
+              </a:ext>
+            </a:extLst>
+          </p:cNvPr>
+          <p:cNvPicPr>
+            <a:picLocks noChangeAspect="1"/>
+          </p:cNvPicPr>
+          <p:nvPr/>
+        </p:nvPicPr>
+        <p:blipFill>
+          <a:blip r:embed="rId3"/>
+          <a:stretch>
+            <a:fillRect/>
+          </a:stretch>
+        </p:blipFill>
+        <p:spPr>
+          <a:xfrm>
+            <a:off x="9560560" y="4114799"/>
+            <a:ext cx="774700" cy="469900"/>
+          </a:xfrm>
+          <a:prstGeom prst="rect">
+            <a:avLst/>
+          </a:prstGeom>
+        </p:spPr>
+      </p:pic>
+      <p:cxnSp>
+        <p:nvCxnSpPr>
+          <p:cNvPr id="12" name="Straight Connector 11">
+            <a:extLst>
+              <a:ext uri="{FF2B5EF4-FFF2-40B4-BE49-F238E27FC236}">
+                <a16:creationId xmlns:a16="http://schemas.microsoft.com/office/drawing/2014/main" id="{E5B75913-7C27-6754-259D-DA38515A6483}"/>
+              </a:ext>
+            </a:extLst>
+          </p:cNvPr>
+          <p:cNvCxnSpPr>
+            <a:cxnSpLocks/>
+          </p:cNvCxnSpPr>
+          <p:nvPr/>
+        </p:nvCxnSpPr>
+        <p:spPr>
+          <a:xfrm>
+            <a:off x="4196080" y="2740660"/>
+            <a:ext cx="2560320" cy="0"/>
+          </a:xfrm>
+          <a:prstGeom prst="line">
+            <a:avLst/>
+          </a:prstGeom>
+          <a:ln w="34925">
+            <a:solidFill>
+              <a:schemeClr val="accent2"/>
+            </a:solidFill>
+            <a:prstDash val="sysDash"/>
+          </a:ln>
+        </p:spPr>
+        <p:style>
+          <a:lnRef idx="1">
+            <a:schemeClr val="accent1"/>
+          </a:lnRef>
+          <a:fillRef idx="0">
+            <a:schemeClr val="accent1"/>
+          </a:fillRef>
+          <a:effectRef idx="0">
+            <a:schemeClr val="accent1"/>
+          </a:effectRef>
+          <a:fontRef idx="minor">
+            <a:schemeClr val="tx1"/>
+          </a:fontRef>
+        </p:style>
+      </p:cxnSp>
+      <p:cxnSp>
+        <p:nvCxnSpPr>
+          <p:cNvPr id="14" name="Straight Connector 13">
+            <a:extLst>
+              <a:ext uri="{FF2B5EF4-FFF2-40B4-BE49-F238E27FC236}">
+                <a16:creationId xmlns:a16="http://schemas.microsoft.com/office/drawing/2014/main" id="{BE4E5A0B-B50D-CD18-DC8C-FCD833627866}"/>
+              </a:ext>
+            </a:extLst>
+          </p:cNvPr>
+          <p:cNvCxnSpPr/>
+          <p:nvPr/>
+        </p:nvCxnSpPr>
+        <p:spPr>
+          <a:xfrm>
+            <a:off x="4196080" y="2231389"/>
+            <a:ext cx="2560320" cy="1193800"/>
+          </a:xfrm>
+          <a:prstGeom prst="line">
+            <a:avLst/>
+          </a:prstGeom>
+          <a:ln w="34925"/>
+        </p:spPr>
+        <p:style>
+          <a:lnRef idx="1">
+            <a:schemeClr val="accent1"/>
+          </a:lnRef>
+          <a:fillRef idx="0">
+            <a:schemeClr val="accent1"/>
+          </a:fillRef>
+          <a:effectRef idx="0">
+            <a:schemeClr val="accent1"/>
+          </a:effectRef>
+          <a:fontRef idx="minor">
+            <a:schemeClr val="tx1"/>
+          </a:fontRef>
+        </p:style>
+      </p:cxnSp>
+      <p:sp>
+        <p:nvSpPr>
+          <p:cNvPr id="15" name="Rectangle 14">
+            <a:extLst>
+              <a:ext uri="{FF2B5EF4-FFF2-40B4-BE49-F238E27FC236}">
+                <a16:creationId xmlns:a16="http://schemas.microsoft.com/office/drawing/2014/main" id="{3BB6C9FD-E459-F395-BDC5-3916CD7501A3}"/>
+              </a:ext>
+            </a:extLst>
+          </p:cNvPr>
+          <p:cNvSpPr/>
+          <p:nvPr/>
+        </p:nvSpPr>
+        <p:spPr>
+          <a:xfrm>
+            <a:off x="4196080" y="1672589"/>
+            <a:ext cx="2560320" cy="2407920"/>
+          </a:xfrm>
+          <a:prstGeom prst="rect">
+            <a:avLst/>
+          </a:prstGeom>
+          <a:noFill/>
+          <a:ln w="38100">
+            <a:solidFill>
+              <a:schemeClr val="tx1"/>
+            </a:solidFill>
+          </a:ln>
+        </p:spPr>
+        <p:style>
+          <a:lnRef idx="2">
+            <a:schemeClr val="accent1">
+              <a:shade val="50000"/>
+            </a:schemeClr>
+          </a:lnRef>
+          <a:fillRef idx="1">
+            <a:schemeClr val="accent1"/>
+          </a:fillRef>
+          <a:effectRef idx="0">
+            <a:schemeClr val="accent1"/>
+          </a:effectRef>
+          <a:fontRef idx="minor">
+            <a:schemeClr val="lt1"/>
+          </a:fontRef>
+        </p:style>
+        <p:txBody>
+          <a:bodyPr rtlCol="0" anchor="ctr"/>
+          <a:lstStyle/>
+          <a:p>
+            <a:pPr algn="ctr"/>
+            <a:endParaRPr lang="en-US"/>
+          </a:p>
+        </p:txBody>
+      </p:sp>
+      <p:pic>
+        <p:nvPicPr>
+          <p:cNvPr id="16" name="Picture 15">
+            <a:extLst>
+              <a:ext uri="{FF2B5EF4-FFF2-40B4-BE49-F238E27FC236}">
+                <a16:creationId xmlns:a16="http://schemas.microsoft.com/office/drawing/2014/main" id="{1D15391F-4829-19C7-4492-9754DA658A22}"/>
+              </a:ext>
+            </a:extLst>
+          </p:cNvPr>
+          <p:cNvPicPr>
+            <a:picLocks noChangeAspect="1"/>
+          </p:cNvPicPr>
+          <p:nvPr/>
+        </p:nvPicPr>
+        <p:blipFill>
+          <a:blip r:embed="rId2"/>
+          <a:stretch>
+            <a:fillRect/>
+          </a:stretch>
+        </p:blipFill>
+        <p:spPr>
+          <a:xfrm>
+            <a:off x="5355590" y="4241799"/>
+            <a:ext cx="241300" cy="215900"/>
+          </a:xfrm>
+          <a:prstGeom prst="rect">
+            <a:avLst/>
+          </a:prstGeom>
+        </p:spPr>
+      </p:pic>
+      <p:sp>
+        <p:nvSpPr>
+          <p:cNvPr id="17" name="TextBox 16">
+            <a:extLst>
+              <a:ext uri="{FF2B5EF4-FFF2-40B4-BE49-F238E27FC236}">
+                <a16:creationId xmlns:a16="http://schemas.microsoft.com/office/drawing/2014/main" id="{7E620BF6-4B6A-6411-6C51-058DB5C41CB0}"/>
+              </a:ext>
+            </a:extLst>
+          </p:cNvPr>
+          <p:cNvSpPr txBox="1"/>
+          <p:nvPr/>
+        </p:nvSpPr>
+        <p:spPr>
+          <a:xfrm>
+            <a:off x="4612862" y="1210924"/>
+            <a:ext cx="1726755" cy="461665"/>
+          </a:xfrm>
+          <a:prstGeom prst="rect">
+            <a:avLst/>
+          </a:prstGeom>
+          <a:noFill/>
+        </p:spPr>
+        <p:txBody>
+          <a:bodyPr wrap="none" rtlCol="0">
+            <a:spAutoFit/>
+          </a:bodyPr>
+          <a:lstStyle/>
+          <a:p>
+            <a:r>
+              <a:rPr lang="en-US" sz="2400" dirty="0">
+                <a:latin typeface="Arial" panose="020B0604020202020204" pitchFamily="34" charset="0"/>
+                <a:cs typeface="Arial" panose="020B0604020202020204" pitchFamily="34" charset="0"/>
+              </a:rPr>
+              <a:t>Threshold?</a:t>
+            </a:r>
+          </a:p>
+        </p:txBody>
+      </p:sp>
+      <p:sp>
+        <p:nvSpPr>
+          <p:cNvPr id="18" name="TextBox 17">
+            <a:extLst>
+              <a:ext uri="{FF2B5EF4-FFF2-40B4-BE49-F238E27FC236}">
+                <a16:creationId xmlns:a16="http://schemas.microsoft.com/office/drawing/2014/main" id="{5D4BCF81-C51E-A6CC-FAFA-06514E31A061}"/>
+              </a:ext>
+            </a:extLst>
+          </p:cNvPr>
+          <p:cNvSpPr txBox="1"/>
+          <p:nvPr/>
+        </p:nvSpPr>
+        <p:spPr>
+          <a:xfrm>
+            <a:off x="5833110" y="2357358"/>
+            <a:ext cx="837089" cy="369332"/>
+          </a:xfrm>
+          <a:prstGeom prst="rect">
+            <a:avLst/>
+          </a:prstGeom>
+          <a:noFill/>
+        </p:spPr>
+        <p:txBody>
+          <a:bodyPr wrap="none" rtlCol="0">
+            <a:spAutoFit/>
+          </a:bodyPr>
+          <a:lstStyle/>
+          <a:p>
+            <a:r>
+              <a:rPr lang="en-US" dirty="0"/>
+              <a:t>Class A</a:t>
+            </a:r>
+          </a:p>
+        </p:txBody>
+      </p:sp>
+      <p:sp>
+        <p:nvSpPr>
+          <p:cNvPr id="19" name="TextBox 18">
+            <a:extLst>
+              <a:ext uri="{FF2B5EF4-FFF2-40B4-BE49-F238E27FC236}">
+                <a16:creationId xmlns:a16="http://schemas.microsoft.com/office/drawing/2014/main" id="{2B2E6D1A-35CF-B79D-2B4C-DE58319AB91B}"/>
+              </a:ext>
+            </a:extLst>
+          </p:cNvPr>
+          <p:cNvSpPr txBox="1"/>
+          <p:nvPr/>
+        </p:nvSpPr>
+        <p:spPr>
+          <a:xfrm>
+            <a:off x="5833110" y="2740661"/>
+            <a:ext cx="829073" cy="369332"/>
+          </a:xfrm>
+          <a:prstGeom prst="rect">
+            <a:avLst/>
+          </a:prstGeom>
+          <a:noFill/>
+        </p:spPr>
+        <p:txBody>
+          <a:bodyPr wrap="none" rtlCol="0">
+            <a:spAutoFit/>
+          </a:bodyPr>
+          <a:lstStyle/>
+          <a:p>
+            <a:r>
+              <a:rPr lang="en-US" dirty="0"/>
+              <a:t>Class B</a:t>
+            </a:r>
+          </a:p>
+        </p:txBody>
+      </p:sp>
+      <p:cxnSp>
+        <p:nvCxnSpPr>
+          <p:cNvPr id="21" name="Straight Connector 20">
+            <a:extLst>
+              <a:ext uri="{FF2B5EF4-FFF2-40B4-BE49-F238E27FC236}">
+                <a16:creationId xmlns:a16="http://schemas.microsoft.com/office/drawing/2014/main" id="{48624729-1854-7AB7-3535-08C0C769D16A}"/>
+              </a:ext>
+            </a:extLst>
+          </p:cNvPr>
+          <p:cNvCxnSpPr>
+            <a:cxnSpLocks/>
+          </p:cNvCxnSpPr>
+          <p:nvPr/>
+        </p:nvCxnSpPr>
+        <p:spPr>
+          <a:xfrm>
+            <a:off x="8570914" y="2876549"/>
+            <a:ext cx="2560320" cy="0"/>
+          </a:xfrm>
+          <a:prstGeom prst="line">
+            <a:avLst/>
+          </a:prstGeom>
+          <a:ln w="34925">
+            <a:solidFill>
+              <a:schemeClr val="accent2"/>
+            </a:solidFill>
+            <a:prstDash val="sysDash"/>
+          </a:ln>
+        </p:spPr>
+        <p:style>
+          <a:lnRef idx="1">
+            <a:schemeClr val="accent1"/>
+          </a:lnRef>
+          <a:fillRef idx="0">
+            <a:schemeClr val="accent1"/>
+          </a:fillRef>
+          <a:effectRef idx="0">
+            <a:schemeClr val="accent1"/>
+          </a:effectRef>
+          <a:fontRef idx="minor">
+            <a:schemeClr val="tx1"/>
+          </a:fontRef>
+        </p:style>
+      </p:cxnSp>
+      <p:sp>
+        <p:nvSpPr>
+          <p:cNvPr id="23" name="Rectangle 22">
+            <a:extLst>
+              <a:ext uri="{FF2B5EF4-FFF2-40B4-BE49-F238E27FC236}">
+                <a16:creationId xmlns:a16="http://schemas.microsoft.com/office/drawing/2014/main" id="{56E57788-419B-5C9F-E72B-7B195B1BD8A7}"/>
+              </a:ext>
+            </a:extLst>
+          </p:cNvPr>
+          <p:cNvSpPr/>
+          <p:nvPr/>
+        </p:nvSpPr>
+        <p:spPr>
+          <a:xfrm>
+            <a:off x="8570914" y="1672589"/>
+            <a:ext cx="2560320" cy="2407920"/>
+          </a:xfrm>
+          <a:prstGeom prst="rect">
+            <a:avLst/>
+          </a:prstGeom>
+          <a:noFill/>
+          <a:ln w="38100">
+            <a:solidFill>
+              <a:schemeClr val="tx1"/>
+            </a:solidFill>
+          </a:ln>
+        </p:spPr>
+        <p:style>
+          <a:lnRef idx="2">
+            <a:schemeClr val="accent1">
+              <a:shade val="50000"/>
+            </a:schemeClr>
+          </a:lnRef>
+          <a:fillRef idx="1">
+            <a:schemeClr val="accent1"/>
+          </a:fillRef>
+          <a:effectRef idx="0">
+            <a:schemeClr val="accent1"/>
+          </a:effectRef>
+          <a:fontRef idx="minor">
+            <a:schemeClr val="lt1"/>
+          </a:fontRef>
+        </p:style>
+        <p:txBody>
+          <a:bodyPr rtlCol="0" anchor="ctr"/>
+          <a:lstStyle/>
+          <a:p>
+            <a:pPr algn="ctr"/>
+            <a:endParaRPr lang="en-US"/>
+          </a:p>
+        </p:txBody>
+      </p:sp>
+      <p:sp>
+        <p:nvSpPr>
+          <p:cNvPr id="25" name="TextBox 24">
+            <a:extLst>
+              <a:ext uri="{FF2B5EF4-FFF2-40B4-BE49-F238E27FC236}">
+                <a16:creationId xmlns:a16="http://schemas.microsoft.com/office/drawing/2014/main" id="{A3EE6E80-B55D-282C-5B7F-DC62C5C3AD79}"/>
+              </a:ext>
+            </a:extLst>
+          </p:cNvPr>
+          <p:cNvSpPr txBox="1"/>
+          <p:nvPr/>
+        </p:nvSpPr>
+        <p:spPr>
+          <a:xfrm>
+            <a:off x="10207944" y="2390615"/>
+            <a:ext cx="837089" cy="369332"/>
+          </a:xfrm>
+          <a:prstGeom prst="rect">
+            <a:avLst/>
+          </a:prstGeom>
+          <a:noFill/>
+        </p:spPr>
+        <p:txBody>
+          <a:bodyPr wrap="none" rtlCol="0">
+            <a:spAutoFit/>
+          </a:bodyPr>
+          <a:lstStyle/>
+          <a:p>
+            <a:r>
+              <a:rPr lang="en-US" dirty="0"/>
+              <a:t>Class A</a:t>
+            </a:r>
+          </a:p>
+        </p:txBody>
+      </p:sp>
+      <p:sp>
+        <p:nvSpPr>
+          <p:cNvPr id="26" name="TextBox 25">
+            <a:extLst>
+              <a:ext uri="{FF2B5EF4-FFF2-40B4-BE49-F238E27FC236}">
+                <a16:creationId xmlns:a16="http://schemas.microsoft.com/office/drawing/2014/main" id="{336A6414-A99C-40F4-ECFB-CF24F42FF0A9}"/>
+              </a:ext>
+            </a:extLst>
+          </p:cNvPr>
+          <p:cNvSpPr txBox="1"/>
+          <p:nvPr/>
+        </p:nvSpPr>
+        <p:spPr>
+          <a:xfrm>
+            <a:off x="10207944" y="2983230"/>
+            <a:ext cx="829073" cy="369332"/>
+          </a:xfrm>
+          <a:prstGeom prst="rect">
+            <a:avLst/>
+          </a:prstGeom>
+          <a:noFill/>
+        </p:spPr>
+        <p:txBody>
+          <a:bodyPr wrap="none" rtlCol="0">
+            <a:spAutoFit/>
+          </a:bodyPr>
+          <a:lstStyle/>
+          <a:p>
+            <a:r>
+              <a:rPr lang="en-US" dirty="0"/>
+              <a:t>Class B</a:t>
+            </a:r>
+          </a:p>
+        </p:txBody>
+      </p:sp>
+      <p:pic>
+        <p:nvPicPr>
+          <p:cNvPr id="27" name="Picture 26">
+            <a:extLst>
+              <a:ext uri="{FF2B5EF4-FFF2-40B4-BE49-F238E27FC236}">
+                <a16:creationId xmlns:a16="http://schemas.microsoft.com/office/drawing/2014/main" id="{47D0AF8E-4716-7D5F-E41E-A6EF89C2FF63}"/>
+              </a:ext>
+            </a:extLst>
+          </p:cNvPr>
+          <p:cNvPicPr>
+            <a:picLocks noChangeAspect="1"/>
+          </p:cNvPicPr>
+          <p:nvPr/>
+        </p:nvPicPr>
+        <p:blipFill>
+          <a:blip r:embed="rId4"/>
+          <a:stretch>
+            <a:fillRect/>
+          </a:stretch>
+        </p:blipFill>
+        <p:spPr>
+          <a:xfrm>
+            <a:off x="7101840" y="2505710"/>
+            <a:ext cx="1371600" cy="469900"/>
+          </a:xfrm>
+          <a:prstGeom prst="rect">
+            <a:avLst/>
+          </a:prstGeom>
+        </p:spPr>
+      </p:pic>
+      <p:sp>
+        <p:nvSpPr>
+          <p:cNvPr id="28" name="Freeform 27">
+            <a:extLst>
+              <a:ext uri="{FF2B5EF4-FFF2-40B4-BE49-F238E27FC236}">
+                <a16:creationId xmlns:a16="http://schemas.microsoft.com/office/drawing/2014/main" id="{AFFAAC15-1165-0FFF-F504-4A2906405115}"/>
+              </a:ext>
+            </a:extLst>
+          </p:cNvPr>
+          <p:cNvSpPr/>
+          <p:nvPr/>
+        </p:nvSpPr>
+        <p:spPr>
+          <a:xfrm>
+            <a:off x="8564880" y="1757660"/>
+            <a:ext cx="2550160" cy="2255540"/>
+          </a:xfrm>
+          <a:custGeom>
+            <a:avLst/>
+            <a:gdLst>
+              <a:gd name="connsiteX0" fmla="*/ 0 w 2550160"/>
+              <a:gd name="connsiteY0" fmla="*/ 2255520 h 2255520"/>
+              <a:gd name="connsiteX1" fmla="*/ 1310640 w 2550160"/>
+              <a:gd name="connsiteY1" fmla="*/ 1137920 h 2255520"/>
+              <a:gd name="connsiteX2" fmla="*/ 2550160 w 2550160"/>
+              <a:gd name="connsiteY2" fmla="*/ 0 h 2255520"/>
+              <a:gd name="connsiteX0" fmla="*/ 0 w 2550160"/>
+              <a:gd name="connsiteY0" fmla="*/ 2255520 h 2255520"/>
+              <a:gd name="connsiteX1" fmla="*/ 1310640 w 2550160"/>
+              <a:gd name="connsiteY1" fmla="*/ 1137920 h 2255520"/>
+              <a:gd name="connsiteX2" fmla="*/ 2550160 w 2550160"/>
+              <a:gd name="connsiteY2" fmla="*/ 0 h 2255520"/>
+              <a:gd name="connsiteX0" fmla="*/ 0 w 2550160"/>
+              <a:gd name="connsiteY0" fmla="*/ 2255545 h 2255545"/>
+              <a:gd name="connsiteX1" fmla="*/ 1310640 w 2550160"/>
+              <a:gd name="connsiteY1" fmla="*/ 1137945 h 2255545"/>
+              <a:gd name="connsiteX2" fmla="*/ 2550160 w 2550160"/>
+              <a:gd name="connsiteY2" fmla="*/ 25 h 2255545"/>
+              <a:gd name="connsiteX0" fmla="*/ 0 w 2550160"/>
+              <a:gd name="connsiteY0" fmla="*/ 2255549 h 2255549"/>
+              <a:gd name="connsiteX1" fmla="*/ 1310640 w 2550160"/>
+              <a:gd name="connsiteY1" fmla="*/ 1137949 h 2255549"/>
+              <a:gd name="connsiteX2" fmla="*/ 2550160 w 2550160"/>
+              <a:gd name="connsiteY2" fmla="*/ 29 h 2255549"/>
+              <a:gd name="connsiteX0" fmla="*/ 0 w 2550160"/>
+              <a:gd name="connsiteY0" fmla="*/ 2255549 h 2255549"/>
+              <a:gd name="connsiteX1" fmla="*/ 1310640 w 2550160"/>
+              <a:gd name="connsiteY1" fmla="*/ 1137949 h 2255549"/>
+              <a:gd name="connsiteX2" fmla="*/ 2550160 w 2550160"/>
+              <a:gd name="connsiteY2" fmla="*/ 29 h 2255549"/>
+              <a:gd name="connsiteX0" fmla="*/ 0 w 2550160"/>
+              <a:gd name="connsiteY0" fmla="*/ 2255540 h 2255540"/>
+              <a:gd name="connsiteX1" fmla="*/ 1310640 w 2550160"/>
+              <a:gd name="connsiteY1" fmla="*/ 1137940 h 2255540"/>
+              <a:gd name="connsiteX2" fmla="*/ 2550160 w 2550160"/>
+              <a:gd name="connsiteY2" fmla="*/ 20 h 2255540"/>
+            </a:gdLst>
+            <a:ahLst/>
+            <a:cxnLst>
+              <a:cxn ang="0">
+                <a:pos x="connsiteX0" y="connsiteY0"/>
+              </a:cxn>
+              <a:cxn ang="0">
+                <a:pos x="connsiteX1" y="connsiteY1"/>
+              </a:cxn>
+              <a:cxn ang="0">
+                <a:pos x="connsiteX2" y="connsiteY2"/>
+              </a:cxn>
+            </a:cxnLst>
+            <a:rect l="l" t="t" r="r" b="b"/>
+            <a:pathLst>
+              <a:path w="2550160" h="2255540">
+                <a:moveTo>
+                  <a:pt x="0" y="2255540"/>
+                </a:moveTo>
+                <a:cubicBezTo>
+                  <a:pt x="1093046" y="2250460"/>
+                  <a:pt x="1251373" y="1270020"/>
+                  <a:pt x="1310640" y="1137940"/>
+                </a:cubicBezTo>
+                <a:cubicBezTo>
+                  <a:pt x="1369907" y="1005860"/>
+                  <a:pt x="1482513" y="-5060"/>
+                  <a:pt x="2550160" y="20"/>
+                </a:cubicBezTo>
+              </a:path>
+            </a:pathLst>
+          </a:custGeom>
+          <a:noFill/>
+          <a:ln w="38100">
+            <a:solidFill>
+              <a:srgbClr val="7030A0"/>
+            </a:solidFill>
+            <a:prstDash val="lgDashDotDot"/>
+          </a:ln>
+        </p:spPr>
+        <p:style>
+          <a:lnRef idx="2">
+            <a:schemeClr val="accent1">
+              <a:shade val="50000"/>
+            </a:schemeClr>
+          </a:lnRef>
+          <a:fillRef idx="1">
+            <a:schemeClr val="accent1"/>
+          </a:fillRef>
+          <a:effectRef idx="0">
+            <a:schemeClr val="accent1"/>
+          </a:effectRef>
+          <a:fontRef idx="minor">
+            <a:schemeClr val="lt1"/>
+          </a:fontRef>
+        </p:style>
+        <p:txBody>
+          <a:bodyPr rtlCol="0" anchor="ctr"/>
+          <a:lstStyle/>
+          <a:p>
+            <a:pPr algn="ctr"/>
+            <a:endParaRPr lang="en-US"/>
+          </a:p>
+        </p:txBody>
+      </p:sp>
+      <p:pic>
+        <p:nvPicPr>
+          <p:cNvPr id="29" name="Picture 28">
+            <a:extLst>
+              <a:ext uri="{FF2B5EF4-FFF2-40B4-BE49-F238E27FC236}">
+                <a16:creationId xmlns:a16="http://schemas.microsoft.com/office/drawing/2014/main" id="{542D09C3-0B60-8D8F-9459-4E72CEE78636}"/>
+              </a:ext>
+            </a:extLst>
+          </p:cNvPr>
+          <p:cNvPicPr>
+            <a:picLocks noChangeAspect="1"/>
+          </p:cNvPicPr>
+          <p:nvPr/>
+        </p:nvPicPr>
+        <p:blipFill>
+          <a:blip r:embed="rId3"/>
+          <a:stretch>
+            <a:fillRect/>
+          </a:stretch>
+        </p:blipFill>
+        <p:spPr>
+          <a:xfrm>
+            <a:off x="342900" y="2697996"/>
+            <a:ext cx="774700" cy="469900"/>
+          </a:xfrm>
+          <a:prstGeom prst="rect">
+            <a:avLst/>
+          </a:prstGeom>
+        </p:spPr>
+      </p:pic>
+      <p:sp>
+        <p:nvSpPr>
+          <p:cNvPr id="30" name="TextBox 29">
+            <a:extLst>
+              <a:ext uri="{FF2B5EF4-FFF2-40B4-BE49-F238E27FC236}">
+                <a16:creationId xmlns:a16="http://schemas.microsoft.com/office/drawing/2014/main" id="{BCA76453-F99B-F48D-4BEE-2E2939A49CD3}"/>
+              </a:ext>
+            </a:extLst>
+          </p:cNvPr>
+          <p:cNvSpPr txBox="1"/>
+          <p:nvPr/>
+        </p:nvSpPr>
+        <p:spPr>
+          <a:xfrm>
+            <a:off x="8490765" y="1168388"/>
+            <a:ext cx="2720617" cy="461665"/>
+          </a:xfrm>
+          <a:prstGeom prst="rect">
+            <a:avLst/>
+          </a:prstGeom>
+          <a:noFill/>
+        </p:spPr>
+        <p:txBody>
+          <a:bodyPr wrap="none" rtlCol="0">
+            <a:spAutoFit/>
+          </a:bodyPr>
+          <a:lstStyle/>
+          <a:p>
+            <a:r>
+              <a:rPr lang="en-US" sz="2400" dirty="0">
+                <a:latin typeface="Arial" panose="020B0604020202020204" pitchFamily="34" charset="0"/>
+                <a:cs typeface="Arial" panose="020B0604020202020204" pitchFamily="34" charset="0"/>
+              </a:rPr>
+              <a:t>Logistic probability</a:t>
+            </a:r>
+          </a:p>
+        </p:txBody>
+      </p:sp>
+    </p:spTree>
+    <p:extLst>
+      <p:ext uri="{BB962C8B-B14F-4D97-AF65-F5344CB8AC3E}">
+        <p14:creationId xmlns:p14="http://schemas.microsoft.com/office/powerpoint/2010/main" val="2124928711"/>
       </p:ext>
     </p:extLst>
   </p:cSld>
@@ -6500,8 +8949,8 @@
           </a:p>
         </p:txBody>
       </p:sp>
-      <mc:AlternateContent xmlns:mc="http://schemas.openxmlformats.org/markup-compatibility/2006">
-        <mc:Choice xmlns:a14="http://schemas.microsoft.com/office/drawing/2010/main" Requires="a14">
+      <mc:AlternateContent xmlns:mc="http://schemas.openxmlformats.org/markup-compatibility/2006" xmlns:a14="http://schemas.microsoft.com/office/drawing/2010/main">
+        <mc:Choice Requires="a14">
           <p:graphicFrame>
             <p:nvGraphicFramePr>
               <p:cNvPr id="6" name="Table 6">
@@ -6824,7 +9273,7 @@
             </a:graphic>
           </p:graphicFrame>
         </mc:Choice>
-        <mc:Fallback>
+        <mc:Fallback xmlns="">
           <p:graphicFrame>
             <p:nvGraphicFramePr>
               <p:cNvPr id="6" name="Table 6">
@@ -7155,8 +9604,8 @@
           </a:p>
         </p:txBody>
       </p:sp>
-      <mc:AlternateContent xmlns:mc="http://schemas.openxmlformats.org/markup-compatibility/2006">
-        <mc:Choice xmlns:a14="http://schemas.microsoft.com/office/drawing/2010/main" Requires="a14">
+      <mc:AlternateContent xmlns:mc="http://schemas.openxmlformats.org/markup-compatibility/2006" xmlns:a14="http://schemas.microsoft.com/office/drawing/2010/main">
+        <mc:Choice Requires="a14">
           <p:graphicFrame>
             <p:nvGraphicFramePr>
               <p:cNvPr id="8" name="Table 6">
@@ -7237,7 +9686,9 @@
                               </m:oMathParaPr>
                               <m:oMath xmlns:m="http://schemas.openxmlformats.org/officeDocument/2006/math">
                                 <m:r>
-                                  <a:rPr lang="en-US" b="1" smtClean="0"/>
+                                  <a:rPr lang="en-US" b="1" smtClean="0">
+                                    <a:latin typeface="Cambria Math" panose="02040503050406030204" pitchFamily="18" charset="0"/>
+                                  </a:rPr>
                                   <m:t>𝒚</m:t>
                                 </m:r>
                               </m:oMath>
@@ -7267,12 +9718,16 @@
                                   <m:accPr>
                                     <m:chr m:val="̂"/>
                                     <m:ctrlPr>
-                                      <a:rPr lang="en-US" b="1" smtClean="0"/>
+                                      <a:rPr lang="en-US" b="1" i="1" smtClean="0">
+                                        <a:latin typeface="Cambria Math" panose="02040503050406030204" pitchFamily="18" charset="0"/>
+                                      </a:rPr>
                                     </m:ctrlPr>
                                   </m:accPr>
                                   <m:e>
                                     <m:r>
-                                      <a:rPr lang="en-US" b="1" smtClean="0"/>
+                                      <a:rPr lang="en-US" b="1" smtClean="0">
+                                        <a:latin typeface="Cambria Math" panose="02040503050406030204" pitchFamily="18" charset="0"/>
+                                      </a:rPr>
                                       <m:t>𝒚</m:t>
                                     </m:r>
                                   </m:e>
@@ -7470,7 +9925,7 @@
             </a:graphic>
           </p:graphicFrame>
         </mc:Choice>
-        <mc:Fallback>
+        <mc:Fallback xmlns="">
           <p:graphicFrame>
             <p:nvGraphicFramePr>
               <p:cNvPr id="8" name="Table 6">
